--- a/showmecoo-web-docs/src/main/resources/设计文档/概要设计/网站概要设计.pptx
+++ b/showmecoo-web-docs/src/main/resources/设计文档/概要设计/网站概要设计.pptx
@@ -5,10 +5,10 @@
     <p:sldMasterId id="2147483648" r:id="rId1"/>
   </p:sldMasterIdLst>
   <p:notesMasterIdLst>
-    <p:notesMasterId r:id="rId11"/>
+    <p:notesMasterId r:id="rId10"/>
   </p:notesMasterIdLst>
   <p:handoutMasterIdLst>
-    <p:handoutMasterId r:id="rId12"/>
+    <p:handoutMasterId r:id="rId11"/>
   </p:handoutMasterIdLst>
   <p:sldIdLst>
     <p:sldId id="317" r:id="rId2"/>
@@ -19,7 +19,6 @@
     <p:sldId id="412" r:id="rId7"/>
     <p:sldId id="409" r:id="rId8"/>
     <p:sldId id="410" r:id="rId9"/>
-    <p:sldId id="373" r:id="rId10"/>
   </p:sldIdLst>
   <p:sldSz cx="12192000" cy="6858000"/>
   <p:notesSz cx="6858000" cy="9144000"/>
@@ -120,7 +119,7 @@
   </p:defaultTextStyle>
   <p:extLst>
     <p:ext uri="{EFAFB233-063F-42B5-8137-9DF3F51BA10A}">
-      <p15:sldGuideLst xmlns="" xmlns:p15="http://schemas.microsoft.com/office/powerpoint/2012/main">
+      <p15:sldGuideLst xmlns:p15="http://schemas.microsoft.com/office/powerpoint/2012/main" xmlns="">
         <p15:guide id="1" orient="horz" pos="2160" userDrawn="1">
           <p15:clr>
             <a:srgbClr val="A4A3A4"/>
@@ -134,7 +133,7 @@
       </p15:sldGuideLst>
     </p:ext>
     <p:ext uri="{2D200454-40CA-4A62-9FC3-DE9A4176ACB9}">
-      <p15:notesGuideLst xmlns="" xmlns:p15="http://schemas.microsoft.com/office/powerpoint/2012/main">
+      <p15:notesGuideLst xmlns:p15="http://schemas.microsoft.com/office/powerpoint/2012/main" xmlns="">
         <p15:guide id="1" orient="horz" pos="2880">
           <p15:clr>
             <a:srgbClr val="A4A3A4"/>
@@ -242,7 +241,7 @@
             <a:fld id="{43434051-BEF0-7D4C-9196-86755A91DC50}" type="datetimeFigureOut">
               <a:rPr kumimoji="1" lang="zh-CN" altLang="en-US" smtClean="0"/>
               <a:pPr/>
-              <a:t>16/6/29</a:t>
+              <a:t>16/7/2</a:t>
             </a:fld>
             <a:endParaRPr kumimoji="1" lang="zh-CN" altLang="en-US"/>
           </a:p>
@@ -409,7 +408,7 @@
             <a:fld id="{74E5CB33-C662-8F41-8A71-5104D135C80E}" type="datetimeFigureOut">
               <a:rPr kumimoji="1" lang="zh-CN" altLang="en-US" smtClean="0"/>
               <a:pPr/>
-              <a:t>16/6/29</a:t>
+              <a:t>16/7/2</a:t>
             </a:fld>
             <a:endParaRPr kumimoji="1" lang="zh-CN" altLang="en-US"/>
           </a:p>
@@ -2092,7 +2091,7 @@
             <a:fld id="{120C7143-BB4D-47C6-9008-44C955299D49}" type="datetimeFigureOut">
               <a:rPr lang="zh-CN" altLang="en-US" smtClean="0"/>
               <a:pPr/>
-              <a:t>16/6/29</a:t>
+              <a:t>16/7/2</a:t>
             </a:fld>
             <a:endParaRPr lang="zh-CN" altLang="en-US"/>
           </a:p>
@@ -2568,11 +2567,7 @@
           <a:p>
             <a:r>
               <a:rPr kumimoji="1" lang="zh-CN" altLang="en-US" dirty="0" smtClean="0"/>
-              <a:t>网站</a:t>
-            </a:r>
-            <a:r>
-              <a:rPr kumimoji="1" lang="zh-CN" altLang="en-US" dirty="0" smtClean="0"/>
-              <a:t>逻辑架构图</a:t>
+              <a:t>网站逻辑架构图</a:t>
             </a:r>
             <a:endParaRPr kumimoji="1" lang="zh-CN" altLang="en-US" dirty="0"/>
           </a:p>
@@ -3030,18 +3025,7 @@
                 <a:ea typeface="Microsoft YaHei" charset="0"/>
                 <a:cs typeface="Microsoft YaHei" charset="0"/>
               </a:rPr>
-              <a:t>微信公众号</a:t>
-            </a:r>
-            <a:r>
-              <a:rPr kumimoji="1" lang="zh-CN" altLang="en-US" dirty="0" smtClean="0">
-                <a:solidFill>
-                  <a:schemeClr val="tx2"/>
-                </a:solidFill>
-                <a:latin typeface="Microsoft YaHei" charset="0"/>
-                <a:ea typeface="Microsoft YaHei" charset="0"/>
-                <a:cs typeface="Microsoft YaHei" charset="0"/>
-              </a:rPr>
-              <a:t>入口</a:t>
+              <a:t>微信公众号入口</a:t>
             </a:r>
             <a:endParaRPr kumimoji="1" lang="zh-CN" altLang="en-US" dirty="0">
               <a:solidFill>
@@ -3177,18 +3161,7 @@
                 <a:ea typeface="Microsoft YaHei" charset="0"/>
                 <a:cs typeface="Microsoft YaHei" charset="0"/>
               </a:rPr>
-              <a:t>艺人</a:t>
-            </a:r>
-            <a:r>
-              <a:rPr kumimoji="1" lang="zh-CN" altLang="en-US" dirty="0" smtClean="0">
-                <a:solidFill>
-                  <a:schemeClr val="tx2"/>
-                </a:solidFill>
-                <a:latin typeface="Microsoft YaHei" charset="0"/>
-                <a:ea typeface="Microsoft YaHei" charset="0"/>
-                <a:cs typeface="Microsoft YaHei" charset="0"/>
-              </a:rPr>
-              <a:t>管理</a:t>
+              <a:t>艺人管理</a:t>
             </a:r>
             <a:endParaRPr kumimoji="1" lang="zh-CN" altLang="en-US" dirty="0">
               <a:solidFill>
@@ -3324,18 +3297,7 @@
                 <a:ea typeface="Microsoft YaHei" charset="0"/>
                 <a:cs typeface="Microsoft YaHei" charset="0"/>
               </a:rPr>
-              <a:t>订单</a:t>
-            </a:r>
-            <a:r>
-              <a:rPr kumimoji="1" lang="zh-CN" altLang="en-US" dirty="0" smtClean="0">
-                <a:solidFill>
-                  <a:schemeClr val="tx2"/>
-                </a:solidFill>
-                <a:latin typeface="Microsoft YaHei" charset="0"/>
-                <a:ea typeface="Microsoft YaHei" charset="0"/>
-                <a:cs typeface="Microsoft YaHei" charset="0"/>
-              </a:rPr>
-              <a:t>管理</a:t>
+              <a:t>订单管理</a:t>
             </a:r>
             <a:endParaRPr kumimoji="1" lang="zh-CN" altLang="en-US" dirty="0">
               <a:solidFill>
@@ -3378,11 +3340,6 @@
               </a:rPr>
               <a:t>管理</a:t>
             </a:r>
-            <a:endParaRPr kumimoji="1" lang="zh-CN" altLang="en-US" dirty="0" smtClean="0">
-              <a:latin typeface="Microsoft YaHei" charset="0"/>
-              <a:ea typeface="Microsoft YaHei" charset="0"/>
-              <a:cs typeface="Microsoft YaHei" charset="0"/>
-            </a:endParaRPr>
           </a:p>
         </p:txBody>
       </p:sp>
@@ -3642,11 +3599,6 @@
               </a:rPr>
               <a:t>监控</a:t>
             </a:r>
-            <a:endParaRPr kumimoji="1" lang="zh-CN" altLang="en-US" dirty="0" smtClean="0">
-              <a:latin typeface="Microsoft YaHei" charset="0"/>
-              <a:ea typeface="Microsoft YaHei" charset="0"/>
-              <a:cs typeface="Microsoft YaHei" charset="0"/>
-            </a:endParaRPr>
           </a:p>
         </p:txBody>
       </p:sp>
@@ -3806,11 +3758,6 @@
               </a:rPr>
               <a:t>基础服务</a:t>
             </a:r>
-            <a:endParaRPr kumimoji="1" lang="zh-CN" altLang="en-US" dirty="0" smtClean="0">
-              <a:latin typeface="Microsoft YaHei" charset="0"/>
-              <a:ea typeface="Microsoft YaHei" charset="0"/>
-              <a:cs typeface="Microsoft YaHei" charset="0"/>
-            </a:endParaRPr>
           </a:p>
         </p:txBody>
       </p:sp>
@@ -4032,18 +3979,7 @@
                 <a:ea typeface="Microsoft YaHei" charset="0"/>
                 <a:cs typeface="Microsoft YaHei" charset="0"/>
               </a:rPr>
-              <a:t>作品</a:t>
-            </a:r>
-            <a:r>
-              <a:rPr kumimoji="1" lang="zh-CN" altLang="en-US" dirty="0" smtClean="0">
-                <a:solidFill>
-                  <a:schemeClr val="tx2"/>
-                </a:solidFill>
-                <a:latin typeface="Microsoft YaHei" charset="0"/>
-                <a:ea typeface="Microsoft YaHei" charset="0"/>
-                <a:cs typeface="Microsoft YaHei" charset="0"/>
-              </a:rPr>
-              <a:t>查看服务</a:t>
+              <a:t>作品查看服务</a:t>
             </a:r>
             <a:endParaRPr kumimoji="1" lang="zh-CN" altLang="en-US" dirty="0">
               <a:solidFill>
@@ -4112,18 +4048,7 @@
                 <a:ea typeface="Microsoft YaHei" charset="0"/>
                 <a:cs typeface="Microsoft YaHei" charset="0"/>
               </a:rPr>
-              <a:t>订单</a:t>
-            </a:r>
-            <a:r>
-              <a:rPr kumimoji="1" lang="zh-CN" altLang="en-US" dirty="0" smtClean="0">
-                <a:solidFill>
-                  <a:schemeClr val="tx2"/>
-                </a:solidFill>
-                <a:latin typeface="Microsoft YaHei" charset="0"/>
-                <a:ea typeface="Microsoft YaHei" charset="0"/>
-                <a:cs typeface="Microsoft YaHei" charset="0"/>
-              </a:rPr>
-              <a:t>服务</a:t>
+              <a:t>订单服务</a:t>
             </a:r>
             <a:endParaRPr kumimoji="1" lang="zh-CN" altLang="en-US" dirty="0">
               <a:solidFill>
@@ -4876,9 +4801,862 @@
           <a:p>
             <a:r>
               <a:rPr kumimoji="1" lang="zh-CN" altLang="en-US" dirty="0" smtClean="0"/>
-              <a:t>网也登录场景</a:t>
+              <a:t>网</a:t>
+            </a:r>
+            <a:r>
+              <a:rPr kumimoji="1" lang="zh-CN" altLang="en-US" dirty="0" smtClean="0"/>
+              <a:t>页</a:t>
+            </a:r>
+            <a:r>
+              <a:rPr kumimoji="1" lang="zh-CN" altLang="en-US" dirty="0" smtClean="0"/>
+              <a:t>登录场景</a:t>
             </a:r>
             <a:endParaRPr kumimoji="1" lang="zh-CN" altLang="en-US" dirty="0"/>
+          </a:p>
+        </p:txBody>
+      </p:sp>
+      <p:sp>
+        <p:nvSpPr>
+          <p:cNvPr id="2" name="圆角矩形 1"/>
+          <p:cNvSpPr/>
+          <p:nvPr/>
+        </p:nvSpPr>
+        <p:spPr>
+          <a:xfrm>
+            <a:off x="2351584" y="1484784"/>
+            <a:ext cx="1224136" cy="792088"/>
+          </a:xfrm>
+          <a:prstGeom prst="roundRect">
+            <a:avLst/>
+          </a:prstGeom>
+          <a:solidFill>
+            <a:schemeClr val="bg1"/>
+          </a:solidFill>
+          <a:ln w="12700">
+            <a:solidFill>
+              <a:schemeClr val="tx2">
+                <a:lumMod val="75000"/>
+              </a:schemeClr>
+            </a:solidFill>
+          </a:ln>
+        </p:spPr>
+        <p:style>
+          <a:lnRef idx="2">
+            <a:schemeClr val="accent1">
+              <a:shade val="50000"/>
+            </a:schemeClr>
+          </a:lnRef>
+          <a:fillRef idx="1">
+            <a:schemeClr val="accent1"/>
+          </a:fillRef>
+          <a:effectRef idx="0">
+            <a:schemeClr val="accent1"/>
+          </a:effectRef>
+          <a:fontRef idx="minor">
+            <a:schemeClr val="lt1"/>
+          </a:fontRef>
+        </p:style>
+        <p:txBody>
+          <a:bodyPr rtlCol="0" anchor="ctr"/>
+          <a:lstStyle/>
+          <a:p>
+            <a:pPr algn="ctr"/>
+            <a:r>
+              <a:rPr kumimoji="1" lang="en-US" altLang="zh-CN" dirty="0" smtClean="0">
+                <a:solidFill>
+                  <a:schemeClr val="tx2"/>
+                </a:solidFill>
+                <a:latin typeface="Microsoft YaHei" charset="0"/>
+                <a:ea typeface="Microsoft YaHei" charset="0"/>
+                <a:cs typeface="Microsoft YaHei" charset="0"/>
+              </a:rPr>
+              <a:t>Web</a:t>
+            </a:r>
+            <a:r>
+              <a:rPr kumimoji="1" lang="zh-CN" altLang="en-US" dirty="0" smtClean="0">
+                <a:solidFill>
+                  <a:schemeClr val="tx2"/>
+                </a:solidFill>
+                <a:latin typeface="Microsoft YaHei" charset="0"/>
+                <a:ea typeface="Microsoft YaHei" charset="0"/>
+                <a:cs typeface="Microsoft YaHei" charset="0"/>
+              </a:rPr>
+              <a:t> 首页</a:t>
+            </a:r>
+            <a:endParaRPr kumimoji="1" lang="zh-CN" altLang="en-US" dirty="0">
+              <a:solidFill>
+                <a:schemeClr val="tx2"/>
+              </a:solidFill>
+              <a:latin typeface="Microsoft YaHei" charset="0"/>
+              <a:ea typeface="Microsoft YaHei" charset="0"/>
+              <a:cs typeface="Microsoft YaHei" charset="0"/>
+            </a:endParaRPr>
+          </a:p>
+        </p:txBody>
+      </p:sp>
+      <p:sp>
+        <p:nvSpPr>
+          <p:cNvPr id="4" name="圆角矩形 3"/>
+          <p:cNvSpPr/>
+          <p:nvPr/>
+        </p:nvSpPr>
+        <p:spPr>
+          <a:xfrm>
+            <a:off x="4546989" y="1484784"/>
+            <a:ext cx="1224136" cy="792088"/>
+          </a:xfrm>
+          <a:prstGeom prst="roundRect">
+            <a:avLst/>
+          </a:prstGeom>
+          <a:solidFill>
+            <a:schemeClr val="bg1"/>
+          </a:solidFill>
+          <a:ln w="12700">
+            <a:solidFill>
+              <a:schemeClr val="tx2">
+                <a:lumMod val="75000"/>
+              </a:schemeClr>
+            </a:solidFill>
+          </a:ln>
+        </p:spPr>
+        <p:style>
+          <a:lnRef idx="2">
+            <a:schemeClr val="accent1">
+              <a:shade val="50000"/>
+            </a:schemeClr>
+          </a:lnRef>
+          <a:fillRef idx="1">
+            <a:schemeClr val="accent1"/>
+          </a:fillRef>
+          <a:effectRef idx="0">
+            <a:schemeClr val="accent1"/>
+          </a:effectRef>
+          <a:fontRef idx="minor">
+            <a:schemeClr val="lt1"/>
+          </a:fontRef>
+        </p:style>
+        <p:txBody>
+          <a:bodyPr rtlCol="0" anchor="ctr"/>
+          <a:lstStyle/>
+          <a:p>
+            <a:pPr algn="ctr"/>
+            <a:r>
+              <a:rPr kumimoji="1" lang="zh-CN" altLang="en-US" dirty="0" smtClean="0">
+                <a:solidFill>
+                  <a:schemeClr val="tx2"/>
+                </a:solidFill>
+                <a:latin typeface="Microsoft YaHei" charset="0"/>
+                <a:ea typeface="Microsoft YaHei" charset="0"/>
+                <a:cs typeface="Microsoft YaHei" charset="0"/>
+              </a:rPr>
+              <a:t>登录页</a:t>
+            </a:r>
+            <a:endParaRPr kumimoji="1" lang="zh-CN" altLang="en-US" dirty="0">
+              <a:solidFill>
+                <a:schemeClr val="tx2"/>
+              </a:solidFill>
+              <a:latin typeface="Microsoft YaHei" charset="0"/>
+              <a:ea typeface="Microsoft YaHei" charset="0"/>
+              <a:cs typeface="Microsoft YaHei" charset="0"/>
+            </a:endParaRPr>
+          </a:p>
+        </p:txBody>
+      </p:sp>
+      <p:cxnSp>
+        <p:nvCxnSpPr>
+          <p:cNvPr id="6" name="直线箭头连接符 5"/>
+          <p:cNvCxnSpPr>
+            <a:stCxn id="2" idx="3"/>
+            <a:endCxn id="4" idx="1"/>
+          </p:cNvCxnSpPr>
+          <p:nvPr/>
+        </p:nvCxnSpPr>
+        <p:spPr>
+          <a:xfrm>
+            <a:off x="3575720" y="1880828"/>
+            <a:ext cx="971269" cy="0"/>
+          </a:xfrm>
+          <a:prstGeom prst="straightConnector1">
+            <a:avLst/>
+          </a:prstGeom>
+          <a:ln>
+            <a:solidFill>
+              <a:schemeClr val="tx2">
+                <a:lumMod val="75000"/>
+              </a:schemeClr>
+            </a:solidFill>
+            <a:tailEnd type="arrow"/>
+          </a:ln>
+        </p:spPr>
+        <p:style>
+          <a:lnRef idx="1">
+            <a:schemeClr val="accent1"/>
+          </a:lnRef>
+          <a:fillRef idx="0">
+            <a:schemeClr val="accent1"/>
+          </a:fillRef>
+          <a:effectRef idx="0">
+            <a:schemeClr val="accent1"/>
+          </a:effectRef>
+          <a:fontRef idx="minor">
+            <a:schemeClr val="tx1"/>
+          </a:fontRef>
+        </p:style>
+      </p:cxnSp>
+      <p:sp>
+        <p:nvSpPr>
+          <p:cNvPr id="8" name="圆角矩形 7"/>
+          <p:cNvSpPr/>
+          <p:nvPr/>
+        </p:nvSpPr>
+        <p:spPr>
+          <a:xfrm>
+            <a:off x="6960096" y="2992016"/>
+            <a:ext cx="1224136" cy="792088"/>
+          </a:xfrm>
+          <a:prstGeom prst="roundRect">
+            <a:avLst/>
+          </a:prstGeom>
+          <a:solidFill>
+            <a:schemeClr val="bg1"/>
+          </a:solidFill>
+          <a:ln w="12700">
+            <a:solidFill>
+              <a:schemeClr val="tx2">
+                <a:lumMod val="75000"/>
+              </a:schemeClr>
+            </a:solidFill>
+          </a:ln>
+        </p:spPr>
+        <p:style>
+          <a:lnRef idx="2">
+            <a:schemeClr val="accent1">
+              <a:shade val="50000"/>
+            </a:schemeClr>
+          </a:lnRef>
+          <a:fillRef idx="1">
+            <a:schemeClr val="accent1"/>
+          </a:fillRef>
+          <a:effectRef idx="0">
+            <a:schemeClr val="accent1"/>
+          </a:effectRef>
+          <a:fontRef idx="minor">
+            <a:schemeClr val="lt1"/>
+          </a:fontRef>
+        </p:style>
+        <p:txBody>
+          <a:bodyPr rtlCol="0" anchor="ctr"/>
+          <a:lstStyle/>
+          <a:p>
+            <a:pPr algn="ctr"/>
+            <a:r>
+              <a:rPr kumimoji="1" lang="zh-CN" altLang="en-US" dirty="0" smtClean="0">
+                <a:solidFill>
+                  <a:schemeClr val="tx2"/>
+                </a:solidFill>
+                <a:latin typeface="Microsoft YaHei" charset="0"/>
+                <a:ea typeface="Microsoft YaHei" charset="0"/>
+                <a:cs typeface="Microsoft YaHei" charset="0"/>
+              </a:rPr>
+              <a:t>注册</a:t>
+            </a:r>
+            <a:r>
+              <a:rPr kumimoji="1" lang="zh-CN" altLang="en-US" dirty="0" smtClean="0">
+                <a:solidFill>
+                  <a:schemeClr val="tx2"/>
+                </a:solidFill>
+                <a:latin typeface="Microsoft YaHei" charset="0"/>
+                <a:ea typeface="Microsoft YaHei" charset="0"/>
+                <a:cs typeface="Microsoft YaHei" charset="0"/>
+              </a:rPr>
+              <a:t>页</a:t>
+            </a:r>
+            <a:endParaRPr kumimoji="1" lang="zh-CN" altLang="en-US" dirty="0">
+              <a:solidFill>
+                <a:schemeClr val="tx2"/>
+              </a:solidFill>
+              <a:latin typeface="Microsoft YaHei" charset="0"/>
+              <a:ea typeface="Microsoft YaHei" charset="0"/>
+              <a:cs typeface="Microsoft YaHei" charset="0"/>
+            </a:endParaRPr>
+          </a:p>
+        </p:txBody>
+      </p:sp>
+      <p:sp>
+        <p:nvSpPr>
+          <p:cNvPr id="9" name="菱形 8"/>
+          <p:cNvSpPr/>
+          <p:nvPr/>
+        </p:nvSpPr>
+        <p:spPr>
+          <a:xfrm>
+            <a:off x="4327504" y="2848000"/>
+            <a:ext cx="1693027" cy="1080120"/>
+          </a:xfrm>
+          <a:prstGeom prst="diamond">
+            <a:avLst/>
+          </a:prstGeom>
+          <a:solidFill>
+            <a:schemeClr val="bg1"/>
+          </a:solidFill>
+          <a:ln w="12700">
+            <a:solidFill>
+              <a:schemeClr val="tx2">
+                <a:lumMod val="75000"/>
+              </a:schemeClr>
+            </a:solidFill>
+          </a:ln>
+        </p:spPr>
+        <p:style>
+          <a:lnRef idx="2">
+            <a:schemeClr val="accent1">
+              <a:shade val="50000"/>
+            </a:schemeClr>
+          </a:lnRef>
+          <a:fillRef idx="1">
+            <a:schemeClr val="accent1"/>
+          </a:fillRef>
+          <a:effectRef idx="0">
+            <a:schemeClr val="accent1"/>
+          </a:effectRef>
+          <a:fontRef idx="minor">
+            <a:schemeClr val="lt1"/>
+          </a:fontRef>
+        </p:style>
+        <p:txBody>
+          <a:bodyPr rtlCol="0" anchor="ctr"/>
+          <a:lstStyle/>
+          <a:p>
+            <a:pPr algn="ctr"/>
+            <a:r>
+              <a:rPr kumimoji="1" lang="zh-CN" altLang="en-US" dirty="0" smtClean="0">
+                <a:solidFill>
+                  <a:schemeClr val="tx2"/>
+                </a:solidFill>
+                <a:latin typeface="Microsoft YaHei" charset="0"/>
+                <a:ea typeface="Microsoft YaHei" charset="0"/>
+                <a:cs typeface="Microsoft YaHei" charset="0"/>
+              </a:rPr>
+              <a:t>是否会员</a:t>
+            </a:r>
+            <a:endParaRPr kumimoji="1" lang="zh-CN" altLang="en-US" dirty="0">
+              <a:solidFill>
+                <a:schemeClr val="tx2"/>
+              </a:solidFill>
+              <a:latin typeface="Microsoft YaHei" charset="0"/>
+              <a:ea typeface="Microsoft YaHei" charset="0"/>
+              <a:cs typeface="Microsoft YaHei" charset="0"/>
+            </a:endParaRPr>
+          </a:p>
+        </p:txBody>
+      </p:sp>
+      <p:sp>
+        <p:nvSpPr>
+          <p:cNvPr id="10" name="圆角矩形 9"/>
+          <p:cNvSpPr/>
+          <p:nvPr/>
+        </p:nvSpPr>
+        <p:spPr>
+          <a:xfrm>
+            <a:off x="4223684" y="4764525"/>
+            <a:ext cx="1900667" cy="936104"/>
+          </a:xfrm>
+          <a:prstGeom prst="roundRect">
+            <a:avLst/>
+          </a:prstGeom>
+          <a:solidFill>
+            <a:schemeClr val="bg1"/>
+          </a:solidFill>
+          <a:ln w="12700">
+            <a:solidFill>
+              <a:schemeClr val="tx2">
+                <a:lumMod val="75000"/>
+              </a:schemeClr>
+            </a:solidFill>
+          </a:ln>
+        </p:spPr>
+        <p:style>
+          <a:lnRef idx="2">
+            <a:schemeClr val="accent1">
+              <a:shade val="50000"/>
+            </a:schemeClr>
+          </a:lnRef>
+          <a:fillRef idx="1">
+            <a:schemeClr val="accent1"/>
+          </a:fillRef>
+          <a:effectRef idx="0">
+            <a:schemeClr val="accent1"/>
+          </a:effectRef>
+          <a:fontRef idx="minor">
+            <a:schemeClr val="lt1"/>
+          </a:fontRef>
+        </p:style>
+        <p:txBody>
+          <a:bodyPr rtlCol="0" anchor="ctr"/>
+          <a:lstStyle/>
+          <a:p>
+            <a:pPr algn="ctr"/>
+            <a:r>
+              <a:rPr kumimoji="1" lang="en-US" altLang="zh-CN" dirty="0" smtClean="0">
+                <a:solidFill>
+                  <a:schemeClr val="tx2"/>
+                </a:solidFill>
+                <a:latin typeface="Microsoft YaHei" charset="0"/>
+                <a:ea typeface="Microsoft YaHei" charset="0"/>
+                <a:cs typeface="Microsoft YaHei" charset="0"/>
+              </a:rPr>
+              <a:t>Web </a:t>
+            </a:r>
+            <a:r>
+              <a:rPr kumimoji="1" lang="zh-CN" altLang="en-US" dirty="0" smtClean="0">
+                <a:solidFill>
+                  <a:schemeClr val="tx2"/>
+                </a:solidFill>
+                <a:latin typeface="Microsoft YaHei" charset="0"/>
+                <a:ea typeface="Microsoft YaHei" charset="0"/>
+                <a:cs typeface="Microsoft YaHei" charset="0"/>
+              </a:rPr>
+              <a:t>首</a:t>
+            </a:r>
+            <a:r>
+              <a:rPr kumimoji="1" lang="zh-CN" altLang="en-US" dirty="0" smtClean="0">
+                <a:solidFill>
+                  <a:schemeClr val="tx2"/>
+                </a:solidFill>
+                <a:latin typeface="Microsoft YaHei" charset="0"/>
+                <a:ea typeface="Microsoft YaHei" charset="0"/>
+                <a:cs typeface="Microsoft YaHei" charset="0"/>
+              </a:rPr>
+              <a:t>页（带用户</a:t>
+            </a:r>
+            <a:r>
+              <a:rPr kumimoji="1" lang="en-US" altLang="zh-CN" dirty="0" smtClean="0">
+                <a:solidFill>
+                  <a:schemeClr val="tx2"/>
+                </a:solidFill>
+                <a:latin typeface="Microsoft YaHei" charset="0"/>
+                <a:ea typeface="Microsoft YaHei" charset="0"/>
+                <a:cs typeface="Microsoft YaHei" charset="0"/>
+              </a:rPr>
+              <a:t>session</a:t>
+            </a:r>
+            <a:r>
+              <a:rPr kumimoji="1" lang="zh-CN" altLang="en-US" dirty="0" smtClean="0">
+                <a:solidFill>
+                  <a:schemeClr val="tx2"/>
+                </a:solidFill>
+                <a:latin typeface="Microsoft YaHei" charset="0"/>
+                <a:ea typeface="Microsoft YaHei" charset="0"/>
+                <a:cs typeface="Microsoft YaHei" charset="0"/>
+              </a:rPr>
+              <a:t>信息）</a:t>
+            </a:r>
+            <a:endParaRPr kumimoji="1" lang="zh-CN" altLang="en-US" dirty="0">
+              <a:solidFill>
+                <a:schemeClr val="tx2"/>
+              </a:solidFill>
+              <a:latin typeface="Microsoft YaHei" charset="0"/>
+              <a:ea typeface="Microsoft YaHei" charset="0"/>
+              <a:cs typeface="Microsoft YaHei" charset="0"/>
+            </a:endParaRPr>
+          </a:p>
+        </p:txBody>
+      </p:sp>
+      <p:cxnSp>
+        <p:nvCxnSpPr>
+          <p:cNvPr id="12" name="直线箭头连接符 11"/>
+          <p:cNvCxnSpPr/>
+          <p:nvPr/>
+        </p:nvCxnSpPr>
+        <p:spPr>
+          <a:xfrm>
+            <a:off x="5174018" y="2263965"/>
+            <a:ext cx="0" cy="584035"/>
+          </a:xfrm>
+          <a:prstGeom prst="straightConnector1">
+            <a:avLst/>
+          </a:prstGeom>
+          <a:ln>
+            <a:solidFill>
+              <a:schemeClr val="tx2">
+                <a:lumMod val="75000"/>
+              </a:schemeClr>
+            </a:solidFill>
+            <a:tailEnd type="arrow"/>
+          </a:ln>
+        </p:spPr>
+        <p:style>
+          <a:lnRef idx="1">
+            <a:schemeClr val="accent1"/>
+          </a:lnRef>
+          <a:fillRef idx="0">
+            <a:schemeClr val="accent1"/>
+          </a:fillRef>
+          <a:effectRef idx="0">
+            <a:schemeClr val="accent1"/>
+          </a:effectRef>
+          <a:fontRef idx="minor">
+            <a:schemeClr val="tx1"/>
+          </a:fontRef>
+        </p:style>
+      </p:cxnSp>
+      <p:cxnSp>
+        <p:nvCxnSpPr>
+          <p:cNvPr id="16" name="直线箭头连接符 15"/>
+          <p:cNvCxnSpPr>
+            <a:stCxn id="9" idx="2"/>
+            <a:endCxn id="10" idx="0"/>
+          </p:cNvCxnSpPr>
+          <p:nvPr/>
+        </p:nvCxnSpPr>
+        <p:spPr>
+          <a:xfrm>
+            <a:off x="5174018" y="3928120"/>
+            <a:ext cx="0" cy="836405"/>
+          </a:xfrm>
+          <a:prstGeom prst="straightConnector1">
+            <a:avLst/>
+          </a:prstGeom>
+          <a:ln>
+            <a:solidFill>
+              <a:schemeClr val="tx2">
+                <a:lumMod val="75000"/>
+              </a:schemeClr>
+            </a:solidFill>
+            <a:tailEnd type="arrow"/>
+          </a:ln>
+        </p:spPr>
+        <p:style>
+          <a:lnRef idx="1">
+            <a:schemeClr val="accent1"/>
+          </a:lnRef>
+          <a:fillRef idx="0">
+            <a:schemeClr val="accent1"/>
+          </a:fillRef>
+          <a:effectRef idx="0">
+            <a:schemeClr val="accent1"/>
+          </a:effectRef>
+          <a:fontRef idx="minor">
+            <a:schemeClr val="tx1"/>
+          </a:fontRef>
+        </p:style>
+      </p:cxnSp>
+      <p:sp>
+        <p:nvSpPr>
+          <p:cNvPr id="18" name="文本框 17"/>
+          <p:cNvSpPr txBox="1"/>
+          <p:nvPr/>
+        </p:nvSpPr>
+        <p:spPr>
+          <a:xfrm>
+            <a:off x="5375920" y="4221088"/>
+            <a:ext cx="936104" cy="369332"/>
+          </a:xfrm>
+          <a:prstGeom prst="rect">
+            <a:avLst/>
+          </a:prstGeom>
+          <a:noFill/>
+        </p:spPr>
+        <p:txBody>
+          <a:bodyPr wrap="square" rtlCol="0">
+            <a:spAutoFit/>
+          </a:bodyPr>
+          <a:lstStyle/>
+          <a:p>
+            <a:r>
+              <a:rPr kumimoji="1" lang="zh-CN" altLang="en-US" dirty="0" smtClean="0">
+                <a:latin typeface="Microsoft YaHei" charset="0"/>
+                <a:ea typeface="Microsoft YaHei" charset="0"/>
+                <a:cs typeface="Microsoft YaHei" charset="0"/>
+              </a:rPr>
+              <a:t>是</a:t>
+            </a:r>
+            <a:endParaRPr kumimoji="1" lang="zh-CN" altLang="en-US" dirty="0" smtClean="0">
+              <a:latin typeface="Microsoft YaHei" charset="0"/>
+              <a:ea typeface="Microsoft YaHei" charset="0"/>
+              <a:cs typeface="Microsoft YaHei" charset="0"/>
+            </a:endParaRPr>
+          </a:p>
+        </p:txBody>
+      </p:sp>
+      <p:cxnSp>
+        <p:nvCxnSpPr>
+          <p:cNvPr id="20" name="直线箭头连接符 19"/>
+          <p:cNvCxnSpPr>
+            <a:stCxn id="9" idx="3"/>
+            <a:endCxn id="8" idx="1"/>
+          </p:cNvCxnSpPr>
+          <p:nvPr/>
+        </p:nvCxnSpPr>
+        <p:spPr>
+          <a:xfrm>
+            <a:off x="6020531" y="3388060"/>
+            <a:ext cx="939565" cy="0"/>
+          </a:xfrm>
+          <a:prstGeom prst="straightConnector1">
+            <a:avLst/>
+          </a:prstGeom>
+          <a:ln>
+            <a:solidFill>
+              <a:schemeClr val="tx2">
+                <a:lumMod val="75000"/>
+              </a:schemeClr>
+            </a:solidFill>
+            <a:tailEnd type="arrow"/>
+          </a:ln>
+        </p:spPr>
+        <p:style>
+          <a:lnRef idx="1">
+            <a:schemeClr val="accent1"/>
+          </a:lnRef>
+          <a:fillRef idx="0">
+            <a:schemeClr val="accent1"/>
+          </a:fillRef>
+          <a:effectRef idx="0">
+            <a:schemeClr val="accent1"/>
+          </a:effectRef>
+          <a:fontRef idx="minor">
+            <a:schemeClr val="tx1"/>
+          </a:fontRef>
+        </p:style>
+      </p:cxnSp>
+      <p:sp>
+        <p:nvSpPr>
+          <p:cNvPr id="22" name="文本框 21"/>
+          <p:cNvSpPr txBox="1"/>
+          <p:nvPr/>
+        </p:nvSpPr>
+        <p:spPr>
+          <a:xfrm>
+            <a:off x="6010824" y="2992016"/>
+            <a:ext cx="900939" cy="369332"/>
+          </a:xfrm>
+          <a:prstGeom prst="rect">
+            <a:avLst/>
+          </a:prstGeom>
+          <a:noFill/>
+        </p:spPr>
+        <p:txBody>
+          <a:bodyPr wrap="square" rtlCol="0">
+            <a:spAutoFit/>
+          </a:bodyPr>
+          <a:lstStyle/>
+          <a:p>
+            <a:r>
+              <a:rPr kumimoji="1" lang="zh-CN" altLang="en-US" dirty="0" smtClean="0">
+                <a:latin typeface="Microsoft YaHei" charset="0"/>
+                <a:ea typeface="Microsoft YaHei" charset="0"/>
+                <a:cs typeface="Microsoft YaHei" charset="0"/>
+              </a:rPr>
+              <a:t>否</a:t>
+            </a:r>
+            <a:endParaRPr kumimoji="1" lang="zh-CN" altLang="en-US" dirty="0" smtClean="0">
+              <a:latin typeface="Microsoft YaHei" charset="0"/>
+              <a:ea typeface="Microsoft YaHei" charset="0"/>
+              <a:cs typeface="Microsoft YaHei" charset="0"/>
+            </a:endParaRPr>
+          </a:p>
+        </p:txBody>
+      </p:sp>
+      <p:cxnSp>
+        <p:nvCxnSpPr>
+          <p:cNvPr id="24" name="肘形连接符 23"/>
+          <p:cNvCxnSpPr>
+            <a:stCxn id="8" idx="2"/>
+          </p:cNvCxnSpPr>
+          <p:nvPr/>
+        </p:nvCxnSpPr>
+        <p:spPr>
+          <a:xfrm rot="5400000">
+            <a:off x="6053702" y="3854754"/>
+            <a:ext cx="1589112" cy="1447813"/>
+          </a:xfrm>
+          <a:prstGeom prst="bentConnector3">
+            <a:avLst>
+              <a:gd name="adj1" fmla="val 99017"/>
+            </a:avLst>
+          </a:prstGeom>
+          <a:ln>
+            <a:solidFill>
+              <a:schemeClr val="tx2">
+                <a:lumMod val="75000"/>
+              </a:schemeClr>
+            </a:solidFill>
+            <a:tailEnd type="arrow"/>
+          </a:ln>
+        </p:spPr>
+        <p:style>
+          <a:lnRef idx="1">
+            <a:schemeClr val="accent1"/>
+          </a:lnRef>
+          <a:fillRef idx="0">
+            <a:schemeClr val="accent1"/>
+          </a:fillRef>
+          <a:effectRef idx="0">
+            <a:schemeClr val="accent1"/>
+          </a:effectRef>
+          <a:fontRef idx="minor">
+            <a:schemeClr val="tx1"/>
+          </a:fontRef>
+        </p:style>
+      </p:cxnSp>
+      <p:sp>
+        <p:nvSpPr>
+          <p:cNvPr id="26" name="文本框 25"/>
+          <p:cNvSpPr txBox="1"/>
+          <p:nvPr/>
+        </p:nvSpPr>
+        <p:spPr>
+          <a:xfrm>
+            <a:off x="7752184" y="4590420"/>
+            <a:ext cx="1224136" cy="369332"/>
+          </a:xfrm>
+          <a:prstGeom prst="rect">
+            <a:avLst/>
+          </a:prstGeom>
+          <a:noFill/>
+        </p:spPr>
+        <p:txBody>
+          <a:bodyPr wrap="square" rtlCol="0">
+            <a:spAutoFit/>
+          </a:bodyPr>
+          <a:lstStyle/>
+          <a:p>
+            <a:r>
+              <a:rPr kumimoji="1" lang="zh-CN" altLang="en-US" dirty="0" smtClean="0">
+                <a:latin typeface="Microsoft YaHei" charset="0"/>
+                <a:ea typeface="Microsoft YaHei" charset="0"/>
+                <a:cs typeface="Microsoft YaHei" charset="0"/>
+              </a:rPr>
+              <a:t>成功注册</a:t>
+            </a:r>
+            <a:endParaRPr kumimoji="1" lang="zh-CN" altLang="en-US" dirty="0" smtClean="0">
+              <a:latin typeface="Microsoft YaHei" charset="0"/>
+              <a:ea typeface="Microsoft YaHei" charset="0"/>
+              <a:cs typeface="Microsoft YaHei" charset="0"/>
+            </a:endParaRPr>
+          </a:p>
+        </p:txBody>
+      </p:sp>
+      <p:sp>
+        <p:nvSpPr>
+          <p:cNvPr id="27" name="文本框 26"/>
+          <p:cNvSpPr txBox="1"/>
+          <p:nvPr/>
+        </p:nvSpPr>
+        <p:spPr>
+          <a:xfrm>
+            <a:off x="8472264" y="1484784"/>
+            <a:ext cx="2592288" cy="1754327"/>
+          </a:xfrm>
+          <a:prstGeom prst="rect">
+            <a:avLst/>
+          </a:prstGeom>
+          <a:noFill/>
+          <a:ln>
+            <a:solidFill>
+              <a:schemeClr val="tx1"/>
+            </a:solidFill>
+          </a:ln>
+        </p:spPr>
+        <p:txBody>
+          <a:bodyPr wrap="square" rtlCol="0">
+            <a:spAutoFit/>
+          </a:bodyPr>
+          <a:lstStyle/>
+          <a:p>
+            <a:r>
+              <a:rPr kumimoji="1" lang="en-US" altLang="zh-CN" dirty="0" smtClean="0">
+                <a:latin typeface="Microsoft YaHei" charset="0"/>
+                <a:ea typeface="Microsoft YaHei" charset="0"/>
+                <a:cs typeface="Microsoft YaHei" charset="0"/>
+              </a:rPr>
+              <a:t>1</a:t>
+            </a:r>
+            <a:r>
+              <a:rPr kumimoji="1" lang="zh-CN" altLang="en-US" dirty="0" smtClean="0">
+                <a:latin typeface="Microsoft YaHei" charset="0"/>
+                <a:ea typeface="Microsoft YaHei" charset="0"/>
+                <a:cs typeface="Microsoft YaHei" charset="0"/>
+              </a:rPr>
+              <a:t>、</a:t>
+            </a:r>
+            <a:r>
+              <a:rPr kumimoji="1" lang="en-US" altLang="zh-CN" dirty="0" smtClean="0">
+                <a:latin typeface="Microsoft YaHei" charset="0"/>
+                <a:ea typeface="Microsoft YaHei" charset="0"/>
+                <a:cs typeface="Microsoft YaHei" charset="0"/>
+              </a:rPr>
+              <a:t>Session</a:t>
+            </a:r>
+            <a:r>
+              <a:rPr kumimoji="1" lang="zh-CN" altLang="en-US" dirty="0" smtClean="0">
+                <a:latin typeface="Microsoft YaHei" charset="0"/>
+                <a:ea typeface="Microsoft YaHei" charset="0"/>
+                <a:cs typeface="Microsoft YaHei" charset="0"/>
+              </a:rPr>
+              <a:t>和</a:t>
+            </a:r>
+            <a:r>
+              <a:rPr kumimoji="1" lang="en-US" altLang="zh-CN" dirty="0" smtClean="0">
+                <a:latin typeface="Microsoft YaHei" charset="0"/>
+                <a:ea typeface="Microsoft YaHei" charset="0"/>
+                <a:cs typeface="Microsoft YaHei" charset="0"/>
+              </a:rPr>
+              <a:t>cookie</a:t>
+            </a:r>
+            <a:r>
+              <a:rPr kumimoji="1" lang="zh-CN" altLang="en-US" dirty="0" smtClean="0">
+                <a:latin typeface="Microsoft YaHei" charset="0"/>
+                <a:ea typeface="Microsoft YaHei" charset="0"/>
+                <a:cs typeface="Microsoft YaHei" charset="0"/>
+              </a:rPr>
+              <a:t>的管理机制需要特别注意，提供统一的</a:t>
+            </a:r>
+            <a:r>
+              <a:rPr kumimoji="1" lang="en-US" altLang="zh-CN" dirty="0" smtClean="0">
+                <a:latin typeface="Microsoft YaHei" charset="0"/>
+                <a:ea typeface="Microsoft YaHei" charset="0"/>
+                <a:cs typeface="Microsoft YaHei" charset="0"/>
+              </a:rPr>
+              <a:t>session</a:t>
+            </a:r>
+            <a:r>
+              <a:rPr kumimoji="1" lang="zh-CN" altLang="en-US" dirty="0" smtClean="0">
+                <a:latin typeface="Microsoft YaHei" charset="0"/>
+                <a:ea typeface="Microsoft YaHei" charset="0"/>
+                <a:cs typeface="Microsoft YaHei" charset="0"/>
+              </a:rPr>
+              <a:t>拦截器</a:t>
+            </a:r>
+            <a:endParaRPr kumimoji="1" lang="en-US" altLang="zh-CN" dirty="0" smtClean="0">
+              <a:latin typeface="Microsoft YaHei" charset="0"/>
+              <a:ea typeface="Microsoft YaHei" charset="0"/>
+              <a:cs typeface="Microsoft YaHei" charset="0"/>
+            </a:endParaRPr>
+          </a:p>
+          <a:p>
+            <a:r>
+              <a:rPr kumimoji="1" lang="zh-CN" altLang="zh-CN" dirty="0" smtClean="0">
+                <a:latin typeface="Microsoft YaHei" charset="0"/>
+                <a:ea typeface="Microsoft YaHei" charset="0"/>
+                <a:cs typeface="Microsoft YaHei" charset="0"/>
+              </a:rPr>
+              <a:t>2</a:t>
+            </a:r>
+            <a:r>
+              <a:rPr kumimoji="1" lang="zh-CN" altLang="en-US" dirty="0" smtClean="0">
+                <a:latin typeface="Microsoft YaHei" charset="0"/>
+                <a:ea typeface="Microsoft YaHei" charset="0"/>
+                <a:cs typeface="Microsoft YaHei" charset="0"/>
+              </a:rPr>
+              <a:t>、只有注册用户才能预约</a:t>
+            </a:r>
+            <a:endParaRPr kumimoji="1" lang="zh-CN" altLang="en-US" dirty="0" smtClean="0">
+              <a:latin typeface="Microsoft YaHei" charset="0"/>
+              <a:ea typeface="Microsoft YaHei" charset="0"/>
+              <a:cs typeface="Microsoft YaHei" charset="0"/>
+            </a:endParaRPr>
           </a:p>
         </p:txBody>
       </p:sp>
@@ -4935,6 +5713,847 @@
           </a:p>
         </p:txBody>
       </p:sp>
+      <p:sp>
+        <p:nvSpPr>
+          <p:cNvPr id="2" name="圆角矩形 1"/>
+          <p:cNvSpPr/>
+          <p:nvPr/>
+        </p:nvSpPr>
+        <p:spPr>
+          <a:xfrm>
+            <a:off x="479376" y="1412776"/>
+            <a:ext cx="1296144" cy="720080"/>
+          </a:xfrm>
+          <a:prstGeom prst="roundRect">
+            <a:avLst/>
+          </a:prstGeom>
+          <a:solidFill>
+            <a:schemeClr val="bg1"/>
+          </a:solidFill>
+          <a:ln w="12700">
+            <a:solidFill>
+              <a:schemeClr val="tx2">
+                <a:lumMod val="75000"/>
+              </a:schemeClr>
+            </a:solidFill>
+          </a:ln>
+        </p:spPr>
+        <p:style>
+          <a:lnRef idx="2">
+            <a:schemeClr val="accent1">
+              <a:shade val="50000"/>
+            </a:schemeClr>
+          </a:lnRef>
+          <a:fillRef idx="1">
+            <a:schemeClr val="accent1"/>
+          </a:fillRef>
+          <a:effectRef idx="0">
+            <a:schemeClr val="accent1"/>
+          </a:effectRef>
+          <a:fontRef idx="minor">
+            <a:schemeClr val="lt1"/>
+          </a:fontRef>
+        </p:style>
+        <p:txBody>
+          <a:bodyPr rtlCol="0" anchor="ctr"/>
+          <a:lstStyle/>
+          <a:p>
+            <a:pPr algn="ctr"/>
+            <a:r>
+              <a:rPr kumimoji="1" lang="zh-CN" altLang="en-US" dirty="0" smtClean="0">
+                <a:solidFill>
+                  <a:schemeClr val="tx2"/>
+                </a:solidFill>
+                <a:latin typeface="Microsoft YaHei" charset="0"/>
+                <a:ea typeface="Microsoft YaHei" charset="0"/>
+                <a:cs typeface="Microsoft YaHei" charset="0"/>
+              </a:rPr>
+              <a:t>微信客户端</a:t>
+            </a:r>
+            <a:endParaRPr kumimoji="1" lang="zh-CN" altLang="en-US" dirty="0">
+              <a:solidFill>
+                <a:schemeClr val="tx2"/>
+              </a:solidFill>
+              <a:latin typeface="Microsoft YaHei" charset="0"/>
+              <a:ea typeface="Microsoft YaHei" charset="0"/>
+              <a:cs typeface="Microsoft YaHei" charset="0"/>
+            </a:endParaRPr>
+          </a:p>
+        </p:txBody>
+      </p:sp>
+      <p:sp>
+        <p:nvSpPr>
+          <p:cNvPr id="4" name="圆角矩形 3"/>
+          <p:cNvSpPr/>
+          <p:nvPr/>
+        </p:nvSpPr>
+        <p:spPr>
+          <a:xfrm>
+            <a:off x="2495600" y="1412776"/>
+            <a:ext cx="1296144" cy="720080"/>
+          </a:xfrm>
+          <a:prstGeom prst="roundRect">
+            <a:avLst/>
+          </a:prstGeom>
+          <a:solidFill>
+            <a:schemeClr val="bg1"/>
+          </a:solidFill>
+          <a:ln w="12700">
+            <a:solidFill>
+              <a:schemeClr val="tx2">
+                <a:lumMod val="75000"/>
+              </a:schemeClr>
+            </a:solidFill>
+          </a:ln>
+        </p:spPr>
+        <p:style>
+          <a:lnRef idx="2">
+            <a:schemeClr val="accent1">
+              <a:shade val="50000"/>
+            </a:schemeClr>
+          </a:lnRef>
+          <a:fillRef idx="1">
+            <a:schemeClr val="accent1"/>
+          </a:fillRef>
+          <a:effectRef idx="0">
+            <a:schemeClr val="accent1"/>
+          </a:effectRef>
+          <a:fontRef idx="minor">
+            <a:schemeClr val="lt1"/>
+          </a:fontRef>
+        </p:style>
+        <p:txBody>
+          <a:bodyPr rtlCol="0" anchor="ctr"/>
+          <a:lstStyle/>
+          <a:p>
+            <a:pPr algn="ctr"/>
+            <a:r>
+              <a:rPr kumimoji="1" lang="zh-CN" altLang="en-US" dirty="0" smtClean="0">
+                <a:solidFill>
+                  <a:schemeClr val="tx2"/>
+                </a:solidFill>
+                <a:latin typeface="Microsoft YaHei" charset="0"/>
+                <a:ea typeface="Microsoft YaHei" charset="0"/>
+                <a:cs typeface="Microsoft YaHei" charset="0"/>
+              </a:rPr>
+              <a:t>公众号</a:t>
+            </a:r>
+            <a:endParaRPr kumimoji="1" lang="zh-CN" altLang="en-US" dirty="0">
+              <a:solidFill>
+                <a:schemeClr val="tx2"/>
+              </a:solidFill>
+              <a:latin typeface="Microsoft YaHei" charset="0"/>
+              <a:ea typeface="Microsoft YaHei" charset="0"/>
+              <a:cs typeface="Microsoft YaHei" charset="0"/>
+            </a:endParaRPr>
+          </a:p>
+        </p:txBody>
+      </p:sp>
+      <p:sp>
+        <p:nvSpPr>
+          <p:cNvPr id="5" name="圆角矩形 4"/>
+          <p:cNvSpPr/>
+          <p:nvPr/>
+        </p:nvSpPr>
+        <p:spPr>
+          <a:xfrm>
+            <a:off x="4655840" y="1412776"/>
+            <a:ext cx="1296144" cy="720080"/>
+          </a:xfrm>
+          <a:prstGeom prst="roundRect">
+            <a:avLst/>
+          </a:prstGeom>
+          <a:solidFill>
+            <a:schemeClr val="bg1"/>
+          </a:solidFill>
+          <a:ln w="12700">
+            <a:solidFill>
+              <a:schemeClr val="tx2">
+                <a:lumMod val="75000"/>
+              </a:schemeClr>
+            </a:solidFill>
+          </a:ln>
+        </p:spPr>
+        <p:style>
+          <a:lnRef idx="2">
+            <a:schemeClr val="accent1">
+              <a:shade val="50000"/>
+            </a:schemeClr>
+          </a:lnRef>
+          <a:fillRef idx="1">
+            <a:schemeClr val="accent1"/>
+          </a:fillRef>
+          <a:effectRef idx="0">
+            <a:schemeClr val="accent1"/>
+          </a:effectRef>
+          <a:fontRef idx="minor">
+            <a:schemeClr val="lt1"/>
+          </a:fontRef>
+        </p:style>
+        <p:txBody>
+          <a:bodyPr rtlCol="0" anchor="ctr"/>
+          <a:lstStyle/>
+          <a:p>
+            <a:pPr algn="ctr"/>
+            <a:r>
+              <a:rPr kumimoji="1" lang="zh-CN" altLang="en-US" dirty="0" smtClean="0">
+                <a:solidFill>
+                  <a:schemeClr val="tx2"/>
+                </a:solidFill>
+                <a:latin typeface="Microsoft YaHei" charset="0"/>
+                <a:ea typeface="Microsoft YaHei" charset="0"/>
+                <a:cs typeface="Microsoft YaHei" charset="0"/>
+              </a:rPr>
+              <a:t>预约按钮</a:t>
+            </a:r>
+            <a:endParaRPr kumimoji="1" lang="zh-CN" altLang="en-US" dirty="0">
+              <a:solidFill>
+                <a:schemeClr val="tx2"/>
+              </a:solidFill>
+              <a:latin typeface="Microsoft YaHei" charset="0"/>
+              <a:ea typeface="Microsoft YaHei" charset="0"/>
+              <a:cs typeface="Microsoft YaHei" charset="0"/>
+            </a:endParaRPr>
+          </a:p>
+        </p:txBody>
+      </p:sp>
+      <p:sp>
+        <p:nvSpPr>
+          <p:cNvPr id="6" name="菱形 5"/>
+          <p:cNvSpPr/>
+          <p:nvPr/>
+        </p:nvSpPr>
+        <p:spPr>
+          <a:xfrm>
+            <a:off x="4515602" y="2628694"/>
+            <a:ext cx="1584176" cy="936104"/>
+          </a:xfrm>
+          <a:prstGeom prst="diamond">
+            <a:avLst/>
+          </a:prstGeom>
+          <a:solidFill>
+            <a:schemeClr val="bg1"/>
+          </a:solidFill>
+          <a:ln w="12700">
+            <a:solidFill>
+              <a:schemeClr val="tx2">
+                <a:lumMod val="75000"/>
+              </a:schemeClr>
+            </a:solidFill>
+          </a:ln>
+        </p:spPr>
+        <p:style>
+          <a:lnRef idx="2">
+            <a:schemeClr val="accent1">
+              <a:shade val="50000"/>
+            </a:schemeClr>
+          </a:lnRef>
+          <a:fillRef idx="1">
+            <a:schemeClr val="accent1"/>
+          </a:fillRef>
+          <a:effectRef idx="0">
+            <a:schemeClr val="accent1"/>
+          </a:effectRef>
+          <a:fontRef idx="minor">
+            <a:schemeClr val="lt1"/>
+          </a:fontRef>
+        </p:style>
+        <p:txBody>
+          <a:bodyPr rtlCol="0" anchor="ctr"/>
+          <a:lstStyle/>
+          <a:p>
+            <a:pPr algn="ctr"/>
+            <a:r>
+              <a:rPr kumimoji="1" lang="zh-CN" altLang="en-US" dirty="0" smtClean="0">
+                <a:solidFill>
+                  <a:schemeClr val="tx2"/>
+                </a:solidFill>
+                <a:latin typeface="Microsoft YaHei" charset="0"/>
+                <a:ea typeface="Microsoft YaHei" charset="0"/>
+                <a:cs typeface="Microsoft YaHei" charset="0"/>
+              </a:rPr>
+              <a:t>是否会员</a:t>
+            </a:r>
+            <a:endParaRPr kumimoji="1" lang="zh-CN" altLang="en-US" dirty="0">
+              <a:solidFill>
+                <a:schemeClr val="tx2"/>
+              </a:solidFill>
+              <a:latin typeface="Microsoft YaHei" charset="0"/>
+              <a:ea typeface="Microsoft YaHei" charset="0"/>
+              <a:cs typeface="Microsoft YaHei" charset="0"/>
+            </a:endParaRPr>
+          </a:p>
+        </p:txBody>
+      </p:sp>
+      <p:sp>
+        <p:nvSpPr>
+          <p:cNvPr id="7" name="圆角矩形 6"/>
+          <p:cNvSpPr/>
+          <p:nvPr/>
+        </p:nvSpPr>
+        <p:spPr>
+          <a:xfrm>
+            <a:off x="4655840" y="4221088"/>
+            <a:ext cx="1296144" cy="720080"/>
+          </a:xfrm>
+          <a:prstGeom prst="roundRect">
+            <a:avLst/>
+          </a:prstGeom>
+          <a:solidFill>
+            <a:schemeClr val="bg1"/>
+          </a:solidFill>
+          <a:ln w="12700">
+            <a:solidFill>
+              <a:schemeClr val="tx2">
+                <a:lumMod val="75000"/>
+              </a:schemeClr>
+            </a:solidFill>
+          </a:ln>
+        </p:spPr>
+        <p:style>
+          <a:lnRef idx="2">
+            <a:schemeClr val="accent1">
+              <a:shade val="50000"/>
+            </a:schemeClr>
+          </a:lnRef>
+          <a:fillRef idx="1">
+            <a:schemeClr val="accent1"/>
+          </a:fillRef>
+          <a:effectRef idx="0">
+            <a:schemeClr val="accent1"/>
+          </a:effectRef>
+          <a:fontRef idx="minor">
+            <a:schemeClr val="lt1"/>
+          </a:fontRef>
+        </p:style>
+        <p:txBody>
+          <a:bodyPr rtlCol="0" anchor="ctr"/>
+          <a:lstStyle/>
+          <a:p>
+            <a:pPr algn="ctr"/>
+            <a:r>
+              <a:rPr kumimoji="1" lang="zh-CN" altLang="en-US" dirty="0" smtClean="0">
+                <a:solidFill>
+                  <a:schemeClr val="tx2"/>
+                </a:solidFill>
+                <a:latin typeface="Microsoft YaHei" charset="0"/>
+                <a:ea typeface="Microsoft YaHei" charset="0"/>
+                <a:cs typeface="Microsoft YaHei" charset="0"/>
+              </a:rPr>
+              <a:t>预约页面</a:t>
+            </a:r>
+            <a:endParaRPr kumimoji="1" lang="zh-CN" altLang="en-US" dirty="0">
+              <a:solidFill>
+                <a:schemeClr val="tx2"/>
+              </a:solidFill>
+              <a:latin typeface="Microsoft YaHei" charset="0"/>
+              <a:ea typeface="Microsoft YaHei" charset="0"/>
+              <a:cs typeface="Microsoft YaHei" charset="0"/>
+            </a:endParaRPr>
+          </a:p>
+        </p:txBody>
+      </p:sp>
+      <p:sp>
+        <p:nvSpPr>
+          <p:cNvPr id="8" name="圆角矩形 7"/>
+          <p:cNvSpPr/>
+          <p:nvPr/>
+        </p:nvSpPr>
+        <p:spPr>
+          <a:xfrm>
+            <a:off x="7104112" y="2736706"/>
+            <a:ext cx="1296144" cy="720080"/>
+          </a:xfrm>
+          <a:prstGeom prst="roundRect">
+            <a:avLst/>
+          </a:prstGeom>
+          <a:solidFill>
+            <a:schemeClr val="bg1"/>
+          </a:solidFill>
+          <a:ln w="12700">
+            <a:solidFill>
+              <a:schemeClr val="tx2">
+                <a:lumMod val="75000"/>
+              </a:schemeClr>
+            </a:solidFill>
+          </a:ln>
+        </p:spPr>
+        <p:style>
+          <a:lnRef idx="2">
+            <a:schemeClr val="accent1">
+              <a:shade val="50000"/>
+            </a:schemeClr>
+          </a:lnRef>
+          <a:fillRef idx="1">
+            <a:schemeClr val="accent1"/>
+          </a:fillRef>
+          <a:effectRef idx="0">
+            <a:schemeClr val="accent1"/>
+          </a:effectRef>
+          <a:fontRef idx="minor">
+            <a:schemeClr val="lt1"/>
+          </a:fontRef>
+        </p:style>
+        <p:txBody>
+          <a:bodyPr rtlCol="0" anchor="ctr"/>
+          <a:lstStyle/>
+          <a:p>
+            <a:pPr algn="ctr"/>
+            <a:r>
+              <a:rPr kumimoji="1" lang="zh-CN" altLang="en-US" dirty="0" smtClean="0">
+                <a:solidFill>
+                  <a:schemeClr val="tx2"/>
+                </a:solidFill>
+                <a:latin typeface="Microsoft YaHei" charset="0"/>
+                <a:ea typeface="Microsoft YaHei" charset="0"/>
+                <a:cs typeface="Microsoft YaHei" charset="0"/>
+              </a:rPr>
+              <a:t>注册页面</a:t>
+            </a:r>
+            <a:endParaRPr kumimoji="1" lang="zh-CN" altLang="en-US" dirty="0">
+              <a:solidFill>
+                <a:schemeClr val="tx2"/>
+              </a:solidFill>
+              <a:latin typeface="Microsoft YaHei" charset="0"/>
+              <a:ea typeface="Microsoft YaHei" charset="0"/>
+              <a:cs typeface="Microsoft YaHei" charset="0"/>
+            </a:endParaRPr>
+          </a:p>
+        </p:txBody>
+      </p:sp>
+      <p:cxnSp>
+        <p:nvCxnSpPr>
+          <p:cNvPr id="10" name="直线箭头连接符 9"/>
+          <p:cNvCxnSpPr>
+            <a:stCxn id="2" idx="3"/>
+            <a:endCxn id="4" idx="1"/>
+          </p:cNvCxnSpPr>
+          <p:nvPr/>
+        </p:nvCxnSpPr>
+        <p:spPr>
+          <a:xfrm>
+            <a:off x="1775520" y="1772816"/>
+            <a:ext cx="720080" cy="0"/>
+          </a:xfrm>
+          <a:prstGeom prst="straightConnector1">
+            <a:avLst/>
+          </a:prstGeom>
+          <a:ln>
+            <a:solidFill>
+              <a:schemeClr val="tx2">
+                <a:lumMod val="75000"/>
+              </a:schemeClr>
+            </a:solidFill>
+            <a:tailEnd type="arrow"/>
+          </a:ln>
+        </p:spPr>
+        <p:style>
+          <a:lnRef idx="1">
+            <a:schemeClr val="accent1"/>
+          </a:lnRef>
+          <a:fillRef idx="0">
+            <a:schemeClr val="accent1"/>
+          </a:fillRef>
+          <a:effectRef idx="0">
+            <a:schemeClr val="accent1"/>
+          </a:effectRef>
+          <a:fontRef idx="minor">
+            <a:schemeClr val="tx1"/>
+          </a:fontRef>
+        </p:style>
+      </p:cxnSp>
+      <p:cxnSp>
+        <p:nvCxnSpPr>
+          <p:cNvPr id="12" name="直线箭头连接符 11"/>
+          <p:cNvCxnSpPr>
+            <a:stCxn id="4" idx="3"/>
+            <a:endCxn id="5" idx="1"/>
+          </p:cNvCxnSpPr>
+          <p:nvPr/>
+        </p:nvCxnSpPr>
+        <p:spPr>
+          <a:xfrm>
+            <a:off x="3791744" y="1772816"/>
+            <a:ext cx="864096" cy="0"/>
+          </a:xfrm>
+          <a:prstGeom prst="straightConnector1">
+            <a:avLst/>
+          </a:prstGeom>
+          <a:ln>
+            <a:solidFill>
+              <a:schemeClr val="tx2">
+                <a:lumMod val="75000"/>
+              </a:schemeClr>
+            </a:solidFill>
+            <a:tailEnd type="arrow"/>
+          </a:ln>
+        </p:spPr>
+        <p:style>
+          <a:lnRef idx="1">
+            <a:schemeClr val="accent1"/>
+          </a:lnRef>
+          <a:fillRef idx="0">
+            <a:schemeClr val="accent1"/>
+          </a:fillRef>
+          <a:effectRef idx="0">
+            <a:schemeClr val="accent1"/>
+          </a:effectRef>
+          <a:fontRef idx="minor">
+            <a:schemeClr val="tx1"/>
+          </a:fontRef>
+        </p:style>
+      </p:cxnSp>
+      <p:cxnSp>
+        <p:nvCxnSpPr>
+          <p:cNvPr id="14" name="直线箭头连接符 13"/>
+          <p:cNvCxnSpPr>
+            <a:stCxn id="5" idx="2"/>
+          </p:cNvCxnSpPr>
+          <p:nvPr/>
+        </p:nvCxnSpPr>
+        <p:spPr>
+          <a:xfrm>
+            <a:off x="5303912" y="2132856"/>
+            <a:ext cx="0" cy="576064"/>
+          </a:xfrm>
+          <a:prstGeom prst="straightConnector1">
+            <a:avLst/>
+          </a:prstGeom>
+          <a:ln>
+            <a:solidFill>
+              <a:schemeClr val="tx2">
+                <a:lumMod val="75000"/>
+              </a:schemeClr>
+            </a:solidFill>
+            <a:tailEnd type="arrow"/>
+          </a:ln>
+        </p:spPr>
+        <p:style>
+          <a:lnRef idx="1">
+            <a:schemeClr val="accent1"/>
+          </a:lnRef>
+          <a:fillRef idx="0">
+            <a:schemeClr val="accent1"/>
+          </a:fillRef>
+          <a:effectRef idx="0">
+            <a:schemeClr val="accent1"/>
+          </a:effectRef>
+          <a:fontRef idx="minor">
+            <a:schemeClr val="tx1"/>
+          </a:fontRef>
+        </p:style>
+      </p:cxnSp>
+      <p:cxnSp>
+        <p:nvCxnSpPr>
+          <p:cNvPr id="19" name="直线箭头连接符 18"/>
+          <p:cNvCxnSpPr>
+            <a:stCxn id="6" idx="2"/>
+            <a:endCxn id="7" idx="0"/>
+          </p:cNvCxnSpPr>
+          <p:nvPr/>
+        </p:nvCxnSpPr>
+        <p:spPr>
+          <a:xfrm flipH="1">
+            <a:off x="5303912" y="3564798"/>
+            <a:ext cx="3778" cy="656290"/>
+          </a:xfrm>
+          <a:prstGeom prst="straightConnector1">
+            <a:avLst/>
+          </a:prstGeom>
+          <a:ln>
+            <a:solidFill>
+              <a:schemeClr val="tx2">
+                <a:lumMod val="75000"/>
+              </a:schemeClr>
+            </a:solidFill>
+            <a:tailEnd type="arrow"/>
+          </a:ln>
+        </p:spPr>
+        <p:style>
+          <a:lnRef idx="1">
+            <a:schemeClr val="accent1"/>
+          </a:lnRef>
+          <a:fillRef idx="0">
+            <a:schemeClr val="accent1"/>
+          </a:fillRef>
+          <a:effectRef idx="0">
+            <a:schemeClr val="accent1"/>
+          </a:effectRef>
+          <a:fontRef idx="minor">
+            <a:schemeClr val="tx1"/>
+          </a:fontRef>
+        </p:style>
+      </p:cxnSp>
+      <p:cxnSp>
+        <p:nvCxnSpPr>
+          <p:cNvPr id="21" name="直线箭头连接符 20"/>
+          <p:cNvCxnSpPr>
+            <a:stCxn id="6" idx="3"/>
+            <a:endCxn id="8" idx="1"/>
+          </p:cNvCxnSpPr>
+          <p:nvPr/>
+        </p:nvCxnSpPr>
+        <p:spPr>
+          <a:xfrm>
+            <a:off x="6099778" y="3096746"/>
+            <a:ext cx="1004334" cy="0"/>
+          </a:xfrm>
+          <a:prstGeom prst="straightConnector1">
+            <a:avLst/>
+          </a:prstGeom>
+          <a:ln>
+            <a:solidFill>
+              <a:schemeClr val="tx2">
+                <a:lumMod val="75000"/>
+              </a:schemeClr>
+            </a:solidFill>
+            <a:tailEnd type="arrow"/>
+          </a:ln>
+        </p:spPr>
+        <p:style>
+          <a:lnRef idx="1">
+            <a:schemeClr val="accent1"/>
+          </a:lnRef>
+          <a:fillRef idx="0">
+            <a:schemeClr val="accent1"/>
+          </a:fillRef>
+          <a:effectRef idx="0">
+            <a:schemeClr val="accent1"/>
+          </a:effectRef>
+          <a:fontRef idx="minor">
+            <a:schemeClr val="tx1"/>
+          </a:fontRef>
+        </p:style>
+      </p:cxnSp>
+      <p:sp>
+        <p:nvSpPr>
+          <p:cNvPr id="23" name="文本框 22"/>
+          <p:cNvSpPr txBox="1"/>
+          <p:nvPr/>
+        </p:nvSpPr>
+        <p:spPr>
+          <a:xfrm>
+            <a:off x="6240016" y="2736706"/>
+            <a:ext cx="720080" cy="369332"/>
+          </a:xfrm>
+          <a:prstGeom prst="rect">
+            <a:avLst/>
+          </a:prstGeom>
+          <a:noFill/>
+        </p:spPr>
+        <p:txBody>
+          <a:bodyPr wrap="square" rtlCol="0">
+            <a:spAutoFit/>
+          </a:bodyPr>
+          <a:lstStyle/>
+          <a:p>
+            <a:r>
+              <a:rPr kumimoji="1" lang="zh-CN" altLang="en-US" dirty="0" smtClean="0">
+                <a:latin typeface="Microsoft YaHei" charset="0"/>
+                <a:ea typeface="Microsoft YaHei" charset="0"/>
+                <a:cs typeface="Microsoft YaHei" charset="0"/>
+              </a:rPr>
+              <a:t>否</a:t>
+            </a:r>
+            <a:endParaRPr kumimoji="1" lang="zh-CN" altLang="en-US" dirty="0" smtClean="0">
+              <a:latin typeface="Microsoft YaHei" charset="0"/>
+              <a:ea typeface="Microsoft YaHei" charset="0"/>
+              <a:cs typeface="Microsoft YaHei" charset="0"/>
+            </a:endParaRPr>
+          </a:p>
+        </p:txBody>
+      </p:sp>
+      <p:cxnSp>
+        <p:nvCxnSpPr>
+          <p:cNvPr id="25" name="肘形连接符 24"/>
+          <p:cNvCxnSpPr>
+            <a:stCxn id="8" idx="2"/>
+            <a:endCxn id="7" idx="3"/>
+          </p:cNvCxnSpPr>
+          <p:nvPr/>
+        </p:nvCxnSpPr>
+        <p:spPr>
+          <a:xfrm rot="5400000">
+            <a:off x="6289913" y="3118857"/>
+            <a:ext cx="1124342" cy="1800200"/>
+          </a:xfrm>
+          <a:prstGeom prst="bentConnector2">
+            <a:avLst/>
+          </a:prstGeom>
+          <a:ln>
+            <a:solidFill>
+              <a:schemeClr val="tx2">
+                <a:lumMod val="75000"/>
+              </a:schemeClr>
+            </a:solidFill>
+            <a:tailEnd type="arrow"/>
+          </a:ln>
+        </p:spPr>
+        <p:style>
+          <a:lnRef idx="1">
+            <a:schemeClr val="accent1"/>
+          </a:lnRef>
+          <a:fillRef idx="0">
+            <a:schemeClr val="accent1"/>
+          </a:fillRef>
+          <a:effectRef idx="0">
+            <a:schemeClr val="accent1"/>
+          </a:effectRef>
+          <a:fontRef idx="minor">
+            <a:schemeClr val="tx1"/>
+          </a:fontRef>
+        </p:style>
+      </p:cxnSp>
+      <p:sp>
+        <p:nvSpPr>
+          <p:cNvPr id="26" name="文本框 25"/>
+          <p:cNvSpPr txBox="1"/>
+          <p:nvPr/>
+        </p:nvSpPr>
+        <p:spPr>
+          <a:xfrm>
+            <a:off x="5447928" y="3717032"/>
+            <a:ext cx="936104" cy="369332"/>
+          </a:xfrm>
+          <a:prstGeom prst="rect">
+            <a:avLst/>
+          </a:prstGeom>
+          <a:noFill/>
+        </p:spPr>
+        <p:txBody>
+          <a:bodyPr wrap="square" rtlCol="0">
+            <a:spAutoFit/>
+          </a:bodyPr>
+          <a:lstStyle/>
+          <a:p>
+            <a:r>
+              <a:rPr kumimoji="1" lang="zh-CN" altLang="en-US" dirty="0" smtClean="0">
+                <a:latin typeface="Microsoft YaHei" charset="0"/>
+                <a:ea typeface="Microsoft YaHei" charset="0"/>
+                <a:cs typeface="Microsoft YaHei" charset="0"/>
+              </a:rPr>
+              <a:t>是</a:t>
+            </a:r>
+            <a:endParaRPr kumimoji="1" lang="zh-CN" altLang="en-US" dirty="0" smtClean="0">
+              <a:latin typeface="Microsoft YaHei" charset="0"/>
+              <a:ea typeface="Microsoft YaHei" charset="0"/>
+              <a:cs typeface="Microsoft YaHei" charset="0"/>
+            </a:endParaRPr>
+          </a:p>
+        </p:txBody>
+      </p:sp>
+      <p:sp>
+        <p:nvSpPr>
+          <p:cNvPr id="27" name="文本框 26"/>
+          <p:cNvSpPr txBox="1"/>
+          <p:nvPr/>
+        </p:nvSpPr>
+        <p:spPr>
+          <a:xfrm>
+            <a:off x="6240016" y="4086364"/>
+            <a:ext cx="1152128" cy="369332"/>
+          </a:xfrm>
+          <a:prstGeom prst="rect">
+            <a:avLst/>
+          </a:prstGeom>
+          <a:noFill/>
+        </p:spPr>
+        <p:txBody>
+          <a:bodyPr wrap="square" rtlCol="0">
+            <a:spAutoFit/>
+          </a:bodyPr>
+          <a:lstStyle/>
+          <a:p>
+            <a:r>
+              <a:rPr kumimoji="1" lang="zh-CN" altLang="en-US" dirty="0" smtClean="0">
+                <a:latin typeface="Microsoft YaHei" charset="0"/>
+                <a:ea typeface="Microsoft YaHei" charset="0"/>
+                <a:cs typeface="Microsoft YaHei" charset="0"/>
+              </a:rPr>
+              <a:t>注册成功</a:t>
+            </a:r>
+            <a:endParaRPr kumimoji="1" lang="zh-CN" altLang="en-US" dirty="0" smtClean="0">
+              <a:latin typeface="Microsoft YaHei" charset="0"/>
+              <a:ea typeface="Microsoft YaHei" charset="0"/>
+              <a:cs typeface="Microsoft YaHei" charset="0"/>
+            </a:endParaRPr>
+          </a:p>
+        </p:txBody>
+      </p:sp>
+      <p:sp>
+        <p:nvSpPr>
+          <p:cNvPr id="29" name="文本框 28"/>
+          <p:cNvSpPr txBox="1"/>
+          <p:nvPr/>
+        </p:nvSpPr>
+        <p:spPr>
+          <a:xfrm>
+            <a:off x="8616280" y="1268760"/>
+            <a:ext cx="3168352" cy="1200329"/>
+          </a:xfrm>
+          <a:prstGeom prst="rect">
+            <a:avLst/>
+          </a:prstGeom>
+          <a:noFill/>
+          <a:ln>
+            <a:solidFill>
+              <a:schemeClr val="tx1"/>
+            </a:solidFill>
+          </a:ln>
+        </p:spPr>
+        <p:txBody>
+          <a:bodyPr wrap="square" rtlCol="0">
+            <a:spAutoFit/>
+          </a:bodyPr>
+          <a:lstStyle/>
+          <a:p>
+            <a:r>
+              <a:rPr kumimoji="1" lang="en-US" altLang="zh-CN" dirty="0" smtClean="0">
+                <a:latin typeface="Microsoft YaHei" charset="0"/>
+                <a:ea typeface="Microsoft YaHei" charset="0"/>
+                <a:cs typeface="Microsoft YaHei" charset="0"/>
+              </a:rPr>
+              <a:t>1</a:t>
+            </a:r>
+            <a:r>
+              <a:rPr kumimoji="1" lang="zh-CN" altLang="en-US" dirty="0" smtClean="0">
+                <a:latin typeface="Microsoft YaHei" charset="0"/>
+                <a:ea typeface="Microsoft YaHei" charset="0"/>
+                <a:cs typeface="Microsoft YaHei" charset="0"/>
+              </a:rPr>
+              <a:t>、校验会员时根据关注用户的微信信息判断</a:t>
+            </a:r>
+            <a:endParaRPr kumimoji="1" lang="en-US" altLang="zh-CN" dirty="0" smtClean="0">
+              <a:latin typeface="Microsoft YaHei" charset="0"/>
+              <a:ea typeface="Microsoft YaHei" charset="0"/>
+              <a:cs typeface="Microsoft YaHei" charset="0"/>
+            </a:endParaRPr>
+          </a:p>
+          <a:p>
+            <a:r>
+              <a:rPr kumimoji="1" lang="zh-CN" altLang="zh-CN" dirty="0" smtClean="0">
+                <a:latin typeface="Microsoft YaHei" charset="0"/>
+                <a:ea typeface="Microsoft YaHei" charset="0"/>
+                <a:cs typeface="Microsoft YaHei" charset="0"/>
+              </a:rPr>
+              <a:t>2</a:t>
+            </a:r>
+            <a:r>
+              <a:rPr kumimoji="1" lang="zh-CN" altLang="en-US" dirty="0" smtClean="0">
+                <a:latin typeface="Microsoft YaHei" charset="0"/>
+                <a:ea typeface="Microsoft YaHei" charset="0"/>
+                <a:cs typeface="Microsoft YaHei" charset="0"/>
+              </a:rPr>
+              <a:t>、注册时默认获取关注用户的微信信息</a:t>
+            </a:r>
+            <a:endParaRPr kumimoji="1" lang="zh-CN" altLang="en-US" dirty="0" smtClean="0">
+              <a:latin typeface="Microsoft YaHei" charset="0"/>
+              <a:ea typeface="Microsoft YaHei" charset="0"/>
+              <a:cs typeface="Microsoft YaHei" charset="0"/>
+            </a:endParaRPr>
+          </a:p>
+        </p:txBody>
+      </p:sp>
     </p:spTree>
     <p:extLst>
       <p:ext uri="{BB962C8B-B14F-4D97-AF65-F5344CB8AC3E}">
@@ -6012,11 +7631,6 @@
               </a:rPr>
               <a:t>未注册</a:t>
             </a:r>
-            <a:endParaRPr kumimoji="1" lang="zh-CN" altLang="en-US" dirty="0" smtClean="0">
-              <a:latin typeface="Microsoft YaHei" charset="0"/>
-              <a:ea typeface="Microsoft YaHei" charset="0"/>
-              <a:cs typeface="Microsoft YaHei" charset="0"/>
-            </a:endParaRPr>
           </a:p>
         </p:txBody>
       </p:sp>
@@ -6050,11 +7664,6 @@
               </a:rPr>
               <a:t>是</a:t>
             </a:r>
-            <a:endParaRPr kumimoji="1" lang="zh-CN" altLang="en-US" dirty="0" smtClean="0">
-              <a:latin typeface="Microsoft YaHei" charset="0"/>
-              <a:ea typeface="Microsoft YaHei" charset="0"/>
-              <a:cs typeface="Microsoft YaHei" charset="0"/>
-            </a:endParaRPr>
           </a:p>
         </p:txBody>
       </p:sp>
@@ -6088,11 +7697,6 @@
               </a:rPr>
               <a:t>已登录</a:t>
             </a:r>
-            <a:endParaRPr kumimoji="1" lang="zh-CN" altLang="en-US" dirty="0" smtClean="0">
-              <a:latin typeface="Microsoft YaHei" charset="0"/>
-              <a:ea typeface="Microsoft YaHei" charset="0"/>
-              <a:cs typeface="Microsoft YaHei" charset="0"/>
-            </a:endParaRPr>
           </a:p>
         </p:txBody>
       </p:sp>
@@ -6235,11 +7839,6 @@
               </a:rPr>
               <a:t>忘记密码</a:t>
             </a:r>
-            <a:endParaRPr kumimoji="1" lang="zh-CN" altLang="en-US" dirty="0" smtClean="0">
-              <a:latin typeface="Microsoft YaHei" charset="0"/>
-              <a:ea typeface="Microsoft YaHei" charset="0"/>
-              <a:cs typeface="Microsoft YaHei" charset="0"/>
-            </a:endParaRPr>
           </a:p>
         </p:txBody>
       </p:sp>
@@ -6273,11 +7872,6 @@
               </a:rPr>
               <a:t>未登录</a:t>
             </a:r>
-            <a:endParaRPr kumimoji="1" lang="zh-CN" altLang="en-US" dirty="0" smtClean="0">
-              <a:latin typeface="Microsoft YaHei" charset="0"/>
-              <a:ea typeface="Microsoft YaHei" charset="0"/>
-              <a:cs typeface="Microsoft YaHei" charset="0"/>
-            </a:endParaRPr>
           </a:p>
         </p:txBody>
       </p:sp>
@@ -6528,11 +8122,6 @@
               </a:rPr>
               <a:t>是</a:t>
             </a:r>
-            <a:endParaRPr kumimoji="1" lang="zh-CN" altLang="en-US" dirty="0" smtClean="0">
-              <a:latin typeface="Microsoft YaHei" charset="0"/>
-              <a:ea typeface="Microsoft YaHei" charset="0"/>
-              <a:cs typeface="Microsoft YaHei" charset="0"/>
-            </a:endParaRPr>
           </a:p>
         </p:txBody>
       </p:sp>
@@ -7497,11 +9086,6 @@
               </a:rPr>
               <a:t>否</a:t>
             </a:r>
-            <a:endParaRPr kumimoji="1" lang="zh-CN" altLang="en-US" dirty="0" smtClean="0">
-              <a:latin typeface="Microsoft YaHei" charset="0"/>
-              <a:ea typeface="Microsoft YaHei" charset="0"/>
-              <a:cs typeface="Microsoft YaHei" charset="0"/>
-            </a:endParaRPr>
           </a:p>
         </p:txBody>
       </p:sp>
@@ -7535,11 +9119,6 @@
               </a:rPr>
               <a:t>是</a:t>
             </a:r>
-            <a:endParaRPr kumimoji="1" lang="zh-CN" altLang="en-US" dirty="0" smtClean="0">
-              <a:latin typeface="Microsoft YaHei" charset="0"/>
-              <a:ea typeface="Microsoft YaHei" charset="0"/>
-              <a:cs typeface="Microsoft YaHei" charset="0"/>
-            </a:endParaRPr>
           </a:p>
         </p:txBody>
       </p:sp>
@@ -7573,11 +9152,6 @@
               </a:rPr>
               <a:t>是会员</a:t>
             </a:r>
-            <a:endParaRPr kumimoji="1" lang="zh-CN" altLang="en-US" dirty="0" smtClean="0">
-              <a:latin typeface="Microsoft YaHei" charset="0"/>
-              <a:ea typeface="Microsoft YaHei" charset="0"/>
-              <a:cs typeface="Microsoft YaHei" charset="0"/>
-            </a:endParaRPr>
           </a:p>
         </p:txBody>
       </p:sp>
@@ -7611,11 +9185,6 @@
               </a:rPr>
               <a:t>非会员</a:t>
             </a:r>
-            <a:endParaRPr kumimoji="1" lang="zh-CN" altLang="en-US" dirty="0" smtClean="0">
-              <a:latin typeface="Microsoft YaHei" charset="0"/>
-              <a:ea typeface="Microsoft YaHei" charset="0"/>
-              <a:cs typeface="Microsoft YaHei" charset="0"/>
-            </a:endParaRPr>
           </a:p>
         </p:txBody>
       </p:sp>
@@ -7649,11 +9218,6 @@
               </a:rPr>
               <a:t>获取微信用户信息</a:t>
             </a:r>
-            <a:endParaRPr kumimoji="1" lang="zh-CN" altLang="en-US" dirty="0" smtClean="0">
-              <a:latin typeface="Microsoft YaHei" charset="0"/>
-              <a:ea typeface="Microsoft YaHei" charset="0"/>
-              <a:cs typeface="Microsoft YaHei" charset="0"/>
-            </a:endParaRPr>
           </a:p>
         </p:txBody>
       </p:sp>
@@ -7776,43 +9340,6 @@
   <p:clrMapOvr>
     <a:masterClrMapping/>
   </p:clrMapOvr>
-</p:sld>
-</file>
-
-<file path=ppt/slides/slide9.xml><?xml version="1.0" encoding="utf-8"?>
-<p:sld xmlns:a="http://schemas.openxmlformats.org/drawingml/2006/main" xmlns:r="http://schemas.openxmlformats.org/officeDocument/2006/relationships" xmlns:p="http://schemas.openxmlformats.org/presentationml/2006/main">
-  <p:cSld>
-    <p:spTree>
-      <p:nvGrpSpPr>
-        <p:cNvPr id="1" name=""/>
-        <p:cNvGrpSpPr/>
-        <p:nvPr/>
-      </p:nvGrpSpPr>
-      <p:grpSpPr>
-        <a:xfrm>
-          <a:off x="0" y="0"/>
-          <a:ext cx="0" cy="0"/>
-          <a:chOff x="0" y="0"/>
-          <a:chExt cx="0" cy="0"/>
-        </a:xfrm>
-      </p:grpSpPr>
-    </p:spTree>
-    <p:extLst>
-      <p:ext uri="{BB962C8B-B14F-4D97-AF65-F5344CB8AC3E}">
-        <p14:creationId xmlns:p14="http://schemas.microsoft.com/office/powerpoint/2010/main" val="2131917612"/>
-      </p:ext>
-    </p:extLst>
-  </p:cSld>
-  <p:clrMapOvr>
-    <a:masterClrMapping/>
-  </p:clrMapOvr>
-  <p:timing>
-    <p:tnLst>
-      <p:par>
-        <p:cTn xmlns:p14="http://schemas.microsoft.com/office/powerpoint/2010/main" id="1" dur="indefinite" restart="never" nodeType="tmRoot"/>
-      </p:par>
-    </p:tnLst>
-  </p:timing>
 </p:sld>
 </file>
 

--- a/showmecoo-web-docs/src/main/resources/设计文档/概要设计/网站概要设计.pptx
+++ b/showmecoo-web-docs/src/main/resources/设计文档/概要设计/网站概要设计.pptx
@@ -5,20 +5,22 @@
     <p:sldMasterId id="2147483648" r:id="rId1"/>
   </p:sldMasterIdLst>
   <p:notesMasterIdLst>
-    <p:notesMasterId r:id="rId10"/>
+    <p:notesMasterId r:id="rId12"/>
   </p:notesMasterIdLst>
   <p:handoutMasterIdLst>
-    <p:handoutMasterId r:id="rId11"/>
+    <p:handoutMasterId r:id="rId13"/>
   </p:handoutMasterIdLst>
   <p:sldIdLst>
     <p:sldId id="317" r:id="rId2"/>
     <p:sldId id="406" r:id="rId3"/>
     <p:sldId id="408" r:id="rId4"/>
-    <p:sldId id="413" r:id="rId5"/>
-    <p:sldId id="411" r:id="rId6"/>
-    <p:sldId id="412" r:id="rId7"/>
-    <p:sldId id="409" r:id="rId8"/>
-    <p:sldId id="410" r:id="rId9"/>
+    <p:sldId id="414" r:id="rId5"/>
+    <p:sldId id="415" r:id="rId6"/>
+    <p:sldId id="413" r:id="rId7"/>
+    <p:sldId id="411" r:id="rId8"/>
+    <p:sldId id="412" r:id="rId9"/>
+    <p:sldId id="409" r:id="rId10"/>
+    <p:sldId id="410" r:id="rId11"/>
   </p:sldIdLst>
   <p:sldSz cx="12192000" cy="6858000"/>
   <p:notesSz cx="6858000" cy="9144000"/>
@@ -119,7 +121,7 @@
   </p:defaultTextStyle>
   <p:extLst>
     <p:ext uri="{EFAFB233-063F-42B5-8137-9DF3F51BA10A}">
-      <p15:sldGuideLst xmlns:p15="http://schemas.microsoft.com/office/powerpoint/2012/main" xmlns="">
+      <p15:sldGuideLst xmlns="" xmlns:p15="http://schemas.microsoft.com/office/powerpoint/2012/main">
         <p15:guide id="1" orient="horz" pos="2160" userDrawn="1">
           <p15:clr>
             <a:srgbClr val="A4A3A4"/>
@@ -133,7 +135,7 @@
       </p15:sldGuideLst>
     </p:ext>
     <p:ext uri="{2D200454-40CA-4A62-9FC3-DE9A4176ACB9}">
-      <p15:notesGuideLst xmlns:p15="http://schemas.microsoft.com/office/powerpoint/2012/main" xmlns="">
+      <p15:notesGuideLst xmlns="" xmlns:p15="http://schemas.microsoft.com/office/powerpoint/2012/main">
         <p15:guide id="1" orient="horz" pos="2880">
           <p15:clr>
             <a:srgbClr val="A4A3A4"/>
@@ -241,7 +243,7 @@
             <a:fld id="{43434051-BEF0-7D4C-9196-86755A91DC50}" type="datetimeFigureOut">
               <a:rPr kumimoji="1" lang="zh-CN" altLang="en-US" smtClean="0"/>
               <a:pPr/>
-              <a:t>16/7/2</a:t>
+              <a:t>16/7/4</a:t>
             </a:fld>
             <a:endParaRPr kumimoji="1" lang="zh-CN" altLang="en-US"/>
           </a:p>
@@ -408,7 +410,7 @@
             <a:fld id="{74E5CB33-C662-8F41-8A71-5104D135C80E}" type="datetimeFigureOut">
               <a:rPr kumimoji="1" lang="zh-CN" altLang="en-US" smtClean="0"/>
               <a:pPr/>
-              <a:t>16/7/2</a:t>
+              <a:t>16/7/4</a:t>
             </a:fld>
             <a:endParaRPr kumimoji="1" lang="zh-CN" altLang="en-US"/>
           </a:p>
@@ -2091,7 +2093,7 @@
             <a:fld id="{120C7143-BB4D-47C6-9008-44C955299D49}" type="datetimeFigureOut">
               <a:rPr lang="zh-CN" altLang="en-US" smtClean="0"/>
               <a:pPr/>
-              <a:t>16/7/2</a:t>
+              <a:t>16/7/4</a:t>
             </a:fld>
             <a:endParaRPr lang="zh-CN" altLang="en-US"/>
           </a:p>
@@ -2533,6 +2535,1211 @@
 </p:sld>
 </file>
 
+<file path=ppt/slides/slide10.xml><?xml version="1.0" encoding="utf-8"?>
+<p:sld xmlns:a="http://schemas.openxmlformats.org/drawingml/2006/main" xmlns:r="http://schemas.openxmlformats.org/officeDocument/2006/relationships" xmlns:p="http://schemas.openxmlformats.org/presentationml/2006/main">
+  <p:cSld>
+    <p:spTree>
+      <p:nvGrpSpPr>
+        <p:cNvPr id="1" name=""/>
+        <p:cNvGrpSpPr/>
+        <p:nvPr/>
+      </p:nvGrpSpPr>
+      <p:grpSpPr>
+        <a:xfrm>
+          <a:off x="0" y="0"/>
+          <a:ext cx="0" cy="0"/>
+          <a:chOff x="0" y="0"/>
+          <a:chExt cx="0" cy="0"/>
+        </a:xfrm>
+      </p:grpSpPr>
+      <p:sp>
+        <p:nvSpPr>
+          <p:cNvPr id="3" name="标题 2"/>
+          <p:cNvSpPr>
+            <a:spLocks noGrp="1"/>
+          </p:cNvSpPr>
+          <p:nvPr>
+            <p:ph type="title"/>
+          </p:nvPr>
+        </p:nvSpPr>
+        <p:spPr/>
+        <p:txBody>
+          <a:bodyPr/>
+          <a:lstStyle/>
+          <a:p>
+            <a:r>
+              <a:rPr kumimoji="1" lang="zh-CN" altLang="en-US" dirty="0" smtClean="0"/>
+              <a:t>微信预约场景</a:t>
+            </a:r>
+            <a:r>
+              <a:rPr kumimoji="1" lang="en-US" altLang="zh-CN" dirty="0" smtClean="0"/>
+              <a:t/>
+            </a:r>
+            <a:br>
+              <a:rPr kumimoji="1" lang="en-US" altLang="zh-CN" dirty="0" smtClean="0"/>
+            </a:br>
+            <a:endParaRPr kumimoji="1" lang="zh-CN" altLang="en-US" dirty="0"/>
+          </a:p>
+        </p:txBody>
+      </p:sp>
+      <p:sp>
+        <p:nvSpPr>
+          <p:cNvPr id="5" name="圆角矩形 4"/>
+          <p:cNvSpPr/>
+          <p:nvPr/>
+        </p:nvSpPr>
+        <p:spPr>
+          <a:xfrm>
+            <a:off x="263352" y="1683296"/>
+            <a:ext cx="1296144" cy="720080"/>
+          </a:xfrm>
+          <a:prstGeom prst="roundRect">
+            <a:avLst/>
+          </a:prstGeom>
+          <a:solidFill>
+            <a:schemeClr val="bg1"/>
+          </a:solidFill>
+          <a:ln w="12700">
+            <a:solidFill>
+              <a:schemeClr val="tx2">
+                <a:lumMod val="75000"/>
+              </a:schemeClr>
+            </a:solidFill>
+          </a:ln>
+        </p:spPr>
+        <p:style>
+          <a:lnRef idx="2">
+            <a:schemeClr val="accent1">
+              <a:shade val="50000"/>
+            </a:schemeClr>
+          </a:lnRef>
+          <a:fillRef idx="1">
+            <a:schemeClr val="accent1"/>
+          </a:fillRef>
+          <a:effectRef idx="0">
+            <a:schemeClr val="accent1"/>
+          </a:effectRef>
+          <a:fontRef idx="minor">
+            <a:schemeClr val="lt1"/>
+          </a:fontRef>
+        </p:style>
+        <p:txBody>
+          <a:bodyPr rtlCol="0" anchor="ctr"/>
+          <a:lstStyle/>
+          <a:p>
+            <a:pPr algn="ctr"/>
+            <a:r>
+              <a:rPr kumimoji="1" lang="zh-CN" altLang="en-US" dirty="0" smtClean="0">
+                <a:solidFill>
+                  <a:schemeClr val="tx2"/>
+                </a:solidFill>
+                <a:latin typeface="Microsoft YaHei" charset="0"/>
+                <a:ea typeface="Microsoft YaHei" charset="0"/>
+                <a:cs typeface="Microsoft YaHei" charset="0"/>
+              </a:rPr>
+              <a:t>微信公众号</a:t>
+            </a:r>
+            <a:endParaRPr kumimoji="1" lang="zh-CN" altLang="en-US" dirty="0">
+              <a:solidFill>
+                <a:schemeClr val="tx2"/>
+              </a:solidFill>
+              <a:latin typeface="Microsoft YaHei" charset="0"/>
+              <a:ea typeface="Microsoft YaHei" charset="0"/>
+              <a:cs typeface="Microsoft YaHei" charset="0"/>
+            </a:endParaRPr>
+          </a:p>
+        </p:txBody>
+      </p:sp>
+      <p:sp>
+        <p:nvSpPr>
+          <p:cNvPr id="7" name="圆角矩形 6"/>
+          <p:cNvSpPr/>
+          <p:nvPr/>
+        </p:nvSpPr>
+        <p:spPr>
+          <a:xfrm>
+            <a:off x="1991544" y="1683296"/>
+            <a:ext cx="1296144" cy="720080"/>
+          </a:xfrm>
+          <a:prstGeom prst="roundRect">
+            <a:avLst/>
+          </a:prstGeom>
+          <a:solidFill>
+            <a:schemeClr val="bg1"/>
+          </a:solidFill>
+          <a:ln w="12700">
+            <a:solidFill>
+              <a:schemeClr val="tx2">
+                <a:lumMod val="75000"/>
+              </a:schemeClr>
+            </a:solidFill>
+          </a:ln>
+        </p:spPr>
+        <p:style>
+          <a:lnRef idx="2">
+            <a:schemeClr val="accent1">
+              <a:shade val="50000"/>
+            </a:schemeClr>
+          </a:lnRef>
+          <a:fillRef idx="1">
+            <a:schemeClr val="accent1"/>
+          </a:fillRef>
+          <a:effectRef idx="0">
+            <a:schemeClr val="accent1"/>
+          </a:effectRef>
+          <a:fontRef idx="minor">
+            <a:schemeClr val="lt1"/>
+          </a:fontRef>
+        </p:style>
+        <p:txBody>
+          <a:bodyPr rtlCol="0" anchor="ctr"/>
+          <a:lstStyle/>
+          <a:p>
+            <a:pPr algn="ctr"/>
+            <a:r>
+              <a:rPr kumimoji="1" lang="zh-CN" altLang="en-US" dirty="0" smtClean="0">
+                <a:solidFill>
+                  <a:schemeClr val="tx2"/>
+                </a:solidFill>
+                <a:latin typeface="Microsoft YaHei" charset="0"/>
+                <a:ea typeface="Microsoft YaHei" charset="0"/>
+                <a:cs typeface="Microsoft YaHei" charset="0"/>
+              </a:rPr>
+              <a:t>艺人展示页面</a:t>
+            </a:r>
+            <a:endParaRPr kumimoji="1" lang="zh-CN" altLang="en-US" dirty="0">
+              <a:solidFill>
+                <a:schemeClr val="tx2"/>
+              </a:solidFill>
+              <a:latin typeface="Microsoft YaHei" charset="0"/>
+              <a:ea typeface="Microsoft YaHei" charset="0"/>
+              <a:cs typeface="Microsoft YaHei" charset="0"/>
+            </a:endParaRPr>
+          </a:p>
+        </p:txBody>
+      </p:sp>
+      <p:sp>
+        <p:nvSpPr>
+          <p:cNvPr id="8" name="圆角矩形 7"/>
+          <p:cNvSpPr/>
+          <p:nvPr/>
+        </p:nvSpPr>
+        <p:spPr>
+          <a:xfrm>
+            <a:off x="3791744" y="1671381"/>
+            <a:ext cx="1296144" cy="720080"/>
+          </a:xfrm>
+          <a:prstGeom prst="roundRect">
+            <a:avLst/>
+          </a:prstGeom>
+          <a:solidFill>
+            <a:schemeClr val="bg1"/>
+          </a:solidFill>
+          <a:ln w="12700">
+            <a:solidFill>
+              <a:schemeClr val="tx2">
+                <a:lumMod val="75000"/>
+              </a:schemeClr>
+            </a:solidFill>
+          </a:ln>
+        </p:spPr>
+        <p:style>
+          <a:lnRef idx="2">
+            <a:schemeClr val="accent1">
+              <a:shade val="50000"/>
+            </a:schemeClr>
+          </a:lnRef>
+          <a:fillRef idx="1">
+            <a:schemeClr val="accent1"/>
+          </a:fillRef>
+          <a:effectRef idx="0">
+            <a:schemeClr val="accent1"/>
+          </a:effectRef>
+          <a:fontRef idx="minor">
+            <a:schemeClr val="lt1"/>
+          </a:fontRef>
+        </p:style>
+        <p:txBody>
+          <a:bodyPr rtlCol="0" anchor="ctr"/>
+          <a:lstStyle/>
+          <a:p>
+            <a:pPr algn="ctr"/>
+            <a:r>
+              <a:rPr kumimoji="1" lang="zh-CN" altLang="en-US" dirty="0" smtClean="0">
+                <a:solidFill>
+                  <a:schemeClr val="tx2"/>
+                </a:solidFill>
+                <a:latin typeface="Microsoft YaHei" charset="0"/>
+                <a:ea typeface="Microsoft YaHei" charset="0"/>
+                <a:cs typeface="Microsoft YaHei" charset="0"/>
+              </a:rPr>
+              <a:t>作品展示页面</a:t>
+            </a:r>
+            <a:endParaRPr kumimoji="1" lang="zh-CN" altLang="en-US" dirty="0">
+              <a:solidFill>
+                <a:schemeClr val="tx2"/>
+              </a:solidFill>
+              <a:latin typeface="Microsoft YaHei" charset="0"/>
+              <a:ea typeface="Microsoft YaHei" charset="0"/>
+              <a:cs typeface="Microsoft YaHei" charset="0"/>
+            </a:endParaRPr>
+          </a:p>
+        </p:txBody>
+      </p:sp>
+      <p:sp>
+        <p:nvSpPr>
+          <p:cNvPr id="10" name="菱形 9"/>
+          <p:cNvSpPr/>
+          <p:nvPr/>
+        </p:nvSpPr>
+        <p:spPr>
+          <a:xfrm>
+            <a:off x="5591944" y="1383349"/>
+            <a:ext cx="1440160" cy="1296144"/>
+          </a:xfrm>
+          <a:prstGeom prst="diamond">
+            <a:avLst/>
+          </a:prstGeom>
+          <a:solidFill>
+            <a:schemeClr val="bg1"/>
+          </a:solidFill>
+          <a:ln w="12700">
+            <a:solidFill>
+              <a:schemeClr val="tx2">
+                <a:lumMod val="75000"/>
+              </a:schemeClr>
+            </a:solidFill>
+          </a:ln>
+        </p:spPr>
+        <p:style>
+          <a:lnRef idx="2">
+            <a:schemeClr val="accent1">
+              <a:shade val="50000"/>
+            </a:schemeClr>
+          </a:lnRef>
+          <a:fillRef idx="1">
+            <a:schemeClr val="accent1"/>
+          </a:fillRef>
+          <a:effectRef idx="0">
+            <a:schemeClr val="accent1"/>
+          </a:effectRef>
+          <a:fontRef idx="minor">
+            <a:schemeClr val="lt1"/>
+          </a:fontRef>
+        </p:style>
+        <p:txBody>
+          <a:bodyPr rtlCol="0" anchor="ctr"/>
+          <a:lstStyle/>
+          <a:p>
+            <a:pPr algn="ctr"/>
+            <a:r>
+              <a:rPr kumimoji="1" lang="zh-CN" altLang="en-US" dirty="0" smtClean="0">
+                <a:solidFill>
+                  <a:schemeClr val="tx2"/>
+                </a:solidFill>
+                <a:latin typeface="Microsoft YaHei" charset="0"/>
+                <a:ea typeface="Microsoft YaHei" charset="0"/>
+                <a:cs typeface="Microsoft YaHei" charset="0"/>
+              </a:rPr>
+              <a:t>立即约</a:t>
+            </a:r>
+            <a:endParaRPr kumimoji="1" lang="zh-CN" altLang="en-US" dirty="0">
+              <a:solidFill>
+                <a:schemeClr val="tx2"/>
+              </a:solidFill>
+              <a:latin typeface="Microsoft YaHei" charset="0"/>
+              <a:ea typeface="Microsoft YaHei" charset="0"/>
+              <a:cs typeface="Microsoft YaHei" charset="0"/>
+            </a:endParaRPr>
+          </a:p>
+        </p:txBody>
+      </p:sp>
+      <p:sp>
+        <p:nvSpPr>
+          <p:cNvPr id="11" name="圆角矩形 10"/>
+          <p:cNvSpPr/>
+          <p:nvPr/>
+        </p:nvSpPr>
+        <p:spPr>
+          <a:xfrm>
+            <a:off x="8144768" y="1671381"/>
+            <a:ext cx="1296144" cy="720080"/>
+          </a:xfrm>
+          <a:prstGeom prst="roundRect">
+            <a:avLst/>
+          </a:prstGeom>
+          <a:solidFill>
+            <a:schemeClr val="bg1"/>
+          </a:solidFill>
+          <a:ln w="12700">
+            <a:solidFill>
+              <a:schemeClr val="tx2">
+                <a:lumMod val="75000"/>
+              </a:schemeClr>
+            </a:solidFill>
+          </a:ln>
+        </p:spPr>
+        <p:style>
+          <a:lnRef idx="2">
+            <a:schemeClr val="accent1">
+              <a:shade val="50000"/>
+            </a:schemeClr>
+          </a:lnRef>
+          <a:fillRef idx="1">
+            <a:schemeClr val="accent1"/>
+          </a:fillRef>
+          <a:effectRef idx="0">
+            <a:schemeClr val="accent1"/>
+          </a:effectRef>
+          <a:fontRef idx="minor">
+            <a:schemeClr val="lt1"/>
+          </a:fontRef>
+        </p:style>
+        <p:txBody>
+          <a:bodyPr rtlCol="0" anchor="ctr"/>
+          <a:lstStyle/>
+          <a:p>
+            <a:pPr algn="ctr"/>
+            <a:r>
+              <a:rPr kumimoji="1" lang="zh-CN" altLang="en-US" dirty="0" smtClean="0">
+                <a:solidFill>
+                  <a:schemeClr val="tx2"/>
+                </a:solidFill>
+                <a:latin typeface="Microsoft YaHei" charset="0"/>
+                <a:ea typeface="Microsoft YaHei" charset="0"/>
+                <a:cs typeface="Microsoft YaHei" charset="0"/>
+              </a:rPr>
+              <a:t>预约订单填写页面</a:t>
+            </a:r>
+            <a:endParaRPr kumimoji="1" lang="zh-CN" altLang="en-US" dirty="0">
+              <a:solidFill>
+                <a:schemeClr val="tx2"/>
+              </a:solidFill>
+              <a:latin typeface="Microsoft YaHei" charset="0"/>
+              <a:ea typeface="Microsoft YaHei" charset="0"/>
+              <a:cs typeface="Microsoft YaHei" charset="0"/>
+            </a:endParaRPr>
+          </a:p>
+        </p:txBody>
+      </p:sp>
+      <p:sp>
+        <p:nvSpPr>
+          <p:cNvPr id="12" name="圆角矩形 11"/>
+          <p:cNvSpPr/>
+          <p:nvPr/>
+        </p:nvSpPr>
+        <p:spPr>
+          <a:xfrm>
+            <a:off x="5663952" y="3140968"/>
+            <a:ext cx="1296144" cy="720080"/>
+          </a:xfrm>
+          <a:prstGeom prst="roundRect">
+            <a:avLst/>
+          </a:prstGeom>
+          <a:solidFill>
+            <a:schemeClr val="bg1"/>
+          </a:solidFill>
+          <a:ln w="12700">
+            <a:solidFill>
+              <a:schemeClr val="tx2">
+                <a:lumMod val="75000"/>
+              </a:schemeClr>
+            </a:solidFill>
+          </a:ln>
+        </p:spPr>
+        <p:style>
+          <a:lnRef idx="2">
+            <a:schemeClr val="accent1">
+              <a:shade val="50000"/>
+            </a:schemeClr>
+          </a:lnRef>
+          <a:fillRef idx="1">
+            <a:schemeClr val="accent1"/>
+          </a:fillRef>
+          <a:effectRef idx="0">
+            <a:schemeClr val="accent1"/>
+          </a:effectRef>
+          <a:fontRef idx="minor">
+            <a:schemeClr val="lt1"/>
+          </a:fontRef>
+        </p:style>
+        <p:txBody>
+          <a:bodyPr rtlCol="0" anchor="ctr"/>
+          <a:lstStyle/>
+          <a:p>
+            <a:pPr algn="ctr"/>
+            <a:r>
+              <a:rPr kumimoji="1" lang="zh-CN" altLang="en-US" dirty="0" smtClean="0">
+                <a:solidFill>
+                  <a:schemeClr val="tx2"/>
+                </a:solidFill>
+                <a:latin typeface="Microsoft YaHei" charset="0"/>
+                <a:ea typeface="Microsoft YaHei" charset="0"/>
+                <a:cs typeface="Microsoft YaHei" charset="0"/>
+              </a:rPr>
+              <a:t>注册页面</a:t>
+            </a:r>
+            <a:endParaRPr kumimoji="1" lang="zh-CN" altLang="en-US" dirty="0">
+              <a:solidFill>
+                <a:schemeClr val="tx2"/>
+              </a:solidFill>
+              <a:latin typeface="Microsoft YaHei" charset="0"/>
+              <a:ea typeface="Microsoft YaHei" charset="0"/>
+              <a:cs typeface="Microsoft YaHei" charset="0"/>
+            </a:endParaRPr>
+          </a:p>
+        </p:txBody>
+      </p:sp>
+      <p:sp>
+        <p:nvSpPr>
+          <p:cNvPr id="13" name="菱形 12"/>
+          <p:cNvSpPr/>
+          <p:nvPr/>
+        </p:nvSpPr>
+        <p:spPr>
+          <a:xfrm>
+            <a:off x="5591944" y="4293096"/>
+            <a:ext cx="1440160" cy="1296144"/>
+          </a:xfrm>
+          <a:prstGeom prst="diamond">
+            <a:avLst/>
+          </a:prstGeom>
+          <a:solidFill>
+            <a:schemeClr val="bg1"/>
+          </a:solidFill>
+          <a:ln w="12700">
+            <a:solidFill>
+              <a:schemeClr val="tx2">
+                <a:lumMod val="75000"/>
+              </a:schemeClr>
+            </a:solidFill>
+          </a:ln>
+        </p:spPr>
+        <p:style>
+          <a:lnRef idx="2">
+            <a:schemeClr val="accent1">
+              <a:shade val="50000"/>
+            </a:schemeClr>
+          </a:lnRef>
+          <a:fillRef idx="1">
+            <a:schemeClr val="accent1"/>
+          </a:fillRef>
+          <a:effectRef idx="0">
+            <a:schemeClr val="accent1"/>
+          </a:effectRef>
+          <a:fontRef idx="minor">
+            <a:schemeClr val="lt1"/>
+          </a:fontRef>
+        </p:style>
+        <p:txBody>
+          <a:bodyPr rtlCol="0" anchor="ctr"/>
+          <a:lstStyle/>
+          <a:p>
+            <a:pPr algn="ctr"/>
+            <a:r>
+              <a:rPr kumimoji="1" lang="zh-CN" altLang="en-US" dirty="0" smtClean="0">
+                <a:solidFill>
+                  <a:schemeClr val="tx2"/>
+                </a:solidFill>
+                <a:latin typeface="Microsoft YaHei" charset="0"/>
+                <a:ea typeface="Microsoft YaHei" charset="0"/>
+                <a:cs typeface="Microsoft YaHei" charset="0"/>
+              </a:rPr>
+              <a:t>是否成功</a:t>
+            </a:r>
+            <a:endParaRPr kumimoji="1" lang="zh-CN" altLang="en-US" dirty="0">
+              <a:solidFill>
+                <a:schemeClr val="tx2"/>
+              </a:solidFill>
+              <a:latin typeface="Microsoft YaHei" charset="0"/>
+              <a:ea typeface="Microsoft YaHei" charset="0"/>
+              <a:cs typeface="Microsoft YaHei" charset="0"/>
+            </a:endParaRPr>
+          </a:p>
+        </p:txBody>
+      </p:sp>
+      <p:sp>
+        <p:nvSpPr>
+          <p:cNvPr id="14" name="圆角矩形 13"/>
+          <p:cNvSpPr/>
+          <p:nvPr/>
+        </p:nvSpPr>
+        <p:spPr>
+          <a:xfrm>
+            <a:off x="5663952" y="6021288"/>
+            <a:ext cx="1296144" cy="720080"/>
+          </a:xfrm>
+          <a:prstGeom prst="roundRect">
+            <a:avLst/>
+          </a:prstGeom>
+          <a:solidFill>
+            <a:schemeClr val="bg1"/>
+          </a:solidFill>
+          <a:ln w="12700">
+            <a:solidFill>
+              <a:schemeClr val="tx2">
+                <a:lumMod val="75000"/>
+              </a:schemeClr>
+            </a:solidFill>
+          </a:ln>
+        </p:spPr>
+        <p:style>
+          <a:lnRef idx="2">
+            <a:schemeClr val="accent1">
+              <a:shade val="50000"/>
+            </a:schemeClr>
+          </a:lnRef>
+          <a:fillRef idx="1">
+            <a:schemeClr val="accent1"/>
+          </a:fillRef>
+          <a:effectRef idx="0">
+            <a:schemeClr val="accent1"/>
+          </a:effectRef>
+          <a:fontRef idx="minor">
+            <a:schemeClr val="lt1"/>
+          </a:fontRef>
+        </p:style>
+        <p:txBody>
+          <a:bodyPr rtlCol="0" anchor="ctr"/>
+          <a:lstStyle/>
+          <a:p>
+            <a:pPr algn="ctr"/>
+            <a:r>
+              <a:rPr kumimoji="1" lang="zh-CN" altLang="en-US" dirty="0" smtClean="0">
+                <a:solidFill>
+                  <a:schemeClr val="tx2"/>
+                </a:solidFill>
+                <a:latin typeface="Microsoft YaHei" charset="0"/>
+                <a:ea typeface="Microsoft YaHei" charset="0"/>
+                <a:cs typeface="Microsoft YaHei" charset="0"/>
+              </a:rPr>
+              <a:t>注册页面</a:t>
+            </a:r>
+            <a:endParaRPr kumimoji="1" lang="zh-CN" altLang="en-US" dirty="0">
+              <a:solidFill>
+                <a:schemeClr val="tx2"/>
+              </a:solidFill>
+              <a:latin typeface="Microsoft YaHei" charset="0"/>
+              <a:ea typeface="Microsoft YaHei" charset="0"/>
+              <a:cs typeface="Microsoft YaHei" charset="0"/>
+            </a:endParaRPr>
+          </a:p>
+        </p:txBody>
+      </p:sp>
+      <p:cxnSp>
+        <p:nvCxnSpPr>
+          <p:cNvPr id="16" name="直线箭头连接符 15"/>
+          <p:cNvCxnSpPr>
+            <a:stCxn id="5" idx="3"/>
+            <a:endCxn id="7" idx="1"/>
+          </p:cNvCxnSpPr>
+          <p:nvPr/>
+        </p:nvCxnSpPr>
+        <p:spPr>
+          <a:xfrm>
+            <a:off x="1559496" y="2043336"/>
+            <a:ext cx="432048" cy="0"/>
+          </a:xfrm>
+          <a:prstGeom prst="straightConnector1">
+            <a:avLst/>
+          </a:prstGeom>
+          <a:ln>
+            <a:solidFill>
+              <a:schemeClr val="tx2">
+                <a:lumMod val="75000"/>
+              </a:schemeClr>
+            </a:solidFill>
+            <a:tailEnd type="arrow"/>
+          </a:ln>
+        </p:spPr>
+        <p:style>
+          <a:lnRef idx="1">
+            <a:schemeClr val="accent1"/>
+          </a:lnRef>
+          <a:fillRef idx="0">
+            <a:schemeClr val="accent1"/>
+          </a:fillRef>
+          <a:effectRef idx="0">
+            <a:schemeClr val="accent1"/>
+          </a:effectRef>
+          <a:fontRef idx="minor">
+            <a:schemeClr val="tx1"/>
+          </a:fontRef>
+        </p:style>
+      </p:cxnSp>
+      <p:cxnSp>
+        <p:nvCxnSpPr>
+          <p:cNvPr id="21" name="直线箭头连接符 20"/>
+          <p:cNvCxnSpPr>
+            <a:stCxn id="7" idx="3"/>
+            <a:endCxn id="8" idx="1"/>
+          </p:cNvCxnSpPr>
+          <p:nvPr/>
+        </p:nvCxnSpPr>
+        <p:spPr>
+          <a:xfrm flipV="1">
+            <a:off x="3287688" y="2031421"/>
+            <a:ext cx="504056" cy="11915"/>
+          </a:xfrm>
+          <a:prstGeom prst="straightConnector1">
+            <a:avLst/>
+          </a:prstGeom>
+          <a:ln>
+            <a:solidFill>
+              <a:schemeClr val="tx2">
+                <a:lumMod val="75000"/>
+              </a:schemeClr>
+            </a:solidFill>
+            <a:tailEnd type="arrow"/>
+          </a:ln>
+        </p:spPr>
+        <p:style>
+          <a:lnRef idx="1">
+            <a:schemeClr val="accent1"/>
+          </a:lnRef>
+          <a:fillRef idx="0">
+            <a:schemeClr val="accent1"/>
+          </a:fillRef>
+          <a:effectRef idx="0">
+            <a:schemeClr val="accent1"/>
+          </a:effectRef>
+          <a:fontRef idx="minor">
+            <a:schemeClr val="tx1"/>
+          </a:fontRef>
+        </p:style>
+      </p:cxnSp>
+      <p:cxnSp>
+        <p:nvCxnSpPr>
+          <p:cNvPr id="23" name="直线箭头连接符 22"/>
+          <p:cNvCxnSpPr>
+            <a:stCxn id="8" idx="3"/>
+            <a:endCxn id="10" idx="1"/>
+          </p:cNvCxnSpPr>
+          <p:nvPr/>
+        </p:nvCxnSpPr>
+        <p:spPr>
+          <a:xfrm>
+            <a:off x="5087888" y="2031421"/>
+            <a:ext cx="504056" cy="0"/>
+          </a:xfrm>
+          <a:prstGeom prst="straightConnector1">
+            <a:avLst/>
+          </a:prstGeom>
+          <a:ln>
+            <a:solidFill>
+              <a:schemeClr val="tx2">
+                <a:lumMod val="75000"/>
+              </a:schemeClr>
+            </a:solidFill>
+            <a:tailEnd type="arrow"/>
+          </a:ln>
+        </p:spPr>
+        <p:style>
+          <a:lnRef idx="1">
+            <a:schemeClr val="accent1"/>
+          </a:lnRef>
+          <a:fillRef idx="0">
+            <a:schemeClr val="accent1"/>
+          </a:fillRef>
+          <a:effectRef idx="0">
+            <a:schemeClr val="accent1"/>
+          </a:effectRef>
+          <a:fontRef idx="minor">
+            <a:schemeClr val="tx1"/>
+          </a:fontRef>
+        </p:style>
+      </p:cxnSp>
+      <p:cxnSp>
+        <p:nvCxnSpPr>
+          <p:cNvPr id="27" name="直线箭头连接符 26"/>
+          <p:cNvCxnSpPr>
+            <a:stCxn id="10" idx="2"/>
+            <a:endCxn id="12" idx="0"/>
+          </p:cNvCxnSpPr>
+          <p:nvPr/>
+        </p:nvCxnSpPr>
+        <p:spPr>
+          <a:xfrm>
+            <a:off x="6312024" y="2679493"/>
+            <a:ext cx="0" cy="461475"/>
+          </a:xfrm>
+          <a:prstGeom prst="straightConnector1">
+            <a:avLst/>
+          </a:prstGeom>
+          <a:ln>
+            <a:solidFill>
+              <a:schemeClr val="tx2">
+                <a:lumMod val="75000"/>
+              </a:schemeClr>
+            </a:solidFill>
+            <a:tailEnd type="arrow"/>
+          </a:ln>
+        </p:spPr>
+        <p:style>
+          <a:lnRef idx="1">
+            <a:schemeClr val="accent1"/>
+          </a:lnRef>
+          <a:fillRef idx="0">
+            <a:schemeClr val="accent1"/>
+          </a:fillRef>
+          <a:effectRef idx="0">
+            <a:schemeClr val="accent1"/>
+          </a:effectRef>
+          <a:fontRef idx="minor">
+            <a:schemeClr val="tx1"/>
+          </a:fontRef>
+        </p:style>
+      </p:cxnSp>
+      <p:cxnSp>
+        <p:nvCxnSpPr>
+          <p:cNvPr id="30" name="直线箭头连接符 29"/>
+          <p:cNvCxnSpPr>
+            <a:stCxn id="12" idx="2"/>
+            <a:endCxn id="13" idx="0"/>
+          </p:cNvCxnSpPr>
+          <p:nvPr/>
+        </p:nvCxnSpPr>
+        <p:spPr>
+          <a:xfrm>
+            <a:off x="6312024" y="3861048"/>
+            <a:ext cx="0" cy="432048"/>
+          </a:xfrm>
+          <a:prstGeom prst="straightConnector1">
+            <a:avLst/>
+          </a:prstGeom>
+          <a:ln>
+            <a:solidFill>
+              <a:schemeClr val="tx2">
+                <a:lumMod val="75000"/>
+              </a:schemeClr>
+            </a:solidFill>
+            <a:tailEnd type="arrow"/>
+          </a:ln>
+        </p:spPr>
+        <p:style>
+          <a:lnRef idx="1">
+            <a:schemeClr val="accent1"/>
+          </a:lnRef>
+          <a:fillRef idx="0">
+            <a:schemeClr val="accent1"/>
+          </a:fillRef>
+          <a:effectRef idx="0">
+            <a:schemeClr val="accent1"/>
+          </a:effectRef>
+          <a:fontRef idx="minor">
+            <a:schemeClr val="tx1"/>
+          </a:fontRef>
+        </p:style>
+      </p:cxnSp>
+      <p:cxnSp>
+        <p:nvCxnSpPr>
+          <p:cNvPr id="32" name="直线箭头连接符 31"/>
+          <p:cNvCxnSpPr>
+            <a:stCxn id="13" idx="2"/>
+            <a:endCxn id="14" idx="0"/>
+          </p:cNvCxnSpPr>
+          <p:nvPr/>
+        </p:nvCxnSpPr>
+        <p:spPr>
+          <a:xfrm>
+            <a:off x="6312024" y="5589240"/>
+            <a:ext cx="0" cy="432048"/>
+          </a:xfrm>
+          <a:prstGeom prst="straightConnector1">
+            <a:avLst/>
+          </a:prstGeom>
+          <a:ln>
+            <a:solidFill>
+              <a:schemeClr val="tx2">
+                <a:lumMod val="75000"/>
+              </a:schemeClr>
+            </a:solidFill>
+            <a:tailEnd type="arrow"/>
+          </a:ln>
+        </p:spPr>
+        <p:style>
+          <a:lnRef idx="1">
+            <a:schemeClr val="accent1"/>
+          </a:lnRef>
+          <a:fillRef idx="0">
+            <a:schemeClr val="accent1"/>
+          </a:fillRef>
+          <a:effectRef idx="0">
+            <a:schemeClr val="accent1"/>
+          </a:effectRef>
+          <a:fontRef idx="minor">
+            <a:schemeClr val="tx1"/>
+          </a:fontRef>
+        </p:style>
+      </p:cxnSp>
+      <p:cxnSp>
+        <p:nvCxnSpPr>
+          <p:cNvPr id="36" name="直线箭头连接符 35"/>
+          <p:cNvCxnSpPr>
+            <a:stCxn id="10" idx="3"/>
+            <a:endCxn id="11" idx="1"/>
+          </p:cNvCxnSpPr>
+          <p:nvPr/>
+        </p:nvCxnSpPr>
+        <p:spPr>
+          <a:xfrm>
+            <a:off x="7032104" y="2031421"/>
+            <a:ext cx="1112664" cy="0"/>
+          </a:xfrm>
+          <a:prstGeom prst="straightConnector1">
+            <a:avLst/>
+          </a:prstGeom>
+          <a:ln>
+            <a:solidFill>
+              <a:schemeClr val="tx2">
+                <a:lumMod val="75000"/>
+              </a:schemeClr>
+            </a:solidFill>
+            <a:tailEnd type="arrow"/>
+          </a:ln>
+        </p:spPr>
+        <p:style>
+          <a:lnRef idx="1">
+            <a:schemeClr val="accent1"/>
+          </a:lnRef>
+          <a:fillRef idx="0">
+            <a:schemeClr val="accent1"/>
+          </a:fillRef>
+          <a:effectRef idx="0">
+            <a:schemeClr val="accent1"/>
+          </a:effectRef>
+          <a:fontRef idx="minor">
+            <a:schemeClr val="tx1"/>
+          </a:fontRef>
+        </p:style>
+      </p:cxnSp>
+      <p:cxnSp>
+        <p:nvCxnSpPr>
+          <p:cNvPr id="38" name="肘形连接符 37"/>
+          <p:cNvCxnSpPr/>
+          <p:nvPr/>
+        </p:nvCxnSpPr>
+        <p:spPr>
+          <a:xfrm rot="5400000" flipH="1" flipV="1">
+            <a:off x="6646664" y="2758008"/>
+            <a:ext cx="2555304" cy="1737048"/>
+          </a:xfrm>
+          <a:prstGeom prst="bentConnector3">
+            <a:avLst>
+              <a:gd name="adj1" fmla="val -1026"/>
+            </a:avLst>
+          </a:prstGeom>
+          <a:ln>
+            <a:solidFill>
+              <a:schemeClr val="tx2">
+                <a:lumMod val="75000"/>
+              </a:schemeClr>
+            </a:solidFill>
+            <a:tailEnd type="arrow"/>
+          </a:ln>
+        </p:spPr>
+        <p:style>
+          <a:lnRef idx="1">
+            <a:schemeClr val="accent1"/>
+          </a:lnRef>
+          <a:fillRef idx="0">
+            <a:schemeClr val="accent1"/>
+          </a:fillRef>
+          <a:effectRef idx="0">
+            <a:schemeClr val="accent1"/>
+          </a:effectRef>
+          <a:fontRef idx="minor">
+            <a:schemeClr val="tx1"/>
+          </a:fontRef>
+        </p:style>
+      </p:cxnSp>
+      <p:sp>
+        <p:nvSpPr>
+          <p:cNvPr id="41" name="文本框 40"/>
+          <p:cNvSpPr txBox="1"/>
+          <p:nvPr/>
+        </p:nvSpPr>
+        <p:spPr>
+          <a:xfrm>
+            <a:off x="6331756" y="5579949"/>
+            <a:ext cx="1256680" cy="369332"/>
+          </a:xfrm>
+          <a:prstGeom prst="rect">
+            <a:avLst/>
+          </a:prstGeom>
+          <a:noFill/>
+        </p:spPr>
+        <p:txBody>
+          <a:bodyPr wrap="square" rtlCol="0">
+            <a:spAutoFit/>
+          </a:bodyPr>
+          <a:lstStyle/>
+          <a:p>
+            <a:r>
+              <a:rPr kumimoji="1" lang="zh-CN" altLang="en-US" dirty="0" smtClean="0">
+                <a:latin typeface="Microsoft YaHei" charset="0"/>
+                <a:ea typeface="Microsoft YaHei" charset="0"/>
+                <a:cs typeface="Microsoft YaHei" charset="0"/>
+              </a:rPr>
+              <a:t>否</a:t>
+            </a:r>
+          </a:p>
+        </p:txBody>
+      </p:sp>
+      <p:sp>
+        <p:nvSpPr>
+          <p:cNvPr id="42" name="文本框 41"/>
+          <p:cNvSpPr txBox="1"/>
+          <p:nvPr/>
+        </p:nvSpPr>
+        <p:spPr>
+          <a:xfrm>
+            <a:off x="7336408" y="4556307"/>
+            <a:ext cx="592336" cy="369332"/>
+          </a:xfrm>
+          <a:prstGeom prst="rect">
+            <a:avLst/>
+          </a:prstGeom>
+          <a:noFill/>
+        </p:spPr>
+        <p:txBody>
+          <a:bodyPr wrap="square" rtlCol="0">
+            <a:spAutoFit/>
+          </a:bodyPr>
+          <a:lstStyle/>
+          <a:p>
+            <a:r>
+              <a:rPr kumimoji="1" lang="zh-CN" altLang="en-US" dirty="0" smtClean="0">
+                <a:latin typeface="Microsoft YaHei" charset="0"/>
+                <a:ea typeface="Microsoft YaHei" charset="0"/>
+                <a:cs typeface="Microsoft YaHei" charset="0"/>
+              </a:rPr>
+              <a:t>是</a:t>
+            </a:r>
+          </a:p>
+        </p:txBody>
+      </p:sp>
+      <p:sp>
+        <p:nvSpPr>
+          <p:cNvPr id="43" name="文本框 42"/>
+          <p:cNvSpPr txBox="1"/>
+          <p:nvPr/>
+        </p:nvSpPr>
+        <p:spPr>
+          <a:xfrm>
+            <a:off x="7032104" y="1671381"/>
+            <a:ext cx="896640" cy="369332"/>
+          </a:xfrm>
+          <a:prstGeom prst="rect">
+            <a:avLst/>
+          </a:prstGeom>
+          <a:noFill/>
+        </p:spPr>
+        <p:txBody>
+          <a:bodyPr wrap="square" rtlCol="0">
+            <a:spAutoFit/>
+          </a:bodyPr>
+          <a:lstStyle/>
+          <a:p>
+            <a:r>
+              <a:rPr kumimoji="1" lang="zh-CN" altLang="en-US" dirty="0" smtClean="0">
+                <a:latin typeface="Microsoft YaHei" charset="0"/>
+                <a:ea typeface="Microsoft YaHei" charset="0"/>
+                <a:cs typeface="Microsoft YaHei" charset="0"/>
+              </a:rPr>
+              <a:t>是会员</a:t>
+            </a:r>
+          </a:p>
+        </p:txBody>
+      </p:sp>
+      <p:sp>
+        <p:nvSpPr>
+          <p:cNvPr id="52" name="文本框 51"/>
+          <p:cNvSpPr txBox="1"/>
+          <p:nvPr/>
+        </p:nvSpPr>
+        <p:spPr>
+          <a:xfrm>
+            <a:off x="6272560" y="2679493"/>
+            <a:ext cx="1224136" cy="369332"/>
+          </a:xfrm>
+          <a:prstGeom prst="rect">
+            <a:avLst/>
+          </a:prstGeom>
+          <a:noFill/>
+        </p:spPr>
+        <p:txBody>
+          <a:bodyPr wrap="square" rtlCol="0">
+            <a:spAutoFit/>
+          </a:bodyPr>
+          <a:lstStyle/>
+          <a:p>
+            <a:r>
+              <a:rPr kumimoji="1" lang="zh-CN" altLang="en-US" dirty="0" smtClean="0">
+                <a:latin typeface="Microsoft YaHei" charset="0"/>
+                <a:ea typeface="Microsoft YaHei" charset="0"/>
+                <a:cs typeface="Microsoft YaHei" charset="0"/>
+              </a:rPr>
+              <a:t>非会员</a:t>
+            </a:r>
+          </a:p>
+        </p:txBody>
+      </p:sp>
+      <p:sp>
+        <p:nvSpPr>
+          <p:cNvPr id="18" name="文本框 17"/>
+          <p:cNvSpPr txBox="1"/>
+          <p:nvPr/>
+        </p:nvSpPr>
+        <p:spPr>
+          <a:xfrm>
+            <a:off x="7163484" y="4942909"/>
+            <a:ext cx="1524803" cy="646331"/>
+          </a:xfrm>
+          <a:prstGeom prst="rect">
+            <a:avLst/>
+          </a:prstGeom>
+          <a:noFill/>
+        </p:spPr>
+        <p:txBody>
+          <a:bodyPr wrap="square" rtlCol="0">
+            <a:spAutoFit/>
+          </a:bodyPr>
+          <a:lstStyle/>
+          <a:p>
+            <a:r>
+              <a:rPr kumimoji="1" lang="zh-CN" altLang="en-US" dirty="0" smtClean="0">
+                <a:latin typeface="Microsoft YaHei" charset="0"/>
+                <a:ea typeface="Microsoft YaHei" charset="0"/>
+                <a:cs typeface="Microsoft YaHei" charset="0"/>
+              </a:rPr>
+              <a:t>获取微信用户信息</a:t>
+            </a:r>
+          </a:p>
+        </p:txBody>
+      </p:sp>
+      <p:sp>
+        <p:nvSpPr>
+          <p:cNvPr id="34" name="圆角矩形 33"/>
+          <p:cNvSpPr/>
+          <p:nvPr/>
+        </p:nvSpPr>
+        <p:spPr>
+          <a:xfrm>
+            <a:off x="9912424" y="1680673"/>
+            <a:ext cx="2279576" cy="720080"/>
+          </a:xfrm>
+          <a:prstGeom prst="roundRect">
+            <a:avLst/>
+          </a:prstGeom>
+          <a:solidFill>
+            <a:schemeClr val="bg1"/>
+          </a:solidFill>
+          <a:ln w="12700">
+            <a:solidFill>
+              <a:schemeClr val="tx2">
+                <a:lumMod val="75000"/>
+              </a:schemeClr>
+            </a:solidFill>
+          </a:ln>
+        </p:spPr>
+        <p:style>
+          <a:lnRef idx="2">
+            <a:schemeClr val="accent1">
+              <a:shade val="50000"/>
+            </a:schemeClr>
+          </a:lnRef>
+          <a:fillRef idx="1">
+            <a:schemeClr val="accent1"/>
+          </a:fillRef>
+          <a:effectRef idx="0">
+            <a:schemeClr val="accent1"/>
+          </a:effectRef>
+          <a:fontRef idx="minor">
+            <a:schemeClr val="lt1"/>
+          </a:fontRef>
+        </p:style>
+        <p:txBody>
+          <a:bodyPr rtlCol="0" anchor="ctr"/>
+          <a:lstStyle/>
+          <a:p>
+            <a:pPr algn="ctr"/>
+            <a:r>
+              <a:rPr kumimoji="1" lang="zh-CN" altLang="en-US" dirty="0" smtClean="0">
+                <a:solidFill>
+                  <a:schemeClr val="tx2"/>
+                </a:solidFill>
+                <a:latin typeface="Microsoft YaHei" charset="0"/>
+                <a:ea typeface="Microsoft YaHei" charset="0"/>
+                <a:cs typeface="Microsoft YaHei" charset="0"/>
+              </a:rPr>
+              <a:t>通过公众号发送微信消息给微信用户</a:t>
+            </a:r>
+            <a:endParaRPr kumimoji="1" lang="zh-CN" altLang="en-US" dirty="0">
+              <a:solidFill>
+                <a:schemeClr val="tx2"/>
+              </a:solidFill>
+              <a:latin typeface="Microsoft YaHei" charset="0"/>
+              <a:ea typeface="Microsoft YaHei" charset="0"/>
+              <a:cs typeface="Microsoft YaHei" charset="0"/>
+            </a:endParaRPr>
+          </a:p>
+        </p:txBody>
+      </p:sp>
+      <p:cxnSp>
+        <p:nvCxnSpPr>
+          <p:cNvPr id="22" name="直线箭头连接符 21"/>
+          <p:cNvCxnSpPr>
+            <a:stCxn id="11" idx="3"/>
+            <a:endCxn id="34" idx="1"/>
+          </p:cNvCxnSpPr>
+          <p:nvPr/>
+        </p:nvCxnSpPr>
+        <p:spPr>
+          <a:xfrm>
+            <a:off x="9440912" y="2031421"/>
+            <a:ext cx="471512" cy="9292"/>
+          </a:xfrm>
+          <a:prstGeom prst="straightConnector1">
+            <a:avLst/>
+          </a:prstGeom>
+          <a:ln>
+            <a:solidFill>
+              <a:schemeClr val="tx2">
+                <a:lumMod val="75000"/>
+              </a:schemeClr>
+            </a:solidFill>
+            <a:tailEnd type="arrow"/>
+          </a:ln>
+        </p:spPr>
+        <p:style>
+          <a:lnRef idx="1">
+            <a:schemeClr val="accent1"/>
+          </a:lnRef>
+          <a:fillRef idx="0">
+            <a:schemeClr val="accent1"/>
+          </a:fillRef>
+          <a:effectRef idx="0">
+            <a:schemeClr val="accent1"/>
+          </a:effectRef>
+          <a:fontRef idx="minor">
+            <a:schemeClr val="tx1"/>
+          </a:fontRef>
+        </p:style>
+      </p:cxnSp>
+    </p:spTree>
+    <p:extLst>
+      <p:ext uri="{BB962C8B-B14F-4D97-AF65-F5344CB8AC3E}">
+        <p14:creationId xmlns:p14="http://schemas.microsoft.com/office/powerpoint/2010/main" val="381194323"/>
+      </p:ext>
+    </p:extLst>
+  </p:cSld>
+  <p:clrMapOvr>
+    <a:masterClrMapping/>
+  </p:clrMapOvr>
+</p:sld>
+</file>
+
 <file path=ppt/slides/slide2.xml><?xml version="1.0" encoding="utf-8"?>
 <p:sld xmlns:a="http://schemas.openxmlformats.org/drawingml/2006/main" xmlns:r="http://schemas.openxmlformats.org/officeDocument/2006/relationships" xmlns:p="http://schemas.openxmlformats.org/presentationml/2006/main">
   <p:cSld>
@@ -4645,94 +5852,6 @@
       </p:grpSpPr>
       <p:sp>
         <p:nvSpPr>
-          <p:cNvPr id="2" name="内容占位符 1"/>
-          <p:cNvSpPr>
-            <a:spLocks noGrp="1"/>
-          </p:cNvSpPr>
-          <p:nvPr>
-            <p:ph idx="13"/>
-          </p:nvPr>
-        </p:nvSpPr>
-        <p:spPr/>
-        <p:txBody>
-          <a:bodyPr>
-            <a:normAutofit fontScale="92500" lnSpcReduction="10000"/>
-          </a:bodyPr>
-          <a:lstStyle/>
-          <a:p>
-            <a:r>
-              <a:rPr kumimoji="1" lang="zh-CN" altLang="en-US" dirty="0" smtClean="0"/>
-              <a:t>网页登录注册</a:t>
-            </a:r>
-            <a:endParaRPr kumimoji="1" lang="en-US" altLang="zh-CN" dirty="0" smtClean="0"/>
-          </a:p>
-          <a:p>
-            <a:r>
-              <a:rPr kumimoji="1" lang="zh-CN" altLang="en-US" dirty="0" smtClean="0"/>
-              <a:t>微信公众号关注后登录注册</a:t>
-            </a:r>
-            <a:endParaRPr kumimoji="1" lang="en-US" altLang="zh-CN" dirty="0" smtClean="0"/>
-          </a:p>
-          <a:p>
-            <a:r>
-              <a:rPr kumimoji="1" lang="zh-CN" altLang="en-US" dirty="0" smtClean="0"/>
-              <a:t>网页活动预约</a:t>
-            </a:r>
-            <a:endParaRPr kumimoji="1" lang="en-US" altLang="zh-CN" dirty="0" smtClean="0"/>
-          </a:p>
-          <a:p>
-            <a:r>
-              <a:rPr kumimoji="1" lang="zh-CN" altLang="en-US" dirty="0" smtClean="0"/>
-              <a:t>微信活动预约</a:t>
-            </a:r>
-            <a:endParaRPr kumimoji="1" lang="en-US" altLang="zh-CN" dirty="0" smtClean="0"/>
-          </a:p>
-          <a:p>
-            <a:r>
-              <a:rPr kumimoji="1" lang="zh-CN" altLang="en-US" dirty="0" smtClean="0"/>
-              <a:t>用户主页查看修改取消订单</a:t>
-            </a:r>
-            <a:endParaRPr kumimoji="1" lang="en-US" altLang="zh-CN" dirty="0" smtClean="0"/>
-          </a:p>
-          <a:p>
-            <a:r>
-              <a:rPr kumimoji="1" lang="zh-CN" altLang="en-US" dirty="0" smtClean="0"/>
-              <a:t>用户主页查看修改个人信息</a:t>
-            </a:r>
-            <a:endParaRPr kumimoji="1" lang="en-US" altLang="zh-CN" dirty="0" smtClean="0"/>
-          </a:p>
-          <a:p>
-            <a:r>
-              <a:rPr kumimoji="1" lang="zh-CN" altLang="en-US" dirty="0" smtClean="0"/>
-              <a:t>管理后台艺人增删改查</a:t>
-            </a:r>
-            <a:endParaRPr kumimoji="1" lang="en-US" altLang="zh-CN" dirty="0" smtClean="0"/>
-          </a:p>
-          <a:p>
-            <a:r>
-              <a:rPr kumimoji="1" lang="zh-CN" altLang="en-US" dirty="0" smtClean="0"/>
-              <a:t>管理后台作品增删改查</a:t>
-            </a:r>
-            <a:endParaRPr kumimoji="1" lang="en-US" altLang="zh-CN" dirty="0" smtClean="0"/>
-          </a:p>
-          <a:p>
-            <a:r>
-              <a:rPr kumimoji="1" lang="zh-CN" altLang="en-US" dirty="0" smtClean="0"/>
-              <a:t>管理后台用户增删改查</a:t>
-            </a:r>
-            <a:endParaRPr kumimoji="1" lang="en-US" altLang="zh-CN" dirty="0" smtClean="0"/>
-          </a:p>
-          <a:p>
-            <a:r>
-              <a:rPr kumimoji="1" lang="zh-CN" altLang="en-US" dirty="0" smtClean="0"/>
-              <a:t>管理后台订单增删改查</a:t>
-            </a:r>
-            <a:endParaRPr kumimoji="1" lang="zh-CN" altLang="en-US" dirty="0"/>
-          </a:p>
-        </p:txBody>
-      </p:sp>
-      <p:sp>
-        <p:nvSpPr>
           <p:cNvPr id="3" name="标题 2"/>
           <p:cNvSpPr>
             <a:spLocks noGrp="1"/>
@@ -4747,17 +5866,1531 @@
           <a:lstStyle/>
           <a:p>
             <a:r>
+              <a:rPr kumimoji="1" lang="en-US" altLang="zh-CN" dirty="0" err="1" smtClean="0"/>
+              <a:t>Showmecoo</a:t>
+            </a:r>
+            <a:r>
               <a:rPr kumimoji="1" lang="zh-CN" altLang="en-US" dirty="0" smtClean="0"/>
-              <a:t>场景梳理</a:t>
+              <a:t>监控管理应用技术架构图</a:t>
             </a:r>
             <a:endParaRPr kumimoji="1" lang="zh-CN" altLang="en-US" dirty="0"/>
+          </a:p>
+        </p:txBody>
+      </p:sp>
+      <p:sp>
+        <p:nvSpPr>
+          <p:cNvPr id="4" name="矩形 3"/>
+          <p:cNvSpPr/>
+          <p:nvPr/>
+        </p:nvSpPr>
+        <p:spPr>
+          <a:xfrm>
+            <a:off x="407368" y="980728"/>
+            <a:ext cx="9793088" cy="5616624"/>
+          </a:xfrm>
+          <a:prstGeom prst="rect">
+            <a:avLst/>
+          </a:prstGeom>
+          <a:solidFill>
+            <a:schemeClr val="bg1"/>
+          </a:solidFill>
+          <a:ln w="12700">
+            <a:solidFill>
+              <a:schemeClr val="tx2">
+                <a:lumMod val="75000"/>
+              </a:schemeClr>
+            </a:solidFill>
+          </a:ln>
+        </p:spPr>
+        <p:style>
+          <a:lnRef idx="2">
+            <a:schemeClr val="accent1">
+              <a:shade val="50000"/>
+            </a:schemeClr>
+          </a:lnRef>
+          <a:fillRef idx="1">
+            <a:schemeClr val="accent1"/>
+          </a:fillRef>
+          <a:effectRef idx="0">
+            <a:schemeClr val="accent1"/>
+          </a:effectRef>
+          <a:fontRef idx="minor">
+            <a:schemeClr val="lt1"/>
+          </a:fontRef>
+        </p:style>
+        <p:txBody>
+          <a:bodyPr rtlCol="0" anchor="ctr"/>
+          <a:lstStyle/>
+          <a:p>
+            <a:pPr algn="ctr"/>
+            <a:endParaRPr kumimoji="1" lang="zh-CN" altLang="en-US" dirty="0">
+              <a:solidFill>
+                <a:schemeClr val="tx2"/>
+              </a:solidFill>
+              <a:latin typeface="Microsoft YaHei" charset="0"/>
+              <a:ea typeface="Microsoft YaHei" charset="0"/>
+              <a:cs typeface="Microsoft YaHei" charset="0"/>
+            </a:endParaRPr>
+          </a:p>
+        </p:txBody>
+      </p:sp>
+      <p:sp>
+        <p:nvSpPr>
+          <p:cNvPr id="5" name="圆角矩形 4"/>
+          <p:cNvSpPr/>
+          <p:nvPr/>
+        </p:nvSpPr>
+        <p:spPr>
+          <a:xfrm>
+            <a:off x="2207568" y="1340768"/>
+            <a:ext cx="5976664" cy="432048"/>
+          </a:xfrm>
+          <a:prstGeom prst="roundRect">
+            <a:avLst/>
+          </a:prstGeom>
+          <a:solidFill>
+            <a:schemeClr val="accent6">
+              <a:lumMod val="40000"/>
+              <a:lumOff val="60000"/>
+            </a:schemeClr>
+          </a:solidFill>
+          <a:ln w="12700">
+            <a:solidFill>
+              <a:schemeClr val="tx2">
+                <a:lumMod val="75000"/>
+              </a:schemeClr>
+            </a:solidFill>
+          </a:ln>
+        </p:spPr>
+        <p:style>
+          <a:lnRef idx="2">
+            <a:schemeClr val="accent1">
+              <a:shade val="50000"/>
+            </a:schemeClr>
+          </a:lnRef>
+          <a:fillRef idx="1">
+            <a:schemeClr val="accent1"/>
+          </a:fillRef>
+          <a:effectRef idx="0">
+            <a:schemeClr val="accent1"/>
+          </a:effectRef>
+          <a:fontRef idx="minor">
+            <a:schemeClr val="lt1"/>
+          </a:fontRef>
+        </p:style>
+        <p:txBody>
+          <a:bodyPr rtlCol="0" anchor="ctr"/>
+          <a:lstStyle/>
+          <a:p>
+            <a:pPr algn="ctr"/>
+            <a:r>
+              <a:rPr kumimoji="1" lang="en-US" altLang="zh-CN" dirty="0" smtClean="0">
+                <a:solidFill>
+                  <a:schemeClr val="tx2"/>
+                </a:solidFill>
+                <a:latin typeface="Microsoft YaHei" charset="0"/>
+                <a:ea typeface="Microsoft YaHei" charset="0"/>
+                <a:cs typeface="Microsoft YaHei" charset="0"/>
+              </a:rPr>
+              <a:t>Login</a:t>
+            </a:r>
+            <a:r>
+              <a:rPr kumimoji="1" lang="zh-CN" altLang="en-US" dirty="0" smtClean="0">
+                <a:solidFill>
+                  <a:schemeClr val="tx2"/>
+                </a:solidFill>
+                <a:latin typeface="Microsoft YaHei" charset="0"/>
+                <a:ea typeface="Microsoft YaHei" charset="0"/>
+                <a:cs typeface="Microsoft YaHei" charset="0"/>
+              </a:rPr>
+              <a:t> </a:t>
+            </a:r>
+            <a:r>
+              <a:rPr kumimoji="1" lang="en-US" altLang="zh-CN" dirty="0" smtClean="0">
+                <a:solidFill>
+                  <a:schemeClr val="tx2"/>
+                </a:solidFill>
+                <a:latin typeface="Microsoft YaHei" charset="0"/>
+                <a:ea typeface="Microsoft YaHei" charset="0"/>
+                <a:cs typeface="Microsoft YaHei" charset="0"/>
+              </a:rPr>
+              <a:t>filter</a:t>
+            </a:r>
+            <a:r>
+              <a:rPr kumimoji="1" lang="zh-CN" altLang="en-US" dirty="0" smtClean="0">
+                <a:solidFill>
+                  <a:schemeClr val="tx2"/>
+                </a:solidFill>
+                <a:latin typeface="Microsoft YaHei" charset="0"/>
+                <a:ea typeface="Microsoft YaHei" charset="0"/>
+                <a:cs typeface="Microsoft YaHei" charset="0"/>
+              </a:rPr>
+              <a:t> </a:t>
+            </a:r>
+            <a:r>
+              <a:rPr kumimoji="1" lang="en-US" altLang="zh-CN" dirty="0" smtClean="0">
+                <a:solidFill>
+                  <a:schemeClr val="tx2"/>
+                </a:solidFill>
+                <a:latin typeface="Microsoft YaHei" charset="0"/>
+                <a:ea typeface="Microsoft YaHei" charset="0"/>
+                <a:cs typeface="Microsoft YaHei" charset="0"/>
+              </a:rPr>
+              <a:t>chain</a:t>
+            </a:r>
+            <a:endParaRPr kumimoji="1" lang="zh-CN" altLang="en-US" dirty="0">
+              <a:solidFill>
+                <a:schemeClr val="tx2"/>
+              </a:solidFill>
+              <a:latin typeface="Microsoft YaHei" charset="0"/>
+              <a:ea typeface="Microsoft YaHei" charset="0"/>
+              <a:cs typeface="Microsoft YaHei" charset="0"/>
+            </a:endParaRPr>
+          </a:p>
+        </p:txBody>
+      </p:sp>
+      <p:sp>
+        <p:nvSpPr>
+          <p:cNvPr id="6" name="圆角矩形 5"/>
+          <p:cNvSpPr/>
+          <p:nvPr/>
+        </p:nvSpPr>
+        <p:spPr>
+          <a:xfrm>
+            <a:off x="2186029" y="1958835"/>
+            <a:ext cx="5976664" cy="1584176"/>
+          </a:xfrm>
+          <a:prstGeom prst="roundRect">
+            <a:avLst/>
+          </a:prstGeom>
+          <a:solidFill>
+            <a:schemeClr val="bg1"/>
+          </a:solidFill>
+          <a:ln w="12700">
+            <a:solidFill>
+              <a:schemeClr val="tx2">
+                <a:lumMod val="75000"/>
+              </a:schemeClr>
+            </a:solidFill>
+          </a:ln>
+        </p:spPr>
+        <p:style>
+          <a:lnRef idx="2">
+            <a:schemeClr val="accent1">
+              <a:shade val="50000"/>
+            </a:schemeClr>
+          </a:lnRef>
+          <a:fillRef idx="1">
+            <a:schemeClr val="accent1"/>
+          </a:fillRef>
+          <a:effectRef idx="0">
+            <a:schemeClr val="accent1"/>
+          </a:effectRef>
+          <a:fontRef idx="minor">
+            <a:schemeClr val="lt1"/>
+          </a:fontRef>
+        </p:style>
+        <p:txBody>
+          <a:bodyPr rtlCol="0" anchor="ctr"/>
+          <a:lstStyle/>
+          <a:p>
+            <a:pPr algn="ctr"/>
+            <a:endParaRPr kumimoji="1" lang="zh-CN" altLang="en-US" dirty="0">
+              <a:solidFill>
+                <a:schemeClr val="tx2"/>
+              </a:solidFill>
+              <a:latin typeface="Microsoft YaHei" charset="0"/>
+              <a:ea typeface="Microsoft YaHei" charset="0"/>
+              <a:cs typeface="Microsoft YaHei" charset="0"/>
+            </a:endParaRPr>
+          </a:p>
+        </p:txBody>
+      </p:sp>
+      <p:sp>
+        <p:nvSpPr>
+          <p:cNvPr id="7" name="文本框 6"/>
+          <p:cNvSpPr txBox="1"/>
+          <p:nvPr/>
+        </p:nvSpPr>
+        <p:spPr>
+          <a:xfrm>
+            <a:off x="2332171" y="2060848"/>
+            <a:ext cx="1296144" cy="369332"/>
+          </a:xfrm>
+          <a:prstGeom prst="rect">
+            <a:avLst/>
+          </a:prstGeom>
+          <a:noFill/>
+        </p:spPr>
+        <p:txBody>
+          <a:bodyPr wrap="square" rtlCol="0">
+            <a:spAutoFit/>
+          </a:bodyPr>
+          <a:lstStyle/>
+          <a:p>
+            <a:r>
+              <a:rPr kumimoji="1" lang="en-US" altLang="zh-CN" dirty="0" smtClean="0">
+                <a:latin typeface="Microsoft YaHei" charset="0"/>
+                <a:ea typeface="Microsoft YaHei" charset="0"/>
+                <a:cs typeface="Microsoft YaHei" charset="0"/>
+              </a:rPr>
+              <a:t>services</a:t>
+            </a:r>
+            <a:endParaRPr kumimoji="1" lang="zh-CN" altLang="en-US" dirty="0" smtClean="0">
+              <a:latin typeface="Microsoft YaHei" charset="0"/>
+              <a:ea typeface="Microsoft YaHei" charset="0"/>
+              <a:cs typeface="Microsoft YaHei" charset="0"/>
+            </a:endParaRPr>
+          </a:p>
+        </p:txBody>
+      </p:sp>
+      <p:sp>
+        <p:nvSpPr>
+          <p:cNvPr id="8" name="圆角矩形 7"/>
+          <p:cNvSpPr/>
+          <p:nvPr/>
+        </p:nvSpPr>
+        <p:spPr>
+          <a:xfrm>
+            <a:off x="2186029" y="3789040"/>
+            <a:ext cx="5998203" cy="1440160"/>
+          </a:xfrm>
+          <a:prstGeom prst="roundRect">
+            <a:avLst/>
+          </a:prstGeom>
+          <a:solidFill>
+            <a:schemeClr val="bg1"/>
+          </a:solidFill>
+          <a:ln w="12700">
+            <a:solidFill>
+              <a:schemeClr val="tx2">
+                <a:lumMod val="75000"/>
+              </a:schemeClr>
+            </a:solidFill>
+          </a:ln>
+        </p:spPr>
+        <p:style>
+          <a:lnRef idx="2">
+            <a:schemeClr val="accent1">
+              <a:shade val="50000"/>
+            </a:schemeClr>
+          </a:lnRef>
+          <a:fillRef idx="1">
+            <a:schemeClr val="accent1"/>
+          </a:fillRef>
+          <a:effectRef idx="0">
+            <a:schemeClr val="accent1"/>
+          </a:effectRef>
+          <a:fontRef idx="minor">
+            <a:schemeClr val="lt1"/>
+          </a:fontRef>
+        </p:style>
+        <p:txBody>
+          <a:bodyPr rtlCol="0" anchor="ctr"/>
+          <a:lstStyle/>
+          <a:p>
+            <a:pPr algn="ctr"/>
+            <a:endParaRPr kumimoji="1" lang="zh-CN" altLang="en-US" dirty="0">
+              <a:solidFill>
+                <a:schemeClr val="tx2"/>
+              </a:solidFill>
+              <a:latin typeface="Microsoft YaHei" charset="0"/>
+              <a:ea typeface="Microsoft YaHei" charset="0"/>
+              <a:cs typeface="Microsoft YaHei" charset="0"/>
+            </a:endParaRPr>
+          </a:p>
+        </p:txBody>
+      </p:sp>
+      <p:sp>
+        <p:nvSpPr>
+          <p:cNvPr id="9" name="文本框 8"/>
+          <p:cNvSpPr txBox="1"/>
+          <p:nvPr/>
+        </p:nvSpPr>
+        <p:spPr>
+          <a:xfrm>
+            <a:off x="2341216" y="3933056"/>
+            <a:ext cx="576064" cy="369332"/>
+          </a:xfrm>
+          <a:prstGeom prst="rect">
+            <a:avLst/>
+          </a:prstGeom>
+          <a:noFill/>
+        </p:spPr>
+        <p:txBody>
+          <a:bodyPr wrap="square" rtlCol="0">
+            <a:spAutoFit/>
+          </a:bodyPr>
+          <a:lstStyle/>
+          <a:p>
+            <a:r>
+              <a:rPr kumimoji="1" lang="zh-CN" altLang="zh-CN" dirty="0" smtClean="0">
+                <a:latin typeface="Microsoft YaHei" charset="0"/>
+                <a:ea typeface="Microsoft YaHei" charset="0"/>
+                <a:cs typeface="Microsoft YaHei" charset="0"/>
+              </a:rPr>
+              <a:t>S</a:t>
+            </a:r>
+            <a:r>
+              <a:rPr kumimoji="1" lang="en-US" altLang="zh-CN" dirty="0" smtClean="0">
+                <a:latin typeface="Microsoft YaHei" charset="0"/>
+                <a:ea typeface="Microsoft YaHei" charset="0"/>
+                <a:cs typeface="Microsoft YaHei" charset="0"/>
+              </a:rPr>
+              <a:t>PI</a:t>
+            </a:r>
+            <a:endParaRPr kumimoji="1" lang="zh-CN" altLang="en-US" dirty="0" smtClean="0">
+              <a:latin typeface="Microsoft YaHei" charset="0"/>
+              <a:ea typeface="Microsoft YaHei" charset="0"/>
+              <a:cs typeface="Microsoft YaHei" charset="0"/>
+            </a:endParaRPr>
+          </a:p>
+        </p:txBody>
+      </p:sp>
+      <p:sp>
+        <p:nvSpPr>
+          <p:cNvPr id="10" name="圆角矩形 9"/>
+          <p:cNvSpPr/>
+          <p:nvPr/>
+        </p:nvSpPr>
+        <p:spPr>
+          <a:xfrm>
+            <a:off x="2186029" y="5445224"/>
+            <a:ext cx="5976664" cy="936104"/>
+          </a:xfrm>
+          <a:prstGeom prst="roundRect">
+            <a:avLst/>
+          </a:prstGeom>
+          <a:solidFill>
+            <a:schemeClr val="accent5">
+              <a:lumMod val="60000"/>
+              <a:lumOff val="40000"/>
+            </a:schemeClr>
+          </a:solidFill>
+          <a:ln w="12700">
+            <a:solidFill>
+              <a:schemeClr val="tx2">
+                <a:lumMod val="75000"/>
+              </a:schemeClr>
+            </a:solidFill>
+          </a:ln>
+        </p:spPr>
+        <p:style>
+          <a:lnRef idx="2">
+            <a:schemeClr val="accent1">
+              <a:shade val="50000"/>
+            </a:schemeClr>
+          </a:lnRef>
+          <a:fillRef idx="1">
+            <a:schemeClr val="accent1"/>
+          </a:fillRef>
+          <a:effectRef idx="0">
+            <a:schemeClr val="accent1"/>
+          </a:effectRef>
+          <a:fontRef idx="minor">
+            <a:schemeClr val="lt1"/>
+          </a:fontRef>
+        </p:style>
+        <p:txBody>
+          <a:bodyPr rtlCol="0" anchor="ctr"/>
+          <a:lstStyle/>
+          <a:p>
+            <a:pPr algn="ctr"/>
+            <a:r>
+              <a:rPr kumimoji="1" lang="zh-CN" altLang="zh-CN" dirty="0" smtClean="0">
+                <a:solidFill>
+                  <a:schemeClr val="tx2"/>
+                </a:solidFill>
+                <a:latin typeface="Microsoft YaHei" charset="0"/>
+                <a:ea typeface="Microsoft YaHei" charset="0"/>
+                <a:cs typeface="Microsoft YaHei" charset="0"/>
+              </a:rPr>
+              <a:t>D</a:t>
+            </a:r>
+            <a:r>
+              <a:rPr kumimoji="1" lang="en-US" altLang="zh-CN" dirty="0" smtClean="0">
+                <a:solidFill>
+                  <a:schemeClr val="tx2"/>
+                </a:solidFill>
+                <a:latin typeface="Microsoft YaHei" charset="0"/>
+                <a:ea typeface="Microsoft YaHei" charset="0"/>
+                <a:cs typeface="Microsoft YaHei" charset="0"/>
+              </a:rPr>
+              <a:t>AO</a:t>
+            </a:r>
+            <a:endParaRPr kumimoji="1" lang="zh-CN" altLang="en-US" dirty="0">
+              <a:solidFill>
+                <a:schemeClr val="tx2"/>
+              </a:solidFill>
+              <a:latin typeface="Microsoft YaHei" charset="0"/>
+              <a:ea typeface="Microsoft YaHei" charset="0"/>
+              <a:cs typeface="Microsoft YaHei" charset="0"/>
+            </a:endParaRPr>
+          </a:p>
+        </p:txBody>
+      </p:sp>
+      <p:sp>
+        <p:nvSpPr>
+          <p:cNvPr id="11" name="圆角矩形 10"/>
+          <p:cNvSpPr/>
+          <p:nvPr/>
+        </p:nvSpPr>
+        <p:spPr>
+          <a:xfrm>
+            <a:off x="767408" y="1319808"/>
+            <a:ext cx="1224136" cy="5040560"/>
+          </a:xfrm>
+          <a:prstGeom prst="roundRect">
+            <a:avLst/>
+          </a:prstGeom>
+          <a:solidFill>
+            <a:schemeClr val="accent3">
+              <a:lumMod val="75000"/>
+            </a:schemeClr>
+          </a:solidFill>
+          <a:ln w="12700">
+            <a:solidFill>
+              <a:schemeClr val="tx2">
+                <a:lumMod val="75000"/>
+              </a:schemeClr>
+            </a:solidFill>
+          </a:ln>
+        </p:spPr>
+        <p:style>
+          <a:lnRef idx="2">
+            <a:schemeClr val="accent1">
+              <a:shade val="50000"/>
+            </a:schemeClr>
+          </a:lnRef>
+          <a:fillRef idx="1">
+            <a:schemeClr val="accent1"/>
+          </a:fillRef>
+          <a:effectRef idx="0">
+            <a:schemeClr val="accent1"/>
+          </a:effectRef>
+          <a:fontRef idx="minor">
+            <a:schemeClr val="lt1"/>
+          </a:fontRef>
+        </p:style>
+        <p:txBody>
+          <a:bodyPr rtlCol="0" anchor="ctr"/>
+          <a:lstStyle/>
+          <a:p>
+            <a:pPr algn="ctr"/>
+            <a:r>
+              <a:rPr kumimoji="1" lang="en-US" altLang="zh-CN" dirty="0" smtClean="0">
+                <a:solidFill>
+                  <a:schemeClr val="tx2"/>
+                </a:solidFill>
+                <a:latin typeface="Microsoft YaHei" charset="0"/>
+                <a:ea typeface="Microsoft YaHei" charset="0"/>
+                <a:cs typeface="Microsoft YaHei" charset="0"/>
+              </a:rPr>
+              <a:t>Log</a:t>
+            </a:r>
+            <a:r>
+              <a:rPr kumimoji="1" lang="zh-CN" altLang="en-US" dirty="0" smtClean="0">
+                <a:solidFill>
+                  <a:schemeClr val="tx2"/>
+                </a:solidFill>
+                <a:latin typeface="Microsoft YaHei" charset="0"/>
+                <a:ea typeface="Microsoft YaHei" charset="0"/>
+                <a:cs typeface="Microsoft YaHei" charset="0"/>
+              </a:rPr>
+              <a:t> </a:t>
+            </a:r>
+            <a:r>
+              <a:rPr kumimoji="1" lang="en-US" altLang="zh-CN" dirty="0" smtClean="0">
+                <a:solidFill>
+                  <a:schemeClr val="tx2"/>
+                </a:solidFill>
+                <a:latin typeface="Microsoft YaHei" charset="0"/>
+                <a:ea typeface="Microsoft YaHei" charset="0"/>
+                <a:cs typeface="Microsoft YaHei" charset="0"/>
+              </a:rPr>
+              <a:t>System</a:t>
+            </a:r>
+            <a:endParaRPr kumimoji="1" lang="zh-CN" altLang="en-US" dirty="0">
+              <a:solidFill>
+                <a:schemeClr val="tx2"/>
+              </a:solidFill>
+              <a:latin typeface="Microsoft YaHei" charset="0"/>
+              <a:ea typeface="Microsoft YaHei" charset="0"/>
+              <a:cs typeface="Microsoft YaHei" charset="0"/>
+            </a:endParaRPr>
+          </a:p>
+        </p:txBody>
+      </p:sp>
+      <p:sp>
+        <p:nvSpPr>
+          <p:cNvPr id="12" name="圆角矩形 11"/>
+          <p:cNvSpPr/>
+          <p:nvPr/>
+        </p:nvSpPr>
+        <p:spPr>
+          <a:xfrm>
+            <a:off x="8400256" y="1319808"/>
+            <a:ext cx="1368152" cy="5061520"/>
+          </a:xfrm>
+          <a:prstGeom prst="roundRect">
+            <a:avLst/>
+          </a:prstGeom>
+          <a:solidFill>
+            <a:srgbClr val="E4562A"/>
+          </a:solidFill>
+          <a:ln w="12700">
+            <a:solidFill>
+              <a:schemeClr val="tx2">
+                <a:lumMod val="75000"/>
+              </a:schemeClr>
+            </a:solidFill>
+          </a:ln>
+        </p:spPr>
+        <p:style>
+          <a:lnRef idx="2">
+            <a:schemeClr val="accent1">
+              <a:shade val="50000"/>
+            </a:schemeClr>
+          </a:lnRef>
+          <a:fillRef idx="1">
+            <a:schemeClr val="accent1"/>
+          </a:fillRef>
+          <a:effectRef idx="0">
+            <a:schemeClr val="accent1"/>
+          </a:effectRef>
+          <a:fontRef idx="minor">
+            <a:schemeClr val="lt1"/>
+          </a:fontRef>
+        </p:style>
+        <p:txBody>
+          <a:bodyPr rtlCol="0" anchor="ctr"/>
+          <a:lstStyle/>
+          <a:p>
+            <a:pPr algn="ctr"/>
+            <a:r>
+              <a:rPr kumimoji="1" lang="en-US" altLang="zh-CN" dirty="0" smtClean="0">
+                <a:solidFill>
+                  <a:schemeClr val="tx2"/>
+                </a:solidFill>
+                <a:latin typeface="Microsoft YaHei" charset="0"/>
+                <a:ea typeface="Microsoft YaHei" charset="0"/>
+                <a:cs typeface="Microsoft YaHei" charset="0"/>
+              </a:rPr>
+              <a:t>Exception</a:t>
+            </a:r>
+            <a:r>
+              <a:rPr kumimoji="1" lang="zh-CN" altLang="en-US" dirty="0" smtClean="0">
+                <a:solidFill>
+                  <a:schemeClr val="tx2"/>
+                </a:solidFill>
+                <a:latin typeface="Microsoft YaHei" charset="0"/>
+                <a:ea typeface="Microsoft YaHei" charset="0"/>
+                <a:cs typeface="Microsoft YaHei" charset="0"/>
+              </a:rPr>
+              <a:t> </a:t>
+            </a:r>
+            <a:r>
+              <a:rPr kumimoji="1" lang="en-US" altLang="zh-CN" dirty="0" smtClean="0">
+                <a:solidFill>
+                  <a:schemeClr val="tx2"/>
+                </a:solidFill>
+                <a:latin typeface="Microsoft YaHei" charset="0"/>
+                <a:ea typeface="Microsoft YaHei" charset="0"/>
+                <a:cs typeface="Microsoft YaHei" charset="0"/>
+              </a:rPr>
+              <a:t>System</a:t>
+            </a:r>
+            <a:endParaRPr kumimoji="1" lang="zh-CN" altLang="en-US" dirty="0">
+              <a:solidFill>
+                <a:schemeClr val="tx2"/>
+              </a:solidFill>
+              <a:latin typeface="Microsoft YaHei" charset="0"/>
+              <a:ea typeface="Microsoft YaHei" charset="0"/>
+              <a:cs typeface="Microsoft YaHei" charset="0"/>
+            </a:endParaRPr>
+          </a:p>
+        </p:txBody>
+      </p:sp>
+      <p:sp>
+        <p:nvSpPr>
+          <p:cNvPr id="13" name="圆角矩形 12"/>
+          <p:cNvSpPr/>
+          <p:nvPr/>
+        </p:nvSpPr>
+        <p:spPr>
+          <a:xfrm>
+            <a:off x="3629968" y="2132856"/>
+            <a:ext cx="1872208" cy="504056"/>
+          </a:xfrm>
+          <a:prstGeom prst="roundRect">
+            <a:avLst/>
+          </a:prstGeom>
+          <a:solidFill>
+            <a:schemeClr val="tx2">
+              <a:lumMod val="40000"/>
+              <a:lumOff val="60000"/>
+            </a:schemeClr>
+          </a:solidFill>
+          <a:ln w="12700">
+            <a:solidFill>
+              <a:schemeClr val="tx2">
+                <a:lumMod val="75000"/>
+              </a:schemeClr>
+            </a:solidFill>
+          </a:ln>
+        </p:spPr>
+        <p:style>
+          <a:lnRef idx="2">
+            <a:schemeClr val="accent1">
+              <a:shade val="50000"/>
+            </a:schemeClr>
+          </a:lnRef>
+          <a:fillRef idx="1">
+            <a:schemeClr val="accent1"/>
+          </a:fillRef>
+          <a:effectRef idx="0">
+            <a:schemeClr val="accent1"/>
+          </a:effectRef>
+          <a:fontRef idx="minor">
+            <a:schemeClr val="lt1"/>
+          </a:fontRef>
+        </p:style>
+        <p:txBody>
+          <a:bodyPr rtlCol="0" anchor="ctr"/>
+          <a:lstStyle/>
+          <a:p>
+            <a:pPr algn="ctr"/>
+            <a:r>
+              <a:rPr kumimoji="1" lang="en-US" altLang="zh-CN" dirty="0" smtClean="0">
+                <a:solidFill>
+                  <a:schemeClr val="tx2"/>
+                </a:solidFill>
+                <a:latin typeface="Microsoft YaHei" charset="0"/>
+                <a:ea typeface="Microsoft YaHei" charset="0"/>
+                <a:cs typeface="Microsoft YaHei" charset="0"/>
+              </a:rPr>
+              <a:t>User</a:t>
+            </a:r>
+            <a:r>
+              <a:rPr kumimoji="1" lang="zh-CN" altLang="en-US" dirty="0" smtClean="0">
+                <a:solidFill>
+                  <a:schemeClr val="tx2"/>
+                </a:solidFill>
+                <a:latin typeface="Microsoft YaHei" charset="0"/>
+                <a:ea typeface="Microsoft YaHei" charset="0"/>
+                <a:cs typeface="Microsoft YaHei" charset="0"/>
+              </a:rPr>
+              <a:t> </a:t>
+            </a:r>
+            <a:r>
+              <a:rPr kumimoji="1" lang="en-US" altLang="zh-CN" dirty="0" smtClean="0">
+                <a:solidFill>
+                  <a:schemeClr val="tx2"/>
+                </a:solidFill>
+                <a:latin typeface="Microsoft YaHei" charset="0"/>
+                <a:ea typeface="Microsoft YaHei" charset="0"/>
+                <a:cs typeface="Microsoft YaHei" charset="0"/>
+              </a:rPr>
+              <a:t>service</a:t>
+            </a:r>
+            <a:endParaRPr kumimoji="1" lang="zh-CN" altLang="en-US" dirty="0">
+              <a:solidFill>
+                <a:schemeClr val="tx2"/>
+              </a:solidFill>
+              <a:latin typeface="Microsoft YaHei" charset="0"/>
+              <a:ea typeface="Microsoft YaHei" charset="0"/>
+              <a:cs typeface="Microsoft YaHei" charset="0"/>
+            </a:endParaRPr>
+          </a:p>
+        </p:txBody>
+      </p:sp>
+      <p:sp>
+        <p:nvSpPr>
+          <p:cNvPr id="14" name="圆角矩形 13"/>
+          <p:cNvSpPr/>
+          <p:nvPr/>
+        </p:nvSpPr>
+        <p:spPr>
+          <a:xfrm>
+            <a:off x="3628315" y="2878005"/>
+            <a:ext cx="1873861" cy="504056"/>
+          </a:xfrm>
+          <a:prstGeom prst="roundRect">
+            <a:avLst/>
+          </a:prstGeom>
+          <a:solidFill>
+            <a:schemeClr val="tx2">
+              <a:lumMod val="40000"/>
+              <a:lumOff val="60000"/>
+            </a:schemeClr>
+          </a:solidFill>
+          <a:ln w="12700">
+            <a:solidFill>
+              <a:schemeClr val="tx2">
+                <a:lumMod val="75000"/>
+              </a:schemeClr>
+            </a:solidFill>
+          </a:ln>
+        </p:spPr>
+        <p:style>
+          <a:lnRef idx="2">
+            <a:schemeClr val="accent1">
+              <a:shade val="50000"/>
+            </a:schemeClr>
+          </a:lnRef>
+          <a:fillRef idx="1">
+            <a:schemeClr val="accent1"/>
+          </a:fillRef>
+          <a:effectRef idx="0">
+            <a:schemeClr val="accent1"/>
+          </a:effectRef>
+          <a:fontRef idx="minor">
+            <a:schemeClr val="lt1"/>
+          </a:fontRef>
+        </p:style>
+        <p:txBody>
+          <a:bodyPr rtlCol="0" anchor="ctr"/>
+          <a:lstStyle/>
+          <a:p>
+            <a:pPr algn="ctr"/>
+            <a:r>
+              <a:rPr kumimoji="1" lang="en-US" altLang="zh-CN" dirty="0" smtClean="0">
+                <a:solidFill>
+                  <a:schemeClr val="tx2"/>
+                </a:solidFill>
+                <a:latin typeface="Microsoft YaHei" charset="0"/>
+                <a:ea typeface="Microsoft YaHei" charset="0"/>
+                <a:cs typeface="Microsoft YaHei" charset="0"/>
+              </a:rPr>
+              <a:t>Order</a:t>
+            </a:r>
+            <a:r>
+              <a:rPr kumimoji="1" lang="zh-CN" altLang="en-US" dirty="0" smtClean="0">
+                <a:solidFill>
+                  <a:schemeClr val="tx2"/>
+                </a:solidFill>
+                <a:latin typeface="Microsoft YaHei" charset="0"/>
+                <a:ea typeface="Microsoft YaHei" charset="0"/>
+                <a:cs typeface="Microsoft YaHei" charset="0"/>
+              </a:rPr>
+              <a:t> </a:t>
+            </a:r>
+            <a:r>
+              <a:rPr kumimoji="1" lang="zh-CN" altLang="en-US" dirty="0" smtClean="0">
+                <a:solidFill>
+                  <a:schemeClr val="tx2"/>
+                </a:solidFill>
+                <a:latin typeface="Microsoft YaHei" charset="0"/>
+                <a:ea typeface="Microsoft YaHei" charset="0"/>
+                <a:cs typeface="Microsoft YaHei" charset="0"/>
+              </a:rPr>
+              <a:t> </a:t>
+            </a:r>
+            <a:r>
+              <a:rPr kumimoji="1" lang="en-US" altLang="zh-CN" dirty="0" smtClean="0">
+                <a:solidFill>
+                  <a:schemeClr val="tx2"/>
+                </a:solidFill>
+                <a:latin typeface="Microsoft YaHei" charset="0"/>
+                <a:ea typeface="Microsoft YaHei" charset="0"/>
+                <a:cs typeface="Microsoft YaHei" charset="0"/>
+              </a:rPr>
+              <a:t>service</a:t>
+            </a:r>
+            <a:endParaRPr kumimoji="1" lang="zh-CN" altLang="en-US" dirty="0">
+              <a:solidFill>
+                <a:schemeClr val="tx2"/>
+              </a:solidFill>
+              <a:latin typeface="Microsoft YaHei" charset="0"/>
+              <a:ea typeface="Microsoft YaHei" charset="0"/>
+              <a:cs typeface="Microsoft YaHei" charset="0"/>
+            </a:endParaRPr>
+          </a:p>
+        </p:txBody>
+      </p:sp>
+      <p:sp>
+        <p:nvSpPr>
+          <p:cNvPr id="15" name="圆角矩形 14"/>
+          <p:cNvSpPr/>
+          <p:nvPr/>
+        </p:nvSpPr>
+        <p:spPr>
+          <a:xfrm>
+            <a:off x="5947048" y="2852936"/>
+            <a:ext cx="1805136" cy="504056"/>
+          </a:xfrm>
+          <a:prstGeom prst="roundRect">
+            <a:avLst/>
+          </a:prstGeom>
+          <a:solidFill>
+            <a:schemeClr val="tx2">
+              <a:lumMod val="40000"/>
+              <a:lumOff val="60000"/>
+            </a:schemeClr>
+          </a:solidFill>
+          <a:ln w="12700">
+            <a:solidFill>
+              <a:schemeClr val="tx2">
+                <a:lumMod val="75000"/>
+              </a:schemeClr>
+            </a:solidFill>
+          </a:ln>
+        </p:spPr>
+        <p:style>
+          <a:lnRef idx="2">
+            <a:schemeClr val="accent1">
+              <a:shade val="50000"/>
+            </a:schemeClr>
+          </a:lnRef>
+          <a:fillRef idx="1">
+            <a:schemeClr val="accent1"/>
+          </a:fillRef>
+          <a:effectRef idx="0">
+            <a:schemeClr val="accent1"/>
+          </a:effectRef>
+          <a:fontRef idx="minor">
+            <a:schemeClr val="lt1"/>
+          </a:fontRef>
+        </p:style>
+        <p:txBody>
+          <a:bodyPr rtlCol="0" anchor="ctr"/>
+          <a:lstStyle/>
+          <a:p>
+            <a:pPr algn="ctr"/>
+            <a:r>
+              <a:rPr kumimoji="1" lang="en-US" altLang="zh-CN" dirty="0" smtClean="0">
+                <a:solidFill>
+                  <a:schemeClr val="tx2"/>
+                </a:solidFill>
+                <a:latin typeface="Microsoft YaHei" charset="0"/>
+                <a:ea typeface="Microsoft YaHei" charset="0"/>
+                <a:cs typeface="Microsoft YaHei" charset="0"/>
+              </a:rPr>
+              <a:t>Art</a:t>
+            </a:r>
+            <a:r>
+              <a:rPr kumimoji="1" lang="zh-CN" altLang="en-US" dirty="0" smtClean="0">
+                <a:solidFill>
+                  <a:schemeClr val="tx2"/>
+                </a:solidFill>
+                <a:latin typeface="Microsoft YaHei" charset="0"/>
+                <a:ea typeface="Microsoft YaHei" charset="0"/>
+                <a:cs typeface="Microsoft YaHei" charset="0"/>
+              </a:rPr>
+              <a:t> </a:t>
+            </a:r>
+            <a:r>
+              <a:rPr kumimoji="1" lang="en-US" altLang="zh-CN" dirty="0" smtClean="0">
+                <a:solidFill>
+                  <a:schemeClr val="tx2"/>
+                </a:solidFill>
+                <a:latin typeface="Microsoft YaHei" charset="0"/>
+                <a:ea typeface="Microsoft YaHei" charset="0"/>
+                <a:cs typeface="Microsoft YaHei" charset="0"/>
+              </a:rPr>
+              <a:t>work</a:t>
+            </a:r>
+            <a:r>
+              <a:rPr kumimoji="1" lang="zh-CN" altLang="en-US" dirty="0" smtClean="0">
+                <a:solidFill>
+                  <a:schemeClr val="tx2"/>
+                </a:solidFill>
+                <a:latin typeface="Microsoft YaHei" charset="0"/>
+                <a:ea typeface="Microsoft YaHei" charset="0"/>
+                <a:cs typeface="Microsoft YaHei" charset="0"/>
+              </a:rPr>
+              <a:t> </a:t>
+            </a:r>
+            <a:r>
+              <a:rPr kumimoji="1" lang="zh-CN" altLang="en-US" dirty="0" smtClean="0">
+                <a:solidFill>
+                  <a:schemeClr val="tx2"/>
+                </a:solidFill>
+                <a:latin typeface="Microsoft YaHei" charset="0"/>
+                <a:ea typeface="Microsoft YaHei" charset="0"/>
+                <a:cs typeface="Microsoft YaHei" charset="0"/>
+              </a:rPr>
+              <a:t> </a:t>
+            </a:r>
+            <a:r>
+              <a:rPr kumimoji="1" lang="en-US" altLang="zh-CN" dirty="0" smtClean="0">
+                <a:solidFill>
+                  <a:schemeClr val="tx2"/>
+                </a:solidFill>
+                <a:latin typeface="Microsoft YaHei" charset="0"/>
+                <a:ea typeface="Microsoft YaHei" charset="0"/>
+                <a:cs typeface="Microsoft YaHei" charset="0"/>
+              </a:rPr>
+              <a:t>service</a:t>
+            </a:r>
+            <a:endParaRPr kumimoji="1" lang="zh-CN" altLang="en-US" dirty="0">
+              <a:solidFill>
+                <a:schemeClr val="tx2"/>
+              </a:solidFill>
+              <a:latin typeface="Microsoft YaHei" charset="0"/>
+              <a:ea typeface="Microsoft YaHei" charset="0"/>
+              <a:cs typeface="Microsoft YaHei" charset="0"/>
+            </a:endParaRPr>
+          </a:p>
+        </p:txBody>
+      </p:sp>
+      <p:sp>
+        <p:nvSpPr>
+          <p:cNvPr id="16" name="圆角矩形 15"/>
+          <p:cNvSpPr/>
+          <p:nvPr/>
+        </p:nvSpPr>
+        <p:spPr>
+          <a:xfrm>
+            <a:off x="5951984" y="2132856"/>
+            <a:ext cx="1800200" cy="504056"/>
+          </a:xfrm>
+          <a:prstGeom prst="roundRect">
+            <a:avLst/>
+          </a:prstGeom>
+          <a:solidFill>
+            <a:schemeClr val="tx2">
+              <a:lumMod val="40000"/>
+              <a:lumOff val="60000"/>
+            </a:schemeClr>
+          </a:solidFill>
+          <a:ln w="12700">
+            <a:solidFill>
+              <a:schemeClr val="tx2">
+                <a:lumMod val="75000"/>
+              </a:schemeClr>
+            </a:solidFill>
+          </a:ln>
+        </p:spPr>
+        <p:style>
+          <a:lnRef idx="2">
+            <a:schemeClr val="accent1">
+              <a:shade val="50000"/>
+            </a:schemeClr>
+          </a:lnRef>
+          <a:fillRef idx="1">
+            <a:schemeClr val="accent1"/>
+          </a:fillRef>
+          <a:effectRef idx="0">
+            <a:schemeClr val="accent1"/>
+          </a:effectRef>
+          <a:fontRef idx="minor">
+            <a:schemeClr val="lt1"/>
+          </a:fontRef>
+        </p:style>
+        <p:txBody>
+          <a:bodyPr rtlCol="0" anchor="ctr"/>
+          <a:lstStyle/>
+          <a:p>
+            <a:pPr algn="ctr"/>
+            <a:r>
+              <a:rPr kumimoji="1" lang="zh-CN" altLang="zh-CN" dirty="0" smtClean="0">
+                <a:solidFill>
+                  <a:schemeClr val="tx2"/>
+                </a:solidFill>
+                <a:latin typeface="Microsoft YaHei" charset="0"/>
+                <a:ea typeface="Microsoft YaHei" charset="0"/>
+                <a:cs typeface="Microsoft YaHei" charset="0"/>
+              </a:rPr>
+              <a:t>a</a:t>
+            </a:r>
+            <a:r>
+              <a:rPr kumimoji="1" lang="en-US" altLang="zh-CN" dirty="0" err="1" smtClean="0">
+                <a:solidFill>
+                  <a:schemeClr val="tx2"/>
+                </a:solidFill>
+                <a:latin typeface="Microsoft YaHei" charset="0"/>
+                <a:ea typeface="Microsoft YaHei" charset="0"/>
+                <a:cs typeface="Microsoft YaHei" charset="0"/>
+              </a:rPr>
+              <a:t>rtist</a:t>
+            </a:r>
+            <a:r>
+              <a:rPr kumimoji="1" lang="zh-CN" altLang="en-US" dirty="0" smtClean="0">
+                <a:solidFill>
+                  <a:schemeClr val="tx2"/>
+                </a:solidFill>
+                <a:latin typeface="Microsoft YaHei" charset="0"/>
+                <a:ea typeface="Microsoft YaHei" charset="0"/>
+                <a:cs typeface="Microsoft YaHei" charset="0"/>
+              </a:rPr>
+              <a:t> </a:t>
+            </a:r>
+            <a:r>
+              <a:rPr kumimoji="1" lang="zh-CN" altLang="en-US" dirty="0" smtClean="0">
+                <a:solidFill>
+                  <a:schemeClr val="tx2"/>
+                </a:solidFill>
+                <a:latin typeface="Microsoft YaHei" charset="0"/>
+                <a:ea typeface="Microsoft YaHei" charset="0"/>
+                <a:cs typeface="Microsoft YaHei" charset="0"/>
+              </a:rPr>
+              <a:t> </a:t>
+            </a:r>
+            <a:r>
+              <a:rPr kumimoji="1" lang="en-US" altLang="zh-CN" dirty="0" smtClean="0">
+                <a:solidFill>
+                  <a:schemeClr val="tx2"/>
+                </a:solidFill>
+                <a:latin typeface="Microsoft YaHei" charset="0"/>
+                <a:ea typeface="Microsoft YaHei" charset="0"/>
+                <a:cs typeface="Microsoft YaHei" charset="0"/>
+              </a:rPr>
+              <a:t>service</a:t>
+            </a:r>
+            <a:endParaRPr kumimoji="1" lang="zh-CN" altLang="en-US" dirty="0">
+              <a:solidFill>
+                <a:schemeClr val="tx2"/>
+              </a:solidFill>
+              <a:latin typeface="Microsoft YaHei" charset="0"/>
+              <a:ea typeface="Microsoft YaHei" charset="0"/>
+              <a:cs typeface="Microsoft YaHei" charset="0"/>
+            </a:endParaRPr>
+          </a:p>
+        </p:txBody>
+      </p:sp>
+      <p:sp>
+        <p:nvSpPr>
+          <p:cNvPr id="17" name="圆角矩形 16"/>
+          <p:cNvSpPr/>
+          <p:nvPr/>
+        </p:nvSpPr>
+        <p:spPr>
+          <a:xfrm>
+            <a:off x="3629968" y="3903712"/>
+            <a:ext cx="1872208" cy="504056"/>
+          </a:xfrm>
+          <a:prstGeom prst="roundRect">
+            <a:avLst/>
+          </a:prstGeom>
+          <a:solidFill>
+            <a:schemeClr val="tx2">
+              <a:lumMod val="40000"/>
+              <a:lumOff val="60000"/>
+            </a:schemeClr>
+          </a:solidFill>
+          <a:ln w="12700">
+            <a:solidFill>
+              <a:schemeClr val="tx2">
+                <a:lumMod val="75000"/>
+              </a:schemeClr>
+            </a:solidFill>
+          </a:ln>
+        </p:spPr>
+        <p:style>
+          <a:lnRef idx="2">
+            <a:schemeClr val="accent1">
+              <a:shade val="50000"/>
+            </a:schemeClr>
+          </a:lnRef>
+          <a:fillRef idx="1">
+            <a:schemeClr val="accent1"/>
+          </a:fillRef>
+          <a:effectRef idx="0">
+            <a:schemeClr val="accent1"/>
+          </a:effectRef>
+          <a:fontRef idx="minor">
+            <a:schemeClr val="lt1"/>
+          </a:fontRef>
+        </p:style>
+        <p:txBody>
+          <a:bodyPr rtlCol="0" anchor="ctr"/>
+          <a:lstStyle/>
+          <a:p>
+            <a:pPr algn="ctr"/>
+            <a:r>
+              <a:rPr kumimoji="1" lang="en-US" altLang="zh-CN" dirty="0" smtClean="0">
+                <a:solidFill>
+                  <a:schemeClr val="tx2"/>
+                </a:solidFill>
+                <a:latin typeface="Microsoft YaHei" charset="0"/>
+                <a:ea typeface="Microsoft YaHei" charset="0"/>
+                <a:cs typeface="Microsoft YaHei" charset="0"/>
+              </a:rPr>
+              <a:t>User</a:t>
+            </a:r>
+            <a:r>
+              <a:rPr kumimoji="1" lang="zh-CN" altLang="en-US" dirty="0">
+                <a:solidFill>
+                  <a:schemeClr val="tx2"/>
+                </a:solidFill>
+                <a:latin typeface="Microsoft YaHei" charset="0"/>
+                <a:ea typeface="Microsoft YaHei" charset="0"/>
+                <a:cs typeface="Microsoft YaHei" charset="0"/>
+              </a:rPr>
+              <a:t> </a:t>
+            </a:r>
+            <a:r>
+              <a:rPr kumimoji="1" lang="en-US" altLang="zh-CN" dirty="0" smtClean="0">
+                <a:solidFill>
+                  <a:schemeClr val="tx2"/>
+                </a:solidFill>
+                <a:latin typeface="Microsoft YaHei" charset="0"/>
+                <a:ea typeface="Microsoft YaHei" charset="0"/>
+                <a:cs typeface="Microsoft YaHei" charset="0"/>
+              </a:rPr>
+              <a:t>manager</a:t>
+            </a:r>
+            <a:endParaRPr kumimoji="1" lang="zh-CN" altLang="en-US" dirty="0">
+              <a:solidFill>
+                <a:schemeClr val="tx2"/>
+              </a:solidFill>
+              <a:latin typeface="Microsoft YaHei" charset="0"/>
+              <a:ea typeface="Microsoft YaHei" charset="0"/>
+              <a:cs typeface="Microsoft YaHei" charset="0"/>
+            </a:endParaRPr>
+          </a:p>
+        </p:txBody>
+      </p:sp>
+      <p:sp>
+        <p:nvSpPr>
+          <p:cNvPr id="18" name="圆角矩形 17"/>
+          <p:cNvSpPr/>
+          <p:nvPr/>
+        </p:nvSpPr>
+        <p:spPr>
+          <a:xfrm>
+            <a:off x="3629968" y="4607189"/>
+            <a:ext cx="1872208" cy="504056"/>
+          </a:xfrm>
+          <a:prstGeom prst="roundRect">
+            <a:avLst/>
+          </a:prstGeom>
+          <a:solidFill>
+            <a:schemeClr val="tx2">
+              <a:lumMod val="40000"/>
+              <a:lumOff val="60000"/>
+            </a:schemeClr>
+          </a:solidFill>
+          <a:ln w="12700">
+            <a:solidFill>
+              <a:schemeClr val="tx2">
+                <a:lumMod val="75000"/>
+              </a:schemeClr>
+            </a:solidFill>
+          </a:ln>
+        </p:spPr>
+        <p:style>
+          <a:lnRef idx="2">
+            <a:schemeClr val="accent1">
+              <a:shade val="50000"/>
+            </a:schemeClr>
+          </a:lnRef>
+          <a:fillRef idx="1">
+            <a:schemeClr val="accent1"/>
+          </a:fillRef>
+          <a:effectRef idx="0">
+            <a:schemeClr val="accent1"/>
+          </a:effectRef>
+          <a:fontRef idx="minor">
+            <a:schemeClr val="lt1"/>
+          </a:fontRef>
+        </p:style>
+        <p:txBody>
+          <a:bodyPr rtlCol="0" anchor="ctr"/>
+          <a:lstStyle/>
+          <a:p>
+            <a:pPr algn="ctr"/>
+            <a:r>
+              <a:rPr kumimoji="1" lang="zh-CN" altLang="zh-CN" dirty="0" smtClean="0">
+                <a:solidFill>
+                  <a:schemeClr val="tx2"/>
+                </a:solidFill>
+                <a:latin typeface="Microsoft YaHei" charset="0"/>
+                <a:ea typeface="Microsoft YaHei" charset="0"/>
+                <a:cs typeface="Microsoft YaHei" charset="0"/>
+              </a:rPr>
+              <a:t>O</a:t>
+            </a:r>
+            <a:r>
+              <a:rPr kumimoji="1" lang="en-US" altLang="zh-CN" dirty="0" err="1" smtClean="0">
+                <a:solidFill>
+                  <a:schemeClr val="tx2"/>
+                </a:solidFill>
+                <a:latin typeface="Microsoft YaHei" charset="0"/>
+                <a:ea typeface="Microsoft YaHei" charset="0"/>
+                <a:cs typeface="Microsoft YaHei" charset="0"/>
+              </a:rPr>
+              <a:t>rder</a:t>
+            </a:r>
+            <a:r>
+              <a:rPr kumimoji="1" lang="zh-CN" altLang="en-US" dirty="0" smtClean="0">
+                <a:solidFill>
+                  <a:schemeClr val="tx2"/>
+                </a:solidFill>
+                <a:latin typeface="Microsoft YaHei" charset="0"/>
+                <a:ea typeface="Microsoft YaHei" charset="0"/>
+                <a:cs typeface="Microsoft YaHei" charset="0"/>
+              </a:rPr>
+              <a:t> </a:t>
+            </a:r>
+            <a:r>
+              <a:rPr kumimoji="1" lang="en-US" altLang="zh-CN" dirty="0" smtClean="0">
+                <a:solidFill>
+                  <a:schemeClr val="tx2"/>
+                </a:solidFill>
+                <a:latin typeface="Microsoft YaHei" charset="0"/>
+                <a:ea typeface="Microsoft YaHei" charset="0"/>
+                <a:cs typeface="Microsoft YaHei" charset="0"/>
+              </a:rPr>
+              <a:t>manager</a:t>
+            </a:r>
+            <a:endParaRPr kumimoji="1" lang="zh-CN" altLang="en-US" dirty="0">
+              <a:solidFill>
+                <a:schemeClr val="tx2"/>
+              </a:solidFill>
+              <a:latin typeface="Microsoft YaHei" charset="0"/>
+              <a:ea typeface="Microsoft YaHei" charset="0"/>
+              <a:cs typeface="Microsoft YaHei" charset="0"/>
+            </a:endParaRPr>
+          </a:p>
+        </p:txBody>
+      </p:sp>
+      <p:sp>
+        <p:nvSpPr>
+          <p:cNvPr id="19" name="圆角矩形 18"/>
+          <p:cNvSpPr/>
+          <p:nvPr/>
+        </p:nvSpPr>
+        <p:spPr>
+          <a:xfrm>
+            <a:off x="5955432" y="4607189"/>
+            <a:ext cx="1805136" cy="504056"/>
+          </a:xfrm>
+          <a:prstGeom prst="roundRect">
+            <a:avLst/>
+          </a:prstGeom>
+          <a:solidFill>
+            <a:schemeClr val="tx2">
+              <a:lumMod val="40000"/>
+              <a:lumOff val="60000"/>
+            </a:schemeClr>
+          </a:solidFill>
+          <a:ln w="12700">
+            <a:solidFill>
+              <a:schemeClr val="tx2">
+                <a:lumMod val="75000"/>
+              </a:schemeClr>
+            </a:solidFill>
+          </a:ln>
+        </p:spPr>
+        <p:style>
+          <a:lnRef idx="2">
+            <a:schemeClr val="accent1">
+              <a:shade val="50000"/>
+            </a:schemeClr>
+          </a:lnRef>
+          <a:fillRef idx="1">
+            <a:schemeClr val="accent1"/>
+          </a:fillRef>
+          <a:effectRef idx="0">
+            <a:schemeClr val="accent1"/>
+          </a:effectRef>
+          <a:fontRef idx="minor">
+            <a:schemeClr val="lt1"/>
+          </a:fontRef>
+        </p:style>
+        <p:txBody>
+          <a:bodyPr rtlCol="0" anchor="ctr"/>
+          <a:lstStyle/>
+          <a:p>
+            <a:pPr algn="ctr"/>
+            <a:r>
+              <a:rPr kumimoji="1" lang="en-US" altLang="zh-CN" dirty="0" smtClean="0">
+                <a:solidFill>
+                  <a:schemeClr val="tx2"/>
+                </a:solidFill>
+                <a:latin typeface="Microsoft YaHei" charset="0"/>
+                <a:ea typeface="Microsoft YaHei" charset="0"/>
+                <a:cs typeface="Microsoft YaHei" charset="0"/>
+              </a:rPr>
+              <a:t>Art</a:t>
+            </a:r>
+            <a:r>
+              <a:rPr kumimoji="1" lang="zh-CN" altLang="en-US" dirty="0" smtClean="0">
+                <a:solidFill>
+                  <a:schemeClr val="tx2"/>
+                </a:solidFill>
+                <a:latin typeface="Microsoft YaHei" charset="0"/>
+                <a:ea typeface="Microsoft YaHei" charset="0"/>
+                <a:cs typeface="Microsoft YaHei" charset="0"/>
+              </a:rPr>
+              <a:t> </a:t>
+            </a:r>
+            <a:r>
+              <a:rPr kumimoji="1" lang="en-US" altLang="zh-CN" dirty="0" smtClean="0">
+                <a:solidFill>
+                  <a:schemeClr val="tx2"/>
+                </a:solidFill>
+                <a:latin typeface="Microsoft YaHei" charset="0"/>
+                <a:ea typeface="Microsoft YaHei" charset="0"/>
+                <a:cs typeface="Microsoft YaHei" charset="0"/>
+              </a:rPr>
+              <a:t>work</a:t>
+            </a:r>
+            <a:r>
+              <a:rPr kumimoji="1" lang="zh-CN" altLang="en-US" dirty="0" smtClean="0">
+                <a:solidFill>
+                  <a:schemeClr val="tx2"/>
+                </a:solidFill>
+                <a:latin typeface="Microsoft YaHei" charset="0"/>
+                <a:ea typeface="Microsoft YaHei" charset="0"/>
+                <a:cs typeface="Microsoft YaHei" charset="0"/>
+              </a:rPr>
+              <a:t> </a:t>
+            </a:r>
+            <a:r>
+              <a:rPr kumimoji="1" lang="zh-CN" altLang="en-US" dirty="0" smtClean="0">
+                <a:solidFill>
+                  <a:schemeClr val="tx2"/>
+                </a:solidFill>
+                <a:latin typeface="Microsoft YaHei" charset="0"/>
+                <a:ea typeface="Microsoft YaHei" charset="0"/>
+                <a:cs typeface="Microsoft YaHei" charset="0"/>
+              </a:rPr>
+              <a:t> </a:t>
+            </a:r>
+            <a:r>
+              <a:rPr kumimoji="1" lang="en-US" altLang="zh-CN" dirty="0" smtClean="0">
+                <a:solidFill>
+                  <a:schemeClr val="tx2"/>
+                </a:solidFill>
+                <a:latin typeface="Microsoft YaHei" charset="0"/>
+                <a:ea typeface="Microsoft YaHei" charset="0"/>
+                <a:cs typeface="Microsoft YaHei" charset="0"/>
+              </a:rPr>
+              <a:t>manager</a:t>
+            </a:r>
+            <a:endParaRPr kumimoji="1" lang="zh-CN" altLang="en-US" dirty="0">
+              <a:solidFill>
+                <a:schemeClr val="tx2"/>
+              </a:solidFill>
+              <a:latin typeface="Microsoft YaHei" charset="0"/>
+              <a:ea typeface="Microsoft YaHei" charset="0"/>
+              <a:cs typeface="Microsoft YaHei" charset="0"/>
+            </a:endParaRPr>
+          </a:p>
+        </p:txBody>
+      </p:sp>
+      <p:sp>
+        <p:nvSpPr>
+          <p:cNvPr id="20" name="圆角矩形 19"/>
+          <p:cNvSpPr/>
+          <p:nvPr/>
+        </p:nvSpPr>
+        <p:spPr>
+          <a:xfrm>
+            <a:off x="5947048" y="3933056"/>
+            <a:ext cx="1800200" cy="504056"/>
+          </a:xfrm>
+          <a:prstGeom prst="roundRect">
+            <a:avLst/>
+          </a:prstGeom>
+          <a:solidFill>
+            <a:schemeClr val="tx2">
+              <a:lumMod val="40000"/>
+              <a:lumOff val="60000"/>
+            </a:schemeClr>
+          </a:solidFill>
+          <a:ln w="12700">
+            <a:solidFill>
+              <a:schemeClr val="tx2">
+                <a:lumMod val="75000"/>
+              </a:schemeClr>
+            </a:solidFill>
+          </a:ln>
+        </p:spPr>
+        <p:style>
+          <a:lnRef idx="2">
+            <a:schemeClr val="accent1">
+              <a:shade val="50000"/>
+            </a:schemeClr>
+          </a:lnRef>
+          <a:fillRef idx="1">
+            <a:schemeClr val="accent1"/>
+          </a:fillRef>
+          <a:effectRef idx="0">
+            <a:schemeClr val="accent1"/>
+          </a:effectRef>
+          <a:fontRef idx="minor">
+            <a:schemeClr val="lt1"/>
+          </a:fontRef>
+        </p:style>
+        <p:txBody>
+          <a:bodyPr rtlCol="0" anchor="ctr"/>
+          <a:lstStyle/>
+          <a:p>
+            <a:pPr algn="ctr"/>
+            <a:r>
+              <a:rPr kumimoji="1" lang="zh-CN" altLang="zh-CN" dirty="0" smtClean="0">
+                <a:solidFill>
+                  <a:schemeClr val="tx2"/>
+                </a:solidFill>
+                <a:latin typeface="Microsoft YaHei" charset="0"/>
+                <a:ea typeface="Microsoft YaHei" charset="0"/>
+                <a:cs typeface="Microsoft YaHei" charset="0"/>
+              </a:rPr>
+              <a:t>a</a:t>
+            </a:r>
+            <a:r>
+              <a:rPr kumimoji="1" lang="en-US" altLang="zh-CN" dirty="0" err="1" smtClean="0">
+                <a:solidFill>
+                  <a:schemeClr val="tx2"/>
+                </a:solidFill>
+                <a:latin typeface="Microsoft YaHei" charset="0"/>
+                <a:ea typeface="Microsoft YaHei" charset="0"/>
+                <a:cs typeface="Microsoft YaHei" charset="0"/>
+              </a:rPr>
+              <a:t>rtist</a:t>
+            </a:r>
+            <a:r>
+              <a:rPr kumimoji="1" lang="zh-CN" altLang="en-US" dirty="0" smtClean="0">
+                <a:solidFill>
+                  <a:schemeClr val="tx2"/>
+                </a:solidFill>
+                <a:latin typeface="Microsoft YaHei" charset="0"/>
+                <a:ea typeface="Microsoft YaHei" charset="0"/>
+                <a:cs typeface="Microsoft YaHei" charset="0"/>
+              </a:rPr>
+              <a:t> </a:t>
+            </a:r>
+            <a:r>
+              <a:rPr kumimoji="1" lang="zh-CN" altLang="en-US" dirty="0" smtClean="0">
+                <a:solidFill>
+                  <a:schemeClr val="tx2"/>
+                </a:solidFill>
+                <a:latin typeface="Microsoft YaHei" charset="0"/>
+                <a:ea typeface="Microsoft YaHei" charset="0"/>
+                <a:cs typeface="Microsoft YaHei" charset="0"/>
+              </a:rPr>
+              <a:t> </a:t>
+            </a:r>
+            <a:r>
+              <a:rPr kumimoji="1" lang="en-US" altLang="zh-CN" dirty="0" smtClean="0">
+                <a:solidFill>
+                  <a:schemeClr val="tx2"/>
+                </a:solidFill>
+                <a:latin typeface="Microsoft YaHei" charset="0"/>
+                <a:ea typeface="Microsoft YaHei" charset="0"/>
+                <a:cs typeface="Microsoft YaHei" charset="0"/>
+              </a:rPr>
+              <a:t>manager</a:t>
+            </a:r>
+            <a:endParaRPr kumimoji="1" lang="zh-CN" altLang="en-US" dirty="0">
+              <a:solidFill>
+                <a:schemeClr val="tx2"/>
+              </a:solidFill>
+              <a:latin typeface="Microsoft YaHei" charset="0"/>
+              <a:ea typeface="Microsoft YaHei" charset="0"/>
+              <a:cs typeface="Microsoft YaHei" charset="0"/>
+            </a:endParaRPr>
           </a:p>
         </p:txBody>
       </p:sp>
     </p:spTree>
     <p:extLst>
       <p:ext uri="{BB962C8B-B14F-4D97-AF65-F5344CB8AC3E}">
-        <p14:creationId xmlns:p14="http://schemas.microsoft.com/office/powerpoint/2010/main" val="850462800"/>
+        <p14:creationId xmlns:p14="http://schemas.microsoft.com/office/powerpoint/2010/main" val="473285067"/>
       </p:ext>
     </p:extLst>
   </p:cSld>
@@ -4801,15 +7434,7 @@
           <a:p>
             <a:r>
               <a:rPr kumimoji="1" lang="zh-CN" altLang="en-US" dirty="0" smtClean="0"/>
-              <a:t>网</a:t>
-            </a:r>
-            <a:r>
-              <a:rPr kumimoji="1" lang="zh-CN" altLang="en-US" dirty="0" smtClean="0"/>
-              <a:t>页</a:t>
-            </a:r>
-            <a:r>
-              <a:rPr kumimoji="1" lang="zh-CN" altLang="en-US" dirty="0" smtClean="0"/>
-              <a:t>登录场景</a:t>
+              <a:t>用户管理模块概要设计</a:t>
             </a:r>
             <a:endParaRPr kumimoji="1" lang="zh-CN" altLang="en-US" dirty="0"/>
           </a:p>
@@ -4817,16 +7442,16 @@
       </p:sp>
       <p:sp>
         <p:nvSpPr>
-          <p:cNvPr id="2" name="圆角矩形 1"/>
+          <p:cNvPr id="4" name="罐形 3"/>
           <p:cNvSpPr/>
           <p:nvPr/>
         </p:nvSpPr>
         <p:spPr>
           <a:xfrm>
-            <a:off x="2351584" y="1484784"/>
-            <a:ext cx="1224136" cy="792088"/>
-          </a:xfrm>
-          <a:prstGeom prst="roundRect">
+            <a:off x="3188544" y="5661248"/>
+            <a:ext cx="1440160" cy="936104"/>
+          </a:xfrm>
+          <a:prstGeom prst="can">
             <a:avLst/>
           </a:prstGeom>
           <a:solidFill>
@@ -4870,18 +7495,7 @@
                 <a:ea typeface="Microsoft YaHei" charset="0"/>
                 <a:cs typeface="Microsoft YaHei" charset="0"/>
               </a:rPr>
-              <a:t>Web</a:t>
-            </a:r>
-            <a:r>
-              <a:rPr kumimoji="1" lang="zh-CN" altLang="en-US" dirty="0" smtClean="0">
-                <a:solidFill>
-                  <a:schemeClr val="tx2"/>
-                </a:solidFill>
-                <a:latin typeface="Microsoft YaHei" charset="0"/>
-                <a:ea typeface="Microsoft YaHei" charset="0"/>
-                <a:cs typeface="Microsoft YaHei" charset="0"/>
-              </a:rPr>
-              <a:t> 首页</a:t>
+              <a:t>DB</a:t>
             </a:r>
             <a:endParaRPr kumimoji="1" lang="zh-CN" altLang="en-US" dirty="0">
               <a:solidFill>
@@ -4896,14 +7510,14 @@
       </p:sp>
       <p:sp>
         <p:nvSpPr>
-          <p:cNvPr id="4" name="圆角矩形 3"/>
+          <p:cNvPr id="7" name="圆角矩形 6"/>
           <p:cNvSpPr/>
           <p:nvPr/>
         </p:nvSpPr>
         <p:spPr>
           <a:xfrm>
-            <a:off x="4546989" y="1484784"/>
-            <a:ext cx="1224136" cy="792088"/>
+            <a:off x="1775520" y="1340768"/>
+            <a:ext cx="4248472" cy="1296144"/>
           </a:xfrm>
           <a:prstGeom prst="roundRect">
             <a:avLst/>
@@ -4940,17 +7554,6 @@
           <a:lstStyle/>
           <a:p>
             <a:pPr algn="ctr"/>
-            <a:r>
-              <a:rPr kumimoji="1" lang="zh-CN" altLang="en-US" dirty="0" smtClean="0">
-                <a:solidFill>
-                  <a:schemeClr val="tx2"/>
-                </a:solidFill>
-                <a:latin typeface="Microsoft YaHei" charset="0"/>
-                <a:ea typeface="Microsoft YaHei" charset="0"/>
-                <a:cs typeface="Microsoft YaHei" charset="0"/>
-              </a:rPr>
-              <a:t>登录页</a:t>
-            </a:r>
             <a:endParaRPr kumimoji="1" lang="zh-CN" altLang="en-US" dirty="0">
               <a:solidFill>
                 <a:schemeClr val="tx2"/>
@@ -4962,57 +7565,86 @@
           </a:p>
         </p:txBody>
       </p:sp>
-      <p:cxnSp>
-        <p:nvCxnSpPr>
-          <p:cNvPr id="6" name="直线箭头连接符 5"/>
-          <p:cNvCxnSpPr>
-            <a:stCxn id="2" idx="3"/>
-            <a:endCxn id="4" idx="1"/>
-          </p:cNvCxnSpPr>
-          <p:nvPr/>
-        </p:nvCxnSpPr>
-        <p:spPr>
-          <a:xfrm>
-            <a:off x="3575720" y="1880828"/>
-            <a:ext cx="971269" cy="0"/>
-          </a:xfrm>
-          <a:prstGeom prst="straightConnector1">
-            <a:avLst/>
-          </a:prstGeom>
-          <a:ln>
-            <a:solidFill>
-              <a:schemeClr val="tx2">
-                <a:lumMod val="75000"/>
-              </a:schemeClr>
-            </a:solidFill>
-            <a:tailEnd type="arrow"/>
-          </a:ln>
-        </p:spPr>
-        <p:style>
-          <a:lnRef idx="1">
-            <a:schemeClr val="accent1"/>
-          </a:lnRef>
-          <a:fillRef idx="0">
-            <a:schemeClr val="accent1"/>
-          </a:fillRef>
-          <a:effectRef idx="0">
-            <a:schemeClr val="accent1"/>
-          </a:effectRef>
-          <a:fontRef idx="minor">
-            <a:schemeClr val="tx1"/>
-          </a:fontRef>
-        </p:style>
-      </p:cxnSp>
-      <p:sp>
-        <p:nvSpPr>
-          <p:cNvPr id="8" name="圆角矩形 7"/>
+      <p:sp>
+        <p:nvSpPr>
+          <p:cNvPr id="8" name="文本框 7"/>
+          <p:cNvSpPr txBox="1"/>
+          <p:nvPr/>
+        </p:nvSpPr>
+        <p:spPr>
+          <a:xfrm>
+            <a:off x="1892400" y="1386219"/>
+            <a:ext cx="2016224" cy="369332"/>
+          </a:xfrm>
+          <a:prstGeom prst="rect">
+            <a:avLst/>
+          </a:prstGeom>
+          <a:noFill/>
+        </p:spPr>
+        <p:txBody>
+          <a:bodyPr wrap="square" rtlCol="0">
+            <a:spAutoFit/>
+          </a:bodyPr>
+          <a:lstStyle/>
+          <a:p>
+            <a:r>
+              <a:rPr kumimoji="1" lang="en-US" altLang="zh-CN" dirty="0" smtClean="0">
+                <a:latin typeface="Microsoft YaHei" charset="0"/>
+                <a:ea typeface="Microsoft YaHei" charset="0"/>
+                <a:cs typeface="Microsoft YaHei" charset="0"/>
+              </a:rPr>
+              <a:t>REST</a:t>
+            </a:r>
+            <a:r>
+              <a:rPr kumimoji="1" lang="zh-CN" altLang="en-US" dirty="0" smtClean="0">
+                <a:latin typeface="Microsoft YaHei" charset="0"/>
+                <a:ea typeface="Microsoft YaHei" charset="0"/>
+                <a:cs typeface="Microsoft YaHei" charset="0"/>
+              </a:rPr>
+              <a:t> </a:t>
+            </a:r>
+            <a:r>
+              <a:rPr kumimoji="1" lang="en-US" altLang="zh-CN" dirty="0" smtClean="0">
+                <a:latin typeface="Microsoft YaHei" charset="0"/>
+                <a:ea typeface="Microsoft YaHei" charset="0"/>
+                <a:cs typeface="Microsoft YaHei" charset="0"/>
+              </a:rPr>
+              <a:t>API</a:t>
+            </a:r>
+            <a:r>
+              <a:rPr kumimoji="1" lang="zh-CN" altLang="en-US" dirty="0" smtClean="0">
+                <a:latin typeface="Microsoft YaHei" charset="0"/>
+                <a:ea typeface="Microsoft YaHei" charset="0"/>
+                <a:cs typeface="Microsoft YaHei" charset="0"/>
+              </a:rPr>
+              <a:t> </a:t>
+            </a:r>
+            <a:r>
+              <a:rPr kumimoji="1" lang="en-US" altLang="zh-CN" dirty="0" smtClean="0">
+                <a:latin typeface="Microsoft YaHei" charset="0"/>
+                <a:ea typeface="Microsoft YaHei" charset="0"/>
+                <a:cs typeface="Microsoft YaHei" charset="0"/>
+              </a:rPr>
+              <a:t>Service</a:t>
+            </a:r>
+            <a:endParaRPr kumimoji="1" lang="zh-CN" altLang="en-US" dirty="0" smtClean="0">
+              <a:latin typeface="Microsoft YaHei" charset="0"/>
+              <a:ea typeface="Microsoft YaHei" charset="0"/>
+              <a:cs typeface="Microsoft YaHei" charset="0"/>
+            </a:endParaRPr>
+          </a:p>
+        </p:txBody>
+      </p:sp>
+      <p:sp>
+        <p:nvSpPr>
+          <p:cNvPr id="9" name="圆角矩形 8"/>
           <p:cNvSpPr/>
           <p:nvPr/>
         </p:nvSpPr>
         <p:spPr>
           <a:xfrm>
-            <a:off x="6960096" y="2992016"/>
-            <a:ext cx="1224136" cy="792088"/>
+            <a:off x="2063552" y="1916832"/>
+            <a:ext cx="1650256" cy="504056"/>
           </a:xfrm>
           <a:prstGeom prst="roundRect">
             <a:avLst/>
@@ -5050,6 +7682,17 @@
           <a:p>
             <a:pPr algn="ctr"/>
             <a:r>
+              <a:rPr kumimoji="1" lang="en-US" altLang="zh-CN" dirty="0" smtClean="0">
+                <a:solidFill>
+                  <a:schemeClr val="tx2"/>
+                </a:solidFill>
+                <a:latin typeface="Microsoft YaHei" charset="0"/>
+                <a:ea typeface="Microsoft YaHei" charset="0"/>
+                <a:cs typeface="Microsoft YaHei" charset="0"/>
+              </a:rPr>
+              <a:t>User</a:t>
+            </a:r>
+            <a:r>
               <a:rPr kumimoji="1" lang="zh-CN" altLang="en-US" dirty="0" smtClean="0">
                 <a:solidFill>
                   <a:schemeClr val="tx2"/>
@@ -5058,18 +7701,18 @@
                 <a:ea typeface="Microsoft YaHei" charset="0"/>
                 <a:cs typeface="Microsoft YaHei" charset="0"/>
               </a:rPr>
-              <a:t>注册</a:t>
-            </a:r>
-            <a:r>
-              <a:rPr kumimoji="1" lang="zh-CN" altLang="en-US" dirty="0" smtClean="0">
-                <a:solidFill>
-                  <a:schemeClr val="tx2"/>
-                </a:solidFill>
-                <a:latin typeface="Microsoft YaHei" charset="0"/>
-                <a:ea typeface="Microsoft YaHei" charset="0"/>
-                <a:cs typeface="Microsoft YaHei" charset="0"/>
-              </a:rPr>
-              <a:t>页</a:t>
+              <a:t> </a:t>
+            </a:r>
+            <a:r>
+              <a:rPr kumimoji="1" lang="en-US" altLang="zh-CN" dirty="0" smtClean="0">
+                <a:solidFill>
+                  <a:schemeClr val="tx2"/>
+                </a:solidFill>
+                <a:latin typeface="Microsoft YaHei" charset="0"/>
+                <a:ea typeface="Microsoft YaHei" charset="0"/>
+                <a:cs typeface="Microsoft YaHei" charset="0"/>
+              </a:rPr>
+              <a:t>CRUD</a:t>
             </a:r>
             <a:endParaRPr kumimoji="1" lang="zh-CN" altLang="en-US" dirty="0">
               <a:solidFill>
@@ -5084,16 +7727,16 @@
       </p:sp>
       <p:sp>
         <p:nvSpPr>
-          <p:cNvPr id="9" name="菱形 8"/>
+          <p:cNvPr id="10" name="圆角矩形 9"/>
           <p:cNvSpPr/>
           <p:nvPr/>
         </p:nvSpPr>
         <p:spPr>
           <a:xfrm>
-            <a:off x="4327504" y="2848000"/>
-            <a:ext cx="1693027" cy="1080120"/>
-          </a:xfrm>
-          <a:prstGeom prst="diamond">
+            <a:off x="4079776" y="1916832"/>
+            <a:ext cx="1650256" cy="504056"/>
+          </a:xfrm>
+          <a:prstGeom prst="roundRect">
             <a:avLst/>
           </a:prstGeom>
           <a:solidFill>
@@ -5129,6 +7772,28 @@
           <a:p>
             <a:pPr algn="ctr"/>
             <a:r>
+              <a:rPr kumimoji="1" lang="zh-CN" altLang="zh-CN" dirty="0" smtClean="0">
+                <a:solidFill>
+                  <a:schemeClr val="tx2"/>
+                </a:solidFill>
+                <a:latin typeface="Microsoft YaHei" charset="0"/>
+                <a:ea typeface="Microsoft YaHei" charset="0"/>
+                <a:cs typeface="Microsoft YaHei" charset="0"/>
+              </a:rPr>
+              <a:t>Ro</a:t>
+            </a:r>
+            <a:r>
+              <a:rPr kumimoji="1" lang="en-US" altLang="zh-CN" dirty="0" smtClean="0">
+                <a:solidFill>
+                  <a:schemeClr val="tx2"/>
+                </a:solidFill>
+                <a:latin typeface="Microsoft YaHei" charset="0"/>
+                <a:ea typeface="Microsoft YaHei" charset="0"/>
+                <a:cs typeface="Microsoft YaHei" charset="0"/>
+              </a:rPr>
+              <a:t>le</a:t>
+            </a:r>
+            <a:r>
               <a:rPr kumimoji="1" lang="zh-CN" altLang="en-US" dirty="0" smtClean="0">
                 <a:solidFill>
                   <a:schemeClr val="tx2"/>
@@ -5137,7 +7802,18 @@
                 <a:ea typeface="Microsoft YaHei" charset="0"/>
                 <a:cs typeface="Microsoft YaHei" charset="0"/>
               </a:rPr>
-              <a:t>是否会员</a:t>
+              <a:t> </a:t>
+            </a:r>
+            <a:r>
+              <a:rPr kumimoji="1" lang="en-US" altLang="zh-CN" dirty="0" smtClean="0">
+                <a:solidFill>
+                  <a:schemeClr val="tx2"/>
+                </a:solidFill>
+                <a:latin typeface="Microsoft YaHei" charset="0"/>
+                <a:ea typeface="Microsoft YaHei" charset="0"/>
+                <a:cs typeface="Microsoft YaHei" charset="0"/>
+              </a:rPr>
+              <a:t>CRUD</a:t>
             </a:r>
             <a:endParaRPr kumimoji="1" lang="zh-CN" altLang="en-US" dirty="0">
               <a:solidFill>
@@ -5152,14 +7828,14 @@
       </p:sp>
       <p:sp>
         <p:nvSpPr>
-          <p:cNvPr id="10" name="圆角矩形 9"/>
+          <p:cNvPr id="11" name="圆角矩形 10"/>
           <p:cNvSpPr/>
           <p:nvPr/>
         </p:nvSpPr>
         <p:spPr>
           <a:xfrm>
-            <a:off x="4223684" y="4764525"/>
-            <a:ext cx="1900667" cy="936104"/>
+            <a:off x="1775520" y="2996952"/>
+            <a:ext cx="4248472" cy="1152128"/>
           </a:xfrm>
           <a:prstGeom prst="roundRect">
             <a:avLst/>
@@ -5196,61 +7872,6 @@
           <a:lstStyle/>
           <a:p>
             <a:pPr algn="ctr"/>
-            <a:r>
-              <a:rPr kumimoji="1" lang="en-US" altLang="zh-CN" dirty="0" smtClean="0">
-                <a:solidFill>
-                  <a:schemeClr val="tx2"/>
-                </a:solidFill>
-                <a:latin typeface="Microsoft YaHei" charset="0"/>
-                <a:ea typeface="Microsoft YaHei" charset="0"/>
-                <a:cs typeface="Microsoft YaHei" charset="0"/>
-              </a:rPr>
-              <a:t>Web </a:t>
-            </a:r>
-            <a:r>
-              <a:rPr kumimoji="1" lang="zh-CN" altLang="en-US" dirty="0" smtClean="0">
-                <a:solidFill>
-                  <a:schemeClr val="tx2"/>
-                </a:solidFill>
-                <a:latin typeface="Microsoft YaHei" charset="0"/>
-                <a:ea typeface="Microsoft YaHei" charset="0"/>
-                <a:cs typeface="Microsoft YaHei" charset="0"/>
-              </a:rPr>
-              <a:t>首</a:t>
-            </a:r>
-            <a:r>
-              <a:rPr kumimoji="1" lang="zh-CN" altLang="en-US" dirty="0" smtClean="0">
-                <a:solidFill>
-                  <a:schemeClr val="tx2"/>
-                </a:solidFill>
-                <a:latin typeface="Microsoft YaHei" charset="0"/>
-                <a:ea typeface="Microsoft YaHei" charset="0"/>
-                <a:cs typeface="Microsoft YaHei" charset="0"/>
-              </a:rPr>
-              <a:t>页（带用户</a:t>
-            </a:r>
-            <a:r>
-              <a:rPr kumimoji="1" lang="en-US" altLang="zh-CN" dirty="0" smtClean="0">
-                <a:solidFill>
-                  <a:schemeClr val="tx2"/>
-                </a:solidFill>
-                <a:latin typeface="Microsoft YaHei" charset="0"/>
-                <a:ea typeface="Microsoft YaHei" charset="0"/>
-                <a:cs typeface="Microsoft YaHei" charset="0"/>
-              </a:rPr>
-              <a:t>session</a:t>
-            </a:r>
-            <a:r>
-              <a:rPr kumimoji="1" lang="zh-CN" altLang="en-US" dirty="0" smtClean="0">
-                <a:solidFill>
-                  <a:schemeClr val="tx2"/>
-                </a:solidFill>
-                <a:latin typeface="Microsoft YaHei" charset="0"/>
-                <a:ea typeface="Microsoft YaHei" charset="0"/>
-                <a:cs typeface="Microsoft YaHei" charset="0"/>
-              </a:rPr>
-              <a:t>信息）</a:t>
-            </a:r>
             <a:endParaRPr kumimoji="1" lang="zh-CN" altLang="en-US" dirty="0">
               <a:solidFill>
                 <a:schemeClr val="tx2"/>
@@ -5262,16 +7883,313 @@
           </a:p>
         </p:txBody>
       </p:sp>
+      <p:sp>
+        <p:nvSpPr>
+          <p:cNvPr id="12" name="圆角矩形 11"/>
+          <p:cNvSpPr/>
+          <p:nvPr/>
+        </p:nvSpPr>
+        <p:spPr>
+          <a:xfrm>
+            <a:off x="2063552" y="3429000"/>
+            <a:ext cx="1650256" cy="504056"/>
+          </a:xfrm>
+          <a:prstGeom prst="roundRect">
+            <a:avLst/>
+          </a:prstGeom>
+          <a:solidFill>
+            <a:schemeClr val="bg1"/>
+          </a:solidFill>
+          <a:ln w="12700">
+            <a:solidFill>
+              <a:schemeClr val="tx2">
+                <a:lumMod val="75000"/>
+              </a:schemeClr>
+            </a:solidFill>
+          </a:ln>
+        </p:spPr>
+        <p:style>
+          <a:lnRef idx="2">
+            <a:schemeClr val="accent1">
+              <a:shade val="50000"/>
+            </a:schemeClr>
+          </a:lnRef>
+          <a:fillRef idx="1">
+            <a:schemeClr val="accent1"/>
+          </a:fillRef>
+          <a:effectRef idx="0">
+            <a:schemeClr val="accent1"/>
+          </a:effectRef>
+          <a:fontRef idx="minor">
+            <a:schemeClr val="lt1"/>
+          </a:fontRef>
+        </p:style>
+        <p:txBody>
+          <a:bodyPr rtlCol="0" anchor="ctr"/>
+          <a:lstStyle/>
+          <a:p>
+            <a:pPr algn="ctr"/>
+            <a:r>
+              <a:rPr kumimoji="1" lang="en-US" altLang="zh-CN" dirty="0" smtClean="0">
+                <a:solidFill>
+                  <a:schemeClr val="tx2"/>
+                </a:solidFill>
+                <a:latin typeface="Microsoft YaHei" charset="0"/>
+                <a:ea typeface="Microsoft YaHei" charset="0"/>
+                <a:cs typeface="Microsoft YaHei" charset="0"/>
+              </a:rPr>
+              <a:t>User</a:t>
+            </a:r>
+            <a:r>
+              <a:rPr kumimoji="1" lang="zh-CN" altLang="en-US" dirty="0" smtClean="0">
+                <a:solidFill>
+                  <a:schemeClr val="tx2"/>
+                </a:solidFill>
+                <a:latin typeface="Microsoft YaHei" charset="0"/>
+                <a:ea typeface="Microsoft YaHei" charset="0"/>
+                <a:cs typeface="Microsoft YaHei" charset="0"/>
+              </a:rPr>
+              <a:t> </a:t>
+            </a:r>
+            <a:r>
+              <a:rPr kumimoji="1" lang="en-US" altLang="zh-CN" dirty="0" smtClean="0">
+                <a:solidFill>
+                  <a:schemeClr val="tx2"/>
+                </a:solidFill>
+                <a:latin typeface="Microsoft YaHei" charset="0"/>
+                <a:ea typeface="Microsoft YaHei" charset="0"/>
+                <a:cs typeface="Microsoft YaHei" charset="0"/>
+              </a:rPr>
+              <a:t>CRUD</a:t>
+            </a:r>
+            <a:endParaRPr kumimoji="1" lang="zh-CN" altLang="en-US" dirty="0">
+              <a:solidFill>
+                <a:schemeClr val="tx2"/>
+              </a:solidFill>
+              <a:latin typeface="Microsoft YaHei" charset="0"/>
+              <a:ea typeface="Microsoft YaHei" charset="0"/>
+              <a:cs typeface="Microsoft YaHei" charset="0"/>
+            </a:endParaRPr>
+          </a:p>
+        </p:txBody>
+      </p:sp>
+      <p:sp>
+        <p:nvSpPr>
+          <p:cNvPr id="13" name="圆角矩形 12"/>
+          <p:cNvSpPr/>
+          <p:nvPr/>
+        </p:nvSpPr>
+        <p:spPr>
+          <a:xfrm>
+            <a:off x="4079776" y="3428421"/>
+            <a:ext cx="1650256" cy="504056"/>
+          </a:xfrm>
+          <a:prstGeom prst="roundRect">
+            <a:avLst/>
+          </a:prstGeom>
+          <a:solidFill>
+            <a:schemeClr val="bg1"/>
+          </a:solidFill>
+          <a:ln w="12700">
+            <a:solidFill>
+              <a:schemeClr val="tx2">
+                <a:lumMod val="75000"/>
+              </a:schemeClr>
+            </a:solidFill>
+          </a:ln>
+        </p:spPr>
+        <p:style>
+          <a:lnRef idx="2">
+            <a:schemeClr val="accent1">
+              <a:shade val="50000"/>
+            </a:schemeClr>
+          </a:lnRef>
+          <a:fillRef idx="1">
+            <a:schemeClr val="accent1"/>
+          </a:fillRef>
+          <a:effectRef idx="0">
+            <a:schemeClr val="accent1"/>
+          </a:effectRef>
+          <a:fontRef idx="minor">
+            <a:schemeClr val="lt1"/>
+          </a:fontRef>
+        </p:style>
+        <p:txBody>
+          <a:bodyPr rtlCol="0" anchor="ctr"/>
+          <a:lstStyle/>
+          <a:p>
+            <a:pPr algn="ctr"/>
+            <a:r>
+              <a:rPr kumimoji="1" lang="zh-CN" altLang="zh-CN" dirty="0" smtClean="0">
+                <a:solidFill>
+                  <a:schemeClr val="tx2"/>
+                </a:solidFill>
+                <a:latin typeface="Microsoft YaHei" charset="0"/>
+                <a:ea typeface="Microsoft YaHei" charset="0"/>
+                <a:cs typeface="Microsoft YaHei" charset="0"/>
+              </a:rPr>
+              <a:t>Ro</a:t>
+            </a:r>
+            <a:r>
+              <a:rPr kumimoji="1" lang="en-US" altLang="zh-CN" dirty="0" smtClean="0">
+                <a:solidFill>
+                  <a:schemeClr val="tx2"/>
+                </a:solidFill>
+                <a:latin typeface="Microsoft YaHei" charset="0"/>
+                <a:ea typeface="Microsoft YaHei" charset="0"/>
+                <a:cs typeface="Microsoft YaHei" charset="0"/>
+              </a:rPr>
+              <a:t>le</a:t>
+            </a:r>
+            <a:r>
+              <a:rPr kumimoji="1" lang="zh-CN" altLang="en-US" dirty="0" smtClean="0">
+                <a:solidFill>
+                  <a:schemeClr val="tx2"/>
+                </a:solidFill>
+                <a:latin typeface="Microsoft YaHei" charset="0"/>
+                <a:ea typeface="Microsoft YaHei" charset="0"/>
+                <a:cs typeface="Microsoft YaHei" charset="0"/>
+              </a:rPr>
+              <a:t> </a:t>
+            </a:r>
+            <a:r>
+              <a:rPr kumimoji="1" lang="en-US" altLang="zh-CN" dirty="0" smtClean="0">
+                <a:solidFill>
+                  <a:schemeClr val="tx2"/>
+                </a:solidFill>
+                <a:latin typeface="Microsoft YaHei" charset="0"/>
+                <a:ea typeface="Microsoft YaHei" charset="0"/>
+                <a:cs typeface="Microsoft YaHei" charset="0"/>
+              </a:rPr>
+              <a:t>CRUD</a:t>
+            </a:r>
+            <a:endParaRPr kumimoji="1" lang="zh-CN" altLang="en-US" dirty="0">
+              <a:solidFill>
+                <a:schemeClr val="tx2"/>
+              </a:solidFill>
+              <a:latin typeface="Microsoft YaHei" charset="0"/>
+              <a:ea typeface="Microsoft YaHei" charset="0"/>
+              <a:cs typeface="Microsoft YaHei" charset="0"/>
+            </a:endParaRPr>
+          </a:p>
+        </p:txBody>
+      </p:sp>
+      <p:sp>
+        <p:nvSpPr>
+          <p:cNvPr id="14" name="文本框 13"/>
+          <p:cNvSpPr txBox="1"/>
+          <p:nvPr/>
+        </p:nvSpPr>
+        <p:spPr>
+          <a:xfrm>
+            <a:off x="2052853" y="3059089"/>
+            <a:ext cx="720080" cy="369332"/>
+          </a:xfrm>
+          <a:prstGeom prst="rect">
+            <a:avLst/>
+          </a:prstGeom>
+          <a:noFill/>
+        </p:spPr>
+        <p:txBody>
+          <a:bodyPr wrap="square" rtlCol="0">
+            <a:spAutoFit/>
+          </a:bodyPr>
+          <a:lstStyle/>
+          <a:p>
+            <a:r>
+              <a:rPr kumimoji="1" lang="en-US" altLang="zh-CN" dirty="0" smtClean="0">
+                <a:latin typeface="Microsoft YaHei" charset="0"/>
+                <a:ea typeface="Microsoft YaHei" charset="0"/>
+                <a:cs typeface="Microsoft YaHei" charset="0"/>
+              </a:rPr>
+              <a:t>SPI</a:t>
+            </a:r>
+            <a:endParaRPr kumimoji="1" lang="zh-CN" altLang="en-US" dirty="0" smtClean="0">
+              <a:latin typeface="Microsoft YaHei" charset="0"/>
+              <a:ea typeface="Microsoft YaHei" charset="0"/>
+              <a:cs typeface="Microsoft YaHei" charset="0"/>
+            </a:endParaRPr>
+          </a:p>
+        </p:txBody>
+      </p:sp>
+      <p:sp>
+        <p:nvSpPr>
+          <p:cNvPr id="15" name="圆角矩形 14"/>
+          <p:cNvSpPr/>
+          <p:nvPr/>
+        </p:nvSpPr>
+        <p:spPr>
+          <a:xfrm>
+            <a:off x="1775520" y="4437112"/>
+            <a:ext cx="4392488" cy="432048"/>
+          </a:xfrm>
+          <a:prstGeom prst="roundRect">
+            <a:avLst/>
+          </a:prstGeom>
+          <a:solidFill>
+            <a:schemeClr val="bg1"/>
+          </a:solidFill>
+          <a:ln w="12700">
+            <a:solidFill>
+              <a:schemeClr val="tx2">
+                <a:lumMod val="75000"/>
+              </a:schemeClr>
+            </a:solidFill>
+          </a:ln>
+        </p:spPr>
+        <p:style>
+          <a:lnRef idx="2">
+            <a:schemeClr val="accent1">
+              <a:shade val="50000"/>
+            </a:schemeClr>
+          </a:lnRef>
+          <a:fillRef idx="1">
+            <a:schemeClr val="accent1"/>
+          </a:fillRef>
+          <a:effectRef idx="0">
+            <a:schemeClr val="accent1"/>
+          </a:effectRef>
+          <a:fontRef idx="minor">
+            <a:schemeClr val="lt1"/>
+          </a:fontRef>
+        </p:style>
+        <p:txBody>
+          <a:bodyPr rtlCol="0" anchor="ctr"/>
+          <a:lstStyle/>
+          <a:p>
+            <a:pPr algn="ctr"/>
+            <a:r>
+              <a:rPr kumimoji="1" lang="en-US" altLang="zh-CN" dirty="0" smtClean="0">
+                <a:solidFill>
+                  <a:schemeClr val="tx2"/>
+                </a:solidFill>
+                <a:latin typeface="Microsoft YaHei" charset="0"/>
+                <a:ea typeface="Microsoft YaHei" charset="0"/>
+                <a:cs typeface="Microsoft YaHei" charset="0"/>
+              </a:rPr>
+              <a:t>DAO</a:t>
+            </a:r>
+            <a:endParaRPr kumimoji="1" lang="zh-CN" altLang="en-US" dirty="0">
+              <a:solidFill>
+                <a:schemeClr val="tx2"/>
+              </a:solidFill>
+              <a:latin typeface="Microsoft YaHei" charset="0"/>
+              <a:ea typeface="Microsoft YaHei" charset="0"/>
+              <a:cs typeface="Microsoft YaHei" charset="0"/>
+            </a:endParaRPr>
+          </a:p>
+        </p:txBody>
+      </p:sp>
       <p:cxnSp>
         <p:nvCxnSpPr>
-          <p:cNvPr id="12" name="直线箭头连接符 11"/>
+          <p:cNvPr id="17" name="直线箭头连接符 16"/>
           <p:cNvCxnSpPr/>
           <p:nvPr/>
         </p:nvCxnSpPr>
         <p:spPr>
           <a:xfrm>
-            <a:off x="5174018" y="2263965"/>
-            <a:ext cx="0" cy="584035"/>
+            <a:off x="2855640" y="2420888"/>
+            <a:ext cx="0" cy="1008112"/>
           </a:xfrm>
           <a:prstGeom prst="straightConnector1">
             <a:avLst/>
@@ -5302,17 +8220,17 @@
       </p:cxnSp>
       <p:cxnSp>
         <p:nvCxnSpPr>
-          <p:cNvPr id="16" name="直线箭头连接符 15"/>
+          <p:cNvPr id="19" name="直线箭头连接符 18"/>
           <p:cNvCxnSpPr>
-            <a:stCxn id="9" idx="2"/>
-            <a:endCxn id="10" idx="0"/>
+            <a:stCxn id="10" idx="2"/>
+            <a:endCxn id="13" idx="0"/>
           </p:cNvCxnSpPr>
           <p:nvPr/>
         </p:nvCxnSpPr>
         <p:spPr>
           <a:xfrm>
-            <a:off x="5174018" y="3928120"/>
-            <a:ext cx="0" cy="836405"/>
+            <a:off x="4904904" y="2420888"/>
+            <a:ext cx="0" cy="1007533"/>
           </a:xfrm>
           <a:prstGeom prst="straightConnector1">
             <a:avLst/>
@@ -5341,57 +8259,19 @@
           </a:fontRef>
         </p:style>
       </p:cxnSp>
-      <p:sp>
-        <p:nvSpPr>
-          <p:cNvPr id="18" name="文本框 17"/>
-          <p:cNvSpPr txBox="1"/>
-          <p:nvPr/>
-        </p:nvSpPr>
-        <p:spPr>
-          <a:xfrm>
-            <a:off x="5375920" y="4221088"/>
-            <a:ext cx="936104" cy="369332"/>
-          </a:xfrm>
-          <a:prstGeom prst="rect">
-            <a:avLst/>
-          </a:prstGeom>
-          <a:noFill/>
-        </p:spPr>
-        <p:txBody>
-          <a:bodyPr wrap="square" rtlCol="0">
-            <a:spAutoFit/>
-          </a:bodyPr>
-          <a:lstStyle/>
-          <a:p>
-            <a:r>
-              <a:rPr kumimoji="1" lang="zh-CN" altLang="en-US" dirty="0" smtClean="0">
-                <a:latin typeface="Microsoft YaHei" charset="0"/>
-                <a:ea typeface="Microsoft YaHei" charset="0"/>
-                <a:cs typeface="Microsoft YaHei" charset="0"/>
-              </a:rPr>
-              <a:t>是</a:t>
-            </a:r>
-            <a:endParaRPr kumimoji="1" lang="zh-CN" altLang="en-US" dirty="0" smtClean="0">
-              <a:latin typeface="Microsoft YaHei" charset="0"/>
-              <a:ea typeface="Microsoft YaHei" charset="0"/>
-              <a:cs typeface="Microsoft YaHei" charset="0"/>
-            </a:endParaRPr>
-          </a:p>
-        </p:txBody>
-      </p:sp>
       <p:cxnSp>
         <p:nvCxnSpPr>
-          <p:cNvPr id="20" name="直线箭头连接符 19"/>
+          <p:cNvPr id="21" name="直线箭头连接符 20"/>
           <p:cNvCxnSpPr>
-            <a:stCxn id="9" idx="3"/>
-            <a:endCxn id="8" idx="1"/>
+            <a:stCxn id="12" idx="2"/>
+            <a:endCxn id="15" idx="0"/>
           </p:cNvCxnSpPr>
           <p:nvPr/>
         </p:nvCxnSpPr>
         <p:spPr>
           <a:xfrm>
-            <a:off x="6020531" y="3388060"/>
-            <a:ext cx="939565" cy="0"/>
+            <a:off x="2888680" y="3933056"/>
+            <a:ext cx="1083084" cy="504056"/>
           </a:xfrm>
           <a:prstGeom prst="straightConnector1">
             <a:avLst/>
@@ -5420,61 +8300,22 @@
           </a:fontRef>
         </p:style>
       </p:cxnSp>
-      <p:sp>
-        <p:nvSpPr>
-          <p:cNvPr id="22" name="文本框 21"/>
-          <p:cNvSpPr txBox="1"/>
-          <p:nvPr/>
-        </p:nvSpPr>
-        <p:spPr>
-          <a:xfrm>
-            <a:off x="6010824" y="2992016"/>
-            <a:ext cx="900939" cy="369332"/>
-          </a:xfrm>
-          <a:prstGeom prst="rect">
-            <a:avLst/>
-          </a:prstGeom>
-          <a:noFill/>
-        </p:spPr>
-        <p:txBody>
-          <a:bodyPr wrap="square" rtlCol="0">
-            <a:spAutoFit/>
-          </a:bodyPr>
-          <a:lstStyle/>
-          <a:p>
-            <a:r>
-              <a:rPr kumimoji="1" lang="zh-CN" altLang="en-US" dirty="0" smtClean="0">
-                <a:latin typeface="Microsoft YaHei" charset="0"/>
-                <a:ea typeface="Microsoft YaHei" charset="0"/>
-                <a:cs typeface="Microsoft YaHei" charset="0"/>
-              </a:rPr>
-              <a:t>否</a:t>
-            </a:r>
-            <a:endParaRPr kumimoji="1" lang="zh-CN" altLang="en-US" dirty="0" smtClean="0">
-              <a:latin typeface="Microsoft YaHei" charset="0"/>
-              <a:ea typeface="Microsoft YaHei" charset="0"/>
-              <a:cs typeface="Microsoft YaHei" charset="0"/>
-            </a:endParaRPr>
-          </a:p>
-        </p:txBody>
-      </p:sp>
       <p:cxnSp>
         <p:nvCxnSpPr>
-          <p:cNvPr id="24" name="肘形连接符 23"/>
+          <p:cNvPr id="23" name="直线箭头连接符 22"/>
           <p:cNvCxnSpPr>
-            <a:stCxn id="8" idx="2"/>
+            <a:stCxn id="13" idx="2"/>
+            <a:endCxn id="15" idx="0"/>
           </p:cNvCxnSpPr>
           <p:nvPr/>
         </p:nvCxnSpPr>
         <p:spPr>
-          <a:xfrm rot="5400000">
-            <a:off x="6053702" y="3854754"/>
-            <a:ext cx="1589112" cy="1447813"/>
-          </a:xfrm>
-          <a:prstGeom prst="bentConnector3">
-            <a:avLst>
-              <a:gd name="adj1" fmla="val 99017"/>
-            </a:avLst>
+          <a:xfrm flipH="1">
+            <a:off x="3971764" y="3932477"/>
+            <a:ext cx="933140" cy="504635"/>
+          </a:xfrm>
+          <a:prstGeom prst="straightConnector1">
+            <a:avLst/>
           </a:prstGeom>
           <a:ln>
             <a:solidFill>
@@ -5500,37 +8341,141 @@
           </a:fontRef>
         </p:style>
       </p:cxnSp>
-      <p:sp>
-        <p:nvSpPr>
-          <p:cNvPr id="26" name="文本框 25"/>
-          <p:cNvSpPr txBox="1"/>
-          <p:nvPr/>
-        </p:nvSpPr>
-        <p:spPr>
-          <a:xfrm>
-            <a:off x="7752184" y="4590420"/>
-            <a:ext cx="1224136" cy="369332"/>
-          </a:xfrm>
-          <a:prstGeom prst="rect">
-            <a:avLst/>
-          </a:prstGeom>
-          <a:noFill/>
-        </p:spPr>
-        <p:txBody>
-          <a:bodyPr wrap="square" rtlCol="0">
-            <a:spAutoFit/>
-          </a:bodyPr>
-          <a:lstStyle/>
-          <a:p>
+      <p:cxnSp>
+        <p:nvCxnSpPr>
+          <p:cNvPr id="25" name="直线箭头连接符 24"/>
+          <p:cNvCxnSpPr>
+            <a:stCxn id="15" idx="2"/>
+            <a:endCxn id="4" idx="1"/>
+          </p:cNvCxnSpPr>
+          <p:nvPr/>
+        </p:nvCxnSpPr>
+        <p:spPr>
+          <a:xfrm flipH="1">
+            <a:off x="3908624" y="4869160"/>
+            <a:ext cx="63140" cy="792088"/>
+          </a:xfrm>
+          <a:prstGeom prst="straightConnector1">
+            <a:avLst/>
+          </a:prstGeom>
+          <a:ln>
+            <a:solidFill>
+              <a:schemeClr val="tx2">
+                <a:lumMod val="75000"/>
+              </a:schemeClr>
+            </a:solidFill>
+            <a:tailEnd type="arrow"/>
+          </a:ln>
+        </p:spPr>
+        <p:style>
+          <a:lnRef idx="1">
+            <a:schemeClr val="accent1"/>
+          </a:lnRef>
+          <a:fillRef idx="0">
+            <a:schemeClr val="accent1"/>
+          </a:fillRef>
+          <a:effectRef idx="0">
+            <a:schemeClr val="accent1"/>
+          </a:effectRef>
+          <a:fontRef idx="minor">
+            <a:schemeClr val="tx1"/>
+          </a:fontRef>
+        </p:style>
+      </p:cxnSp>
+      <p:sp>
+        <p:nvSpPr>
+          <p:cNvPr id="27" name="圆角矩形 26"/>
+          <p:cNvSpPr/>
+          <p:nvPr/>
+        </p:nvSpPr>
+        <p:spPr>
+          <a:xfrm>
+            <a:off x="7104112" y="1406352"/>
+            <a:ext cx="2088232" cy="1303538"/>
+          </a:xfrm>
+          <a:prstGeom prst="roundRect">
+            <a:avLst/>
+          </a:prstGeom>
+          <a:solidFill>
+            <a:schemeClr val="bg1"/>
+          </a:solidFill>
+          <a:ln w="12700">
+            <a:solidFill>
+              <a:schemeClr val="tx2">
+                <a:lumMod val="75000"/>
+              </a:schemeClr>
+            </a:solidFill>
+          </a:ln>
+        </p:spPr>
+        <p:style>
+          <a:lnRef idx="2">
+            <a:schemeClr val="accent1">
+              <a:shade val="50000"/>
+            </a:schemeClr>
+          </a:lnRef>
+          <a:fillRef idx="1">
+            <a:schemeClr val="accent1"/>
+          </a:fillRef>
+          <a:effectRef idx="0">
+            <a:schemeClr val="accent1"/>
+          </a:effectRef>
+          <a:fontRef idx="minor">
+            <a:schemeClr val="lt1"/>
+          </a:fontRef>
+        </p:style>
+        <p:txBody>
+          <a:bodyPr rtlCol="0" anchor="ctr"/>
+          <a:lstStyle/>
+          <a:p>
+            <a:pPr algn="ctr"/>
+            <a:r>
+              <a:rPr kumimoji="1" lang="en-US" altLang="zh-CN" dirty="0" smtClean="0">
+                <a:solidFill>
+                  <a:schemeClr val="tx2"/>
+                </a:solidFill>
+                <a:latin typeface="Microsoft YaHei" charset="0"/>
+                <a:ea typeface="Microsoft YaHei" charset="0"/>
+                <a:cs typeface="Microsoft YaHei" charset="0"/>
+              </a:rPr>
+              <a:t>Log</a:t>
+            </a:r>
             <a:r>
               <a:rPr kumimoji="1" lang="zh-CN" altLang="en-US" dirty="0" smtClean="0">
-                <a:latin typeface="Microsoft YaHei" charset="0"/>
-                <a:ea typeface="Microsoft YaHei" charset="0"/>
-                <a:cs typeface="Microsoft YaHei" charset="0"/>
-              </a:rPr>
-              <a:t>成功注册</a:t>
-            </a:r>
-            <a:endParaRPr kumimoji="1" lang="zh-CN" altLang="en-US" dirty="0" smtClean="0">
+                <a:solidFill>
+                  <a:schemeClr val="tx2"/>
+                </a:solidFill>
+                <a:latin typeface="Microsoft YaHei" charset="0"/>
+                <a:ea typeface="Microsoft YaHei" charset="0"/>
+                <a:cs typeface="Microsoft YaHei" charset="0"/>
+              </a:rPr>
+              <a:t> </a:t>
+            </a:r>
+            <a:r>
+              <a:rPr kumimoji="1" lang="zh-CN" altLang="zh-CN" dirty="0" smtClean="0">
+                <a:solidFill>
+                  <a:schemeClr val="tx2"/>
+                </a:solidFill>
+                <a:latin typeface="Microsoft YaHei" charset="0"/>
+                <a:ea typeface="Microsoft YaHei" charset="0"/>
+                <a:cs typeface="Microsoft YaHei" charset="0"/>
+              </a:rPr>
+              <a:t>S</a:t>
+            </a:r>
+            <a:r>
+              <a:rPr kumimoji="1" lang="en-US" altLang="zh-CN" dirty="0" err="1" smtClean="0">
+                <a:solidFill>
+                  <a:schemeClr val="tx2"/>
+                </a:solidFill>
+                <a:latin typeface="Microsoft YaHei" charset="0"/>
+                <a:ea typeface="Microsoft YaHei" charset="0"/>
+                <a:cs typeface="Microsoft YaHei" charset="0"/>
+              </a:rPr>
+              <a:t>ystem</a:t>
+            </a:r>
+            <a:endParaRPr kumimoji="1" lang="zh-CN" altLang="en-US" dirty="0">
+              <a:solidFill>
+                <a:schemeClr val="tx2"/>
+              </a:solidFill>
               <a:latin typeface="Microsoft YaHei" charset="0"/>
               <a:ea typeface="Microsoft YaHei" charset="0"/>
               <a:cs typeface="Microsoft YaHei" charset="0"/>
@@ -5540,130 +8485,284 @@
       </p:sp>
       <p:sp>
         <p:nvSpPr>
-          <p:cNvPr id="27" name="文本框 26"/>
-          <p:cNvSpPr txBox="1"/>
-          <p:nvPr/>
-        </p:nvSpPr>
-        <p:spPr>
-          <a:xfrm>
-            <a:off x="8472264" y="1484784"/>
-            <a:ext cx="2592288" cy="1754327"/>
-          </a:xfrm>
-          <a:prstGeom prst="rect">
-            <a:avLst/>
-          </a:prstGeom>
-          <a:noFill/>
-          <a:ln>
+          <p:cNvPr id="28" name="圆角矩形 27"/>
+          <p:cNvSpPr/>
+          <p:nvPr/>
+        </p:nvSpPr>
+        <p:spPr>
+          <a:xfrm>
+            <a:off x="7104112" y="3280708"/>
+            <a:ext cx="2088232" cy="1303538"/>
+          </a:xfrm>
+          <a:prstGeom prst="roundRect">
+            <a:avLst/>
+          </a:prstGeom>
+          <a:solidFill>
+            <a:schemeClr val="bg1"/>
+          </a:solidFill>
+          <a:ln w="12700">
             <a:solidFill>
-              <a:schemeClr val="tx1"/>
+              <a:schemeClr val="tx2">
+                <a:lumMod val="75000"/>
+              </a:schemeClr>
             </a:solidFill>
           </a:ln>
         </p:spPr>
-        <p:txBody>
-          <a:bodyPr wrap="square" rtlCol="0">
-            <a:spAutoFit/>
-          </a:bodyPr>
-          <a:lstStyle/>
-          <a:p>
-            <a:r>
-              <a:rPr kumimoji="1" lang="en-US" altLang="zh-CN" dirty="0" smtClean="0">
-                <a:latin typeface="Microsoft YaHei" charset="0"/>
-                <a:ea typeface="Microsoft YaHei" charset="0"/>
-                <a:cs typeface="Microsoft YaHei" charset="0"/>
-              </a:rPr>
-              <a:t>1</a:t>
+        <p:style>
+          <a:lnRef idx="2">
+            <a:schemeClr val="accent1">
+              <a:shade val="50000"/>
+            </a:schemeClr>
+          </a:lnRef>
+          <a:fillRef idx="1">
+            <a:schemeClr val="accent1"/>
+          </a:fillRef>
+          <a:effectRef idx="0">
+            <a:schemeClr val="accent1"/>
+          </a:effectRef>
+          <a:fontRef idx="minor">
+            <a:schemeClr val="lt1"/>
+          </a:fontRef>
+        </p:style>
+        <p:txBody>
+          <a:bodyPr rtlCol="0" anchor="ctr"/>
+          <a:lstStyle/>
+          <a:p>
+            <a:pPr algn="ctr"/>
+            <a:r>
+              <a:rPr kumimoji="1" lang="zh-CN" altLang="zh-CN" dirty="0" smtClean="0">
+                <a:solidFill>
+                  <a:schemeClr val="tx2"/>
+                </a:solidFill>
+                <a:latin typeface="Microsoft YaHei" charset="0"/>
+                <a:ea typeface="Microsoft YaHei" charset="0"/>
+                <a:cs typeface="Microsoft YaHei" charset="0"/>
+              </a:rPr>
+              <a:t>E</a:t>
+            </a:r>
+            <a:r>
+              <a:rPr kumimoji="1" lang="en-US" altLang="zh-CN" dirty="0" err="1" smtClean="0">
+                <a:solidFill>
+                  <a:schemeClr val="tx2"/>
+                </a:solidFill>
+                <a:latin typeface="Microsoft YaHei" charset="0"/>
+                <a:ea typeface="Microsoft YaHei" charset="0"/>
+                <a:cs typeface="Microsoft YaHei" charset="0"/>
+              </a:rPr>
+              <a:t>xception</a:t>
             </a:r>
             <a:r>
               <a:rPr kumimoji="1" lang="zh-CN" altLang="en-US" dirty="0" smtClean="0">
-                <a:latin typeface="Microsoft YaHei" charset="0"/>
-                <a:ea typeface="Microsoft YaHei" charset="0"/>
-                <a:cs typeface="Microsoft YaHei" charset="0"/>
-              </a:rPr>
-              <a:t>、</a:t>
-            </a:r>
-            <a:r>
-              <a:rPr kumimoji="1" lang="en-US" altLang="zh-CN" dirty="0" smtClean="0">
-                <a:latin typeface="Microsoft YaHei" charset="0"/>
-                <a:ea typeface="Microsoft YaHei" charset="0"/>
-                <a:cs typeface="Microsoft YaHei" charset="0"/>
-              </a:rPr>
-              <a:t>Session</a:t>
-            </a:r>
-            <a:r>
-              <a:rPr kumimoji="1" lang="zh-CN" altLang="en-US" dirty="0" smtClean="0">
-                <a:latin typeface="Microsoft YaHei" charset="0"/>
-                <a:ea typeface="Microsoft YaHei" charset="0"/>
-                <a:cs typeface="Microsoft YaHei" charset="0"/>
-              </a:rPr>
-              <a:t>和</a:t>
-            </a:r>
-            <a:r>
-              <a:rPr kumimoji="1" lang="en-US" altLang="zh-CN" dirty="0" smtClean="0">
-                <a:latin typeface="Microsoft YaHei" charset="0"/>
-                <a:ea typeface="Microsoft YaHei" charset="0"/>
-                <a:cs typeface="Microsoft YaHei" charset="0"/>
-              </a:rPr>
-              <a:t>cookie</a:t>
-            </a:r>
-            <a:r>
-              <a:rPr kumimoji="1" lang="zh-CN" altLang="en-US" dirty="0" smtClean="0">
-                <a:latin typeface="Microsoft YaHei" charset="0"/>
-                <a:ea typeface="Microsoft YaHei" charset="0"/>
-                <a:cs typeface="Microsoft YaHei" charset="0"/>
-              </a:rPr>
-              <a:t>的管理机制需要特别注意，提供统一的</a:t>
-            </a:r>
-            <a:r>
-              <a:rPr kumimoji="1" lang="en-US" altLang="zh-CN" dirty="0" smtClean="0">
-                <a:latin typeface="Microsoft YaHei" charset="0"/>
-                <a:ea typeface="Microsoft YaHei" charset="0"/>
-                <a:cs typeface="Microsoft YaHei" charset="0"/>
-              </a:rPr>
-              <a:t>session</a:t>
-            </a:r>
-            <a:r>
-              <a:rPr kumimoji="1" lang="zh-CN" altLang="en-US" dirty="0" smtClean="0">
-                <a:latin typeface="Microsoft YaHei" charset="0"/>
-                <a:ea typeface="Microsoft YaHei" charset="0"/>
-                <a:cs typeface="Microsoft YaHei" charset="0"/>
-              </a:rPr>
-              <a:t>拦截器</a:t>
-            </a:r>
-            <a:endParaRPr kumimoji="1" lang="en-US" altLang="zh-CN" dirty="0" smtClean="0">
+                <a:solidFill>
+                  <a:schemeClr val="tx2"/>
+                </a:solidFill>
+                <a:latin typeface="Microsoft YaHei" charset="0"/>
+                <a:ea typeface="Microsoft YaHei" charset="0"/>
+                <a:cs typeface="Microsoft YaHei" charset="0"/>
+              </a:rPr>
+              <a:t> </a:t>
+            </a:r>
+            <a:r>
+              <a:rPr kumimoji="1" lang="zh-CN" altLang="zh-CN" dirty="0" smtClean="0">
+                <a:solidFill>
+                  <a:schemeClr val="tx2"/>
+                </a:solidFill>
+                <a:latin typeface="Microsoft YaHei" charset="0"/>
+                <a:ea typeface="Microsoft YaHei" charset="0"/>
+                <a:cs typeface="Microsoft YaHei" charset="0"/>
+              </a:rPr>
+              <a:t>S</a:t>
+            </a:r>
+            <a:r>
+              <a:rPr kumimoji="1" lang="en-US" altLang="zh-CN" dirty="0" err="1" smtClean="0">
+                <a:solidFill>
+                  <a:schemeClr val="tx2"/>
+                </a:solidFill>
+                <a:latin typeface="Microsoft YaHei" charset="0"/>
+                <a:ea typeface="Microsoft YaHei" charset="0"/>
+                <a:cs typeface="Microsoft YaHei" charset="0"/>
+              </a:rPr>
+              <a:t>ystem</a:t>
+            </a:r>
+            <a:endParaRPr kumimoji="1" lang="zh-CN" altLang="en-US" dirty="0">
+              <a:solidFill>
+                <a:schemeClr val="tx2"/>
+              </a:solidFill>
               <a:latin typeface="Microsoft YaHei" charset="0"/>
               <a:ea typeface="Microsoft YaHei" charset="0"/>
               <a:cs typeface="Microsoft YaHei" charset="0"/>
             </a:endParaRPr>
           </a:p>
-          <a:p>
-            <a:r>
-              <a:rPr kumimoji="1" lang="zh-CN" altLang="zh-CN" dirty="0" smtClean="0">
-                <a:latin typeface="Microsoft YaHei" charset="0"/>
-                <a:ea typeface="Microsoft YaHei" charset="0"/>
-                <a:cs typeface="Microsoft YaHei" charset="0"/>
-              </a:rPr>
-              <a:t>2</a:t>
-            </a:r>
-            <a:r>
-              <a:rPr kumimoji="1" lang="zh-CN" altLang="en-US" dirty="0" smtClean="0">
-                <a:latin typeface="Microsoft YaHei" charset="0"/>
-                <a:ea typeface="Microsoft YaHei" charset="0"/>
-                <a:cs typeface="Microsoft YaHei" charset="0"/>
-              </a:rPr>
-              <a:t>、只有注册用户才能预约</a:t>
-            </a:r>
-            <a:endParaRPr kumimoji="1" lang="zh-CN" altLang="en-US" dirty="0" smtClean="0">
-              <a:latin typeface="Microsoft YaHei" charset="0"/>
-              <a:ea typeface="Microsoft YaHei" charset="0"/>
-              <a:cs typeface="Microsoft YaHei" charset="0"/>
-            </a:endParaRPr>
-          </a:p>
-        </p:txBody>
-      </p:sp>
+        </p:txBody>
+      </p:sp>
+      <p:cxnSp>
+        <p:nvCxnSpPr>
+          <p:cNvPr id="30" name="直线箭头连接符 29"/>
+          <p:cNvCxnSpPr>
+            <a:stCxn id="7" idx="3"/>
+            <a:endCxn id="27" idx="1"/>
+          </p:cNvCxnSpPr>
+          <p:nvPr/>
+        </p:nvCxnSpPr>
+        <p:spPr>
+          <a:xfrm>
+            <a:off x="6023992" y="1988840"/>
+            <a:ext cx="1080120" cy="69281"/>
+          </a:xfrm>
+          <a:prstGeom prst="straightConnector1">
+            <a:avLst/>
+          </a:prstGeom>
+          <a:ln>
+            <a:solidFill>
+              <a:schemeClr val="tx2">
+                <a:lumMod val="75000"/>
+              </a:schemeClr>
+            </a:solidFill>
+            <a:tailEnd type="arrow"/>
+          </a:ln>
+        </p:spPr>
+        <p:style>
+          <a:lnRef idx="1">
+            <a:schemeClr val="accent1"/>
+          </a:lnRef>
+          <a:fillRef idx="0">
+            <a:schemeClr val="accent1"/>
+          </a:fillRef>
+          <a:effectRef idx="0">
+            <a:schemeClr val="accent1"/>
+          </a:effectRef>
+          <a:fontRef idx="minor">
+            <a:schemeClr val="tx1"/>
+          </a:fontRef>
+        </p:style>
+      </p:cxnSp>
+      <p:cxnSp>
+        <p:nvCxnSpPr>
+          <p:cNvPr id="32" name="直线箭头连接符 31"/>
+          <p:cNvCxnSpPr>
+            <a:stCxn id="7" idx="3"/>
+            <a:endCxn id="28" idx="1"/>
+          </p:cNvCxnSpPr>
+          <p:nvPr/>
+        </p:nvCxnSpPr>
+        <p:spPr>
+          <a:xfrm>
+            <a:off x="6023992" y="1988840"/>
+            <a:ext cx="1080120" cy="1943637"/>
+          </a:xfrm>
+          <a:prstGeom prst="straightConnector1">
+            <a:avLst/>
+          </a:prstGeom>
+          <a:ln>
+            <a:solidFill>
+              <a:schemeClr val="tx2">
+                <a:lumMod val="75000"/>
+              </a:schemeClr>
+            </a:solidFill>
+            <a:tailEnd type="arrow"/>
+          </a:ln>
+        </p:spPr>
+        <p:style>
+          <a:lnRef idx="1">
+            <a:schemeClr val="accent1"/>
+          </a:lnRef>
+          <a:fillRef idx="0">
+            <a:schemeClr val="accent1"/>
+          </a:fillRef>
+          <a:effectRef idx="0">
+            <a:schemeClr val="accent1"/>
+          </a:effectRef>
+          <a:fontRef idx="minor">
+            <a:schemeClr val="tx1"/>
+          </a:fontRef>
+        </p:style>
+      </p:cxnSp>
+      <p:cxnSp>
+        <p:nvCxnSpPr>
+          <p:cNvPr id="34" name="直线箭头连接符 33"/>
+          <p:cNvCxnSpPr>
+            <a:stCxn id="11" idx="3"/>
+            <a:endCxn id="27" idx="1"/>
+          </p:cNvCxnSpPr>
+          <p:nvPr/>
+        </p:nvCxnSpPr>
+        <p:spPr>
+          <a:xfrm flipV="1">
+            <a:off x="6023992" y="2058121"/>
+            <a:ext cx="1080120" cy="1514895"/>
+          </a:xfrm>
+          <a:prstGeom prst="straightConnector1">
+            <a:avLst/>
+          </a:prstGeom>
+          <a:ln>
+            <a:solidFill>
+              <a:schemeClr val="tx2">
+                <a:lumMod val="75000"/>
+              </a:schemeClr>
+            </a:solidFill>
+            <a:tailEnd type="arrow"/>
+          </a:ln>
+        </p:spPr>
+        <p:style>
+          <a:lnRef idx="1">
+            <a:schemeClr val="accent1"/>
+          </a:lnRef>
+          <a:fillRef idx="0">
+            <a:schemeClr val="accent1"/>
+          </a:fillRef>
+          <a:effectRef idx="0">
+            <a:schemeClr val="accent1"/>
+          </a:effectRef>
+          <a:fontRef idx="minor">
+            <a:schemeClr val="tx1"/>
+          </a:fontRef>
+        </p:style>
+      </p:cxnSp>
+      <p:cxnSp>
+        <p:nvCxnSpPr>
+          <p:cNvPr id="36" name="直线箭头连接符 35"/>
+          <p:cNvCxnSpPr>
+            <a:stCxn id="11" idx="3"/>
+            <a:endCxn id="28" idx="1"/>
+          </p:cNvCxnSpPr>
+          <p:nvPr/>
+        </p:nvCxnSpPr>
+        <p:spPr>
+          <a:xfrm>
+            <a:off x="6023992" y="3573016"/>
+            <a:ext cx="1080120" cy="359461"/>
+          </a:xfrm>
+          <a:prstGeom prst="straightConnector1">
+            <a:avLst/>
+          </a:prstGeom>
+          <a:ln>
+            <a:solidFill>
+              <a:schemeClr val="tx2">
+                <a:lumMod val="75000"/>
+              </a:schemeClr>
+            </a:solidFill>
+            <a:tailEnd type="arrow"/>
+          </a:ln>
+        </p:spPr>
+        <p:style>
+          <a:lnRef idx="1">
+            <a:schemeClr val="accent1"/>
+          </a:lnRef>
+          <a:fillRef idx="0">
+            <a:schemeClr val="accent1"/>
+          </a:fillRef>
+          <a:effectRef idx="0">
+            <a:schemeClr val="accent1"/>
+          </a:effectRef>
+          <a:fontRef idx="minor">
+            <a:schemeClr val="tx1"/>
+          </a:fontRef>
+        </p:style>
+      </p:cxnSp>
     </p:spTree>
     <p:extLst>
       <p:ext uri="{BB962C8B-B14F-4D97-AF65-F5344CB8AC3E}">
-        <p14:creationId xmlns:p14="http://schemas.microsoft.com/office/powerpoint/2010/main" val="722643761"/>
+        <p14:creationId xmlns:p14="http://schemas.microsoft.com/office/powerpoint/2010/main" val="2558889340"/>
       </p:ext>
     </p:extLst>
   </p:cSld>
@@ -5692,6 +8791,94 @@
       </p:grpSpPr>
       <p:sp>
         <p:nvSpPr>
+          <p:cNvPr id="2" name="内容占位符 1"/>
+          <p:cNvSpPr>
+            <a:spLocks noGrp="1"/>
+          </p:cNvSpPr>
+          <p:nvPr>
+            <p:ph idx="13"/>
+          </p:nvPr>
+        </p:nvSpPr>
+        <p:spPr/>
+        <p:txBody>
+          <a:bodyPr>
+            <a:normAutofit fontScale="92500" lnSpcReduction="10000"/>
+          </a:bodyPr>
+          <a:lstStyle/>
+          <a:p>
+            <a:r>
+              <a:rPr kumimoji="1" lang="zh-CN" altLang="en-US" dirty="0" smtClean="0"/>
+              <a:t>网页登录注册</a:t>
+            </a:r>
+            <a:endParaRPr kumimoji="1" lang="en-US" altLang="zh-CN" dirty="0" smtClean="0"/>
+          </a:p>
+          <a:p>
+            <a:r>
+              <a:rPr kumimoji="1" lang="zh-CN" altLang="en-US" dirty="0" smtClean="0"/>
+              <a:t>微信公众号关注后登录注册</a:t>
+            </a:r>
+            <a:endParaRPr kumimoji="1" lang="en-US" altLang="zh-CN" dirty="0" smtClean="0"/>
+          </a:p>
+          <a:p>
+            <a:r>
+              <a:rPr kumimoji="1" lang="zh-CN" altLang="en-US" dirty="0" smtClean="0"/>
+              <a:t>网页活动预约</a:t>
+            </a:r>
+            <a:endParaRPr kumimoji="1" lang="en-US" altLang="zh-CN" dirty="0" smtClean="0"/>
+          </a:p>
+          <a:p>
+            <a:r>
+              <a:rPr kumimoji="1" lang="zh-CN" altLang="en-US" dirty="0" smtClean="0"/>
+              <a:t>微信活动预约</a:t>
+            </a:r>
+            <a:endParaRPr kumimoji="1" lang="en-US" altLang="zh-CN" dirty="0" smtClean="0"/>
+          </a:p>
+          <a:p>
+            <a:r>
+              <a:rPr kumimoji="1" lang="zh-CN" altLang="en-US" dirty="0" smtClean="0"/>
+              <a:t>用户主页查看修改取消订单</a:t>
+            </a:r>
+            <a:endParaRPr kumimoji="1" lang="en-US" altLang="zh-CN" dirty="0" smtClean="0"/>
+          </a:p>
+          <a:p>
+            <a:r>
+              <a:rPr kumimoji="1" lang="zh-CN" altLang="en-US" dirty="0" smtClean="0"/>
+              <a:t>用户主页查看修改个人信息</a:t>
+            </a:r>
+            <a:endParaRPr kumimoji="1" lang="en-US" altLang="zh-CN" dirty="0" smtClean="0"/>
+          </a:p>
+          <a:p>
+            <a:r>
+              <a:rPr kumimoji="1" lang="zh-CN" altLang="en-US" dirty="0" smtClean="0"/>
+              <a:t>管理后台艺人增删改查</a:t>
+            </a:r>
+            <a:endParaRPr kumimoji="1" lang="en-US" altLang="zh-CN" dirty="0" smtClean="0"/>
+          </a:p>
+          <a:p>
+            <a:r>
+              <a:rPr kumimoji="1" lang="zh-CN" altLang="en-US" dirty="0" smtClean="0"/>
+              <a:t>管理后台作品增删改查</a:t>
+            </a:r>
+            <a:endParaRPr kumimoji="1" lang="en-US" altLang="zh-CN" dirty="0" smtClean="0"/>
+          </a:p>
+          <a:p>
+            <a:r>
+              <a:rPr kumimoji="1" lang="zh-CN" altLang="en-US" dirty="0" smtClean="0"/>
+              <a:t>管理后台用户增删改查</a:t>
+            </a:r>
+            <a:endParaRPr kumimoji="1" lang="en-US" altLang="zh-CN" dirty="0" smtClean="0"/>
+          </a:p>
+          <a:p>
+            <a:r>
+              <a:rPr kumimoji="1" lang="zh-CN" altLang="en-US" dirty="0" smtClean="0"/>
+              <a:t>管理后台订单增删改查</a:t>
+            </a:r>
+            <a:endParaRPr kumimoji="1" lang="zh-CN" altLang="en-US" dirty="0"/>
+          </a:p>
+        </p:txBody>
+      </p:sp>
+      <p:sp>
+        <p:nvSpPr>
           <p:cNvPr id="3" name="标题 2"/>
           <p:cNvSpPr>
             <a:spLocks noGrp="1"/>
@@ -5707,857 +8894,16 @@
           <a:p>
             <a:r>
               <a:rPr kumimoji="1" lang="zh-CN" altLang="en-US" dirty="0" smtClean="0"/>
-              <a:t>微信登录场景</a:t>
+              <a:t>场景梳理</a:t>
             </a:r>
             <a:endParaRPr kumimoji="1" lang="zh-CN" altLang="en-US" dirty="0"/>
-          </a:p>
-        </p:txBody>
-      </p:sp>
-      <p:sp>
-        <p:nvSpPr>
-          <p:cNvPr id="2" name="圆角矩形 1"/>
-          <p:cNvSpPr/>
-          <p:nvPr/>
-        </p:nvSpPr>
-        <p:spPr>
-          <a:xfrm>
-            <a:off x="479376" y="1412776"/>
-            <a:ext cx="1296144" cy="720080"/>
-          </a:xfrm>
-          <a:prstGeom prst="roundRect">
-            <a:avLst/>
-          </a:prstGeom>
-          <a:solidFill>
-            <a:schemeClr val="bg1"/>
-          </a:solidFill>
-          <a:ln w="12700">
-            <a:solidFill>
-              <a:schemeClr val="tx2">
-                <a:lumMod val="75000"/>
-              </a:schemeClr>
-            </a:solidFill>
-          </a:ln>
-        </p:spPr>
-        <p:style>
-          <a:lnRef idx="2">
-            <a:schemeClr val="accent1">
-              <a:shade val="50000"/>
-            </a:schemeClr>
-          </a:lnRef>
-          <a:fillRef idx="1">
-            <a:schemeClr val="accent1"/>
-          </a:fillRef>
-          <a:effectRef idx="0">
-            <a:schemeClr val="accent1"/>
-          </a:effectRef>
-          <a:fontRef idx="minor">
-            <a:schemeClr val="lt1"/>
-          </a:fontRef>
-        </p:style>
-        <p:txBody>
-          <a:bodyPr rtlCol="0" anchor="ctr"/>
-          <a:lstStyle/>
-          <a:p>
-            <a:pPr algn="ctr"/>
-            <a:r>
-              <a:rPr kumimoji="1" lang="zh-CN" altLang="en-US" dirty="0" smtClean="0">
-                <a:solidFill>
-                  <a:schemeClr val="tx2"/>
-                </a:solidFill>
-                <a:latin typeface="Microsoft YaHei" charset="0"/>
-                <a:ea typeface="Microsoft YaHei" charset="0"/>
-                <a:cs typeface="Microsoft YaHei" charset="0"/>
-              </a:rPr>
-              <a:t>微信客户端</a:t>
-            </a:r>
-            <a:endParaRPr kumimoji="1" lang="zh-CN" altLang="en-US" dirty="0">
-              <a:solidFill>
-                <a:schemeClr val="tx2"/>
-              </a:solidFill>
-              <a:latin typeface="Microsoft YaHei" charset="0"/>
-              <a:ea typeface="Microsoft YaHei" charset="0"/>
-              <a:cs typeface="Microsoft YaHei" charset="0"/>
-            </a:endParaRPr>
-          </a:p>
-        </p:txBody>
-      </p:sp>
-      <p:sp>
-        <p:nvSpPr>
-          <p:cNvPr id="4" name="圆角矩形 3"/>
-          <p:cNvSpPr/>
-          <p:nvPr/>
-        </p:nvSpPr>
-        <p:spPr>
-          <a:xfrm>
-            <a:off x="2495600" y="1412776"/>
-            <a:ext cx="1296144" cy="720080"/>
-          </a:xfrm>
-          <a:prstGeom prst="roundRect">
-            <a:avLst/>
-          </a:prstGeom>
-          <a:solidFill>
-            <a:schemeClr val="bg1"/>
-          </a:solidFill>
-          <a:ln w="12700">
-            <a:solidFill>
-              <a:schemeClr val="tx2">
-                <a:lumMod val="75000"/>
-              </a:schemeClr>
-            </a:solidFill>
-          </a:ln>
-        </p:spPr>
-        <p:style>
-          <a:lnRef idx="2">
-            <a:schemeClr val="accent1">
-              <a:shade val="50000"/>
-            </a:schemeClr>
-          </a:lnRef>
-          <a:fillRef idx="1">
-            <a:schemeClr val="accent1"/>
-          </a:fillRef>
-          <a:effectRef idx="0">
-            <a:schemeClr val="accent1"/>
-          </a:effectRef>
-          <a:fontRef idx="minor">
-            <a:schemeClr val="lt1"/>
-          </a:fontRef>
-        </p:style>
-        <p:txBody>
-          <a:bodyPr rtlCol="0" anchor="ctr"/>
-          <a:lstStyle/>
-          <a:p>
-            <a:pPr algn="ctr"/>
-            <a:r>
-              <a:rPr kumimoji="1" lang="zh-CN" altLang="en-US" dirty="0" smtClean="0">
-                <a:solidFill>
-                  <a:schemeClr val="tx2"/>
-                </a:solidFill>
-                <a:latin typeface="Microsoft YaHei" charset="0"/>
-                <a:ea typeface="Microsoft YaHei" charset="0"/>
-                <a:cs typeface="Microsoft YaHei" charset="0"/>
-              </a:rPr>
-              <a:t>公众号</a:t>
-            </a:r>
-            <a:endParaRPr kumimoji="1" lang="zh-CN" altLang="en-US" dirty="0">
-              <a:solidFill>
-                <a:schemeClr val="tx2"/>
-              </a:solidFill>
-              <a:latin typeface="Microsoft YaHei" charset="0"/>
-              <a:ea typeface="Microsoft YaHei" charset="0"/>
-              <a:cs typeface="Microsoft YaHei" charset="0"/>
-            </a:endParaRPr>
-          </a:p>
-        </p:txBody>
-      </p:sp>
-      <p:sp>
-        <p:nvSpPr>
-          <p:cNvPr id="5" name="圆角矩形 4"/>
-          <p:cNvSpPr/>
-          <p:nvPr/>
-        </p:nvSpPr>
-        <p:spPr>
-          <a:xfrm>
-            <a:off x="4655840" y="1412776"/>
-            <a:ext cx="1296144" cy="720080"/>
-          </a:xfrm>
-          <a:prstGeom prst="roundRect">
-            <a:avLst/>
-          </a:prstGeom>
-          <a:solidFill>
-            <a:schemeClr val="bg1"/>
-          </a:solidFill>
-          <a:ln w="12700">
-            <a:solidFill>
-              <a:schemeClr val="tx2">
-                <a:lumMod val="75000"/>
-              </a:schemeClr>
-            </a:solidFill>
-          </a:ln>
-        </p:spPr>
-        <p:style>
-          <a:lnRef idx="2">
-            <a:schemeClr val="accent1">
-              <a:shade val="50000"/>
-            </a:schemeClr>
-          </a:lnRef>
-          <a:fillRef idx="1">
-            <a:schemeClr val="accent1"/>
-          </a:fillRef>
-          <a:effectRef idx="0">
-            <a:schemeClr val="accent1"/>
-          </a:effectRef>
-          <a:fontRef idx="minor">
-            <a:schemeClr val="lt1"/>
-          </a:fontRef>
-        </p:style>
-        <p:txBody>
-          <a:bodyPr rtlCol="0" anchor="ctr"/>
-          <a:lstStyle/>
-          <a:p>
-            <a:pPr algn="ctr"/>
-            <a:r>
-              <a:rPr kumimoji="1" lang="zh-CN" altLang="en-US" dirty="0" smtClean="0">
-                <a:solidFill>
-                  <a:schemeClr val="tx2"/>
-                </a:solidFill>
-                <a:latin typeface="Microsoft YaHei" charset="0"/>
-                <a:ea typeface="Microsoft YaHei" charset="0"/>
-                <a:cs typeface="Microsoft YaHei" charset="0"/>
-              </a:rPr>
-              <a:t>预约按钮</a:t>
-            </a:r>
-            <a:endParaRPr kumimoji="1" lang="zh-CN" altLang="en-US" dirty="0">
-              <a:solidFill>
-                <a:schemeClr val="tx2"/>
-              </a:solidFill>
-              <a:latin typeface="Microsoft YaHei" charset="0"/>
-              <a:ea typeface="Microsoft YaHei" charset="0"/>
-              <a:cs typeface="Microsoft YaHei" charset="0"/>
-            </a:endParaRPr>
-          </a:p>
-        </p:txBody>
-      </p:sp>
-      <p:sp>
-        <p:nvSpPr>
-          <p:cNvPr id="6" name="菱形 5"/>
-          <p:cNvSpPr/>
-          <p:nvPr/>
-        </p:nvSpPr>
-        <p:spPr>
-          <a:xfrm>
-            <a:off x="4515602" y="2628694"/>
-            <a:ext cx="1584176" cy="936104"/>
-          </a:xfrm>
-          <a:prstGeom prst="diamond">
-            <a:avLst/>
-          </a:prstGeom>
-          <a:solidFill>
-            <a:schemeClr val="bg1"/>
-          </a:solidFill>
-          <a:ln w="12700">
-            <a:solidFill>
-              <a:schemeClr val="tx2">
-                <a:lumMod val="75000"/>
-              </a:schemeClr>
-            </a:solidFill>
-          </a:ln>
-        </p:spPr>
-        <p:style>
-          <a:lnRef idx="2">
-            <a:schemeClr val="accent1">
-              <a:shade val="50000"/>
-            </a:schemeClr>
-          </a:lnRef>
-          <a:fillRef idx="1">
-            <a:schemeClr val="accent1"/>
-          </a:fillRef>
-          <a:effectRef idx="0">
-            <a:schemeClr val="accent1"/>
-          </a:effectRef>
-          <a:fontRef idx="minor">
-            <a:schemeClr val="lt1"/>
-          </a:fontRef>
-        </p:style>
-        <p:txBody>
-          <a:bodyPr rtlCol="0" anchor="ctr"/>
-          <a:lstStyle/>
-          <a:p>
-            <a:pPr algn="ctr"/>
-            <a:r>
-              <a:rPr kumimoji="1" lang="zh-CN" altLang="en-US" dirty="0" smtClean="0">
-                <a:solidFill>
-                  <a:schemeClr val="tx2"/>
-                </a:solidFill>
-                <a:latin typeface="Microsoft YaHei" charset="0"/>
-                <a:ea typeface="Microsoft YaHei" charset="0"/>
-                <a:cs typeface="Microsoft YaHei" charset="0"/>
-              </a:rPr>
-              <a:t>是否会员</a:t>
-            </a:r>
-            <a:endParaRPr kumimoji="1" lang="zh-CN" altLang="en-US" dirty="0">
-              <a:solidFill>
-                <a:schemeClr val="tx2"/>
-              </a:solidFill>
-              <a:latin typeface="Microsoft YaHei" charset="0"/>
-              <a:ea typeface="Microsoft YaHei" charset="0"/>
-              <a:cs typeface="Microsoft YaHei" charset="0"/>
-            </a:endParaRPr>
-          </a:p>
-        </p:txBody>
-      </p:sp>
-      <p:sp>
-        <p:nvSpPr>
-          <p:cNvPr id="7" name="圆角矩形 6"/>
-          <p:cNvSpPr/>
-          <p:nvPr/>
-        </p:nvSpPr>
-        <p:spPr>
-          <a:xfrm>
-            <a:off x="4655840" y="4221088"/>
-            <a:ext cx="1296144" cy="720080"/>
-          </a:xfrm>
-          <a:prstGeom prst="roundRect">
-            <a:avLst/>
-          </a:prstGeom>
-          <a:solidFill>
-            <a:schemeClr val="bg1"/>
-          </a:solidFill>
-          <a:ln w="12700">
-            <a:solidFill>
-              <a:schemeClr val="tx2">
-                <a:lumMod val="75000"/>
-              </a:schemeClr>
-            </a:solidFill>
-          </a:ln>
-        </p:spPr>
-        <p:style>
-          <a:lnRef idx="2">
-            <a:schemeClr val="accent1">
-              <a:shade val="50000"/>
-            </a:schemeClr>
-          </a:lnRef>
-          <a:fillRef idx="1">
-            <a:schemeClr val="accent1"/>
-          </a:fillRef>
-          <a:effectRef idx="0">
-            <a:schemeClr val="accent1"/>
-          </a:effectRef>
-          <a:fontRef idx="minor">
-            <a:schemeClr val="lt1"/>
-          </a:fontRef>
-        </p:style>
-        <p:txBody>
-          <a:bodyPr rtlCol="0" anchor="ctr"/>
-          <a:lstStyle/>
-          <a:p>
-            <a:pPr algn="ctr"/>
-            <a:r>
-              <a:rPr kumimoji="1" lang="zh-CN" altLang="en-US" dirty="0" smtClean="0">
-                <a:solidFill>
-                  <a:schemeClr val="tx2"/>
-                </a:solidFill>
-                <a:latin typeface="Microsoft YaHei" charset="0"/>
-                <a:ea typeface="Microsoft YaHei" charset="0"/>
-                <a:cs typeface="Microsoft YaHei" charset="0"/>
-              </a:rPr>
-              <a:t>预约页面</a:t>
-            </a:r>
-            <a:endParaRPr kumimoji="1" lang="zh-CN" altLang="en-US" dirty="0">
-              <a:solidFill>
-                <a:schemeClr val="tx2"/>
-              </a:solidFill>
-              <a:latin typeface="Microsoft YaHei" charset="0"/>
-              <a:ea typeface="Microsoft YaHei" charset="0"/>
-              <a:cs typeface="Microsoft YaHei" charset="0"/>
-            </a:endParaRPr>
-          </a:p>
-        </p:txBody>
-      </p:sp>
-      <p:sp>
-        <p:nvSpPr>
-          <p:cNvPr id="8" name="圆角矩形 7"/>
-          <p:cNvSpPr/>
-          <p:nvPr/>
-        </p:nvSpPr>
-        <p:spPr>
-          <a:xfrm>
-            <a:off x="7104112" y="2736706"/>
-            <a:ext cx="1296144" cy="720080"/>
-          </a:xfrm>
-          <a:prstGeom prst="roundRect">
-            <a:avLst/>
-          </a:prstGeom>
-          <a:solidFill>
-            <a:schemeClr val="bg1"/>
-          </a:solidFill>
-          <a:ln w="12700">
-            <a:solidFill>
-              <a:schemeClr val="tx2">
-                <a:lumMod val="75000"/>
-              </a:schemeClr>
-            </a:solidFill>
-          </a:ln>
-        </p:spPr>
-        <p:style>
-          <a:lnRef idx="2">
-            <a:schemeClr val="accent1">
-              <a:shade val="50000"/>
-            </a:schemeClr>
-          </a:lnRef>
-          <a:fillRef idx="1">
-            <a:schemeClr val="accent1"/>
-          </a:fillRef>
-          <a:effectRef idx="0">
-            <a:schemeClr val="accent1"/>
-          </a:effectRef>
-          <a:fontRef idx="minor">
-            <a:schemeClr val="lt1"/>
-          </a:fontRef>
-        </p:style>
-        <p:txBody>
-          <a:bodyPr rtlCol="0" anchor="ctr"/>
-          <a:lstStyle/>
-          <a:p>
-            <a:pPr algn="ctr"/>
-            <a:r>
-              <a:rPr kumimoji="1" lang="zh-CN" altLang="en-US" dirty="0" smtClean="0">
-                <a:solidFill>
-                  <a:schemeClr val="tx2"/>
-                </a:solidFill>
-                <a:latin typeface="Microsoft YaHei" charset="0"/>
-                <a:ea typeface="Microsoft YaHei" charset="0"/>
-                <a:cs typeface="Microsoft YaHei" charset="0"/>
-              </a:rPr>
-              <a:t>注册页面</a:t>
-            </a:r>
-            <a:endParaRPr kumimoji="1" lang="zh-CN" altLang="en-US" dirty="0">
-              <a:solidFill>
-                <a:schemeClr val="tx2"/>
-              </a:solidFill>
-              <a:latin typeface="Microsoft YaHei" charset="0"/>
-              <a:ea typeface="Microsoft YaHei" charset="0"/>
-              <a:cs typeface="Microsoft YaHei" charset="0"/>
-            </a:endParaRPr>
-          </a:p>
-        </p:txBody>
-      </p:sp>
-      <p:cxnSp>
-        <p:nvCxnSpPr>
-          <p:cNvPr id="10" name="直线箭头连接符 9"/>
-          <p:cNvCxnSpPr>
-            <a:stCxn id="2" idx="3"/>
-            <a:endCxn id="4" idx="1"/>
-          </p:cNvCxnSpPr>
-          <p:nvPr/>
-        </p:nvCxnSpPr>
-        <p:spPr>
-          <a:xfrm>
-            <a:off x="1775520" y="1772816"/>
-            <a:ext cx="720080" cy="0"/>
-          </a:xfrm>
-          <a:prstGeom prst="straightConnector1">
-            <a:avLst/>
-          </a:prstGeom>
-          <a:ln>
-            <a:solidFill>
-              <a:schemeClr val="tx2">
-                <a:lumMod val="75000"/>
-              </a:schemeClr>
-            </a:solidFill>
-            <a:tailEnd type="arrow"/>
-          </a:ln>
-        </p:spPr>
-        <p:style>
-          <a:lnRef idx="1">
-            <a:schemeClr val="accent1"/>
-          </a:lnRef>
-          <a:fillRef idx="0">
-            <a:schemeClr val="accent1"/>
-          </a:fillRef>
-          <a:effectRef idx="0">
-            <a:schemeClr val="accent1"/>
-          </a:effectRef>
-          <a:fontRef idx="minor">
-            <a:schemeClr val="tx1"/>
-          </a:fontRef>
-        </p:style>
-      </p:cxnSp>
-      <p:cxnSp>
-        <p:nvCxnSpPr>
-          <p:cNvPr id="12" name="直线箭头连接符 11"/>
-          <p:cNvCxnSpPr>
-            <a:stCxn id="4" idx="3"/>
-            <a:endCxn id="5" idx="1"/>
-          </p:cNvCxnSpPr>
-          <p:nvPr/>
-        </p:nvCxnSpPr>
-        <p:spPr>
-          <a:xfrm>
-            <a:off x="3791744" y="1772816"/>
-            <a:ext cx="864096" cy="0"/>
-          </a:xfrm>
-          <a:prstGeom prst="straightConnector1">
-            <a:avLst/>
-          </a:prstGeom>
-          <a:ln>
-            <a:solidFill>
-              <a:schemeClr val="tx2">
-                <a:lumMod val="75000"/>
-              </a:schemeClr>
-            </a:solidFill>
-            <a:tailEnd type="arrow"/>
-          </a:ln>
-        </p:spPr>
-        <p:style>
-          <a:lnRef idx="1">
-            <a:schemeClr val="accent1"/>
-          </a:lnRef>
-          <a:fillRef idx="0">
-            <a:schemeClr val="accent1"/>
-          </a:fillRef>
-          <a:effectRef idx="0">
-            <a:schemeClr val="accent1"/>
-          </a:effectRef>
-          <a:fontRef idx="minor">
-            <a:schemeClr val="tx1"/>
-          </a:fontRef>
-        </p:style>
-      </p:cxnSp>
-      <p:cxnSp>
-        <p:nvCxnSpPr>
-          <p:cNvPr id="14" name="直线箭头连接符 13"/>
-          <p:cNvCxnSpPr>
-            <a:stCxn id="5" idx="2"/>
-          </p:cNvCxnSpPr>
-          <p:nvPr/>
-        </p:nvCxnSpPr>
-        <p:spPr>
-          <a:xfrm>
-            <a:off x="5303912" y="2132856"/>
-            <a:ext cx="0" cy="576064"/>
-          </a:xfrm>
-          <a:prstGeom prst="straightConnector1">
-            <a:avLst/>
-          </a:prstGeom>
-          <a:ln>
-            <a:solidFill>
-              <a:schemeClr val="tx2">
-                <a:lumMod val="75000"/>
-              </a:schemeClr>
-            </a:solidFill>
-            <a:tailEnd type="arrow"/>
-          </a:ln>
-        </p:spPr>
-        <p:style>
-          <a:lnRef idx="1">
-            <a:schemeClr val="accent1"/>
-          </a:lnRef>
-          <a:fillRef idx="0">
-            <a:schemeClr val="accent1"/>
-          </a:fillRef>
-          <a:effectRef idx="0">
-            <a:schemeClr val="accent1"/>
-          </a:effectRef>
-          <a:fontRef idx="minor">
-            <a:schemeClr val="tx1"/>
-          </a:fontRef>
-        </p:style>
-      </p:cxnSp>
-      <p:cxnSp>
-        <p:nvCxnSpPr>
-          <p:cNvPr id="19" name="直线箭头连接符 18"/>
-          <p:cNvCxnSpPr>
-            <a:stCxn id="6" idx="2"/>
-            <a:endCxn id="7" idx="0"/>
-          </p:cNvCxnSpPr>
-          <p:nvPr/>
-        </p:nvCxnSpPr>
-        <p:spPr>
-          <a:xfrm flipH="1">
-            <a:off x="5303912" y="3564798"/>
-            <a:ext cx="3778" cy="656290"/>
-          </a:xfrm>
-          <a:prstGeom prst="straightConnector1">
-            <a:avLst/>
-          </a:prstGeom>
-          <a:ln>
-            <a:solidFill>
-              <a:schemeClr val="tx2">
-                <a:lumMod val="75000"/>
-              </a:schemeClr>
-            </a:solidFill>
-            <a:tailEnd type="arrow"/>
-          </a:ln>
-        </p:spPr>
-        <p:style>
-          <a:lnRef idx="1">
-            <a:schemeClr val="accent1"/>
-          </a:lnRef>
-          <a:fillRef idx="0">
-            <a:schemeClr val="accent1"/>
-          </a:fillRef>
-          <a:effectRef idx="0">
-            <a:schemeClr val="accent1"/>
-          </a:effectRef>
-          <a:fontRef idx="minor">
-            <a:schemeClr val="tx1"/>
-          </a:fontRef>
-        </p:style>
-      </p:cxnSp>
-      <p:cxnSp>
-        <p:nvCxnSpPr>
-          <p:cNvPr id="21" name="直线箭头连接符 20"/>
-          <p:cNvCxnSpPr>
-            <a:stCxn id="6" idx="3"/>
-            <a:endCxn id="8" idx="1"/>
-          </p:cNvCxnSpPr>
-          <p:nvPr/>
-        </p:nvCxnSpPr>
-        <p:spPr>
-          <a:xfrm>
-            <a:off x="6099778" y="3096746"/>
-            <a:ext cx="1004334" cy="0"/>
-          </a:xfrm>
-          <a:prstGeom prst="straightConnector1">
-            <a:avLst/>
-          </a:prstGeom>
-          <a:ln>
-            <a:solidFill>
-              <a:schemeClr val="tx2">
-                <a:lumMod val="75000"/>
-              </a:schemeClr>
-            </a:solidFill>
-            <a:tailEnd type="arrow"/>
-          </a:ln>
-        </p:spPr>
-        <p:style>
-          <a:lnRef idx="1">
-            <a:schemeClr val="accent1"/>
-          </a:lnRef>
-          <a:fillRef idx="0">
-            <a:schemeClr val="accent1"/>
-          </a:fillRef>
-          <a:effectRef idx="0">
-            <a:schemeClr val="accent1"/>
-          </a:effectRef>
-          <a:fontRef idx="minor">
-            <a:schemeClr val="tx1"/>
-          </a:fontRef>
-        </p:style>
-      </p:cxnSp>
-      <p:sp>
-        <p:nvSpPr>
-          <p:cNvPr id="23" name="文本框 22"/>
-          <p:cNvSpPr txBox="1"/>
-          <p:nvPr/>
-        </p:nvSpPr>
-        <p:spPr>
-          <a:xfrm>
-            <a:off x="6240016" y="2736706"/>
-            <a:ext cx="720080" cy="369332"/>
-          </a:xfrm>
-          <a:prstGeom prst="rect">
-            <a:avLst/>
-          </a:prstGeom>
-          <a:noFill/>
-        </p:spPr>
-        <p:txBody>
-          <a:bodyPr wrap="square" rtlCol="0">
-            <a:spAutoFit/>
-          </a:bodyPr>
-          <a:lstStyle/>
-          <a:p>
-            <a:r>
-              <a:rPr kumimoji="1" lang="zh-CN" altLang="en-US" dirty="0" smtClean="0">
-                <a:latin typeface="Microsoft YaHei" charset="0"/>
-                <a:ea typeface="Microsoft YaHei" charset="0"/>
-                <a:cs typeface="Microsoft YaHei" charset="0"/>
-              </a:rPr>
-              <a:t>否</a:t>
-            </a:r>
-            <a:endParaRPr kumimoji="1" lang="zh-CN" altLang="en-US" dirty="0" smtClean="0">
-              <a:latin typeface="Microsoft YaHei" charset="0"/>
-              <a:ea typeface="Microsoft YaHei" charset="0"/>
-              <a:cs typeface="Microsoft YaHei" charset="0"/>
-            </a:endParaRPr>
-          </a:p>
-        </p:txBody>
-      </p:sp>
-      <p:cxnSp>
-        <p:nvCxnSpPr>
-          <p:cNvPr id="25" name="肘形连接符 24"/>
-          <p:cNvCxnSpPr>
-            <a:stCxn id="8" idx="2"/>
-            <a:endCxn id="7" idx="3"/>
-          </p:cNvCxnSpPr>
-          <p:nvPr/>
-        </p:nvCxnSpPr>
-        <p:spPr>
-          <a:xfrm rot="5400000">
-            <a:off x="6289913" y="3118857"/>
-            <a:ext cx="1124342" cy="1800200"/>
-          </a:xfrm>
-          <a:prstGeom prst="bentConnector2">
-            <a:avLst/>
-          </a:prstGeom>
-          <a:ln>
-            <a:solidFill>
-              <a:schemeClr val="tx2">
-                <a:lumMod val="75000"/>
-              </a:schemeClr>
-            </a:solidFill>
-            <a:tailEnd type="arrow"/>
-          </a:ln>
-        </p:spPr>
-        <p:style>
-          <a:lnRef idx="1">
-            <a:schemeClr val="accent1"/>
-          </a:lnRef>
-          <a:fillRef idx="0">
-            <a:schemeClr val="accent1"/>
-          </a:fillRef>
-          <a:effectRef idx="0">
-            <a:schemeClr val="accent1"/>
-          </a:effectRef>
-          <a:fontRef idx="minor">
-            <a:schemeClr val="tx1"/>
-          </a:fontRef>
-        </p:style>
-      </p:cxnSp>
-      <p:sp>
-        <p:nvSpPr>
-          <p:cNvPr id="26" name="文本框 25"/>
-          <p:cNvSpPr txBox="1"/>
-          <p:nvPr/>
-        </p:nvSpPr>
-        <p:spPr>
-          <a:xfrm>
-            <a:off x="5447928" y="3717032"/>
-            <a:ext cx="936104" cy="369332"/>
-          </a:xfrm>
-          <a:prstGeom prst="rect">
-            <a:avLst/>
-          </a:prstGeom>
-          <a:noFill/>
-        </p:spPr>
-        <p:txBody>
-          <a:bodyPr wrap="square" rtlCol="0">
-            <a:spAutoFit/>
-          </a:bodyPr>
-          <a:lstStyle/>
-          <a:p>
-            <a:r>
-              <a:rPr kumimoji="1" lang="zh-CN" altLang="en-US" dirty="0" smtClean="0">
-                <a:latin typeface="Microsoft YaHei" charset="0"/>
-                <a:ea typeface="Microsoft YaHei" charset="0"/>
-                <a:cs typeface="Microsoft YaHei" charset="0"/>
-              </a:rPr>
-              <a:t>是</a:t>
-            </a:r>
-            <a:endParaRPr kumimoji="1" lang="zh-CN" altLang="en-US" dirty="0" smtClean="0">
-              <a:latin typeface="Microsoft YaHei" charset="0"/>
-              <a:ea typeface="Microsoft YaHei" charset="0"/>
-              <a:cs typeface="Microsoft YaHei" charset="0"/>
-            </a:endParaRPr>
-          </a:p>
-        </p:txBody>
-      </p:sp>
-      <p:sp>
-        <p:nvSpPr>
-          <p:cNvPr id="27" name="文本框 26"/>
-          <p:cNvSpPr txBox="1"/>
-          <p:nvPr/>
-        </p:nvSpPr>
-        <p:spPr>
-          <a:xfrm>
-            <a:off x="6240016" y="4086364"/>
-            <a:ext cx="1152128" cy="369332"/>
-          </a:xfrm>
-          <a:prstGeom prst="rect">
-            <a:avLst/>
-          </a:prstGeom>
-          <a:noFill/>
-        </p:spPr>
-        <p:txBody>
-          <a:bodyPr wrap="square" rtlCol="0">
-            <a:spAutoFit/>
-          </a:bodyPr>
-          <a:lstStyle/>
-          <a:p>
-            <a:r>
-              <a:rPr kumimoji="1" lang="zh-CN" altLang="en-US" dirty="0" smtClean="0">
-                <a:latin typeface="Microsoft YaHei" charset="0"/>
-                <a:ea typeface="Microsoft YaHei" charset="0"/>
-                <a:cs typeface="Microsoft YaHei" charset="0"/>
-              </a:rPr>
-              <a:t>注册成功</a:t>
-            </a:r>
-            <a:endParaRPr kumimoji="1" lang="zh-CN" altLang="en-US" dirty="0" smtClean="0">
-              <a:latin typeface="Microsoft YaHei" charset="0"/>
-              <a:ea typeface="Microsoft YaHei" charset="0"/>
-              <a:cs typeface="Microsoft YaHei" charset="0"/>
-            </a:endParaRPr>
-          </a:p>
-        </p:txBody>
-      </p:sp>
-      <p:sp>
-        <p:nvSpPr>
-          <p:cNvPr id="29" name="文本框 28"/>
-          <p:cNvSpPr txBox="1"/>
-          <p:nvPr/>
-        </p:nvSpPr>
-        <p:spPr>
-          <a:xfrm>
-            <a:off x="8616280" y="1268760"/>
-            <a:ext cx="3168352" cy="1200329"/>
-          </a:xfrm>
-          <a:prstGeom prst="rect">
-            <a:avLst/>
-          </a:prstGeom>
-          <a:noFill/>
-          <a:ln>
-            <a:solidFill>
-              <a:schemeClr val="tx1"/>
-            </a:solidFill>
-          </a:ln>
-        </p:spPr>
-        <p:txBody>
-          <a:bodyPr wrap="square" rtlCol="0">
-            <a:spAutoFit/>
-          </a:bodyPr>
-          <a:lstStyle/>
-          <a:p>
-            <a:r>
-              <a:rPr kumimoji="1" lang="en-US" altLang="zh-CN" dirty="0" smtClean="0">
-                <a:latin typeface="Microsoft YaHei" charset="0"/>
-                <a:ea typeface="Microsoft YaHei" charset="0"/>
-                <a:cs typeface="Microsoft YaHei" charset="0"/>
-              </a:rPr>
-              <a:t>1</a:t>
-            </a:r>
-            <a:r>
-              <a:rPr kumimoji="1" lang="zh-CN" altLang="en-US" dirty="0" smtClean="0">
-                <a:latin typeface="Microsoft YaHei" charset="0"/>
-                <a:ea typeface="Microsoft YaHei" charset="0"/>
-                <a:cs typeface="Microsoft YaHei" charset="0"/>
-              </a:rPr>
-              <a:t>、校验会员时根据关注用户的微信信息判断</a:t>
-            </a:r>
-            <a:endParaRPr kumimoji="1" lang="en-US" altLang="zh-CN" dirty="0" smtClean="0">
-              <a:latin typeface="Microsoft YaHei" charset="0"/>
-              <a:ea typeface="Microsoft YaHei" charset="0"/>
-              <a:cs typeface="Microsoft YaHei" charset="0"/>
-            </a:endParaRPr>
-          </a:p>
-          <a:p>
-            <a:r>
-              <a:rPr kumimoji="1" lang="zh-CN" altLang="zh-CN" dirty="0" smtClean="0">
-                <a:latin typeface="Microsoft YaHei" charset="0"/>
-                <a:ea typeface="Microsoft YaHei" charset="0"/>
-                <a:cs typeface="Microsoft YaHei" charset="0"/>
-              </a:rPr>
-              <a:t>2</a:t>
-            </a:r>
-            <a:r>
-              <a:rPr kumimoji="1" lang="zh-CN" altLang="en-US" dirty="0" smtClean="0">
-                <a:latin typeface="Microsoft YaHei" charset="0"/>
-                <a:ea typeface="Microsoft YaHei" charset="0"/>
-                <a:cs typeface="Microsoft YaHei" charset="0"/>
-              </a:rPr>
-              <a:t>、注册时默认获取关注用户的微信信息</a:t>
-            </a:r>
-            <a:endParaRPr kumimoji="1" lang="zh-CN" altLang="en-US" dirty="0" smtClean="0">
-              <a:latin typeface="Microsoft YaHei" charset="0"/>
-              <a:ea typeface="Microsoft YaHei" charset="0"/>
-              <a:cs typeface="Microsoft YaHei" charset="0"/>
-            </a:endParaRPr>
           </a:p>
         </p:txBody>
       </p:sp>
     </p:spTree>
     <p:extLst>
       <p:ext uri="{BB962C8B-B14F-4D97-AF65-F5344CB8AC3E}">
-        <p14:creationId xmlns:p14="http://schemas.microsoft.com/office/powerpoint/2010/main" val="4161411697"/>
+        <p14:creationId xmlns:p14="http://schemas.microsoft.com/office/powerpoint/2010/main" val="850462800"/>
       </p:ext>
     </p:extLst>
   </p:cSld>
@@ -6594,41 +8940,29 @@
             <p:ph type="title"/>
           </p:nvPr>
         </p:nvSpPr>
-        <p:spPr>
-          <a:xfrm>
-            <a:off x="86857" y="85722"/>
-            <a:ext cx="11905321" cy="546544"/>
-          </a:xfrm>
-        </p:spPr>
+        <p:spPr/>
         <p:txBody>
           <a:bodyPr/>
           <a:lstStyle/>
           <a:p>
             <a:r>
               <a:rPr kumimoji="1" lang="zh-CN" altLang="en-US" dirty="0" smtClean="0"/>
-              <a:t>网站预约场景</a:t>
-            </a:r>
-            <a:r>
-              <a:rPr kumimoji="1" lang="en-US" altLang="zh-CN" dirty="0" smtClean="0"/>
-              <a:t/>
-            </a:r>
-            <a:br>
-              <a:rPr kumimoji="1" lang="en-US" altLang="zh-CN" dirty="0" smtClean="0"/>
-            </a:br>
+              <a:t>网页登录场景</a:t>
+            </a:r>
             <a:endParaRPr kumimoji="1" lang="zh-CN" altLang="en-US" dirty="0"/>
           </a:p>
         </p:txBody>
       </p:sp>
       <p:sp>
         <p:nvSpPr>
-          <p:cNvPr id="5" name="圆角矩形 4"/>
+          <p:cNvPr id="2" name="圆角矩形 1"/>
           <p:cNvSpPr/>
           <p:nvPr/>
         </p:nvSpPr>
         <p:spPr>
           <a:xfrm>
-            <a:off x="72073" y="1683296"/>
-            <a:ext cx="1296144" cy="720080"/>
+            <a:off x="2351584" y="1484784"/>
+            <a:ext cx="1224136" cy="792088"/>
           </a:xfrm>
           <a:prstGeom prst="roundRect">
             <a:avLst/>
@@ -6666,6 +9000,17 @@
           <a:p>
             <a:pPr algn="ctr"/>
             <a:r>
+              <a:rPr kumimoji="1" lang="en-US" altLang="zh-CN" dirty="0" smtClean="0">
+                <a:solidFill>
+                  <a:schemeClr val="tx2"/>
+                </a:solidFill>
+                <a:latin typeface="Microsoft YaHei" charset="0"/>
+                <a:ea typeface="Microsoft YaHei" charset="0"/>
+                <a:cs typeface="Microsoft YaHei" charset="0"/>
+              </a:rPr>
+              <a:t>Web</a:t>
+            </a:r>
+            <a:r>
               <a:rPr kumimoji="1" lang="zh-CN" altLang="en-US" dirty="0" smtClean="0">
                 <a:solidFill>
                   <a:schemeClr val="tx2"/>
@@ -6674,7 +9019,7 @@
                 <a:ea typeface="Microsoft YaHei" charset="0"/>
                 <a:cs typeface="Microsoft YaHei" charset="0"/>
               </a:rPr>
-              <a:t>浏览器</a:t>
+              <a:t> 首页</a:t>
             </a:r>
             <a:endParaRPr kumimoji="1" lang="zh-CN" altLang="en-US" dirty="0">
               <a:solidFill>
@@ -6689,14 +9034,14 @@
       </p:sp>
       <p:sp>
         <p:nvSpPr>
-          <p:cNvPr id="6" name="圆角矩形 5"/>
+          <p:cNvPr id="4" name="圆角矩形 3"/>
           <p:cNvSpPr/>
           <p:nvPr/>
         </p:nvSpPr>
         <p:spPr>
           <a:xfrm>
-            <a:off x="1728257" y="1671381"/>
-            <a:ext cx="1296144" cy="720080"/>
+            <a:off x="4546989" y="1484784"/>
+            <a:ext cx="1224136" cy="792088"/>
           </a:xfrm>
           <a:prstGeom prst="roundRect">
             <a:avLst/>
@@ -6742,7 +9087,7 @@
                 <a:ea typeface="Microsoft YaHei" charset="0"/>
                 <a:cs typeface="Microsoft YaHei" charset="0"/>
               </a:rPr>
-              <a:t>网站首页</a:t>
+              <a:t>登录页</a:t>
             </a:r>
             <a:endParaRPr kumimoji="1" lang="zh-CN" altLang="en-US" dirty="0">
               <a:solidFill>
@@ -6755,16 +9100,57 @@
           </a:p>
         </p:txBody>
       </p:sp>
-      <p:sp>
-        <p:nvSpPr>
-          <p:cNvPr id="7" name="圆角矩形 6"/>
+      <p:cxnSp>
+        <p:nvCxnSpPr>
+          <p:cNvPr id="6" name="直线箭头连接符 5"/>
+          <p:cNvCxnSpPr>
+            <a:stCxn id="2" idx="3"/>
+            <a:endCxn id="4" idx="1"/>
+          </p:cNvCxnSpPr>
+          <p:nvPr/>
+        </p:nvCxnSpPr>
+        <p:spPr>
+          <a:xfrm>
+            <a:off x="3575720" y="1880828"/>
+            <a:ext cx="971269" cy="0"/>
+          </a:xfrm>
+          <a:prstGeom prst="straightConnector1">
+            <a:avLst/>
+          </a:prstGeom>
+          <a:ln>
+            <a:solidFill>
+              <a:schemeClr val="tx2">
+                <a:lumMod val="75000"/>
+              </a:schemeClr>
+            </a:solidFill>
+            <a:tailEnd type="arrow"/>
+          </a:ln>
+        </p:spPr>
+        <p:style>
+          <a:lnRef idx="1">
+            <a:schemeClr val="accent1"/>
+          </a:lnRef>
+          <a:fillRef idx="0">
+            <a:schemeClr val="accent1"/>
+          </a:fillRef>
+          <a:effectRef idx="0">
+            <a:schemeClr val="accent1"/>
+          </a:effectRef>
+          <a:fontRef idx="minor">
+            <a:schemeClr val="tx1"/>
+          </a:fontRef>
+        </p:style>
+      </p:cxnSp>
+      <p:sp>
+        <p:nvSpPr>
+          <p:cNvPr id="8" name="圆角矩形 7"/>
           <p:cNvSpPr/>
           <p:nvPr/>
         </p:nvSpPr>
         <p:spPr>
           <a:xfrm>
-            <a:off x="3384441" y="1671381"/>
-            <a:ext cx="1296144" cy="720080"/>
+            <a:off x="6960096" y="2992016"/>
+            <a:ext cx="1224136" cy="792088"/>
           </a:xfrm>
           <a:prstGeom prst="roundRect">
             <a:avLst/>
@@ -6810,7 +9196,7 @@
                 <a:ea typeface="Microsoft YaHei" charset="0"/>
                 <a:cs typeface="Microsoft YaHei" charset="0"/>
               </a:rPr>
-              <a:t>艺人展示页面</a:t>
+              <a:t>注册页</a:t>
             </a:r>
             <a:endParaRPr kumimoji="1" lang="zh-CN" altLang="en-US" dirty="0">
               <a:solidFill>
@@ -6825,16 +9211,16 @@
       </p:sp>
       <p:sp>
         <p:nvSpPr>
-          <p:cNvPr id="8" name="圆角矩形 7"/>
+          <p:cNvPr id="9" name="菱形 8"/>
           <p:cNvSpPr/>
           <p:nvPr/>
         </p:nvSpPr>
         <p:spPr>
           <a:xfrm>
-            <a:off x="5040625" y="1671381"/>
-            <a:ext cx="1296144" cy="720080"/>
-          </a:xfrm>
-          <a:prstGeom prst="roundRect">
+            <a:off x="4327504" y="2848000"/>
+            <a:ext cx="1693027" cy="1080120"/>
+          </a:xfrm>
+          <a:prstGeom prst="diamond">
             <a:avLst/>
           </a:prstGeom>
           <a:solidFill>
@@ -6878,7 +9264,7 @@
                 <a:ea typeface="Microsoft YaHei" charset="0"/>
                 <a:cs typeface="Microsoft YaHei" charset="0"/>
               </a:rPr>
-              <a:t>作品展示页面</a:t>
+              <a:t>是否会员</a:t>
             </a:r>
             <a:endParaRPr kumimoji="1" lang="zh-CN" altLang="en-US" dirty="0">
               <a:solidFill>
@@ -6893,16 +9279,16 @@
       </p:sp>
       <p:sp>
         <p:nvSpPr>
-          <p:cNvPr id="10" name="菱形 9"/>
+          <p:cNvPr id="10" name="圆角矩形 9"/>
           <p:cNvSpPr/>
           <p:nvPr/>
         </p:nvSpPr>
         <p:spPr>
           <a:xfrm>
-            <a:off x="6808281" y="1383349"/>
-            <a:ext cx="1440160" cy="1296144"/>
-          </a:xfrm>
-          <a:prstGeom prst="diamond">
+            <a:off x="4223684" y="4764525"/>
+            <a:ext cx="1900667" cy="936104"/>
+          </a:xfrm>
+          <a:prstGeom prst="roundRect">
             <a:avLst/>
           </a:prstGeom>
           <a:solidFill>
@@ -6938,6 +9324,17 @@
           <a:p>
             <a:pPr algn="ctr"/>
             <a:r>
+              <a:rPr kumimoji="1" lang="en-US" altLang="zh-CN" dirty="0" smtClean="0">
+                <a:solidFill>
+                  <a:schemeClr val="tx2"/>
+                </a:solidFill>
+                <a:latin typeface="Microsoft YaHei" charset="0"/>
+                <a:ea typeface="Microsoft YaHei" charset="0"/>
+                <a:cs typeface="Microsoft YaHei" charset="0"/>
+              </a:rPr>
+              <a:t>Web </a:t>
+            </a:r>
+            <a:r>
               <a:rPr kumimoji="1" lang="zh-CN" altLang="en-US" dirty="0" smtClean="0">
                 <a:solidFill>
                   <a:schemeClr val="tx2"/>
@@ -6946,7 +9343,29 @@
                 <a:ea typeface="Microsoft YaHei" charset="0"/>
                 <a:cs typeface="Microsoft YaHei" charset="0"/>
               </a:rPr>
-              <a:t>立即约</a:t>
+              <a:t>首页（带用户</a:t>
+            </a:r>
+            <a:r>
+              <a:rPr kumimoji="1" lang="en-US" altLang="zh-CN" dirty="0" smtClean="0">
+                <a:solidFill>
+                  <a:schemeClr val="tx2"/>
+                </a:solidFill>
+                <a:latin typeface="Microsoft YaHei" charset="0"/>
+                <a:ea typeface="Microsoft YaHei" charset="0"/>
+                <a:cs typeface="Microsoft YaHei" charset="0"/>
+              </a:rPr>
+              <a:t>session</a:t>
+            </a:r>
+            <a:r>
+              <a:rPr kumimoji="1" lang="zh-CN" altLang="en-US" dirty="0" smtClean="0">
+                <a:solidFill>
+                  <a:schemeClr val="tx2"/>
+                </a:solidFill>
+                <a:latin typeface="Microsoft YaHei" charset="0"/>
+                <a:ea typeface="Microsoft YaHei" charset="0"/>
+                <a:cs typeface="Microsoft YaHei" charset="0"/>
+              </a:rPr>
+              <a:t>信息）</a:t>
             </a:r>
             <a:endParaRPr kumimoji="1" lang="zh-CN" altLang="en-US" dirty="0">
               <a:solidFill>
@@ -6959,291 +9378,16 @@
           </a:p>
         </p:txBody>
       </p:sp>
-      <p:sp>
-        <p:nvSpPr>
-          <p:cNvPr id="11" name="圆角矩形 10"/>
-          <p:cNvSpPr/>
-          <p:nvPr/>
-        </p:nvSpPr>
-        <p:spPr>
-          <a:xfrm>
-            <a:off x="8908800" y="1683296"/>
-            <a:ext cx="1296144" cy="720080"/>
-          </a:xfrm>
-          <a:prstGeom prst="roundRect">
-            <a:avLst/>
-          </a:prstGeom>
-          <a:solidFill>
-            <a:schemeClr val="bg1"/>
-          </a:solidFill>
-          <a:ln w="12700">
-            <a:solidFill>
-              <a:schemeClr val="tx2">
-                <a:lumMod val="75000"/>
-              </a:schemeClr>
-            </a:solidFill>
-          </a:ln>
-        </p:spPr>
-        <p:style>
-          <a:lnRef idx="2">
-            <a:schemeClr val="accent1">
-              <a:shade val="50000"/>
-            </a:schemeClr>
-          </a:lnRef>
-          <a:fillRef idx="1">
-            <a:schemeClr val="accent1"/>
-          </a:fillRef>
-          <a:effectRef idx="0">
-            <a:schemeClr val="accent1"/>
-          </a:effectRef>
-          <a:fontRef idx="minor">
-            <a:schemeClr val="lt1"/>
-          </a:fontRef>
-        </p:style>
-        <p:txBody>
-          <a:bodyPr rtlCol="0" anchor="ctr"/>
-          <a:lstStyle/>
-          <a:p>
-            <a:pPr algn="ctr"/>
-            <a:r>
-              <a:rPr kumimoji="1" lang="zh-CN" altLang="en-US" dirty="0" smtClean="0">
-                <a:solidFill>
-                  <a:schemeClr val="tx2"/>
-                </a:solidFill>
-                <a:latin typeface="Microsoft YaHei" charset="0"/>
-                <a:ea typeface="Microsoft YaHei" charset="0"/>
-                <a:cs typeface="Microsoft YaHei" charset="0"/>
-              </a:rPr>
-              <a:t>预约订单填写页面</a:t>
-            </a:r>
-            <a:endParaRPr kumimoji="1" lang="zh-CN" altLang="en-US" dirty="0">
-              <a:solidFill>
-                <a:schemeClr val="tx2"/>
-              </a:solidFill>
-              <a:latin typeface="Microsoft YaHei" charset="0"/>
-              <a:ea typeface="Microsoft YaHei" charset="0"/>
-              <a:cs typeface="Microsoft YaHei" charset="0"/>
-            </a:endParaRPr>
-          </a:p>
-        </p:txBody>
-      </p:sp>
-      <p:sp>
-        <p:nvSpPr>
-          <p:cNvPr id="12" name="圆角矩形 11"/>
-          <p:cNvSpPr/>
-          <p:nvPr/>
-        </p:nvSpPr>
-        <p:spPr>
-          <a:xfrm>
-            <a:off x="6880289" y="3212976"/>
-            <a:ext cx="1296144" cy="720080"/>
-          </a:xfrm>
-          <a:prstGeom prst="roundRect">
-            <a:avLst/>
-          </a:prstGeom>
-          <a:solidFill>
-            <a:schemeClr val="bg1"/>
-          </a:solidFill>
-          <a:ln w="12700">
-            <a:solidFill>
-              <a:schemeClr val="tx2">
-                <a:lumMod val="75000"/>
-              </a:schemeClr>
-            </a:solidFill>
-          </a:ln>
-        </p:spPr>
-        <p:style>
-          <a:lnRef idx="2">
-            <a:schemeClr val="accent1">
-              <a:shade val="50000"/>
-            </a:schemeClr>
-          </a:lnRef>
-          <a:fillRef idx="1">
-            <a:schemeClr val="accent1"/>
-          </a:fillRef>
-          <a:effectRef idx="0">
-            <a:schemeClr val="accent1"/>
-          </a:effectRef>
-          <a:fontRef idx="minor">
-            <a:schemeClr val="lt1"/>
-          </a:fontRef>
-        </p:style>
-        <p:txBody>
-          <a:bodyPr rtlCol="0" anchor="ctr"/>
-          <a:lstStyle/>
-          <a:p>
-            <a:pPr algn="ctr"/>
-            <a:r>
-              <a:rPr kumimoji="1" lang="zh-CN" altLang="en-US" dirty="0" smtClean="0">
-                <a:solidFill>
-                  <a:schemeClr val="tx2"/>
-                </a:solidFill>
-                <a:latin typeface="Microsoft YaHei" charset="0"/>
-                <a:ea typeface="Microsoft YaHei" charset="0"/>
-                <a:cs typeface="Microsoft YaHei" charset="0"/>
-              </a:rPr>
-              <a:t>登录页面</a:t>
-            </a:r>
-            <a:endParaRPr kumimoji="1" lang="zh-CN" altLang="en-US" dirty="0">
-              <a:solidFill>
-                <a:schemeClr val="tx2"/>
-              </a:solidFill>
-              <a:latin typeface="Microsoft YaHei" charset="0"/>
-              <a:ea typeface="Microsoft YaHei" charset="0"/>
-              <a:cs typeface="Microsoft YaHei" charset="0"/>
-            </a:endParaRPr>
-          </a:p>
-        </p:txBody>
-      </p:sp>
-      <p:sp>
-        <p:nvSpPr>
-          <p:cNvPr id="13" name="菱形 12"/>
-          <p:cNvSpPr/>
-          <p:nvPr/>
-        </p:nvSpPr>
-        <p:spPr>
-          <a:xfrm>
-            <a:off x="6808281" y="4293096"/>
-            <a:ext cx="1440160" cy="1296144"/>
-          </a:xfrm>
-          <a:prstGeom prst="diamond">
-            <a:avLst/>
-          </a:prstGeom>
-          <a:solidFill>
-            <a:schemeClr val="bg1"/>
-          </a:solidFill>
-          <a:ln w="12700">
-            <a:solidFill>
-              <a:schemeClr val="tx2">
-                <a:lumMod val="75000"/>
-              </a:schemeClr>
-            </a:solidFill>
-          </a:ln>
-        </p:spPr>
-        <p:style>
-          <a:lnRef idx="2">
-            <a:schemeClr val="accent1">
-              <a:shade val="50000"/>
-            </a:schemeClr>
-          </a:lnRef>
-          <a:fillRef idx="1">
-            <a:schemeClr val="accent1"/>
-          </a:fillRef>
-          <a:effectRef idx="0">
-            <a:schemeClr val="accent1"/>
-          </a:effectRef>
-          <a:fontRef idx="minor">
-            <a:schemeClr val="lt1"/>
-          </a:fontRef>
-        </p:style>
-        <p:txBody>
-          <a:bodyPr rtlCol="0" anchor="ctr"/>
-          <a:lstStyle/>
-          <a:p>
-            <a:pPr algn="ctr"/>
-            <a:r>
-              <a:rPr kumimoji="1" lang="zh-CN" altLang="en-US" dirty="0" smtClean="0">
-                <a:solidFill>
-                  <a:schemeClr val="tx2"/>
-                </a:solidFill>
-                <a:latin typeface="Microsoft YaHei" charset="0"/>
-                <a:ea typeface="Microsoft YaHei" charset="0"/>
-                <a:cs typeface="Microsoft YaHei" charset="0"/>
-              </a:rPr>
-              <a:t>是否成功</a:t>
-            </a:r>
-            <a:endParaRPr kumimoji="1" lang="zh-CN" altLang="en-US" dirty="0">
-              <a:solidFill>
-                <a:schemeClr val="tx2"/>
-              </a:solidFill>
-              <a:latin typeface="Microsoft YaHei" charset="0"/>
-              <a:ea typeface="Microsoft YaHei" charset="0"/>
-              <a:cs typeface="Microsoft YaHei" charset="0"/>
-            </a:endParaRPr>
-          </a:p>
-        </p:txBody>
-      </p:sp>
-      <p:sp>
-        <p:nvSpPr>
-          <p:cNvPr id="14" name="圆角矩形 13"/>
-          <p:cNvSpPr/>
-          <p:nvPr/>
-        </p:nvSpPr>
-        <p:spPr>
-          <a:xfrm>
-            <a:off x="6880289" y="6021288"/>
-            <a:ext cx="1296144" cy="720080"/>
-          </a:xfrm>
-          <a:prstGeom prst="roundRect">
-            <a:avLst/>
-          </a:prstGeom>
-          <a:solidFill>
-            <a:schemeClr val="bg1"/>
-          </a:solidFill>
-          <a:ln w="12700">
-            <a:solidFill>
-              <a:schemeClr val="tx2">
-                <a:lumMod val="75000"/>
-              </a:schemeClr>
-            </a:solidFill>
-          </a:ln>
-        </p:spPr>
-        <p:style>
-          <a:lnRef idx="2">
-            <a:schemeClr val="accent1">
-              <a:shade val="50000"/>
-            </a:schemeClr>
-          </a:lnRef>
-          <a:fillRef idx="1">
-            <a:schemeClr val="accent1"/>
-          </a:fillRef>
-          <a:effectRef idx="0">
-            <a:schemeClr val="accent1"/>
-          </a:effectRef>
-          <a:fontRef idx="minor">
-            <a:schemeClr val="lt1"/>
-          </a:fontRef>
-        </p:style>
-        <p:txBody>
-          <a:bodyPr rtlCol="0" anchor="ctr"/>
-          <a:lstStyle/>
-          <a:p>
-            <a:pPr algn="ctr"/>
-            <a:r>
-              <a:rPr kumimoji="1" lang="zh-CN" altLang="en-US" dirty="0" smtClean="0">
-                <a:solidFill>
-                  <a:schemeClr val="tx2"/>
-                </a:solidFill>
-                <a:latin typeface="Microsoft YaHei" charset="0"/>
-                <a:ea typeface="Microsoft YaHei" charset="0"/>
-                <a:cs typeface="Microsoft YaHei" charset="0"/>
-              </a:rPr>
-              <a:t>注册页面</a:t>
-            </a:r>
-            <a:endParaRPr kumimoji="1" lang="zh-CN" altLang="en-US" dirty="0">
-              <a:solidFill>
-                <a:schemeClr val="tx2"/>
-              </a:solidFill>
-              <a:latin typeface="Microsoft YaHei" charset="0"/>
-              <a:ea typeface="Microsoft YaHei" charset="0"/>
-              <a:cs typeface="Microsoft YaHei" charset="0"/>
-            </a:endParaRPr>
-          </a:p>
-        </p:txBody>
-      </p:sp>
       <p:cxnSp>
         <p:nvCxnSpPr>
-          <p:cNvPr id="16" name="直线箭头连接符 15"/>
-          <p:cNvCxnSpPr>
-            <a:stCxn id="5" idx="3"/>
-            <a:endCxn id="6" idx="1"/>
-          </p:cNvCxnSpPr>
+          <p:cNvPr id="12" name="直线箭头连接符 11"/>
+          <p:cNvCxnSpPr/>
           <p:nvPr/>
         </p:nvCxnSpPr>
         <p:spPr>
-          <a:xfrm flipV="1">
-            <a:off x="1368217" y="2031421"/>
-            <a:ext cx="360040" cy="11915"/>
+          <a:xfrm>
+            <a:off x="5174018" y="2263965"/>
+            <a:ext cx="0" cy="584035"/>
           </a:xfrm>
           <a:prstGeom prst="straightConnector1">
             <a:avLst/>
@@ -7274,17 +9418,17 @@
       </p:cxnSp>
       <p:cxnSp>
         <p:nvCxnSpPr>
-          <p:cNvPr id="19" name="直线箭头连接符 18"/>
+          <p:cNvPr id="16" name="直线箭头连接符 15"/>
           <p:cNvCxnSpPr>
-            <a:stCxn id="6" idx="3"/>
-            <a:endCxn id="7" idx="1"/>
+            <a:stCxn id="9" idx="2"/>
+            <a:endCxn id="10" idx="0"/>
           </p:cNvCxnSpPr>
           <p:nvPr/>
         </p:nvCxnSpPr>
         <p:spPr>
           <a:xfrm>
-            <a:off x="3024401" y="2031421"/>
-            <a:ext cx="360040" cy="0"/>
+            <a:off x="5174018" y="3928120"/>
+            <a:ext cx="0" cy="836405"/>
           </a:xfrm>
           <a:prstGeom prst="straightConnector1">
             <a:avLst/>
@@ -7313,19 +9457,52 @@
           </a:fontRef>
         </p:style>
       </p:cxnSp>
+      <p:sp>
+        <p:nvSpPr>
+          <p:cNvPr id="18" name="文本框 17"/>
+          <p:cNvSpPr txBox="1"/>
+          <p:nvPr/>
+        </p:nvSpPr>
+        <p:spPr>
+          <a:xfrm>
+            <a:off x="5375920" y="4221088"/>
+            <a:ext cx="936104" cy="369332"/>
+          </a:xfrm>
+          <a:prstGeom prst="rect">
+            <a:avLst/>
+          </a:prstGeom>
+          <a:noFill/>
+        </p:spPr>
+        <p:txBody>
+          <a:bodyPr wrap="square" rtlCol="0">
+            <a:spAutoFit/>
+          </a:bodyPr>
+          <a:lstStyle/>
+          <a:p>
+            <a:r>
+              <a:rPr kumimoji="1" lang="zh-CN" altLang="en-US" dirty="0" smtClean="0">
+                <a:latin typeface="Microsoft YaHei" charset="0"/>
+                <a:ea typeface="Microsoft YaHei" charset="0"/>
+                <a:cs typeface="Microsoft YaHei" charset="0"/>
+              </a:rPr>
+              <a:t>是</a:t>
+            </a:r>
+          </a:p>
+        </p:txBody>
+      </p:sp>
       <p:cxnSp>
         <p:nvCxnSpPr>
-          <p:cNvPr id="21" name="直线箭头连接符 20"/>
+          <p:cNvPr id="20" name="直线箭头连接符 19"/>
           <p:cNvCxnSpPr>
-            <a:stCxn id="7" idx="3"/>
+            <a:stCxn id="9" idx="3"/>
             <a:endCxn id="8" idx="1"/>
           </p:cNvCxnSpPr>
           <p:nvPr/>
         </p:nvCxnSpPr>
         <p:spPr>
           <a:xfrm>
-            <a:off x="4680585" y="2031421"/>
-            <a:ext cx="360040" cy="0"/>
+            <a:off x="6020531" y="3388060"/>
+            <a:ext cx="939565" cy="0"/>
           </a:xfrm>
           <a:prstGeom prst="straightConnector1">
             <a:avLst/>
@@ -7354,22 +9531,56 @@
           </a:fontRef>
         </p:style>
       </p:cxnSp>
+      <p:sp>
+        <p:nvSpPr>
+          <p:cNvPr id="22" name="文本框 21"/>
+          <p:cNvSpPr txBox="1"/>
+          <p:nvPr/>
+        </p:nvSpPr>
+        <p:spPr>
+          <a:xfrm>
+            <a:off x="6010824" y="2992016"/>
+            <a:ext cx="900939" cy="369332"/>
+          </a:xfrm>
+          <a:prstGeom prst="rect">
+            <a:avLst/>
+          </a:prstGeom>
+          <a:noFill/>
+        </p:spPr>
+        <p:txBody>
+          <a:bodyPr wrap="square" rtlCol="0">
+            <a:spAutoFit/>
+          </a:bodyPr>
+          <a:lstStyle/>
+          <a:p>
+            <a:r>
+              <a:rPr kumimoji="1" lang="zh-CN" altLang="en-US" dirty="0" smtClean="0">
+                <a:latin typeface="Microsoft YaHei" charset="0"/>
+                <a:ea typeface="Microsoft YaHei" charset="0"/>
+                <a:cs typeface="Microsoft YaHei" charset="0"/>
+              </a:rPr>
+              <a:t>否</a:t>
+            </a:r>
+          </a:p>
+        </p:txBody>
+      </p:sp>
       <p:cxnSp>
         <p:nvCxnSpPr>
-          <p:cNvPr id="23" name="直线箭头连接符 22"/>
+          <p:cNvPr id="24" name="肘形连接符 23"/>
           <p:cNvCxnSpPr>
-            <a:stCxn id="8" idx="3"/>
-            <a:endCxn id="10" idx="1"/>
+            <a:stCxn id="8" idx="2"/>
           </p:cNvCxnSpPr>
           <p:nvPr/>
         </p:nvCxnSpPr>
         <p:spPr>
-          <a:xfrm>
-            <a:off x="6336769" y="2031421"/>
-            <a:ext cx="471512" cy="0"/>
-          </a:xfrm>
-          <a:prstGeom prst="straightConnector1">
-            <a:avLst/>
+          <a:xfrm rot="5400000">
+            <a:off x="6053702" y="3854754"/>
+            <a:ext cx="1589112" cy="1447813"/>
+          </a:xfrm>
+          <a:prstGeom prst="bentConnector3">
+            <a:avLst>
+              <a:gd name="adj1" fmla="val 99017"/>
+            </a:avLst>
           </a:prstGeom>
           <a:ln>
             <a:solidFill>
@@ -7395,222 +9606,16 @@
           </a:fontRef>
         </p:style>
       </p:cxnSp>
-      <p:cxnSp>
-        <p:nvCxnSpPr>
-          <p:cNvPr id="27" name="直线箭头连接符 26"/>
-          <p:cNvCxnSpPr>
-            <a:stCxn id="10" idx="2"/>
-            <a:endCxn id="12" idx="0"/>
-          </p:cNvCxnSpPr>
-          <p:nvPr/>
-        </p:nvCxnSpPr>
-        <p:spPr>
-          <a:xfrm>
-            <a:off x="7528361" y="2679493"/>
-            <a:ext cx="0" cy="533483"/>
-          </a:xfrm>
-          <a:prstGeom prst="straightConnector1">
-            <a:avLst/>
-          </a:prstGeom>
-          <a:ln>
-            <a:solidFill>
-              <a:schemeClr val="tx2">
-                <a:lumMod val="75000"/>
-              </a:schemeClr>
-            </a:solidFill>
-            <a:tailEnd type="arrow"/>
-          </a:ln>
-        </p:spPr>
-        <p:style>
-          <a:lnRef idx="1">
-            <a:schemeClr val="accent1"/>
-          </a:lnRef>
-          <a:fillRef idx="0">
-            <a:schemeClr val="accent1"/>
-          </a:fillRef>
-          <a:effectRef idx="0">
-            <a:schemeClr val="accent1"/>
-          </a:effectRef>
-          <a:fontRef idx="minor">
-            <a:schemeClr val="tx1"/>
-          </a:fontRef>
-        </p:style>
-      </p:cxnSp>
-      <p:cxnSp>
-        <p:nvCxnSpPr>
-          <p:cNvPr id="30" name="直线箭头连接符 29"/>
-          <p:cNvCxnSpPr>
-            <a:stCxn id="12" idx="2"/>
-            <a:endCxn id="13" idx="0"/>
-          </p:cNvCxnSpPr>
-          <p:nvPr/>
-        </p:nvCxnSpPr>
-        <p:spPr>
-          <a:xfrm>
-            <a:off x="7528361" y="3933056"/>
-            <a:ext cx="0" cy="360040"/>
-          </a:xfrm>
-          <a:prstGeom prst="straightConnector1">
-            <a:avLst/>
-          </a:prstGeom>
-          <a:ln>
-            <a:solidFill>
-              <a:schemeClr val="tx2">
-                <a:lumMod val="75000"/>
-              </a:schemeClr>
-            </a:solidFill>
-            <a:tailEnd type="arrow"/>
-          </a:ln>
-        </p:spPr>
-        <p:style>
-          <a:lnRef idx="1">
-            <a:schemeClr val="accent1"/>
-          </a:lnRef>
-          <a:fillRef idx="0">
-            <a:schemeClr val="accent1"/>
-          </a:fillRef>
-          <a:effectRef idx="0">
-            <a:schemeClr val="accent1"/>
-          </a:effectRef>
-          <a:fontRef idx="minor">
-            <a:schemeClr val="tx1"/>
-          </a:fontRef>
-        </p:style>
-      </p:cxnSp>
-      <p:cxnSp>
-        <p:nvCxnSpPr>
-          <p:cNvPr id="32" name="直线箭头连接符 31"/>
-          <p:cNvCxnSpPr>
-            <a:stCxn id="13" idx="2"/>
-            <a:endCxn id="14" idx="0"/>
-          </p:cNvCxnSpPr>
-          <p:nvPr/>
-        </p:nvCxnSpPr>
-        <p:spPr>
-          <a:xfrm>
-            <a:off x="7528361" y="5589240"/>
-            <a:ext cx="0" cy="432048"/>
-          </a:xfrm>
-          <a:prstGeom prst="straightConnector1">
-            <a:avLst/>
-          </a:prstGeom>
-          <a:ln>
-            <a:solidFill>
-              <a:schemeClr val="tx2">
-                <a:lumMod val="75000"/>
-              </a:schemeClr>
-            </a:solidFill>
-            <a:tailEnd type="arrow"/>
-          </a:ln>
-        </p:spPr>
-        <p:style>
-          <a:lnRef idx="1">
-            <a:schemeClr val="accent1"/>
-          </a:lnRef>
-          <a:fillRef idx="0">
-            <a:schemeClr val="accent1"/>
-          </a:fillRef>
-          <a:effectRef idx="0">
-            <a:schemeClr val="accent1"/>
-          </a:effectRef>
-          <a:fontRef idx="minor">
-            <a:schemeClr val="tx1"/>
-          </a:fontRef>
-        </p:style>
-      </p:cxnSp>
-      <p:cxnSp>
-        <p:nvCxnSpPr>
-          <p:cNvPr id="36" name="直线箭头连接符 35"/>
-          <p:cNvCxnSpPr>
-            <a:stCxn id="10" idx="3"/>
-            <a:endCxn id="11" idx="1"/>
-          </p:cNvCxnSpPr>
-          <p:nvPr/>
-        </p:nvCxnSpPr>
-        <p:spPr>
-          <a:xfrm>
-            <a:off x="8248441" y="2031421"/>
-            <a:ext cx="660359" cy="11915"/>
-          </a:xfrm>
-          <a:prstGeom prst="straightConnector1">
-            <a:avLst/>
-          </a:prstGeom>
-          <a:ln>
-            <a:solidFill>
-              <a:schemeClr val="tx2">
-                <a:lumMod val="75000"/>
-              </a:schemeClr>
-            </a:solidFill>
-            <a:tailEnd type="arrow"/>
-          </a:ln>
-        </p:spPr>
-        <p:style>
-          <a:lnRef idx="1">
-            <a:schemeClr val="accent1"/>
-          </a:lnRef>
-          <a:fillRef idx="0">
-            <a:schemeClr val="accent1"/>
-          </a:fillRef>
-          <a:effectRef idx="0">
-            <a:schemeClr val="accent1"/>
-          </a:effectRef>
-          <a:fontRef idx="minor">
-            <a:schemeClr val="tx1"/>
-          </a:fontRef>
-        </p:style>
-      </p:cxnSp>
-      <p:cxnSp>
-        <p:nvCxnSpPr>
-          <p:cNvPr id="38" name="肘形连接符 37"/>
-          <p:cNvCxnSpPr>
-            <a:endCxn id="11" idx="2"/>
-          </p:cNvCxnSpPr>
-          <p:nvPr/>
-        </p:nvCxnSpPr>
-        <p:spPr>
-          <a:xfrm rot="5400000" flipH="1" flipV="1">
-            <a:off x="7664096" y="3011409"/>
-            <a:ext cx="2500808" cy="1284743"/>
-          </a:xfrm>
-          <a:prstGeom prst="bentConnector3">
-            <a:avLst>
-              <a:gd name="adj1" fmla="val -107"/>
-            </a:avLst>
-          </a:prstGeom>
-          <a:ln>
-            <a:solidFill>
-              <a:schemeClr val="tx2">
-                <a:lumMod val="75000"/>
-              </a:schemeClr>
-            </a:solidFill>
-            <a:tailEnd type="arrow"/>
-          </a:ln>
-        </p:spPr>
-        <p:style>
-          <a:lnRef idx="1">
-            <a:schemeClr val="accent1"/>
-          </a:lnRef>
-          <a:fillRef idx="0">
-            <a:schemeClr val="accent1"/>
-          </a:fillRef>
-          <a:effectRef idx="0">
-            <a:schemeClr val="accent1"/>
-          </a:effectRef>
-          <a:fontRef idx="minor">
-            <a:schemeClr val="tx1"/>
-          </a:fontRef>
-        </p:style>
-      </p:cxnSp>
-      <p:sp>
-        <p:nvSpPr>
-          <p:cNvPr id="41" name="文本框 40"/>
+      <p:sp>
+        <p:nvSpPr>
+          <p:cNvPr id="26" name="文本框 25"/>
           <p:cNvSpPr txBox="1"/>
           <p:nvPr/>
         </p:nvSpPr>
         <p:spPr>
           <a:xfrm>
-            <a:off x="7528361" y="5579949"/>
-            <a:ext cx="1256680" cy="369332"/>
+            <a:off x="7752184" y="4590420"/>
+            <a:ext cx="1224136" cy="369332"/>
           </a:xfrm>
           <a:prstGeom prst="rect">
             <a:avLst/>
@@ -7629,26 +9634,31 @@
                 <a:ea typeface="Microsoft YaHei" charset="0"/>
                 <a:cs typeface="Microsoft YaHei" charset="0"/>
               </a:rPr>
-              <a:t>未注册</a:t>
-            </a:r>
-          </a:p>
-        </p:txBody>
-      </p:sp>
-      <p:sp>
-        <p:nvSpPr>
-          <p:cNvPr id="42" name="文本框 41"/>
+              <a:t>成功注册</a:t>
+            </a:r>
+          </a:p>
+        </p:txBody>
+      </p:sp>
+      <p:sp>
+        <p:nvSpPr>
+          <p:cNvPr id="27" name="文本框 26"/>
           <p:cNvSpPr txBox="1"/>
           <p:nvPr/>
         </p:nvSpPr>
         <p:spPr>
           <a:xfrm>
-            <a:off x="8552745" y="4556307"/>
-            <a:ext cx="592336" cy="369332"/>
+            <a:off x="8472264" y="1484784"/>
+            <a:ext cx="2592288" cy="1754327"/>
           </a:xfrm>
           <a:prstGeom prst="rect">
             <a:avLst/>
           </a:prstGeom>
           <a:noFill/>
+          <a:ln>
+            <a:solidFill>
+              <a:schemeClr val="tx1"/>
+            </a:solidFill>
+          </a:ln>
         </p:spPr>
         <p:txBody>
           <a:bodyPr wrap="square" rtlCol="0">
@@ -7657,470 +9667,91 @@
           <a:lstStyle/>
           <a:p>
             <a:r>
+              <a:rPr kumimoji="1" lang="en-US" altLang="zh-CN" dirty="0" smtClean="0">
+                <a:latin typeface="Microsoft YaHei" charset="0"/>
+                <a:ea typeface="Microsoft YaHei" charset="0"/>
+                <a:cs typeface="Microsoft YaHei" charset="0"/>
+              </a:rPr>
+              <a:t>1</a:t>
+            </a:r>
+            <a:r>
               <a:rPr kumimoji="1" lang="zh-CN" altLang="en-US" dirty="0" smtClean="0">
                 <a:latin typeface="Microsoft YaHei" charset="0"/>
                 <a:ea typeface="Microsoft YaHei" charset="0"/>
                 <a:cs typeface="Microsoft YaHei" charset="0"/>
               </a:rPr>
-              <a:t>是</a:t>
-            </a:r>
-          </a:p>
-        </p:txBody>
-      </p:sp>
-      <p:sp>
-        <p:nvSpPr>
-          <p:cNvPr id="43" name="文本框 42"/>
-          <p:cNvSpPr txBox="1"/>
-          <p:nvPr/>
-        </p:nvSpPr>
-        <p:spPr>
-          <a:xfrm>
-            <a:off x="8112224" y="1671381"/>
-            <a:ext cx="896640" cy="369332"/>
-          </a:xfrm>
-          <a:prstGeom prst="rect">
-            <a:avLst/>
-          </a:prstGeom>
-          <a:noFill/>
-        </p:spPr>
-        <p:txBody>
-          <a:bodyPr wrap="square" rtlCol="0">
-            <a:spAutoFit/>
-          </a:bodyPr>
-          <a:lstStyle/>
-          <a:p>
+              <a:t>、</a:t>
+            </a:r>
+            <a:r>
+              <a:rPr kumimoji="1" lang="en-US" altLang="zh-CN" dirty="0" smtClean="0">
+                <a:latin typeface="Microsoft YaHei" charset="0"/>
+                <a:ea typeface="Microsoft YaHei" charset="0"/>
+                <a:cs typeface="Microsoft YaHei" charset="0"/>
+              </a:rPr>
+              <a:t>Session</a:t>
+            </a:r>
             <a:r>
               <a:rPr kumimoji="1" lang="zh-CN" altLang="en-US" dirty="0" smtClean="0">
                 <a:latin typeface="Microsoft YaHei" charset="0"/>
                 <a:ea typeface="Microsoft YaHei" charset="0"/>
                 <a:cs typeface="Microsoft YaHei" charset="0"/>
               </a:rPr>
-              <a:t>已登录</a:t>
-            </a:r>
-          </a:p>
-        </p:txBody>
-      </p:sp>
-      <p:sp>
-        <p:nvSpPr>
-          <p:cNvPr id="48" name="圆角矩形 47"/>
-          <p:cNvSpPr/>
-          <p:nvPr/>
-        </p:nvSpPr>
-        <p:spPr>
-          <a:xfrm>
-            <a:off x="4570436" y="4565599"/>
-            <a:ext cx="1296144" cy="720080"/>
-          </a:xfrm>
-          <a:prstGeom prst="roundRect">
-            <a:avLst/>
-          </a:prstGeom>
-          <a:solidFill>
-            <a:schemeClr val="bg1"/>
-          </a:solidFill>
-          <a:ln w="12700">
-            <a:solidFill>
-              <a:schemeClr val="tx2">
-                <a:lumMod val="75000"/>
-              </a:schemeClr>
-            </a:solidFill>
-          </a:ln>
-        </p:spPr>
-        <p:style>
-          <a:lnRef idx="2">
-            <a:schemeClr val="accent1">
-              <a:shade val="50000"/>
-            </a:schemeClr>
-          </a:lnRef>
-          <a:fillRef idx="1">
-            <a:schemeClr val="accent1"/>
-          </a:fillRef>
-          <a:effectRef idx="0">
-            <a:schemeClr val="accent1"/>
-          </a:effectRef>
-          <a:fontRef idx="minor">
-            <a:schemeClr val="lt1"/>
-          </a:fontRef>
-        </p:style>
-        <p:txBody>
-          <a:bodyPr rtlCol="0" anchor="ctr"/>
-          <a:lstStyle/>
-          <a:p>
-            <a:pPr algn="ctr"/>
+              <a:t>和</a:t>
+            </a:r>
+            <a:r>
+              <a:rPr kumimoji="1" lang="en-US" altLang="zh-CN" dirty="0" smtClean="0">
+                <a:latin typeface="Microsoft YaHei" charset="0"/>
+                <a:ea typeface="Microsoft YaHei" charset="0"/>
+                <a:cs typeface="Microsoft YaHei" charset="0"/>
+              </a:rPr>
+              <a:t>cookie</a:t>
+            </a:r>
             <a:r>
               <a:rPr kumimoji="1" lang="zh-CN" altLang="en-US" dirty="0" smtClean="0">
-                <a:solidFill>
-                  <a:schemeClr val="tx2"/>
-                </a:solidFill>
-                <a:latin typeface="Microsoft YaHei" charset="0"/>
-                <a:ea typeface="Microsoft YaHei" charset="0"/>
-                <a:cs typeface="Microsoft YaHei" charset="0"/>
-              </a:rPr>
-              <a:t>找回密码页面</a:t>
-            </a:r>
-            <a:endParaRPr kumimoji="1" lang="zh-CN" altLang="en-US" dirty="0">
-              <a:solidFill>
-                <a:schemeClr val="tx2"/>
-              </a:solidFill>
+                <a:latin typeface="Microsoft YaHei" charset="0"/>
+                <a:ea typeface="Microsoft YaHei" charset="0"/>
+                <a:cs typeface="Microsoft YaHei" charset="0"/>
+              </a:rPr>
+              <a:t>的管理机制需要特别注意，提供统一的</a:t>
+            </a:r>
+            <a:r>
+              <a:rPr kumimoji="1" lang="en-US" altLang="zh-CN" dirty="0" smtClean="0">
+                <a:latin typeface="Microsoft YaHei" charset="0"/>
+                <a:ea typeface="Microsoft YaHei" charset="0"/>
+                <a:cs typeface="Microsoft YaHei" charset="0"/>
+              </a:rPr>
+              <a:t>session</a:t>
+            </a:r>
+            <a:r>
+              <a:rPr kumimoji="1" lang="zh-CN" altLang="en-US" dirty="0" smtClean="0">
+                <a:latin typeface="Microsoft YaHei" charset="0"/>
+                <a:ea typeface="Microsoft YaHei" charset="0"/>
+                <a:cs typeface="Microsoft YaHei" charset="0"/>
+              </a:rPr>
+              <a:t>拦截器</a:t>
+            </a:r>
+            <a:endParaRPr kumimoji="1" lang="en-US" altLang="zh-CN" dirty="0" smtClean="0">
               <a:latin typeface="Microsoft YaHei" charset="0"/>
               <a:ea typeface="Microsoft YaHei" charset="0"/>
               <a:cs typeface="Microsoft YaHei" charset="0"/>
             </a:endParaRPr>
           </a:p>
-        </p:txBody>
-      </p:sp>
-      <p:cxnSp>
-        <p:nvCxnSpPr>
-          <p:cNvPr id="50" name="直线箭头连接符 49"/>
-          <p:cNvCxnSpPr>
-            <a:stCxn id="13" idx="1"/>
-            <a:endCxn id="48" idx="3"/>
-          </p:cNvCxnSpPr>
-          <p:nvPr/>
-        </p:nvCxnSpPr>
-        <p:spPr>
-          <a:xfrm flipH="1" flipV="1">
-            <a:off x="5866580" y="4925639"/>
-            <a:ext cx="941701" cy="15529"/>
-          </a:xfrm>
-          <a:prstGeom prst="straightConnector1">
-            <a:avLst/>
-          </a:prstGeom>
-          <a:ln>
-            <a:solidFill>
-              <a:schemeClr val="tx2">
-                <a:lumMod val="75000"/>
-              </a:schemeClr>
-            </a:solidFill>
-            <a:tailEnd type="arrow"/>
-          </a:ln>
-        </p:spPr>
-        <p:style>
-          <a:lnRef idx="1">
-            <a:schemeClr val="accent1"/>
-          </a:lnRef>
-          <a:fillRef idx="0">
-            <a:schemeClr val="accent1"/>
-          </a:fillRef>
-          <a:effectRef idx="0">
-            <a:schemeClr val="accent1"/>
-          </a:effectRef>
-          <a:fontRef idx="minor">
-            <a:schemeClr val="tx1"/>
-          </a:fontRef>
-        </p:style>
-      </p:cxnSp>
-      <p:sp>
-        <p:nvSpPr>
-          <p:cNvPr id="51" name="文本框 50"/>
-          <p:cNvSpPr txBox="1"/>
-          <p:nvPr/>
-        </p:nvSpPr>
-        <p:spPr>
-          <a:xfrm>
-            <a:off x="5832713" y="4565599"/>
-            <a:ext cx="1152128" cy="369332"/>
-          </a:xfrm>
-          <a:prstGeom prst="rect">
-            <a:avLst/>
-          </a:prstGeom>
-          <a:noFill/>
-        </p:spPr>
-        <p:txBody>
-          <a:bodyPr wrap="square" rtlCol="0">
-            <a:spAutoFit/>
-          </a:bodyPr>
-          <a:lstStyle/>
-          <a:p>
+          <a:p>
+            <a:r>
+              <a:rPr kumimoji="1" lang="zh-CN" altLang="zh-CN" dirty="0" smtClean="0">
+                <a:latin typeface="Microsoft YaHei" charset="0"/>
+                <a:ea typeface="Microsoft YaHei" charset="0"/>
+                <a:cs typeface="Microsoft YaHei" charset="0"/>
+              </a:rPr>
+              <a:t>2</a:t>
+            </a:r>
             <a:r>
               <a:rPr kumimoji="1" lang="zh-CN" altLang="en-US" dirty="0" smtClean="0">
                 <a:latin typeface="Microsoft YaHei" charset="0"/>
                 <a:ea typeface="Microsoft YaHei" charset="0"/>
                 <a:cs typeface="Microsoft YaHei" charset="0"/>
               </a:rPr>
-              <a:t>忘记密码</a:t>
-            </a:r>
-          </a:p>
-        </p:txBody>
-      </p:sp>
-      <p:sp>
-        <p:nvSpPr>
-          <p:cNvPr id="52" name="文本框 51"/>
-          <p:cNvSpPr txBox="1"/>
-          <p:nvPr/>
-        </p:nvSpPr>
-        <p:spPr>
-          <a:xfrm>
-            <a:off x="7488897" y="2679493"/>
-            <a:ext cx="1224136" cy="369332"/>
-          </a:xfrm>
-          <a:prstGeom prst="rect">
-            <a:avLst/>
-          </a:prstGeom>
-          <a:noFill/>
-        </p:spPr>
-        <p:txBody>
-          <a:bodyPr wrap="square" rtlCol="0">
-            <a:spAutoFit/>
-          </a:bodyPr>
-          <a:lstStyle/>
-          <a:p>
-            <a:r>
-              <a:rPr kumimoji="1" lang="zh-CN" altLang="en-US" dirty="0" smtClean="0">
-                <a:latin typeface="Microsoft YaHei" charset="0"/>
-                <a:ea typeface="Microsoft YaHei" charset="0"/>
-                <a:cs typeface="Microsoft YaHei" charset="0"/>
-              </a:rPr>
-              <a:t>未登录</a:t>
-            </a:r>
-          </a:p>
-        </p:txBody>
-      </p:sp>
-      <p:sp>
-        <p:nvSpPr>
-          <p:cNvPr id="53" name="菱形 52"/>
-          <p:cNvSpPr/>
-          <p:nvPr/>
-        </p:nvSpPr>
-        <p:spPr>
-          <a:xfrm>
-            <a:off x="10563543" y="1539280"/>
-            <a:ext cx="1440160" cy="1008112"/>
-          </a:xfrm>
-          <a:prstGeom prst="diamond">
-            <a:avLst/>
-          </a:prstGeom>
-          <a:solidFill>
-            <a:schemeClr val="bg1"/>
-          </a:solidFill>
-          <a:ln w="12700">
-            <a:solidFill>
-              <a:schemeClr val="tx2">
-                <a:lumMod val="75000"/>
-              </a:schemeClr>
-            </a:solidFill>
-          </a:ln>
-        </p:spPr>
-        <p:style>
-          <a:lnRef idx="2">
-            <a:schemeClr val="accent1">
-              <a:shade val="50000"/>
-            </a:schemeClr>
-          </a:lnRef>
-          <a:fillRef idx="1">
-            <a:schemeClr val="accent1"/>
-          </a:fillRef>
-          <a:effectRef idx="0">
-            <a:schemeClr val="accent1"/>
-          </a:effectRef>
-          <a:fontRef idx="minor">
-            <a:schemeClr val="lt1"/>
-          </a:fontRef>
-        </p:style>
-        <p:txBody>
-          <a:bodyPr rtlCol="0" anchor="ctr"/>
-          <a:lstStyle/>
-          <a:p>
-            <a:pPr algn="ctr"/>
-            <a:r>
-              <a:rPr kumimoji="1" lang="zh-CN" altLang="en-US" dirty="0" smtClean="0">
-                <a:solidFill>
-                  <a:schemeClr val="tx2"/>
-                </a:solidFill>
-                <a:latin typeface="Microsoft YaHei" charset="0"/>
-                <a:ea typeface="Microsoft YaHei" charset="0"/>
-                <a:cs typeface="Microsoft YaHei" charset="0"/>
-              </a:rPr>
-              <a:t>是否微信粉丝</a:t>
-            </a:r>
-            <a:endParaRPr kumimoji="1" lang="zh-CN" altLang="en-US" dirty="0">
-              <a:solidFill>
-                <a:schemeClr val="tx2"/>
-              </a:solidFill>
-              <a:latin typeface="Microsoft YaHei" charset="0"/>
-              <a:ea typeface="Microsoft YaHei" charset="0"/>
-              <a:cs typeface="Microsoft YaHei" charset="0"/>
-            </a:endParaRPr>
-          </a:p>
-        </p:txBody>
-      </p:sp>
-      <p:cxnSp>
-        <p:nvCxnSpPr>
-          <p:cNvPr id="55" name="直线箭头连接符 54"/>
-          <p:cNvCxnSpPr>
-            <a:stCxn id="11" idx="3"/>
-            <a:endCxn id="53" idx="1"/>
-          </p:cNvCxnSpPr>
-          <p:nvPr/>
-        </p:nvCxnSpPr>
-        <p:spPr>
-          <a:xfrm>
-            <a:off x="10204944" y="2043336"/>
-            <a:ext cx="358599" cy="0"/>
-          </a:xfrm>
-          <a:prstGeom prst="straightConnector1">
-            <a:avLst/>
-          </a:prstGeom>
-          <a:ln>
-            <a:solidFill>
-              <a:schemeClr val="tx2">
-                <a:lumMod val="75000"/>
-              </a:schemeClr>
-            </a:solidFill>
-            <a:tailEnd type="arrow"/>
-          </a:ln>
-        </p:spPr>
-        <p:style>
-          <a:lnRef idx="1">
-            <a:schemeClr val="accent1"/>
-          </a:lnRef>
-          <a:fillRef idx="0">
-            <a:schemeClr val="accent1"/>
-          </a:fillRef>
-          <a:effectRef idx="0">
-            <a:schemeClr val="accent1"/>
-          </a:effectRef>
-          <a:fontRef idx="minor">
-            <a:schemeClr val="tx1"/>
-          </a:fontRef>
-        </p:style>
-      </p:cxnSp>
-      <p:sp>
-        <p:nvSpPr>
-          <p:cNvPr id="57" name="圆角矩形 56"/>
-          <p:cNvSpPr/>
-          <p:nvPr/>
-        </p:nvSpPr>
-        <p:spPr>
-          <a:xfrm>
-            <a:off x="9912424" y="3212976"/>
-            <a:ext cx="2279576" cy="720080"/>
-          </a:xfrm>
-          <a:prstGeom prst="roundRect">
-            <a:avLst/>
-          </a:prstGeom>
-          <a:solidFill>
-            <a:schemeClr val="bg1"/>
-          </a:solidFill>
-          <a:ln w="12700">
-            <a:solidFill>
-              <a:schemeClr val="tx2">
-                <a:lumMod val="75000"/>
-              </a:schemeClr>
-            </a:solidFill>
-          </a:ln>
-        </p:spPr>
-        <p:style>
-          <a:lnRef idx="2">
-            <a:schemeClr val="accent1">
-              <a:shade val="50000"/>
-            </a:schemeClr>
-          </a:lnRef>
-          <a:fillRef idx="1">
-            <a:schemeClr val="accent1"/>
-          </a:fillRef>
-          <a:effectRef idx="0">
-            <a:schemeClr val="accent1"/>
-          </a:effectRef>
-          <a:fontRef idx="minor">
-            <a:schemeClr val="lt1"/>
-          </a:fontRef>
-        </p:style>
-        <p:txBody>
-          <a:bodyPr rtlCol="0" anchor="ctr"/>
-          <a:lstStyle/>
-          <a:p>
-            <a:pPr algn="ctr"/>
-            <a:r>
-              <a:rPr kumimoji="1" lang="zh-CN" altLang="en-US" dirty="0" smtClean="0">
-                <a:solidFill>
-                  <a:schemeClr val="tx2"/>
-                </a:solidFill>
-                <a:latin typeface="Microsoft YaHei" charset="0"/>
-                <a:ea typeface="Microsoft YaHei" charset="0"/>
-                <a:cs typeface="Microsoft YaHei" charset="0"/>
-              </a:rPr>
-              <a:t>通过公众号发送微信消息给微信用户</a:t>
-            </a:r>
-            <a:endParaRPr kumimoji="1" lang="zh-CN" altLang="en-US" dirty="0">
-              <a:solidFill>
-                <a:schemeClr val="tx2"/>
-              </a:solidFill>
-              <a:latin typeface="Microsoft YaHei" charset="0"/>
-              <a:ea typeface="Microsoft YaHei" charset="0"/>
-              <a:cs typeface="Microsoft YaHei" charset="0"/>
-            </a:endParaRPr>
-          </a:p>
-        </p:txBody>
-      </p:sp>
-      <p:cxnSp>
-        <p:nvCxnSpPr>
-          <p:cNvPr id="64" name="直线箭头连接符 63"/>
-          <p:cNvCxnSpPr>
-            <a:stCxn id="53" idx="2"/>
-          </p:cNvCxnSpPr>
-          <p:nvPr/>
-        </p:nvCxnSpPr>
-        <p:spPr>
-          <a:xfrm flipH="1">
-            <a:off x="11280576" y="2547392"/>
-            <a:ext cx="3047" cy="665584"/>
-          </a:xfrm>
-          <a:prstGeom prst="straightConnector1">
-            <a:avLst/>
-          </a:prstGeom>
-          <a:ln>
-            <a:solidFill>
-              <a:schemeClr val="tx2">
-                <a:lumMod val="75000"/>
-              </a:schemeClr>
-            </a:solidFill>
-            <a:tailEnd type="arrow"/>
-          </a:ln>
-        </p:spPr>
-        <p:style>
-          <a:lnRef idx="1">
-            <a:schemeClr val="accent1"/>
-          </a:lnRef>
-          <a:fillRef idx="0">
-            <a:schemeClr val="accent1"/>
-          </a:fillRef>
-          <a:effectRef idx="0">
-            <a:schemeClr val="accent1"/>
-          </a:effectRef>
-          <a:fontRef idx="minor">
-            <a:schemeClr val="tx1"/>
-          </a:fontRef>
-        </p:style>
-      </p:cxnSp>
-      <p:sp>
-        <p:nvSpPr>
-          <p:cNvPr id="65" name="文本框 64"/>
-          <p:cNvSpPr txBox="1"/>
-          <p:nvPr/>
-        </p:nvSpPr>
-        <p:spPr>
-          <a:xfrm>
-            <a:off x="10776520" y="2679493"/>
-            <a:ext cx="504056" cy="369332"/>
-          </a:xfrm>
-          <a:prstGeom prst="rect">
-            <a:avLst/>
-          </a:prstGeom>
-          <a:noFill/>
-        </p:spPr>
-        <p:txBody>
-          <a:bodyPr wrap="square" rtlCol="0">
-            <a:spAutoFit/>
-          </a:bodyPr>
-          <a:lstStyle/>
-          <a:p>
-            <a:r>
-              <a:rPr kumimoji="1" lang="zh-CN" altLang="en-US" dirty="0" smtClean="0">
-                <a:latin typeface="Microsoft YaHei" charset="0"/>
-                <a:ea typeface="Microsoft YaHei" charset="0"/>
-                <a:cs typeface="Microsoft YaHei" charset="0"/>
-              </a:rPr>
-              <a:t>是</a:t>
+              <a:t>、只有注册用户才能预约</a:t>
             </a:r>
           </a:p>
         </p:txBody>
@@ -8128,7 +9759,7 @@
     </p:spTree>
     <p:extLst>
       <p:ext uri="{BB962C8B-B14F-4D97-AF65-F5344CB8AC3E}">
-        <p14:creationId xmlns:p14="http://schemas.microsoft.com/office/powerpoint/2010/main" val="3459732304"/>
+        <p14:creationId xmlns:p14="http://schemas.microsoft.com/office/powerpoint/2010/main" val="722643761"/>
       </p:ext>
     </p:extLst>
   </p:cSld>
@@ -8172,28 +9803,21 @@
           <a:p>
             <a:r>
               <a:rPr kumimoji="1" lang="zh-CN" altLang="en-US" dirty="0" smtClean="0"/>
-              <a:t>微信预约场景</a:t>
-            </a:r>
-            <a:r>
-              <a:rPr kumimoji="1" lang="en-US" altLang="zh-CN" dirty="0" smtClean="0"/>
-              <a:t/>
-            </a:r>
-            <a:br>
-              <a:rPr kumimoji="1" lang="en-US" altLang="zh-CN" dirty="0" smtClean="0"/>
-            </a:br>
+              <a:t>微信登录场景</a:t>
+            </a:r>
             <a:endParaRPr kumimoji="1" lang="zh-CN" altLang="en-US" dirty="0"/>
           </a:p>
         </p:txBody>
       </p:sp>
       <p:sp>
         <p:nvSpPr>
-          <p:cNvPr id="5" name="圆角矩形 4"/>
+          <p:cNvPr id="2" name="圆角矩形 1"/>
           <p:cNvSpPr/>
           <p:nvPr/>
         </p:nvSpPr>
         <p:spPr>
           <a:xfrm>
-            <a:off x="263352" y="1683296"/>
+            <a:off x="479376" y="1412776"/>
             <a:ext cx="1296144" cy="720080"/>
           </a:xfrm>
           <a:prstGeom prst="roundRect">
@@ -8240,7 +9864,7 @@
                 <a:ea typeface="Microsoft YaHei" charset="0"/>
                 <a:cs typeface="Microsoft YaHei" charset="0"/>
               </a:rPr>
-              <a:t>微信公众号</a:t>
+              <a:t>微信客户端</a:t>
             </a:r>
             <a:endParaRPr kumimoji="1" lang="zh-CN" altLang="en-US" dirty="0">
               <a:solidFill>
@@ -8255,13 +9879,13 @@
       </p:sp>
       <p:sp>
         <p:nvSpPr>
-          <p:cNvPr id="7" name="圆角矩形 6"/>
+          <p:cNvPr id="4" name="圆角矩形 3"/>
           <p:cNvSpPr/>
           <p:nvPr/>
         </p:nvSpPr>
         <p:spPr>
           <a:xfrm>
-            <a:off x="1991544" y="1683296"/>
+            <a:off x="2495600" y="1412776"/>
             <a:ext cx="1296144" cy="720080"/>
           </a:xfrm>
           <a:prstGeom prst="roundRect">
@@ -8308,7 +9932,7 @@
                 <a:ea typeface="Microsoft YaHei" charset="0"/>
                 <a:cs typeface="Microsoft YaHei" charset="0"/>
               </a:rPr>
-              <a:t>艺人展示页面</a:t>
+              <a:t>公众号</a:t>
             </a:r>
             <a:endParaRPr kumimoji="1" lang="zh-CN" altLang="en-US" dirty="0">
               <a:solidFill>
@@ -8323,13 +9947,13 @@
       </p:sp>
       <p:sp>
         <p:nvSpPr>
-          <p:cNvPr id="8" name="圆角矩形 7"/>
+          <p:cNvPr id="5" name="圆角矩形 4"/>
           <p:cNvSpPr/>
           <p:nvPr/>
         </p:nvSpPr>
         <p:spPr>
           <a:xfrm>
-            <a:off x="3791744" y="1671381"/>
+            <a:off x="4655840" y="1412776"/>
             <a:ext cx="1296144" cy="720080"/>
           </a:xfrm>
           <a:prstGeom prst="roundRect">
@@ -8376,7 +10000,7 @@
                 <a:ea typeface="Microsoft YaHei" charset="0"/>
                 <a:cs typeface="Microsoft YaHei" charset="0"/>
               </a:rPr>
-              <a:t>作品展示页面</a:t>
+              <a:t>预约按钮</a:t>
             </a:r>
             <a:endParaRPr kumimoji="1" lang="zh-CN" altLang="en-US" dirty="0">
               <a:solidFill>
@@ -8391,14 +10015,14 @@
       </p:sp>
       <p:sp>
         <p:nvSpPr>
-          <p:cNvPr id="10" name="菱形 9"/>
+          <p:cNvPr id="6" name="菱形 5"/>
           <p:cNvSpPr/>
           <p:nvPr/>
         </p:nvSpPr>
         <p:spPr>
           <a:xfrm>
-            <a:off x="5591944" y="1383349"/>
-            <a:ext cx="1440160" cy="1296144"/>
+            <a:off x="4515602" y="2628694"/>
+            <a:ext cx="1584176" cy="936104"/>
           </a:xfrm>
           <a:prstGeom prst="diamond">
             <a:avLst/>
@@ -8444,7 +10068,7 @@
                 <a:ea typeface="Microsoft YaHei" charset="0"/>
                 <a:cs typeface="Microsoft YaHei" charset="0"/>
               </a:rPr>
-              <a:t>立即约</a:t>
+              <a:t>是否会员</a:t>
             </a:r>
             <a:endParaRPr kumimoji="1" lang="zh-CN" altLang="en-US" dirty="0">
               <a:solidFill>
@@ -8459,13 +10083,13 @@
       </p:sp>
       <p:sp>
         <p:nvSpPr>
-          <p:cNvPr id="11" name="圆角矩形 10"/>
+          <p:cNvPr id="7" name="圆角矩形 6"/>
           <p:cNvSpPr/>
           <p:nvPr/>
         </p:nvSpPr>
         <p:spPr>
           <a:xfrm>
-            <a:off x="8144768" y="1671381"/>
+            <a:off x="4655840" y="4221088"/>
             <a:ext cx="1296144" cy="720080"/>
           </a:xfrm>
           <a:prstGeom prst="roundRect">
@@ -8512,7 +10136,7 @@
                 <a:ea typeface="Microsoft YaHei" charset="0"/>
                 <a:cs typeface="Microsoft YaHei" charset="0"/>
               </a:rPr>
-              <a:t>预约订单填写页面</a:t>
+              <a:t>预约页面</a:t>
             </a:r>
             <a:endParaRPr kumimoji="1" lang="zh-CN" altLang="en-US" dirty="0">
               <a:solidFill>
@@ -8527,13 +10151,13 @@
       </p:sp>
       <p:sp>
         <p:nvSpPr>
-          <p:cNvPr id="12" name="圆角矩形 11"/>
+          <p:cNvPr id="8" name="圆角矩形 7"/>
           <p:cNvSpPr/>
           <p:nvPr/>
         </p:nvSpPr>
         <p:spPr>
           <a:xfrm>
-            <a:off x="5663952" y="3140968"/>
+            <a:off x="7104112" y="2736706"/>
             <a:ext cx="1296144" cy="720080"/>
           </a:xfrm>
           <a:prstGeom prst="roundRect">
@@ -8593,18 +10217,496 @@
           </a:p>
         </p:txBody>
       </p:sp>
-      <p:sp>
-        <p:nvSpPr>
-          <p:cNvPr id="13" name="菱形 12"/>
+      <p:cxnSp>
+        <p:nvCxnSpPr>
+          <p:cNvPr id="10" name="直线箭头连接符 9"/>
+          <p:cNvCxnSpPr>
+            <a:stCxn id="2" idx="3"/>
+            <a:endCxn id="4" idx="1"/>
+          </p:cNvCxnSpPr>
+          <p:nvPr/>
+        </p:nvCxnSpPr>
+        <p:spPr>
+          <a:xfrm>
+            <a:off x="1775520" y="1772816"/>
+            <a:ext cx="720080" cy="0"/>
+          </a:xfrm>
+          <a:prstGeom prst="straightConnector1">
+            <a:avLst/>
+          </a:prstGeom>
+          <a:ln>
+            <a:solidFill>
+              <a:schemeClr val="tx2">
+                <a:lumMod val="75000"/>
+              </a:schemeClr>
+            </a:solidFill>
+            <a:tailEnd type="arrow"/>
+          </a:ln>
+        </p:spPr>
+        <p:style>
+          <a:lnRef idx="1">
+            <a:schemeClr val="accent1"/>
+          </a:lnRef>
+          <a:fillRef idx="0">
+            <a:schemeClr val="accent1"/>
+          </a:fillRef>
+          <a:effectRef idx="0">
+            <a:schemeClr val="accent1"/>
+          </a:effectRef>
+          <a:fontRef idx="minor">
+            <a:schemeClr val="tx1"/>
+          </a:fontRef>
+        </p:style>
+      </p:cxnSp>
+      <p:cxnSp>
+        <p:nvCxnSpPr>
+          <p:cNvPr id="12" name="直线箭头连接符 11"/>
+          <p:cNvCxnSpPr>
+            <a:stCxn id="4" idx="3"/>
+            <a:endCxn id="5" idx="1"/>
+          </p:cNvCxnSpPr>
+          <p:nvPr/>
+        </p:nvCxnSpPr>
+        <p:spPr>
+          <a:xfrm>
+            <a:off x="3791744" y="1772816"/>
+            <a:ext cx="864096" cy="0"/>
+          </a:xfrm>
+          <a:prstGeom prst="straightConnector1">
+            <a:avLst/>
+          </a:prstGeom>
+          <a:ln>
+            <a:solidFill>
+              <a:schemeClr val="tx2">
+                <a:lumMod val="75000"/>
+              </a:schemeClr>
+            </a:solidFill>
+            <a:tailEnd type="arrow"/>
+          </a:ln>
+        </p:spPr>
+        <p:style>
+          <a:lnRef idx="1">
+            <a:schemeClr val="accent1"/>
+          </a:lnRef>
+          <a:fillRef idx="0">
+            <a:schemeClr val="accent1"/>
+          </a:fillRef>
+          <a:effectRef idx="0">
+            <a:schemeClr val="accent1"/>
+          </a:effectRef>
+          <a:fontRef idx="minor">
+            <a:schemeClr val="tx1"/>
+          </a:fontRef>
+        </p:style>
+      </p:cxnSp>
+      <p:cxnSp>
+        <p:nvCxnSpPr>
+          <p:cNvPr id="14" name="直线箭头连接符 13"/>
+          <p:cNvCxnSpPr>
+            <a:stCxn id="5" idx="2"/>
+          </p:cNvCxnSpPr>
+          <p:nvPr/>
+        </p:nvCxnSpPr>
+        <p:spPr>
+          <a:xfrm>
+            <a:off x="5303912" y="2132856"/>
+            <a:ext cx="0" cy="576064"/>
+          </a:xfrm>
+          <a:prstGeom prst="straightConnector1">
+            <a:avLst/>
+          </a:prstGeom>
+          <a:ln>
+            <a:solidFill>
+              <a:schemeClr val="tx2">
+                <a:lumMod val="75000"/>
+              </a:schemeClr>
+            </a:solidFill>
+            <a:tailEnd type="arrow"/>
+          </a:ln>
+        </p:spPr>
+        <p:style>
+          <a:lnRef idx="1">
+            <a:schemeClr val="accent1"/>
+          </a:lnRef>
+          <a:fillRef idx="0">
+            <a:schemeClr val="accent1"/>
+          </a:fillRef>
+          <a:effectRef idx="0">
+            <a:schemeClr val="accent1"/>
+          </a:effectRef>
+          <a:fontRef idx="minor">
+            <a:schemeClr val="tx1"/>
+          </a:fontRef>
+        </p:style>
+      </p:cxnSp>
+      <p:cxnSp>
+        <p:nvCxnSpPr>
+          <p:cNvPr id="19" name="直线箭头连接符 18"/>
+          <p:cNvCxnSpPr>
+            <a:stCxn id="6" idx="2"/>
+            <a:endCxn id="7" idx="0"/>
+          </p:cNvCxnSpPr>
+          <p:nvPr/>
+        </p:nvCxnSpPr>
+        <p:spPr>
+          <a:xfrm flipH="1">
+            <a:off x="5303912" y="3564798"/>
+            <a:ext cx="3778" cy="656290"/>
+          </a:xfrm>
+          <a:prstGeom prst="straightConnector1">
+            <a:avLst/>
+          </a:prstGeom>
+          <a:ln>
+            <a:solidFill>
+              <a:schemeClr val="tx2">
+                <a:lumMod val="75000"/>
+              </a:schemeClr>
+            </a:solidFill>
+            <a:tailEnd type="arrow"/>
+          </a:ln>
+        </p:spPr>
+        <p:style>
+          <a:lnRef idx="1">
+            <a:schemeClr val="accent1"/>
+          </a:lnRef>
+          <a:fillRef idx="0">
+            <a:schemeClr val="accent1"/>
+          </a:fillRef>
+          <a:effectRef idx="0">
+            <a:schemeClr val="accent1"/>
+          </a:effectRef>
+          <a:fontRef idx="minor">
+            <a:schemeClr val="tx1"/>
+          </a:fontRef>
+        </p:style>
+      </p:cxnSp>
+      <p:cxnSp>
+        <p:nvCxnSpPr>
+          <p:cNvPr id="21" name="直线箭头连接符 20"/>
+          <p:cNvCxnSpPr>
+            <a:stCxn id="6" idx="3"/>
+            <a:endCxn id="8" idx="1"/>
+          </p:cNvCxnSpPr>
+          <p:nvPr/>
+        </p:nvCxnSpPr>
+        <p:spPr>
+          <a:xfrm>
+            <a:off x="6099778" y="3096746"/>
+            <a:ext cx="1004334" cy="0"/>
+          </a:xfrm>
+          <a:prstGeom prst="straightConnector1">
+            <a:avLst/>
+          </a:prstGeom>
+          <a:ln>
+            <a:solidFill>
+              <a:schemeClr val="tx2">
+                <a:lumMod val="75000"/>
+              </a:schemeClr>
+            </a:solidFill>
+            <a:tailEnd type="arrow"/>
+          </a:ln>
+        </p:spPr>
+        <p:style>
+          <a:lnRef idx="1">
+            <a:schemeClr val="accent1"/>
+          </a:lnRef>
+          <a:fillRef idx="0">
+            <a:schemeClr val="accent1"/>
+          </a:fillRef>
+          <a:effectRef idx="0">
+            <a:schemeClr val="accent1"/>
+          </a:effectRef>
+          <a:fontRef idx="minor">
+            <a:schemeClr val="tx1"/>
+          </a:fontRef>
+        </p:style>
+      </p:cxnSp>
+      <p:sp>
+        <p:nvSpPr>
+          <p:cNvPr id="23" name="文本框 22"/>
+          <p:cNvSpPr txBox="1"/>
+          <p:nvPr/>
+        </p:nvSpPr>
+        <p:spPr>
+          <a:xfrm>
+            <a:off x="6240016" y="2736706"/>
+            <a:ext cx="720080" cy="369332"/>
+          </a:xfrm>
+          <a:prstGeom prst="rect">
+            <a:avLst/>
+          </a:prstGeom>
+          <a:noFill/>
+        </p:spPr>
+        <p:txBody>
+          <a:bodyPr wrap="square" rtlCol="0">
+            <a:spAutoFit/>
+          </a:bodyPr>
+          <a:lstStyle/>
+          <a:p>
+            <a:r>
+              <a:rPr kumimoji="1" lang="zh-CN" altLang="en-US" dirty="0" smtClean="0">
+                <a:latin typeface="Microsoft YaHei" charset="0"/>
+                <a:ea typeface="Microsoft YaHei" charset="0"/>
+                <a:cs typeface="Microsoft YaHei" charset="0"/>
+              </a:rPr>
+              <a:t>否</a:t>
+            </a:r>
+          </a:p>
+        </p:txBody>
+      </p:sp>
+      <p:cxnSp>
+        <p:nvCxnSpPr>
+          <p:cNvPr id="25" name="肘形连接符 24"/>
+          <p:cNvCxnSpPr>
+            <a:stCxn id="8" idx="2"/>
+            <a:endCxn id="7" idx="3"/>
+          </p:cNvCxnSpPr>
+          <p:nvPr/>
+        </p:nvCxnSpPr>
+        <p:spPr>
+          <a:xfrm rot="5400000">
+            <a:off x="6289913" y="3118857"/>
+            <a:ext cx="1124342" cy="1800200"/>
+          </a:xfrm>
+          <a:prstGeom prst="bentConnector2">
+            <a:avLst/>
+          </a:prstGeom>
+          <a:ln>
+            <a:solidFill>
+              <a:schemeClr val="tx2">
+                <a:lumMod val="75000"/>
+              </a:schemeClr>
+            </a:solidFill>
+            <a:tailEnd type="arrow"/>
+          </a:ln>
+        </p:spPr>
+        <p:style>
+          <a:lnRef idx="1">
+            <a:schemeClr val="accent1"/>
+          </a:lnRef>
+          <a:fillRef idx="0">
+            <a:schemeClr val="accent1"/>
+          </a:fillRef>
+          <a:effectRef idx="0">
+            <a:schemeClr val="accent1"/>
+          </a:effectRef>
+          <a:fontRef idx="minor">
+            <a:schemeClr val="tx1"/>
+          </a:fontRef>
+        </p:style>
+      </p:cxnSp>
+      <p:sp>
+        <p:nvSpPr>
+          <p:cNvPr id="26" name="文本框 25"/>
+          <p:cNvSpPr txBox="1"/>
+          <p:nvPr/>
+        </p:nvSpPr>
+        <p:spPr>
+          <a:xfrm>
+            <a:off x="5447928" y="3717032"/>
+            <a:ext cx="936104" cy="369332"/>
+          </a:xfrm>
+          <a:prstGeom prst="rect">
+            <a:avLst/>
+          </a:prstGeom>
+          <a:noFill/>
+        </p:spPr>
+        <p:txBody>
+          <a:bodyPr wrap="square" rtlCol="0">
+            <a:spAutoFit/>
+          </a:bodyPr>
+          <a:lstStyle/>
+          <a:p>
+            <a:r>
+              <a:rPr kumimoji="1" lang="zh-CN" altLang="en-US" dirty="0" smtClean="0">
+                <a:latin typeface="Microsoft YaHei" charset="0"/>
+                <a:ea typeface="Microsoft YaHei" charset="0"/>
+                <a:cs typeface="Microsoft YaHei" charset="0"/>
+              </a:rPr>
+              <a:t>是</a:t>
+            </a:r>
+          </a:p>
+        </p:txBody>
+      </p:sp>
+      <p:sp>
+        <p:nvSpPr>
+          <p:cNvPr id="27" name="文本框 26"/>
+          <p:cNvSpPr txBox="1"/>
+          <p:nvPr/>
+        </p:nvSpPr>
+        <p:spPr>
+          <a:xfrm>
+            <a:off x="6240016" y="4086364"/>
+            <a:ext cx="1152128" cy="369332"/>
+          </a:xfrm>
+          <a:prstGeom prst="rect">
+            <a:avLst/>
+          </a:prstGeom>
+          <a:noFill/>
+        </p:spPr>
+        <p:txBody>
+          <a:bodyPr wrap="square" rtlCol="0">
+            <a:spAutoFit/>
+          </a:bodyPr>
+          <a:lstStyle/>
+          <a:p>
+            <a:r>
+              <a:rPr kumimoji="1" lang="zh-CN" altLang="en-US" dirty="0" smtClean="0">
+                <a:latin typeface="Microsoft YaHei" charset="0"/>
+                <a:ea typeface="Microsoft YaHei" charset="0"/>
+                <a:cs typeface="Microsoft YaHei" charset="0"/>
+              </a:rPr>
+              <a:t>注册成功</a:t>
+            </a:r>
+          </a:p>
+        </p:txBody>
+      </p:sp>
+      <p:sp>
+        <p:nvSpPr>
+          <p:cNvPr id="29" name="文本框 28"/>
+          <p:cNvSpPr txBox="1"/>
+          <p:nvPr/>
+        </p:nvSpPr>
+        <p:spPr>
+          <a:xfrm>
+            <a:off x="8616280" y="1268760"/>
+            <a:ext cx="3168352" cy="1200329"/>
+          </a:xfrm>
+          <a:prstGeom prst="rect">
+            <a:avLst/>
+          </a:prstGeom>
+          <a:noFill/>
+          <a:ln>
+            <a:solidFill>
+              <a:schemeClr val="tx1"/>
+            </a:solidFill>
+          </a:ln>
+        </p:spPr>
+        <p:txBody>
+          <a:bodyPr wrap="square" rtlCol="0">
+            <a:spAutoFit/>
+          </a:bodyPr>
+          <a:lstStyle/>
+          <a:p>
+            <a:r>
+              <a:rPr kumimoji="1" lang="en-US" altLang="zh-CN" dirty="0" smtClean="0">
+                <a:latin typeface="Microsoft YaHei" charset="0"/>
+                <a:ea typeface="Microsoft YaHei" charset="0"/>
+                <a:cs typeface="Microsoft YaHei" charset="0"/>
+              </a:rPr>
+              <a:t>1</a:t>
+            </a:r>
+            <a:r>
+              <a:rPr kumimoji="1" lang="zh-CN" altLang="en-US" dirty="0" smtClean="0">
+                <a:latin typeface="Microsoft YaHei" charset="0"/>
+                <a:ea typeface="Microsoft YaHei" charset="0"/>
+                <a:cs typeface="Microsoft YaHei" charset="0"/>
+              </a:rPr>
+              <a:t>、校验会员时根据关注用户的微信信息判断</a:t>
+            </a:r>
+            <a:endParaRPr kumimoji="1" lang="en-US" altLang="zh-CN" dirty="0" smtClean="0">
+              <a:latin typeface="Microsoft YaHei" charset="0"/>
+              <a:ea typeface="Microsoft YaHei" charset="0"/>
+              <a:cs typeface="Microsoft YaHei" charset="0"/>
+            </a:endParaRPr>
+          </a:p>
+          <a:p>
+            <a:r>
+              <a:rPr kumimoji="1" lang="zh-CN" altLang="zh-CN" dirty="0" smtClean="0">
+                <a:latin typeface="Microsoft YaHei" charset="0"/>
+                <a:ea typeface="Microsoft YaHei" charset="0"/>
+                <a:cs typeface="Microsoft YaHei" charset="0"/>
+              </a:rPr>
+              <a:t>2</a:t>
+            </a:r>
+            <a:r>
+              <a:rPr kumimoji="1" lang="zh-CN" altLang="en-US" dirty="0" smtClean="0">
+                <a:latin typeface="Microsoft YaHei" charset="0"/>
+                <a:ea typeface="Microsoft YaHei" charset="0"/>
+                <a:cs typeface="Microsoft YaHei" charset="0"/>
+              </a:rPr>
+              <a:t>、注册时默认获取关注用户的微信信息</a:t>
+            </a:r>
+          </a:p>
+        </p:txBody>
+      </p:sp>
+    </p:spTree>
+    <p:extLst>
+      <p:ext uri="{BB962C8B-B14F-4D97-AF65-F5344CB8AC3E}">
+        <p14:creationId xmlns:p14="http://schemas.microsoft.com/office/powerpoint/2010/main" val="4161411697"/>
+      </p:ext>
+    </p:extLst>
+  </p:cSld>
+  <p:clrMapOvr>
+    <a:masterClrMapping/>
+  </p:clrMapOvr>
+</p:sld>
+</file>
+
+<file path=ppt/slides/slide9.xml><?xml version="1.0" encoding="utf-8"?>
+<p:sld xmlns:a="http://schemas.openxmlformats.org/drawingml/2006/main" xmlns:r="http://schemas.openxmlformats.org/officeDocument/2006/relationships" xmlns:p="http://schemas.openxmlformats.org/presentationml/2006/main">
+  <p:cSld>
+    <p:spTree>
+      <p:nvGrpSpPr>
+        <p:cNvPr id="1" name=""/>
+        <p:cNvGrpSpPr/>
+        <p:nvPr/>
+      </p:nvGrpSpPr>
+      <p:grpSpPr>
+        <a:xfrm>
+          <a:off x="0" y="0"/>
+          <a:ext cx="0" cy="0"/>
+          <a:chOff x="0" y="0"/>
+          <a:chExt cx="0" cy="0"/>
+        </a:xfrm>
+      </p:grpSpPr>
+      <p:sp>
+        <p:nvSpPr>
+          <p:cNvPr id="3" name="标题 2"/>
+          <p:cNvSpPr>
+            <a:spLocks noGrp="1"/>
+          </p:cNvSpPr>
+          <p:nvPr>
+            <p:ph type="title"/>
+          </p:nvPr>
+        </p:nvSpPr>
+        <p:spPr>
+          <a:xfrm>
+            <a:off x="86857" y="85722"/>
+            <a:ext cx="11905321" cy="546544"/>
+          </a:xfrm>
+        </p:spPr>
+        <p:txBody>
+          <a:bodyPr/>
+          <a:lstStyle/>
+          <a:p>
+            <a:r>
+              <a:rPr kumimoji="1" lang="zh-CN" altLang="en-US" dirty="0" smtClean="0"/>
+              <a:t>网站预约场景</a:t>
+            </a:r>
+            <a:r>
+              <a:rPr kumimoji="1" lang="en-US" altLang="zh-CN" dirty="0" smtClean="0"/>
+              <a:t/>
+            </a:r>
+            <a:br>
+              <a:rPr kumimoji="1" lang="en-US" altLang="zh-CN" dirty="0" smtClean="0"/>
+            </a:br>
+            <a:endParaRPr kumimoji="1" lang="zh-CN" altLang="en-US" dirty="0"/>
+          </a:p>
+        </p:txBody>
+      </p:sp>
+      <p:sp>
+        <p:nvSpPr>
+          <p:cNvPr id="5" name="圆角矩形 4"/>
           <p:cNvSpPr/>
           <p:nvPr/>
         </p:nvSpPr>
         <p:spPr>
           <a:xfrm>
-            <a:off x="5591944" y="4293096"/>
-            <a:ext cx="1440160" cy="1296144"/>
-          </a:xfrm>
-          <a:prstGeom prst="diamond">
+            <a:off x="72073" y="1683296"/>
+            <a:ext cx="1296144" cy="720080"/>
+          </a:xfrm>
+          <a:prstGeom prst="roundRect">
             <a:avLst/>
           </a:prstGeom>
           <a:solidFill>
@@ -8648,7 +10750,7 @@
                 <a:ea typeface="Microsoft YaHei" charset="0"/>
                 <a:cs typeface="Microsoft YaHei" charset="0"/>
               </a:rPr>
-              <a:t>是否成功</a:t>
+              <a:t>浏览器</a:t>
             </a:r>
             <a:endParaRPr kumimoji="1" lang="zh-CN" altLang="en-US" dirty="0">
               <a:solidFill>
@@ -8663,13 +10765,13 @@
       </p:sp>
       <p:sp>
         <p:nvSpPr>
-          <p:cNvPr id="14" name="圆角矩形 13"/>
+          <p:cNvPr id="6" name="圆角矩形 5"/>
           <p:cNvSpPr/>
           <p:nvPr/>
         </p:nvSpPr>
         <p:spPr>
           <a:xfrm>
-            <a:off x="5663952" y="6021288"/>
+            <a:off x="1728257" y="1671381"/>
             <a:ext cx="1296144" cy="720080"/>
           </a:xfrm>
           <a:prstGeom prst="roundRect">
@@ -8716,7 +10818,7 @@
                 <a:ea typeface="Microsoft YaHei" charset="0"/>
                 <a:cs typeface="Microsoft YaHei" charset="0"/>
               </a:rPr>
-              <a:t>注册页面</a:t>
+              <a:t>网站首页</a:t>
             </a:r>
             <a:endParaRPr kumimoji="1" lang="zh-CN" altLang="en-US" dirty="0">
               <a:solidFill>
@@ -8729,19 +10831,536 @@
           </a:p>
         </p:txBody>
       </p:sp>
+      <p:sp>
+        <p:nvSpPr>
+          <p:cNvPr id="7" name="圆角矩形 6"/>
+          <p:cNvSpPr/>
+          <p:nvPr/>
+        </p:nvSpPr>
+        <p:spPr>
+          <a:xfrm>
+            <a:off x="3384441" y="1671381"/>
+            <a:ext cx="1296144" cy="720080"/>
+          </a:xfrm>
+          <a:prstGeom prst="roundRect">
+            <a:avLst/>
+          </a:prstGeom>
+          <a:solidFill>
+            <a:schemeClr val="bg1"/>
+          </a:solidFill>
+          <a:ln w="12700">
+            <a:solidFill>
+              <a:schemeClr val="tx2">
+                <a:lumMod val="75000"/>
+              </a:schemeClr>
+            </a:solidFill>
+          </a:ln>
+        </p:spPr>
+        <p:style>
+          <a:lnRef idx="2">
+            <a:schemeClr val="accent1">
+              <a:shade val="50000"/>
+            </a:schemeClr>
+          </a:lnRef>
+          <a:fillRef idx="1">
+            <a:schemeClr val="accent1"/>
+          </a:fillRef>
+          <a:effectRef idx="0">
+            <a:schemeClr val="accent1"/>
+          </a:effectRef>
+          <a:fontRef idx="minor">
+            <a:schemeClr val="lt1"/>
+          </a:fontRef>
+        </p:style>
+        <p:txBody>
+          <a:bodyPr rtlCol="0" anchor="ctr"/>
+          <a:lstStyle/>
+          <a:p>
+            <a:pPr algn="ctr"/>
+            <a:r>
+              <a:rPr kumimoji="1" lang="zh-CN" altLang="en-US" dirty="0" smtClean="0">
+                <a:solidFill>
+                  <a:schemeClr val="tx2"/>
+                </a:solidFill>
+                <a:latin typeface="Microsoft YaHei" charset="0"/>
+                <a:ea typeface="Microsoft YaHei" charset="0"/>
+                <a:cs typeface="Microsoft YaHei" charset="0"/>
+              </a:rPr>
+              <a:t>艺人展示页面</a:t>
+            </a:r>
+            <a:endParaRPr kumimoji="1" lang="zh-CN" altLang="en-US" dirty="0">
+              <a:solidFill>
+                <a:schemeClr val="tx2"/>
+              </a:solidFill>
+              <a:latin typeface="Microsoft YaHei" charset="0"/>
+              <a:ea typeface="Microsoft YaHei" charset="0"/>
+              <a:cs typeface="Microsoft YaHei" charset="0"/>
+            </a:endParaRPr>
+          </a:p>
+        </p:txBody>
+      </p:sp>
+      <p:sp>
+        <p:nvSpPr>
+          <p:cNvPr id="8" name="圆角矩形 7"/>
+          <p:cNvSpPr/>
+          <p:nvPr/>
+        </p:nvSpPr>
+        <p:spPr>
+          <a:xfrm>
+            <a:off x="5040625" y="1671381"/>
+            <a:ext cx="1296144" cy="720080"/>
+          </a:xfrm>
+          <a:prstGeom prst="roundRect">
+            <a:avLst/>
+          </a:prstGeom>
+          <a:solidFill>
+            <a:schemeClr val="bg1"/>
+          </a:solidFill>
+          <a:ln w="12700">
+            <a:solidFill>
+              <a:schemeClr val="tx2">
+                <a:lumMod val="75000"/>
+              </a:schemeClr>
+            </a:solidFill>
+          </a:ln>
+        </p:spPr>
+        <p:style>
+          <a:lnRef idx="2">
+            <a:schemeClr val="accent1">
+              <a:shade val="50000"/>
+            </a:schemeClr>
+          </a:lnRef>
+          <a:fillRef idx="1">
+            <a:schemeClr val="accent1"/>
+          </a:fillRef>
+          <a:effectRef idx="0">
+            <a:schemeClr val="accent1"/>
+          </a:effectRef>
+          <a:fontRef idx="minor">
+            <a:schemeClr val="lt1"/>
+          </a:fontRef>
+        </p:style>
+        <p:txBody>
+          <a:bodyPr rtlCol="0" anchor="ctr"/>
+          <a:lstStyle/>
+          <a:p>
+            <a:pPr algn="ctr"/>
+            <a:r>
+              <a:rPr kumimoji="1" lang="zh-CN" altLang="en-US" dirty="0" smtClean="0">
+                <a:solidFill>
+                  <a:schemeClr val="tx2"/>
+                </a:solidFill>
+                <a:latin typeface="Microsoft YaHei" charset="0"/>
+                <a:ea typeface="Microsoft YaHei" charset="0"/>
+                <a:cs typeface="Microsoft YaHei" charset="0"/>
+              </a:rPr>
+              <a:t>作品展示页面</a:t>
+            </a:r>
+            <a:endParaRPr kumimoji="1" lang="zh-CN" altLang="en-US" dirty="0">
+              <a:solidFill>
+                <a:schemeClr val="tx2"/>
+              </a:solidFill>
+              <a:latin typeface="Microsoft YaHei" charset="0"/>
+              <a:ea typeface="Microsoft YaHei" charset="0"/>
+              <a:cs typeface="Microsoft YaHei" charset="0"/>
+            </a:endParaRPr>
+          </a:p>
+        </p:txBody>
+      </p:sp>
+      <p:sp>
+        <p:nvSpPr>
+          <p:cNvPr id="10" name="菱形 9"/>
+          <p:cNvSpPr/>
+          <p:nvPr/>
+        </p:nvSpPr>
+        <p:spPr>
+          <a:xfrm>
+            <a:off x="6808281" y="1383349"/>
+            <a:ext cx="1440160" cy="1296144"/>
+          </a:xfrm>
+          <a:prstGeom prst="diamond">
+            <a:avLst/>
+          </a:prstGeom>
+          <a:solidFill>
+            <a:schemeClr val="bg1"/>
+          </a:solidFill>
+          <a:ln w="12700">
+            <a:solidFill>
+              <a:schemeClr val="tx2">
+                <a:lumMod val="75000"/>
+              </a:schemeClr>
+            </a:solidFill>
+          </a:ln>
+        </p:spPr>
+        <p:style>
+          <a:lnRef idx="2">
+            <a:schemeClr val="accent1">
+              <a:shade val="50000"/>
+            </a:schemeClr>
+          </a:lnRef>
+          <a:fillRef idx="1">
+            <a:schemeClr val="accent1"/>
+          </a:fillRef>
+          <a:effectRef idx="0">
+            <a:schemeClr val="accent1"/>
+          </a:effectRef>
+          <a:fontRef idx="minor">
+            <a:schemeClr val="lt1"/>
+          </a:fontRef>
+        </p:style>
+        <p:txBody>
+          <a:bodyPr rtlCol="0" anchor="ctr"/>
+          <a:lstStyle/>
+          <a:p>
+            <a:pPr algn="ctr"/>
+            <a:r>
+              <a:rPr kumimoji="1" lang="zh-CN" altLang="en-US" dirty="0" smtClean="0">
+                <a:solidFill>
+                  <a:schemeClr val="tx2"/>
+                </a:solidFill>
+                <a:latin typeface="Microsoft YaHei" charset="0"/>
+                <a:ea typeface="Microsoft YaHei" charset="0"/>
+                <a:cs typeface="Microsoft YaHei" charset="0"/>
+              </a:rPr>
+              <a:t>立即约</a:t>
+            </a:r>
+            <a:endParaRPr kumimoji="1" lang="zh-CN" altLang="en-US" dirty="0">
+              <a:solidFill>
+                <a:schemeClr val="tx2"/>
+              </a:solidFill>
+              <a:latin typeface="Microsoft YaHei" charset="0"/>
+              <a:ea typeface="Microsoft YaHei" charset="0"/>
+              <a:cs typeface="Microsoft YaHei" charset="0"/>
+            </a:endParaRPr>
+          </a:p>
+        </p:txBody>
+      </p:sp>
+      <p:sp>
+        <p:nvSpPr>
+          <p:cNvPr id="11" name="圆角矩形 10"/>
+          <p:cNvSpPr/>
+          <p:nvPr/>
+        </p:nvSpPr>
+        <p:spPr>
+          <a:xfrm>
+            <a:off x="8908800" y="1683296"/>
+            <a:ext cx="1296144" cy="720080"/>
+          </a:xfrm>
+          <a:prstGeom prst="roundRect">
+            <a:avLst/>
+          </a:prstGeom>
+          <a:solidFill>
+            <a:schemeClr val="bg1"/>
+          </a:solidFill>
+          <a:ln w="12700">
+            <a:solidFill>
+              <a:schemeClr val="tx2">
+                <a:lumMod val="75000"/>
+              </a:schemeClr>
+            </a:solidFill>
+          </a:ln>
+        </p:spPr>
+        <p:style>
+          <a:lnRef idx="2">
+            <a:schemeClr val="accent1">
+              <a:shade val="50000"/>
+            </a:schemeClr>
+          </a:lnRef>
+          <a:fillRef idx="1">
+            <a:schemeClr val="accent1"/>
+          </a:fillRef>
+          <a:effectRef idx="0">
+            <a:schemeClr val="accent1"/>
+          </a:effectRef>
+          <a:fontRef idx="minor">
+            <a:schemeClr val="lt1"/>
+          </a:fontRef>
+        </p:style>
+        <p:txBody>
+          <a:bodyPr rtlCol="0" anchor="ctr"/>
+          <a:lstStyle/>
+          <a:p>
+            <a:pPr algn="ctr"/>
+            <a:r>
+              <a:rPr kumimoji="1" lang="zh-CN" altLang="en-US" dirty="0" smtClean="0">
+                <a:solidFill>
+                  <a:schemeClr val="tx2"/>
+                </a:solidFill>
+                <a:latin typeface="Microsoft YaHei" charset="0"/>
+                <a:ea typeface="Microsoft YaHei" charset="0"/>
+                <a:cs typeface="Microsoft YaHei" charset="0"/>
+              </a:rPr>
+              <a:t>预约订单填写页面</a:t>
+            </a:r>
+            <a:endParaRPr kumimoji="1" lang="zh-CN" altLang="en-US" dirty="0">
+              <a:solidFill>
+                <a:schemeClr val="tx2"/>
+              </a:solidFill>
+              <a:latin typeface="Microsoft YaHei" charset="0"/>
+              <a:ea typeface="Microsoft YaHei" charset="0"/>
+              <a:cs typeface="Microsoft YaHei" charset="0"/>
+            </a:endParaRPr>
+          </a:p>
+        </p:txBody>
+      </p:sp>
+      <p:sp>
+        <p:nvSpPr>
+          <p:cNvPr id="12" name="圆角矩形 11"/>
+          <p:cNvSpPr/>
+          <p:nvPr/>
+        </p:nvSpPr>
+        <p:spPr>
+          <a:xfrm>
+            <a:off x="6880289" y="3212976"/>
+            <a:ext cx="1296144" cy="720080"/>
+          </a:xfrm>
+          <a:prstGeom prst="roundRect">
+            <a:avLst/>
+          </a:prstGeom>
+          <a:solidFill>
+            <a:schemeClr val="bg1"/>
+          </a:solidFill>
+          <a:ln w="12700">
+            <a:solidFill>
+              <a:schemeClr val="tx2">
+                <a:lumMod val="75000"/>
+              </a:schemeClr>
+            </a:solidFill>
+          </a:ln>
+        </p:spPr>
+        <p:style>
+          <a:lnRef idx="2">
+            <a:schemeClr val="accent1">
+              <a:shade val="50000"/>
+            </a:schemeClr>
+          </a:lnRef>
+          <a:fillRef idx="1">
+            <a:schemeClr val="accent1"/>
+          </a:fillRef>
+          <a:effectRef idx="0">
+            <a:schemeClr val="accent1"/>
+          </a:effectRef>
+          <a:fontRef idx="minor">
+            <a:schemeClr val="lt1"/>
+          </a:fontRef>
+        </p:style>
+        <p:txBody>
+          <a:bodyPr rtlCol="0" anchor="ctr"/>
+          <a:lstStyle/>
+          <a:p>
+            <a:pPr algn="ctr"/>
+            <a:r>
+              <a:rPr kumimoji="1" lang="zh-CN" altLang="en-US" dirty="0" smtClean="0">
+                <a:solidFill>
+                  <a:schemeClr val="tx2"/>
+                </a:solidFill>
+                <a:latin typeface="Microsoft YaHei" charset="0"/>
+                <a:ea typeface="Microsoft YaHei" charset="0"/>
+                <a:cs typeface="Microsoft YaHei" charset="0"/>
+              </a:rPr>
+              <a:t>登录页面</a:t>
+            </a:r>
+            <a:endParaRPr kumimoji="1" lang="zh-CN" altLang="en-US" dirty="0">
+              <a:solidFill>
+                <a:schemeClr val="tx2"/>
+              </a:solidFill>
+              <a:latin typeface="Microsoft YaHei" charset="0"/>
+              <a:ea typeface="Microsoft YaHei" charset="0"/>
+              <a:cs typeface="Microsoft YaHei" charset="0"/>
+            </a:endParaRPr>
+          </a:p>
+        </p:txBody>
+      </p:sp>
+      <p:sp>
+        <p:nvSpPr>
+          <p:cNvPr id="13" name="菱形 12"/>
+          <p:cNvSpPr/>
+          <p:nvPr/>
+        </p:nvSpPr>
+        <p:spPr>
+          <a:xfrm>
+            <a:off x="6808281" y="4293096"/>
+            <a:ext cx="1440160" cy="1296144"/>
+          </a:xfrm>
+          <a:prstGeom prst="diamond">
+            <a:avLst/>
+          </a:prstGeom>
+          <a:solidFill>
+            <a:schemeClr val="bg1"/>
+          </a:solidFill>
+          <a:ln w="12700">
+            <a:solidFill>
+              <a:schemeClr val="tx2">
+                <a:lumMod val="75000"/>
+              </a:schemeClr>
+            </a:solidFill>
+          </a:ln>
+        </p:spPr>
+        <p:style>
+          <a:lnRef idx="2">
+            <a:schemeClr val="accent1">
+              <a:shade val="50000"/>
+            </a:schemeClr>
+          </a:lnRef>
+          <a:fillRef idx="1">
+            <a:schemeClr val="accent1"/>
+          </a:fillRef>
+          <a:effectRef idx="0">
+            <a:schemeClr val="accent1"/>
+          </a:effectRef>
+          <a:fontRef idx="minor">
+            <a:schemeClr val="lt1"/>
+          </a:fontRef>
+        </p:style>
+        <p:txBody>
+          <a:bodyPr rtlCol="0" anchor="ctr"/>
+          <a:lstStyle/>
+          <a:p>
+            <a:pPr algn="ctr"/>
+            <a:r>
+              <a:rPr kumimoji="1" lang="zh-CN" altLang="en-US" dirty="0" smtClean="0">
+                <a:solidFill>
+                  <a:schemeClr val="tx2"/>
+                </a:solidFill>
+                <a:latin typeface="Microsoft YaHei" charset="0"/>
+                <a:ea typeface="Microsoft YaHei" charset="0"/>
+                <a:cs typeface="Microsoft YaHei" charset="0"/>
+              </a:rPr>
+              <a:t>是否成功</a:t>
+            </a:r>
+            <a:endParaRPr kumimoji="1" lang="zh-CN" altLang="en-US" dirty="0">
+              <a:solidFill>
+                <a:schemeClr val="tx2"/>
+              </a:solidFill>
+              <a:latin typeface="Microsoft YaHei" charset="0"/>
+              <a:ea typeface="Microsoft YaHei" charset="0"/>
+              <a:cs typeface="Microsoft YaHei" charset="0"/>
+            </a:endParaRPr>
+          </a:p>
+        </p:txBody>
+      </p:sp>
+      <p:sp>
+        <p:nvSpPr>
+          <p:cNvPr id="14" name="圆角矩形 13"/>
+          <p:cNvSpPr/>
+          <p:nvPr/>
+        </p:nvSpPr>
+        <p:spPr>
+          <a:xfrm>
+            <a:off x="6880289" y="6021288"/>
+            <a:ext cx="1296144" cy="720080"/>
+          </a:xfrm>
+          <a:prstGeom prst="roundRect">
+            <a:avLst/>
+          </a:prstGeom>
+          <a:solidFill>
+            <a:schemeClr val="bg1"/>
+          </a:solidFill>
+          <a:ln w="12700">
+            <a:solidFill>
+              <a:schemeClr val="tx2">
+                <a:lumMod val="75000"/>
+              </a:schemeClr>
+            </a:solidFill>
+          </a:ln>
+        </p:spPr>
+        <p:style>
+          <a:lnRef idx="2">
+            <a:schemeClr val="accent1">
+              <a:shade val="50000"/>
+            </a:schemeClr>
+          </a:lnRef>
+          <a:fillRef idx="1">
+            <a:schemeClr val="accent1"/>
+          </a:fillRef>
+          <a:effectRef idx="0">
+            <a:schemeClr val="accent1"/>
+          </a:effectRef>
+          <a:fontRef idx="minor">
+            <a:schemeClr val="lt1"/>
+          </a:fontRef>
+        </p:style>
+        <p:txBody>
+          <a:bodyPr rtlCol="0" anchor="ctr"/>
+          <a:lstStyle/>
+          <a:p>
+            <a:pPr algn="ctr"/>
+            <a:r>
+              <a:rPr kumimoji="1" lang="zh-CN" altLang="en-US" dirty="0" smtClean="0">
+                <a:solidFill>
+                  <a:schemeClr val="tx2"/>
+                </a:solidFill>
+                <a:latin typeface="Microsoft YaHei" charset="0"/>
+                <a:ea typeface="Microsoft YaHei" charset="0"/>
+                <a:cs typeface="Microsoft YaHei" charset="0"/>
+              </a:rPr>
+              <a:t>注册页面</a:t>
+            </a:r>
+            <a:endParaRPr kumimoji="1" lang="zh-CN" altLang="en-US" dirty="0">
+              <a:solidFill>
+                <a:schemeClr val="tx2"/>
+              </a:solidFill>
+              <a:latin typeface="Microsoft YaHei" charset="0"/>
+              <a:ea typeface="Microsoft YaHei" charset="0"/>
+              <a:cs typeface="Microsoft YaHei" charset="0"/>
+            </a:endParaRPr>
+          </a:p>
+        </p:txBody>
+      </p:sp>
       <p:cxnSp>
         <p:nvCxnSpPr>
           <p:cNvPr id="16" name="直线箭头连接符 15"/>
           <p:cNvCxnSpPr>
             <a:stCxn id="5" idx="3"/>
+            <a:endCxn id="6" idx="1"/>
+          </p:cNvCxnSpPr>
+          <p:nvPr/>
+        </p:nvCxnSpPr>
+        <p:spPr>
+          <a:xfrm flipV="1">
+            <a:off x="1368217" y="2031421"/>
+            <a:ext cx="360040" cy="11915"/>
+          </a:xfrm>
+          <a:prstGeom prst="straightConnector1">
+            <a:avLst/>
+          </a:prstGeom>
+          <a:ln>
+            <a:solidFill>
+              <a:schemeClr val="tx2">
+                <a:lumMod val="75000"/>
+              </a:schemeClr>
+            </a:solidFill>
+            <a:tailEnd type="arrow"/>
+          </a:ln>
+        </p:spPr>
+        <p:style>
+          <a:lnRef idx="1">
+            <a:schemeClr val="accent1"/>
+          </a:lnRef>
+          <a:fillRef idx="0">
+            <a:schemeClr val="accent1"/>
+          </a:fillRef>
+          <a:effectRef idx="0">
+            <a:schemeClr val="accent1"/>
+          </a:effectRef>
+          <a:fontRef idx="minor">
+            <a:schemeClr val="tx1"/>
+          </a:fontRef>
+        </p:style>
+      </p:cxnSp>
+      <p:cxnSp>
+        <p:nvCxnSpPr>
+          <p:cNvPr id="19" name="直线箭头连接符 18"/>
+          <p:cNvCxnSpPr>
+            <a:stCxn id="6" idx="3"/>
             <a:endCxn id="7" idx="1"/>
           </p:cNvCxnSpPr>
           <p:nvPr/>
         </p:nvCxnSpPr>
         <p:spPr>
           <a:xfrm>
-            <a:off x="1559496" y="2043336"/>
-            <a:ext cx="432048" cy="0"/>
+            <a:off x="3024401" y="2031421"/>
+            <a:ext cx="360040" cy="0"/>
           </a:xfrm>
           <a:prstGeom prst="straightConnector1">
             <a:avLst/>
@@ -8780,9 +11399,9 @@
           <p:nvPr/>
         </p:nvCxnSpPr>
         <p:spPr>
-          <a:xfrm flipV="1">
-            <a:off x="3287688" y="2031421"/>
-            <a:ext cx="504056" cy="11915"/>
+          <a:xfrm>
+            <a:off x="4680585" y="2031421"/>
+            <a:ext cx="360040" cy="0"/>
           </a:xfrm>
           <a:prstGeom prst="straightConnector1">
             <a:avLst/>
@@ -8822,8 +11441,8 @@
         </p:nvCxnSpPr>
         <p:spPr>
           <a:xfrm>
-            <a:off x="5087888" y="2031421"/>
-            <a:ext cx="504056" cy="0"/>
+            <a:off x="6336769" y="2031421"/>
+            <a:ext cx="471512" cy="0"/>
           </a:xfrm>
           <a:prstGeom prst="straightConnector1">
             <a:avLst/>
@@ -8863,8 +11482,8 @@
         </p:nvCxnSpPr>
         <p:spPr>
           <a:xfrm>
-            <a:off x="6312024" y="2679493"/>
-            <a:ext cx="0" cy="461475"/>
+            <a:off x="7528361" y="2679493"/>
+            <a:ext cx="0" cy="533483"/>
           </a:xfrm>
           <a:prstGeom prst="straightConnector1">
             <a:avLst/>
@@ -8904,8 +11523,8 @@
         </p:nvCxnSpPr>
         <p:spPr>
           <a:xfrm>
-            <a:off x="6312024" y="3861048"/>
-            <a:ext cx="0" cy="432048"/>
+            <a:off x="7528361" y="3933056"/>
+            <a:ext cx="0" cy="360040"/>
           </a:xfrm>
           <a:prstGeom prst="straightConnector1">
             <a:avLst/>
@@ -8945,7 +11564,7 @@
         </p:nvCxnSpPr>
         <p:spPr>
           <a:xfrm>
-            <a:off x="6312024" y="5589240"/>
+            <a:off x="7528361" y="5589240"/>
             <a:ext cx="0" cy="432048"/>
           </a:xfrm>
           <a:prstGeom prst="straightConnector1">
@@ -8986,8 +11605,8 @@
         </p:nvCxnSpPr>
         <p:spPr>
           <a:xfrm>
-            <a:off x="7032104" y="2031421"/>
-            <a:ext cx="1112664" cy="0"/>
+            <a:off x="8248441" y="2031421"/>
+            <a:ext cx="660359" cy="11915"/>
           </a:xfrm>
           <a:prstGeom prst="straightConnector1">
             <a:avLst/>
@@ -9019,17 +11638,19 @@
       <p:cxnSp>
         <p:nvCxnSpPr>
           <p:cNvPr id="38" name="肘形连接符 37"/>
-          <p:cNvCxnSpPr/>
+          <p:cNvCxnSpPr>
+            <a:endCxn id="11" idx="2"/>
+          </p:cNvCxnSpPr>
           <p:nvPr/>
         </p:nvCxnSpPr>
         <p:spPr>
           <a:xfrm rot="5400000" flipH="1" flipV="1">
-            <a:off x="6646664" y="2758008"/>
-            <a:ext cx="2555304" cy="1737048"/>
+            <a:off x="7664096" y="3011409"/>
+            <a:ext cx="2500808" cy="1284743"/>
           </a:xfrm>
           <a:prstGeom prst="bentConnector3">
             <a:avLst>
-              <a:gd name="adj1" fmla="val -1026"/>
+              <a:gd name="adj1" fmla="val -107"/>
             </a:avLst>
           </a:prstGeom>
           <a:ln>
@@ -9064,7 +11685,7 @@
         </p:nvSpPr>
         <p:spPr>
           <a:xfrm>
-            <a:off x="6331756" y="5579949"/>
+            <a:off x="7528361" y="5579949"/>
             <a:ext cx="1256680" cy="369332"/>
           </a:xfrm>
           <a:prstGeom prst="rect">
@@ -9084,7 +11705,7 @@
                 <a:ea typeface="Microsoft YaHei" charset="0"/>
                 <a:cs typeface="Microsoft YaHei" charset="0"/>
               </a:rPr>
-              <a:t>否</a:t>
+              <a:t>未注册</a:t>
             </a:r>
           </a:p>
         </p:txBody>
@@ -9097,7 +11718,7 @@
         </p:nvSpPr>
         <p:spPr>
           <a:xfrm>
-            <a:off x="7336408" y="4556307"/>
+            <a:off x="8552745" y="4556307"/>
             <a:ext cx="592336" cy="369332"/>
           </a:xfrm>
           <a:prstGeom prst="rect">
@@ -9130,7 +11751,7 @@
         </p:nvSpPr>
         <p:spPr>
           <a:xfrm>
-            <a:off x="7032104" y="1671381"/>
+            <a:off x="8112224" y="1671381"/>
             <a:ext cx="896640" cy="369332"/>
           </a:xfrm>
           <a:prstGeom prst="rect">
@@ -9150,87 +11771,21 @@
                 <a:ea typeface="Microsoft YaHei" charset="0"/>
                 <a:cs typeface="Microsoft YaHei" charset="0"/>
               </a:rPr>
-              <a:t>是会员</a:t>
-            </a:r>
-          </a:p>
-        </p:txBody>
-      </p:sp>
-      <p:sp>
-        <p:nvSpPr>
-          <p:cNvPr id="52" name="文本框 51"/>
-          <p:cNvSpPr txBox="1"/>
-          <p:nvPr/>
-        </p:nvSpPr>
-        <p:spPr>
-          <a:xfrm>
-            <a:off x="6272560" y="2679493"/>
-            <a:ext cx="1224136" cy="369332"/>
-          </a:xfrm>
-          <a:prstGeom prst="rect">
-            <a:avLst/>
-          </a:prstGeom>
-          <a:noFill/>
-        </p:spPr>
-        <p:txBody>
-          <a:bodyPr wrap="square" rtlCol="0">
-            <a:spAutoFit/>
-          </a:bodyPr>
-          <a:lstStyle/>
-          <a:p>
-            <a:r>
-              <a:rPr kumimoji="1" lang="zh-CN" altLang="en-US" dirty="0" smtClean="0">
-                <a:latin typeface="Microsoft YaHei" charset="0"/>
-                <a:ea typeface="Microsoft YaHei" charset="0"/>
-                <a:cs typeface="Microsoft YaHei" charset="0"/>
-              </a:rPr>
-              <a:t>非会员</a:t>
-            </a:r>
-          </a:p>
-        </p:txBody>
-      </p:sp>
-      <p:sp>
-        <p:nvSpPr>
-          <p:cNvPr id="18" name="文本框 17"/>
-          <p:cNvSpPr txBox="1"/>
-          <p:nvPr/>
-        </p:nvSpPr>
-        <p:spPr>
-          <a:xfrm>
-            <a:off x="7163484" y="4942909"/>
-            <a:ext cx="1524803" cy="646331"/>
-          </a:xfrm>
-          <a:prstGeom prst="rect">
-            <a:avLst/>
-          </a:prstGeom>
-          <a:noFill/>
-        </p:spPr>
-        <p:txBody>
-          <a:bodyPr wrap="square" rtlCol="0">
-            <a:spAutoFit/>
-          </a:bodyPr>
-          <a:lstStyle/>
-          <a:p>
-            <a:r>
-              <a:rPr kumimoji="1" lang="zh-CN" altLang="en-US" dirty="0" smtClean="0">
-                <a:latin typeface="Microsoft YaHei" charset="0"/>
-                <a:ea typeface="Microsoft YaHei" charset="0"/>
-                <a:cs typeface="Microsoft YaHei" charset="0"/>
-              </a:rPr>
-              <a:t>获取微信用户信息</a:t>
-            </a:r>
-          </a:p>
-        </p:txBody>
-      </p:sp>
-      <p:sp>
-        <p:nvSpPr>
-          <p:cNvPr id="34" name="圆角矩形 33"/>
+              <a:t>已登录</a:t>
+            </a:r>
+          </a:p>
+        </p:txBody>
+      </p:sp>
+      <p:sp>
+        <p:nvSpPr>
+          <p:cNvPr id="48" name="圆角矩形 47"/>
           <p:cNvSpPr/>
           <p:nvPr/>
         </p:nvSpPr>
         <p:spPr>
           <a:xfrm>
-            <a:off x="9912424" y="1680673"/>
-            <a:ext cx="2279576" cy="720080"/>
+            <a:off x="4570436" y="4565599"/>
+            <a:ext cx="1296144" cy="720080"/>
           </a:xfrm>
           <a:prstGeom prst="roundRect">
             <a:avLst/>
@@ -9276,7 +11831,7 @@
                 <a:ea typeface="Microsoft YaHei" charset="0"/>
                 <a:cs typeface="Microsoft YaHei" charset="0"/>
               </a:rPr>
-              <a:t>通过公众号发送微信消息给微信用户</a:t>
+              <a:t>找回密码页面</a:t>
             </a:r>
             <a:endParaRPr kumimoji="1" lang="zh-CN" altLang="en-US" dirty="0">
               <a:solidFill>
@@ -9291,17 +11846,17 @@
       </p:sp>
       <p:cxnSp>
         <p:nvCxnSpPr>
-          <p:cNvPr id="22" name="直线箭头连接符 21"/>
+          <p:cNvPr id="50" name="直线箭头连接符 49"/>
           <p:cNvCxnSpPr>
-            <a:stCxn id="11" idx="3"/>
-            <a:endCxn id="34" idx="1"/>
+            <a:stCxn id="13" idx="1"/>
+            <a:endCxn id="48" idx="3"/>
           </p:cNvCxnSpPr>
           <p:nvPr/>
         </p:nvCxnSpPr>
         <p:spPr>
-          <a:xfrm>
-            <a:off x="9440912" y="2031421"/>
-            <a:ext cx="471512" cy="9292"/>
+          <a:xfrm flipH="1" flipV="1">
+            <a:off x="5866580" y="4925639"/>
+            <a:ext cx="941701" cy="15529"/>
           </a:xfrm>
           <a:prstGeom prst="straightConnector1">
             <a:avLst/>
@@ -9330,10 +11885,326 @@
           </a:fontRef>
         </p:style>
       </p:cxnSp>
+      <p:sp>
+        <p:nvSpPr>
+          <p:cNvPr id="51" name="文本框 50"/>
+          <p:cNvSpPr txBox="1"/>
+          <p:nvPr/>
+        </p:nvSpPr>
+        <p:spPr>
+          <a:xfrm>
+            <a:off x="5832713" y="4565599"/>
+            <a:ext cx="1152128" cy="369332"/>
+          </a:xfrm>
+          <a:prstGeom prst="rect">
+            <a:avLst/>
+          </a:prstGeom>
+          <a:noFill/>
+        </p:spPr>
+        <p:txBody>
+          <a:bodyPr wrap="square" rtlCol="0">
+            <a:spAutoFit/>
+          </a:bodyPr>
+          <a:lstStyle/>
+          <a:p>
+            <a:r>
+              <a:rPr kumimoji="1" lang="zh-CN" altLang="en-US" dirty="0" smtClean="0">
+                <a:latin typeface="Microsoft YaHei" charset="0"/>
+                <a:ea typeface="Microsoft YaHei" charset="0"/>
+                <a:cs typeface="Microsoft YaHei" charset="0"/>
+              </a:rPr>
+              <a:t>忘记密码</a:t>
+            </a:r>
+          </a:p>
+        </p:txBody>
+      </p:sp>
+      <p:sp>
+        <p:nvSpPr>
+          <p:cNvPr id="52" name="文本框 51"/>
+          <p:cNvSpPr txBox="1"/>
+          <p:nvPr/>
+        </p:nvSpPr>
+        <p:spPr>
+          <a:xfrm>
+            <a:off x="7488897" y="2679493"/>
+            <a:ext cx="1224136" cy="369332"/>
+          </a:xfrm>
+          <a:prstGeom prst="rect">
+            <a:avLst/>
+          </a:prstGeom>
+          <a:noFill/>
+        </p:spPr>
+        <p:txBody>
+          <a:bodyPr wrap="square" rtlCol="0">
+            <a:spAutoFit/>
+          </a:bodyPr>
+          <a:lstStyle/>
+          <a:p>
+            <a:r>
+              <a:rPr kumimoji="1" lang="zh-CN" altLang="en-US" dirty="0" smtClean="0">
+                <a:latin typeface="Microsoft YaHei" charset="0"/>
+                <a:ea typeface="Microsoft YaHei" charset="0"/>
+                <a:cs typeface="Microsoft YaHei" charset="0"/>
+              </a:rPr>
+              <a:t>未登录</a:t>
+            </a:r>
+          </a:p>
+        </p:txBody>
+      </p:sp>
+      <p:sp>
+        <p:nvSpPr>
+          <p:cNvPr id="53" name="菱形 52"/>
+          <p:cNvSpPr/>
+          <p:nvPr/>
+        </p:nvSpPr>
+        <p:spPr>
+          <a:xfrm>
+            <a:off x="10563543" y="1539280"/>
+            <a:ext cx="1440160" cy="1008112"/>
+          </a:xfrm>
+          <a:prstGeom prst="diamond">
+            <a:avLst/>
+          </a:prstGeom>
+          <a:solidFill>
+            <a:schemeClr val="bg1"/>
+          </a:solidFill>
+          <a:ln w="12700">
+            <a:solidFill>
+              <a:schemeClr val="tx2">
+                <a:lumMod val="75000"/>
+              </a:schemeClr>
+            </a:solidFill>
+          </a:ln>
+        </p:spPr>
+        <p:style>
+          <a:lnRef idx="2">
+            <a:schemeClr val="accent1">
+              <a:shade val="50000"/>
+            </a:schemeClr>
+          </a:lnRef>
+          <a:fillRef idx="1">
+            <a:schemeClr val="accent1"/>
+          </a:fillRef>
+          <a:effectRef idx="0">
+            <a:schemeClr val="accent1"/>
+          </a:effectRef>
+          <a:fontRef idx="minor">
+            <a:schemeClr val="lt1"/>
+          </a:fontRef>
+        </p:style>
+        <p:txBody>
+          <a:bodyPr rtlCol="0" anchor="ctr"/>
+          <a:lstStyle/>
+          <a:p>
+            <a:pPr algn="ctr"/>
+            <a:r>
+              <a:rPr kumimoji="1" lang="zh-CN" altLang="en-US" dirty="0" smtClean="0">
+                <a:solidFill>
+                  <a:schemeClr val="tx2"/>
+                </a:solidFill>
+                <a:latin typeface="Microsoft YaHei" charset="0"/>
+                <a:ea typeface="Microsoft YaHei" charset="0"/>
+                <a:cs typeface="Microsoft YaHei" charset="0"/>
+              </a:rPr>
+              <a:t>是否微信粉丝</a:t>
+            </a:r>
+            <a:endParaRPr kumimoji="1" lang="zh-CN" altLang="en-US" dirty="0">
+              <a:solidFill>
+                <a:schemeClr val="tx2"/>
+              </a:solidFill>
+              <a:latin typeface="Microsoft YaHei" charset="0"/>
+              <a:ea typeface="Microsoft YaHei" charset="0"/>
+              <a:cs typeface="Microsoft YaHei" charset="0"/>
+            </a:endParaRPr>
+          </a:p>
+        </p:txBody>
+      </p:sp>
+      <p:cxnSp>
+        <p:nvCxnSpPr>
+          <p:cNvPr id="55" name="直线箭头连接符 54"/>
+          <p:cNvCxnSpPr>
+            <a:stCxn id="11" idx="3"/>
+            <a:endCxn id="53" idx="1"/>
+          </p:cNvCxnSpPr>
+          <p:nvPr/>
+        </p:nvCxnSpPr>
+        <p:spPr>
+          <a:xfrm>
+            <a:off x="10204944" y="2043336"/>
+            <a:ext cx="358599" cy="0"/>
+          </a:xfrm>
+          <a:prstGeom prst="straightConnector1">
+            <a:avLst/>
+          </a:prstGeom>
+          <a:ln>
+            <a:solidFill>
+              <a:schemeClr val="tx2">
+                <a:lumMod val="75000"/>
+              </a:schemeClr>
+            </a:solidFill>
+            <a:tailEnd type="arrow"/>
+          </a:ln>
+        </p:spPr>
+        <p:style>
+          <a:lnRef idx="1">
+            <a:schemeClr val="accent1"/>
+          </a:lnRef>
+          <a:fillRef idx="0">
+            <a:schemeClr val="accent1"/>
+          </a:fillRef>
+          <a:effectRef idx="0">
+            <a:schemeClr val="accent1"/>
+          </a:effectRef>
+          <a:fontRef idx="minor">
+            <a:schemeClr val="tx1"/>
+          </a:fontRef>
+        </p:style>
+      </p:cxnSp>
+      <p:sp>
+        <p:nvSpPr>
+          <p:cNvPr id="57" name="圆角矩形 56"/>
+          <p:cNvSpPr/>
+          <p:nvPr/>
+        </p:nvSpPr>
+        <p:spPr>
+          <a:xfrm>
+            <a:off x="9912424" y="3212976"/>
+            <a:ext cx="2279576" cy="720080"/>
+          </a:xfrm>
+          <a:prstGeom prst="roundRect">
+            <a:avLst/>
+          </a:prstGeom>
+          <a:solidFill>
+            <a:schemeClr val="bg1"/>
+          </a:solidFill>
+          <a:ln w="12700">
+            <a:solidFill>
+              <a:schemeClr val="tx2">
+                <a:lumMod val="75000"/>
+              </a:schemeClr>
+            </a:solidFill>
+          </a:ln>
+        </p:spPr>
+        <p:style>
+          <a:lnRef idx="2">
+            <a:schemeClr val="accent1">
+              <a:shade val="50000"/>
+            </a:schemeClr>
+          </a:lnRef>
+          <a:fillRef idx="1">
+            <a:schemeClr val="accent1"/>
+          </a:fillRef>
+          <a:effectRef idx="0">
+            <a:schemeClr val="accent1"/>
+          </a:effectRef>
+          <a:fontRef idx="minor">
+            <a:schemeClr val="lt1"/>
+          </a:fontRef>
+        </p:style>
+        <p:txBody>
+          <a:bodyPr rtlCol="0" anchor="ctr"/>
+          <a:lstStyle/>
+          <a:p>
+            <a:pPr algn="ctr"/>
+            <a:r>
+              <a:rPr kumimoji="1" lang="zh-CN" altLang="en-US" dirty="0" smtClean="0">
+                <a:solidFill>
+                  <a:schemeClr val="tx2"/>
+                </a:solidFill>
+                <a:latin typeface="Microsoft YaHei" charset="0"/>
+                <a:ea typeface="Microsoft YaHei" charset="0"/>
+                <a:cs typeface="Microsoft YaHei" charset="0"/>
+              </a:rPr>
+              <a:t>通过公众号发送微信消息给微信用户</a:t>
+            </a:r>
+            <a:endParaRPr kumimoji="1" lang="zh-CN" altLang="en-US" dirty="0">
+              <a:solidFill>
+                <a:schemeClr val="tx2"/>
+              </a:solidFill>
+              <a:latin typeface="Microsoft YaHei" charset="0"/>
+              <a:ea typeface="Microsoft YaHei" charset="0"/>
+              <a:cs typeface="Microsoft YaHei" charset="0"/>
+            </a:endParaRPr>
+          </a:p>
+        </p:txBody>
+      </p:sp>
+      <p:cxnSp>
+        <p:nvCxnSpPr>
+          <p:cNvPr id="64" name="直线箭头连接符 63"/>
+          <p:cNvCxnSpPr>
+            <a:stCxn id="53" idx="2"/>
+          </p:cNvCxnSpPr>
+          <p:nvPr/>
+        </p:nvCxnSpPr>
+        <p:spPr>
+          <a:xfrm flipH="1">
+            <a:off x="11280576" y="2547392"/>
+            <a:ext cx="3047" cy="665584"/>
+          </a:xfrm>
+          <a:prstGeom prst="straightConnector1">
+            <a:avLst/>
+          </a:prstGeom>
+          <a:ln>
+            <a:solidFill>
+              <a:schemeClr val="tx2">
+                <a:lumMod val="75000"/>
+              </a:schemeClr>
+            </a:solidFill>
+            <a:tailEnd type="arrow"/>
+          </a:ln>
+        </p:spPr>
+        <p:style>
+          <a:lnRef idx="1">
+            <a:schemeClr val="accent1"/>
+          </a:lnRef>
+          <a:fillRef idx="0">
+            <a:schemeClr val="accent1"/>
+          </a:fillRef>
+          <a:effectRef idx="0">
+            <a:schemeClr val="accent1"/>
+          </a:effectRef>
+          <a:fontRef idx="minor">
+            <a:schemeClr val="tx1"/>
+          </a:fontRef>
+        </p:style>
+      </p:cxnSp>
+      <p:sp>
+        <p:nvSpPr>
+          <p:cNvPr id="65" name="文本框 64"/>
+          <p:cNvSpPr txBox="1"/>
+          <p:nvPr/>
+        </p:nvSpPr>
+        <p:spPr>
+          <a:xfrm>
+            <a:off x="10776520" y="2679493"/>
+            <a:ext cx="504056" cy="369332"/>
+          </a:xfrm>
+          <a:prstGeom prst="rect">
+            <a:avLst/>
+          </a:prstGeom>
+          <a:noFill/>
+        </p:spPr>
+        <p:txBody>
+          <a:bodyPr wrap="square" rtlCol="0">
+            <a:spAutoFit/>
+          </a:bodyPr>
+          <a:lstStyle/>
+          <a:p>
+            <a:r>
+              <a:rPr kumimoji="1" lang="zh-CN" altLang="en-US" dirty="0" smtClean="0">
+                <a:latin typeface="Microsoft YaHei" charset="0"/>
+                <a:ea typeface="Microsoft YaHei" charset="0"/>
+                <a:cs typeface="Microsoft YaHei" charset="0"/>
+              </a:rPr>
+              <a:t>是</a:t>
+            </a:r>
+          </a:p>
+        </p:txBody>
+      </p:sp>
     </p:spTree>
     <p:extLst>
       <p:ext uri="{BB962C8B-B14F-4D97-AF65-F5344CB8AC3E}">
-        <p14:creationId xmlns:p14="http://schemas.microsoft.com/office/powerpoint/2010/main" val="381194323"/>
+        <p14:creationId xmlns:p14="http://schemas.microsoft.com/office/powerpoint/2010/main" val="3459732304"/>
       </p:ext>
     </p:extLst>
   </p:cSld>
